--- a/supports/ppt/chapter7/chapter7.pptx
+++ b/supports/ppt/chapter7/chapter7.pptx
@@ -5,7 +5,7 @@
     <p:sldMasterId id="2147483648" r:id="rId1"/>
   </p:sldMasterIdLst>
   <p:notesMasterIdLst>
-    <p:notesMasterId r:id="rId44"/>
+    <p:notesMasterId r:id="rId31"/>
   </p:notesMasterIdLst>
   <p:sldIdLst>
     <p:sldId id="257" r:id="rId2"/>
@@ -24,35 +24,25 @@
     <p:sldId id="288" r:id="rId15"/>
     <p:sldId id="292" r:id="rId16"/>
     <p:sldId id="296" r:id="rId17"/>
-    <p:sldId id="289" r:id="rId18"/>
-    <p:sldId id="263" r:id="rId19"/>
-    <p:sldId id="265" r:id="rId20"/>
-    <p:sldId id="264" r:id="rId21"/>
-    <p:sldId id="297" r:id="rId22"/>
-    <p:sldId id="298" r:id="rId23"/>
-    <p:sldId id="266" r:id="rId24"/>
-    <p:sldId id="299" r:id="rId25"/>
-    <p:sldId id="267" r:id="rId26"/>
-    <p:sldId id="268" r:id="rId27"/>
-    <p:sldId id="269" r:id="rId28"/>
-    <p:sldId id="270" r:id="rId29"/>
-    <p:sldId id="271" r:id="rId30"/>
-    <p:sldId id="272" r:id="rId31"/>
-    <p:sldId id="273" r:id="rId32"/>
-    <p:sldId id="274" r:id="rId33"/>
-    <p:sldId id="275" r:id="rId34"/>
-    <p:sldId id="276" r:id="rId35"/>
-    <p:sldId id="277" r:id="rId36"/>
-    <p:sldId id="278" r:id="rId37"/>
-    <p:sldId id="279" r:id="rId38"/>
-    <p:sldId id="280" r:id="rId39"/>
-    <p:sldId id="281" r:id="rId40"/>
-    <p:sldId id="282" r:id="rId41"/>
-    <p:sldId id="283" r:id="rId42"/>
-    <p:sldId id="284" r:id="rId43"/>
+    <p:sldId id="301" r:id="rId18"/>
+    <p:sldId id="289" r:id="rId19"/>
+    <p:sldId id="263" r:id="rId20"/>
+    <p:sldId id="265" r:id="rId21"/>
+    <p:sldId id="264" r:id="rId22"/>
+    <p:sldId id="297" r:id="rId23"/>
+    <p:sldId id="298" r:id="rId24"/>
+    <p:sldId id="266" r:id="rId25"/>
+    <p:sldId id="299" r:id="rId26"/>
+    <p:sldId id="267" r:id="rId27"/>
+    <p:sldId id="268" r:id="rId28"/>
+    <p:sldId id="269" r:id="rId29"/>
+    <p:sldId id="270" r:id="rId30"/>
   </p:sldIdLst>
   <p:sldSz cx="12192000" cy="6858000"/>
   <p:notesSz cx="6858000" cy="9144000"/>
+  <p:custDataLst>
+    <p:tags r:id="rId32"/>
+  </p:custDataLst>
   <p:defaultTextStyle>
     <a:defPPr>
       <a:defRPr lang="zh-CN"/>
@@ -1234,6 +1224,44 @@
           <a:bodyPr/>
           <a:lstStyle/>
           <a:p>
+            <a:r>
+              <a:rPr lang="zh-CN" altLang="en-US" dirty="0" smtClean="0"/>
+              <a:t>更具体地说，可以强制</a:t>
+            </a:r>
+            <a:r>
+              <a:rPr lang="en-US" altLang="zh-CN" dirty="0" err="1" smtClean="0"/>
+              <a:t>sample_distorted_bounding_boxes</a:t>
+            </a:r>
+            <a:r>
+              <a:rPr lang="zh-CN" altLang="en-US" dirty="0" smtClean="0"/>
+              <a:t>返回的随机框包含输入边界框的最小部分。目标是避免包含不包含或不相关信息的边界框。这个分数由参数</a:t>
+            </a:r>
+            <a:r>
+              <a:rPr lang="en-US" altLang="zh-CN" dirty="0" err="1" smtClean="0"/>
+              <a:t>min_object_covered</a:t>
+            </a:r>
+            <a:r>
+              <a:rPr lang="zh-CN" altLang="en-US" dirty="0" smtClean="0"/>
+              <a:t>控制，默认为</a:t>
+            </a:r>
+            <a:r>
+              <a:rPr lang="en-US" altLang="zh-CN" dirty="0" smtClean="0"/>
+              <a:t>0.1</a:t>
+            </a:r>
+          </a:p>
+          <a:p>
+            <a:r>
+              <a:rPr lang="zh-CN" altLang="en-US" dirty="0" smtClean="0"/>
+              <a:t>请注意，</a:t>
+            </a:r>
+            <a:r>
+              <a:rPr lang="en-US" altLang="zh-CN" dirty="0" smtClean="0"/>
+              <a:t>bounding_boxes</a:t>
+            </a:r>
+            <a:r>
+              <a:rPr lang="zh-CN" altLang="en-US" dirty="0" smtClean="0"/>
+              <a:t>可能为空，在这种情况下，它默认为覆盖整个图像的单个框</a:t>
+            </a:r>
             <a:endParaRPr lang="zh-CN" altLang="en-US" dirty="0"/>
           </a:p>
         </p:txBody>
@@ -1264,7 +1292,7 @@
     </p:spTree>
     <p:extLst>
       <p:ext uri="{BB962C8B-B14F-4D97-AF65-F5344CB8AC3E}">
-        <p14:creationId xmlns:p14="http://schemas.microsoft.com/office/powerpoint/2010/main" val="3119265411"/>
+        <p14:creationId xmlns:p14="http://schemas.microsoft.com/office/powerpoint/2010/main" val="1442658025"/>
       </p:ext>
     </p:extLst>
   </p:cSld>
@@ -1348,7 +1376,7 @@
     </p:spTree>
     <p:extLst>
       <p:ext uri="{BB962C8B-B14F-4D97-AF65-F5344CB8AC3E}">
-        <p14:creationId xmlns:p14="http://schemas.microsoft.com/office/powerpoint/2010/main" val="2886320013"/>
+        <p14:creationId xmlns:p14="http://schemas.microsoft.com/office/powerpoint/2010/main" val="3119265411"/>
       </p:ext>
     </p:extLst>
   </p:cSld>
@@ -1432,7 +1460,7 @@
     </p:spTree>
     <p:extLst>
       <p:ext uri="{BB962C8B-B14F-4D97-AF65-F5344CB8AC3E}">
-        <p14:creationId xmlns:p14="http://schemas.microsoft.com/office/powerpoint/2010/main" val="3898015411"/>
+        <p14:creationId xmlns:p14="http://schemas.microsoft.com/office/powerpoint/2010/main" val="2886320013"/>
       </p:ext>
     </p:extLst>
   </p:cSld>
@@ -1600,7 +1628,7 @@
     </p:spTree>
     <p:extLst>
       <p:ext uri="{BB962C8B-B14F-4D97-AF65-F5344CB8AC3E}">
-        <p14:creationId xmlns:p14="http://schemas.microsoft.com/office/powerpoint/2010/main" val="4116784988"/>
+        <p14:creationId xmlns:p14="http://schemas.microsoft.com/office/powerpoint/2010/main" val="3898015411"/>
       </p:ext>
     </p:extLst>
   </p:cSld>
@@ -1684,7 +1712,7 @@
     </p:spTree>
     <p:extLst>
       <p:ext uri="{BB962C8B-B14F-4D97-AF65-F5344CB8AC3E}">
-        <p14:creationId xmlns:p14="http://schemas.microsoft.com/office/powerpoint/2010/main" val="1301343936"/>
+        <p14:creationId xmlns:p14="http://schemas.microsoft.com/office/powerpoint/2010/main" val="4116784988"/>
       </p:ext>
     </p:extLst>
   </p:cSld>
@@ -1768,7 +1796,7 @@
     </p:spTree>
     <p:extLst>
       <p:ext uri="{BB962C8B-B14F-4D97-AF65-F5344CB8AC3E}">
-        <p14:creationId xmlns:p14="http://schemas.microsoft.com/office/powerpoint/2010/main" val="1515305724"/>
+        <p14:creationId xmlns:p14="http://schemas.microsoft.com/office/powerpoint/2010/main" val="1301343936"/>
       </p:ext>
     </p:extLst>
   </p:cSld>
@@ -1852,7 +1880,7 @@
     </p:spTree>
     <p:extLst>
       <p:ext uri="{BB962C8B-B14F-4D97-AF65-F5344CB8AC3E}">
-        <p14:creationId xmlns:p14="http://schemas.microsoft.com/office/powerpoint/2010/main" val="445014122"/>
+        <p14:creationId xmlns:p14="http://schemas.microsoft.com/office/powerpoint/2010/main" val="1515305724"/>
       </p:ext>
     </p:extLst>
   </p:cSld>
@@ -1906,14 +1934,6 @@
           <a:bodyPr/>
           <a:lstStyle/>
           <a:p>
-            <a:r>
-              <a:rPr lang="en-US" altLang="zh-CN" dirty="0" smtClean="0"/>
-              <a:t>3. </a:t>
-            </a:r>
-            <a:r>
-              <a:rPr lang="zh-CN" altLang="en-US" dirty="0" smtClean="0"/>
-              <a:t>队列操作</a:t>
-            </a:r>
             <a:endParaRPr lang="zh-CN" altLang="en-US" dirty="0"/>
           </a:p>
         </p:txBody>
@@ -1944,7 +1964,7 @@
     </p:spTree>
     <p:extLst>
       <p:ext uri="{BB962C8B-B14F-4D97-AF65-F5344CB8AC3E}">
-        <p14:creationId xmlns:p14="http://schemas.microsoft.com/office/powerpoint/2010/main" val="3578185656"/>
+        <p14:creationId xmlns:p14="http://schemas.microsoft.com/office/powerpoint/2010/main" val="445014122"/>
       </p:ext>
     </p:extLst>
   </p:cSld>
@@ -2000,11 +2020,11 @@
           <a:p>
             <a:r>
               <a:rPr lang="en-US" altLang="zh-CN" dirty="0" smtClean="0"/>
-              <a:t>4. </a:t>
+              <a:t>3. </a:t>
             </a:r>
             <a:r>
               <a:rPr lang="zh-CN" altLang="en-US" dirty="0" smtClean="0"/>
-              <a:t>多线程队列操作</a:t>
+              <a:t>队列操作</a:t>
             </a:r>
             <a:endParaRPr lang="zh-CN" altLang="en-US" dirty="0"/>
           </a:p>
@@ -2036,7 +2056,7 @@
     </p:spTree>
     <p:extLst>
       <p:ext uri="{BB962C8B-B14F-4D97-AF65-F5344CB8AC3E}">
-        <p14:creationId xmlns:p14="http://schemas.microsoft.com/office/powerpoint/2010/main" val="3736157679"/>
+        <p14:creationId xmlns:p14="http://schemas.microsoft.com/office/powerpoint/2010/main" val="3578185656"/>
       </p:ext>
     </p:extLst>
   </p:cSld>
@@ -2090,6 +2110,14 @@
           <a:bodyPr/>
           <a:lstStyle/>
           <a:p>
+            <a:r>
+              <a:rPr lang="en-US" altLang="zh-CN" dirty="0" smtClean="0"/>
+              <a:t>4. </a:t>
+            </a:r>
+            <a:r>
+              <a:rPr lang="zh-CN" altLang="en-US" dirty="0" smtClean="0"/>
+              <a:t>多线程队列操作</a:t>
+            </a:r>
             <a:endParaRPr lang="zh-CN" altLang="en-US" dirty="0"/>
           </a:p>
         </p:txBody>
@@ -2120,7 +2148,7 @@
     </p:spTree>
     <p:extLst>
       <p:ext uri="{BB962C8B-B14F-4D97-AF65-F5344CB8AC3E}">
-        <p14:creationId xmlns:p14="http://schemas.microsoft.com/office/powerpoint/2010/main" val="3874126266"/>
+        <p14:creationId xmlns:p14="http://schemas.microsoft.com/office/powerpoint/2010/main" val="3736157679"/>
       </p:ext>
     </p:extLst>
   </p:cSld>
@@ -2204,7 +2232,7 @@
     </p:spTree>
     <p:extLst>
       <p:ext uri="{BB962C8B-B14F-4D97-AF65-F5344CB8AC3E}">
-        <p14:creationId xmlns:p14="http://schemas.microsoft.com/office/powerpoint/2010/main" val="301793642"/>
+        <p14:creationId xmlns:p14="http://schemas.microsoft.com/office/powerpoint/2010/main" val="3874126266"/>
       </p:ext>
     </p:extLst>
   </p:cSld>
@@ -2258,6 +2286,14 @@
           <a:bodyPr/>
           <a:lstStyle/>
           <a:p>
+            <a:r>
+              <a:rPr lang="en-US" altLang="zh-CN" dirty="0" smtClean="0"/>
+              <a:t>5. </a:t>
+            </a:r>
+            <a:r>
+              <a:rPr lang="zh-CN" altLang="en-US" dirty="0" smtClean="0"/>
+              <a:t>输入文件队列</a:t>
+            </a:r>
             <a:endParaRPr lang="zh-CN" altLang="en-US" dirty="0"/>
           </a:p>
         </p:txBody>
@@ -2288,7 +2324,7 @@
     </p:spTree>
     <p:extLst>
       <p:ext uri="{BB962C8B-B14F-4D97-AF65-F5344CB8AC3E}">
-        <p14:creationId xmlns:p14="http://schemas.microsoft.com/office/powerpoint/2010/main" val="1242374868"/>
+        <p14:creationId xmlns:p14="http://schemas.microsoft.com/office/powerpoint/2010/main" val="301793642"/>
       </p:ext>
     </p:extLst>
   </p:cSld>
@@ -2372,7 +2408,7 @@
     </p:spTree>
     <p:extLst>
       <p:ext uri="{BB962C8B-B14F-4D97-AF65-F5344CB8AC3E}">
-        <p14:creationId xmlns:p14="http://schemas.microsoft.com/office/powerpoint/2010/main" val="2674679731"/>
+        <p14:creationId xmlns:p14="http://schemas.microsoft.com/office/powerpoint/2010/main" val="1242374868"/>
       </p:ext>
     </p:extLst>
   </p:cSld>
@@ -2466,846 +2502,6 @@
 </p:notes>
 </file>
 
-<file path=ppt/notesSlides/notesSlide30.xml><?xml version="1.0" encoding="utf-8"?>
-<p:notes xmlns:a="http://schemas.openxmlformats.org/drawingml/2006/main" xmlns:r="http://schemas.openxmlformats.org/officeDocument/2006/relationships" xmlns:p="http://schemas.openxmlformats.org/presentationml/2006/main">
-  <p:cSld>
-    <p:spTree>
-      <p:nvGrpSpPr>
-        <p:cNvPr id="1" name=""/>
-        <p:cNvGrpSpPr/>
-        <p:nvPr/>
-      </p:nvGrpSpPr>
-      <p:grpSpPr>
-        <a:xfrm>
-          <a:off x="0" y="0"/>
-          <a:ext cx="0" cy="0"/>
-          <a:chOff x="0" y="0"/>
-          <a:chExt cx="0" cy="0"/>
-        </a:xfrm>
-      </p:grpSpPr>
-      <p:sp>
-        <p:nvSpPr>
-          <p:cNvPr id="2" name="幻灯片图像占位符 1"/>
-          <p:cNvSpPr>
-            <a:spLocks noGrp="1" noRot="1" noChangeAspect="1"/>
-          </p:cNvSpPr>
-          <p:nvPr>
-            <p:ph type="sldImg"/>
-          </p:nvPr>
-        </p:nvSpPr>
-        <p:spPr/>
-      </p:sp>
-      <p:sp>
-        <p:nvSpPr>
-          <p:cNvPr id="3" name="备注占位符 2"/>
-          <p:cNvSpPr>
-            <a:spLocks noGrp="1"/>
-          </p:cNvSpPr>
-          <p:nvPr>
-            <p:ph type="body" idx="1"/>
-          </p:nvPr>
-        </p:nvSpPr>
-        <p:spPr/>
-        <p:txBody>
-          <a:bodyPr/>
-          <a:lstStyle/>
-          <a:p>
-            <a:endParaRPr lang="zh-CN" altLang="en-US" dirty="0"/>
-          </a:p>
-        </p:txBody>
-      </p:sp>
-      <p:sp>
-        <p:nvSpPr>
-          <p:cNvPr id="4" name="灯片编号占位符 3"/>
-          <p:cNvSpPr>
-            <a:spLocks noGrp="1"/>
-          </p:cNvSpPr>
-          <p:nvPr>
-            <p:ph type="sldNum" sz="quarter" idx="10"/>
-          </p:nvPr>
-        </p:nvSpPr>
-        <p:spPr/>
-        <p:txBody>
-          <a:bodyPr/>
-          <a:lstStyle/>
-          <a:p>
-            <a:fld id="{8D5F6335-921E-4E5D-AA92-58C46089A71A}" type="slidenum">
-              <a:rPr lang="zh-CN" altLang="en-US" smtClean="0"/>
-              <a:t>30</a:t>
-            </a:fld>
-            <a:endParaRPr lang="zh-CN" altLang="en-US"/>
-          </a:p>
-        </p:txBody>
-      </p:sp>
-    </p:spTree>
-    <p:extLst>
-      <p:ext uri="{BB962C8B-B14F-4D97-AF65-F5344CB8AC3E}">
-        <p14:creationId xmlns:p14="http://schemas.microsoft.com/office/powerpoint/2010/main" val="1798033207"/>
-      </p:ext>
-    </p:extLst>
-  </p:cSld>
-  <p:clrMapOvr>
-    <a:masterClrMapping/>
-  </p:clrMapOvr>
-</p:notes>
-</file>
-
-<file path=ppt/notesSlides/notesSlide31.xml><?xml version="1.0" encoding="utf-8"?>
-<p:notes xmlns:a="http://schemas.openxmlformats.org/drawingml/2006/main" xmlns:r="http://schemas.openxmlformats.org/officeDocument/2006/relationships" xmlns:p="http://schemas.openxmlformats.org/presentationml/2006/main">
-  <p:cSld>
-    <p:spTree>
-      <p:nvGrpSpPr>
-        <p:cNvPr id="1" name=""/>
-        <p:cNvGrpSpPr/>
-        <p:nvPr/>
-      </p:nvGrpSpPr>
-      <p:grpSpPr>
-        <a:xfrm>
-          <a:off x="0" y="0"/>
-          <a:ext cx="0" cy="0"/>
-          <a:chOff x="0" y="0"/>
-          <a:chExt cx="0" cy="0"/>
-        </a:xfrm>
-      </p:grpSpPr>
-      <p:sp>
-        <p:nvSpPr>
-          <p:cNvPr id="2" name="幻灯片图像占位符 1"/>
-          <p:cNvSpPr>
-            <a:spLocks noGrp="1" noRot="1" noChangeAspect="1"/>
-          </p:cNvSpPr>
-          <p:nvPr>
-            <p:ph type="sldImg"/>
-          </p:nvPr>
-        </p:nvSpPr>
-        <p:spPr/>
-      </p:sp>
-      <p:sp>
-        <p:nvSpPr>
-          <p:cNvPr id="3" name="备注占位符 2"/>
-          <p:cNvSpPr>
-            <a:spLocks noGrp="1"/>
-          </p:cNvSpPr>
-          <p:nvPr>
-            <p:ph type="body" idx="1"/>
-          </p:nvPr>
-        </p:nvSpPr>
-        <p:spPr/>
-        <p:txBody>
-          <a:bodyPr/>
-          <a:lstStyle/>
-          <a:p>
-            <a:endParaRPr lang="zh-CN" altLang="en-US" dirty="0"/>
-          </a:p>
-        </p:txBody>
-      </p:sp>
-      <p:sp>
-        <p:nvSpPr>
-          <p:cNvPr id="4" name="灯片编号占位符 3"/>
-          <p:cNvSpPr>
-            <a:spLocks noGrp="1"/>
-          </p:cNvSpPr>
-          <p:nvPr>
-            <p:ph type="sldNum" sz="quarter" idx="10"/>
-          </p:nvPr>
-        </p:nvSpPr>
-        <p:spPr/>
-        <p:txBody>
-          <a:bodyPr/>
-          <a:lstStyle/>
-          <a:p>
-            <a:fld id="{8D5F6335-921E-4E5D-AA92-58C46089A71A}" type="slidenum">
-              <a:rPr lang="zh-CN" altLang="en-US" smtClean="0"/>
-              <a:t>31</a:t>
-            </a:fld>
-            <a:endParaRPr lang="zh-CN" altLang="en-US"/>
-          </a:p>
-        </p:txBody>
-      </p:sp>
-    </p:spTree>
-    <p:extLst>
-      <p:ext uri="{BB962C8B-B14F-4D97-AF65-F5344CB8AC3E}">
-        <p14:creationId xmlns:p14="http://schemas.microsoft.com/office/powerpoint/2010/main" val="1071520182"/>
-      </p:ext>
-    </p:extLst>
-  </p:cSld>
-  <p:clrMapOvr>
-    <a:masterClrMapping/>
-  </p:clrMapOvr>
-</p:notes>
-</file>
-
-<file path=ppt/notesSlides/notesSlide32.xml><?xml version="1.0" encoding="utf-8"?>
-<p:notes xmlns:a="http://schemas.openxmlformats.org/drawingml/2006/main" xmlns:r="http://schemas.openxmlformats.org/officeDocument/2006/relationships" xmlns:p="http://schemas.openxmlformats.org/presentationml/2006/main">
-  <p:cSld>
-    <p:spTree>
-      <p:nvGrpSpPr>
-        <p:cNvPr id="1" name=""/>
-        <p:cNvGrpSpPr/>
-        <p:nvPr/>
-      </p:nvGrpSpPr>
-      <p:grpSpPr>
-        <a:xfrm>
-          <a:off x="0" y="0"/>
-          <a:ext cx="0" cy="0"/>
-          <a:chOff x="0" y="0"/>
-          <a:chExt cx="0" cy="0"/>
-        </a:xfrm>
-      </p:grpSpPr>
-      <p:sp>
-        <p:nvSpPr>
-          <p:cNvPr id="2" name="幻灯片图像占位符 1"/>
-          <p:cNvSpPr>
-            <a:spLocks noGrp="1" noRot="1" noChangeAspect="1"/>
-          </p:cNvSpPr>
-          <p:nvPr>
-            <p:ph type="sldImg"/>
-          </p:nvPr>
-        </p:nvSpPr>
-        <p:spPr/>
-      </p:sp>
-      <p:sp>
-        <p:nvSpPr>
-          <p:cNvPr id="3" name="备注占位符 2"/>
-          <p:cNvSpPr>
-            <a:spLocks noGrp="1"/>
-          </p:cNvSpPr>
-          <p:nvPr>
-            <p:ph type="body" idx="1"/>
-          </p:nvPr>
-        </p:nvSpPr>
-        <p:spPr/>
-        <p:txBody>
-          <a:bodyPr/>
-          <a:lstStyle/>
-          <a:p>
-            <a:endParaRPr lang="zh-CN" altLang="en-US" dirty="0"/>
-          </a:p>
-        </p:txBody>
-      </p:sp>
-      <p:sp>
-        <p:nvSpPr>
-          <p:cNvPr id="4" name="灯片编号占位符 3"/>
-          <p:cNvSpPr>
-            <a:spLocks noGrp="1"/>
-          </p:cNvSpPr>
-          <p:nvPr>
-            <p:ph type="sldNum" sz="quarter" idx="10"/>
-          </p:nvPr>
-        </p:nvSpPr>
-        <p:spPr/>
-        <p:txBody>
-          <a:bodyPr/>
-          <a:lstStyle/>
-          <a:p>
-            <a:fld id="{8D5F6335-921E-4E5D-AA92-58C46089A71A}" type="slidenum">
-              <a:rPr lang="zh-CN" altLang="en-US" smtClean="0"/>
-              <a:t>32</a:t>
-            </a:fld>
-            <a:endParaRPr lang="zh-CN" altLang="en-US"/>
-          </a:p>
-        </p:txBody>
-      </p:sp>
-    </p:spTree>
-    <p:extLst>
-      <p:ext uri="{BB962C8B-B14F-4D97-AF65-F5344CB8AC3E}">
-        <p14:creationId xmlns:p14="http://schemas.microsoft.com/office/powerpoint/2010/main" val="1383801043"/>
-      </p:ext>
-    </p:extLst>
-  </p:cSld>
-  <p:clrMapOvr>
-    <a:masterClrMapping/>
-  </p:clrMapOvr>
-</p:notes>
-</file>
-
-<file path=ppt/notesSlides/notesSlide33.xml><?xml version="1.0" encoding="utf-8"?>
-<p:notes xmlns:a="http://schemas.openxmlformats.org/drawingml/2006/main" xmlns:r="http://schemas.openxmlformats.org/officeDocument/2006/relationships" xmlns:p="http://schemas.openxmlformats.org/presentationml/2006/main">
-  <p:cSld>
-    <p:spTree>
-      <p:nvGrpSpPr>
-        <p:cNvPr id="1" name=""/>
-        <p:cNvGrpSpPr/>
-        <p:nvPr/>
-      </p:nvGrpSpPr>
-      <p:grpSpPr>
-        <a:xfrm>
-          <a:off x="0" y="0"/>
-          <a:ext cx="0" cy="0"/>
-          <a:chOff x="0" y="0"/>
-          <a:chExt cx="0" cy="0"/>
-        </a:xfrm>
-      </p:grpSpPr>
-      <p:sp>
-        <p:nvSpPr>
-          <p:cNvPr id="2" name="幻灯片图像占位符 1"/>
-          <p:cNvSpPr>
-            <a:spLocks noGrp="1" noRot="1" noChangeAspect="1"/>
-          </p:cNvSpPr>
-          <p:nvPr>
-            <p:ph type="sldImg"/>
-          </p:nvPr>
-        </p:nvSpPr>
-        <p:spPr/>
-      </p:sp>
-      <p:sp>
-        <p:nvSpPr>
-          <p:cNvPr id="3" name="备注占位符 2"/>
-          <p:cNvSpPr>
-            <a:spLocks noGrp="1"/>
-          </p:cNvSpPr>
-          <p:nvPr>
-            <p:ph type="body" idx="1"/>
-          </p:nvPr>
-        </p:nvSpPr>
-        <p:spPr/>
-        <p:txBody>
-          <a:bodyPr/>
-          <a:lstStyle/>
-          <a:p>
-            <a:endParaRPr lang="zh-CN" altLang="en-US" dirty="0"/>
-          </a:p>
-        </p:txBody>
-      </p:sp>
-      <p:sp>
-        <p:nvSpPr>
-          <p:cNvPr id="4" name="灯片编号占位符 3"/>
-          <p:cNvSpPr>
-            <a:spLocks noGrp="1"/>
-          </p:cNvSpPr>
-          <p:nvPr>
-            <p:ph type="sldNum" sz="quarter" idx="10"/>
-          </p:nvPr>
-        </p:nvSpPr>
-        <p:spPr/>
-        <p:txBody>
-          <a:bodyPr/>
-          <a:lstStyle/>
-          <a:p>
-            <a:fld id="{8D5F6335-921E-4E5D-AA92-58C46089A71A}" type="slidenum">
-              <a:rPr lang="zh-CN" altLang="en-US" smtClean="0"/>
-              <a:t>33</a:t>
-            </a:fld>
-            <a:endParaRPr lang="zh-CN" altLang="en-US"/>
-          </a:p>
-        </p:txBody>
-      </p:sp>
-    </p:spTree>
-    <p:extLst>
-      <p:ext uri="{BB962C8B-B14F-4D97-AF65-F5344CB8AC3E}">
-        <p14:creationId xmlns:p14="http://schemas.microsoft.com/office/powerpoint/2010/main" val="3348846"/>
-      </p:ext>
-    </p:extLst>
-  </p:cSld>
-  <p:clrMapOvr>
-    <a:masterClrMapping/>
-  </p:clrMapOvr>
-</p:notes>
-</file>
-
-<file path=ppt/notesSlides/notesSlide34.xml><?xml version="1.0" encoding="utf-8"?>
-<p:notes xmlns:a="http://schemas.openxmlformats.org/drawingml/2006/main" xmlns:r="http://schemas.openxmlformats.org/officeDocument/2006/relationships" xmlns:p="http://schemas.openxmlformats.org/presentationml/2006/main">
-  <p:cSld>
-    <p:spTree>
-      <p:nvGrpSpPr>
-        <p:cNvPr id="1" name=""/>
-        <p:cNvGrpSpPr/>
-        <p:nvPr/>
-      </p:nvGrpSpPr>
-      <p:grpSpPr>
-        <a:xfrm>
-          <a:off x="0" y="0"/>
-          <a:ext cx="0" cy="0"/>
-          <a:chOff x="0" y="0"/>
-          <a:chExt cx="0" cy="0"/>
-        </a:xfrm>
-      </p:grpSpPr>
-      <p:sp>
-        <p:nvSpPr>
-          <p:cNvPr id="2" name="幻灯片图像占位符 1"/>
-          <p:cNvSpPr>
-            <a:spLocks noGrp="1" noRot="1" noChangeAspect="1"/>
-          </p:cNvSpPr>
-          <p:nvPr>
-            <p:ph type="sldImg"/>
-          </p:nvPr>
-        </p:nvSpPr>
-        <p:spPr/>
-      </p:sp>
-      <p:sp>
-        <p:nvSpPr>
-          <p:cNvPr id="3" name="备注占位符 2"/>
-          <p:cNvSpPr>
-            <a:spLocks noGrp="1"/>
-          </p:cNvSpPr>
-          <p:nvPr>
-            <p:ph type="body" idx="1"/>
-          </p:nvPr>
-        </p:nvSpPr>
-        <p:spPr/>
-        <p:txBody>
-          <a:bodyPr/>
-          <a:lstStyle/>
-          <a:p>
-            <a:endParaRPr lang="zh-CN" altLang="en-US" dirty="0"/>
-          </a:p>
-        </p:txBody>
-      </p:sp>
-      <p:sp>
-        <p:nvSpPr>
-          <p:cNvPr id="4" name="灯片编号占位符 3"/>
-          <p:cNvSpPr>
-            <a:spLocks noGrp="1"/>
-          </p:cNvSpPr>
-          <p:nvPr>
-            <p:ph type="sldNum" sz="quarter" idx="10"/>
-          </p:nvPr>
-        </p:nvSpPr>
-        <p:spPr/>
-        <p:txBody>
-          <a:bodyPr/>
-          <a:lstStyle/>
-          <a:p>
-            <a:fld id="{8D5F6335-921E-4E5D-AA92-58C46089A71A}" type="slidenum">
-              <a:rPr lang="zh-CN" altLang="en-US" smtClean="0"/>
-              <a:t>34</a:t>
-            </a:fld>
-            <a:endParaRPr lang="zh-CN" altLang="en-US"/>
-          </a:p>
-        </p:txBody>
-      </p:sp>
-    </p:spTree>
-    <p:extLst>
-      <p:ext uri="{BB962C8B-B14F-4D97-AF65-F5344CB8AC3E}">
-        <p14:creationId xmlns:p14="http://schemas.microsoft.com/office/powerpoint/2010/main" val="1899949255"/>
-      </p:ext>
-    </p:extLst>
-  </p:cSld>
-  <p:clrMapOvr>
-    <a:masterClrMapping/>
-  </p:clrMapOvr>
-</p:notes>
-</file>
-
-<file path=ppt/notesSlides/notesSlide35.xml><?xml version="1.0" encoding="utf-8"?>
-<p:notes xmlns:a="http://schemas.openxmlformats.org/drawingml/2006/main" xmlns:r="http://schemas.openxmlformats.org/officeDocument/2006/relationships" xmlns:p="http://schemas.openxmlformats.org/presentationml/2006/main">
-  <p:cSld>
-    <p:spTree>
-      <p:nvGrpSpPr>
-        <p:cNvPr id="1" name=""/>
-        <p:cNvGrpSpPr/>
-        <p:nvPr/>
-      </p:nvGrpSpPr>
-      <p:grpSpPr>
-        <a:xfrm>
-          <a:off x="0" y="0"/>
-          <a:ext cx="0" cy="0"/>
-          <a:chOff x="0" y="0"/>
-          <a:chExt cx="0" cy="0"/>
-        </a:xfrm>
-      </p:grpSpPr>
-      <p:sp>
-        <p:nvSpPr>
-          <p:cNvPr id="2" name="幻灯片图像占位符 1"/>
-          <p:cNvSpPr>
-            <a:spLocks noGrp="1" noRot="1" noChangeAspect="1"/>
-          </p:cNvSpPr>
-          <p:nvPr>
-            <p:ph type="sldImg"/>
-          </p:nvPr>
-        </p:nvSpPr>
-        <p:spPr/>
-      </p:sp>
-      <p:sp>
-        <p:nvSpPr>
-          <p:cNvPr id="3" name="备注占位符 2"/>
-          <p:cNvSpPr>
-            <a:spLocks noGrp="1"/>
-          </p:cNvSpPr>
-          <p:nvPr>
-            <p:ph type="body" idx="1"/>
-          </p:nvPr>
-        </p:nvSpPr>
-        <p:spPr/>
-        <p:txBody>
-          <a:bodyPr/>
-          <a:lstStyle/>
-          <a:p>
-            <a:endParaRPr lang="zh-CN" altLang="en-US" dirty="0"/>
-          </a:p>
-        </p:txBody>
-      </p:sp>
-      <p:sp>
-        <p:nvSpPr>
-          <p:cNvPr id="4" name="灯片编号占位符 3"/>
-          <p:cNvSpPr>
-            <a:spLocks noGrp="1"/>
-          </p:cNvSpPr>
-          <p:nvPr>
-            <p:ph type="sldNum" sz="quarter" idx="10"/>
-          </p:nvPr>
-        </p:nvSpPr>
-        <p:spPr/>
-        <p:txBody>
-          <a:bodyPr/>
-          <a:lstStyle/>
-          <a:p>
-            <a:fld id="{8D5F6335-921E-4E5D-AA92-58C46089A71A}" type="slidenum">
-              <a:rPr lang="zh-CN" altLang="en-US" smtClean="0"/>
-              <a:t>35</a:t>
-            </a:fld>
-            <a:endParaRPr lang="zh-CN" altLang="en-US"/>
-          </a:p>
-        </p:txBody>
-      </p:sp>
-    </p:spTree>
-    <p:extLst>
-      <p:ext uri="{BB962C8B-B14F-4D97-AF65-F5344CB8AC3E}">
-        <p14:creationId xmlns:p14="http://schemas.microsoft.com/office/powerpoint/2010/main" val="1611792946"/>
-      </p:ext>
-    </p:extLst>
-  </p:cSld>
-  <p:clrMapOvr>
-    <a:masterClrMapping/>
-  </p:clrMapOvr>
-</p:notes>
-</file>
-
-<file path=ppt/notesSlides/notesSlide36.xml><?xml version="1.0" encoding="utf-8"?>
-<p:notes xmlns:a="http://schemas.openxmlformats.org/drawingml/2006/main" xmlns:r="http://schemas.openxmlformats.org/officeDocument/2006/relationships" xmlns:p="http://schemas.openxmlformats.org/presentationml/2006/main">
-  <p:cSld>
-    <p:spTree>
-      <p:nvGrpSpPr>
-        <p:cNvPr id="1" name=""/>
-        <p:cNvGrpSpPr/>
-        <p:nvPr/>
-      </p:nvGrpSpPr>
-      <p:grpSpPr>
-        <a:xfrm>
-          <a:off x="0" y="0"/>
-          <a:ext cx="0" cy="0"/>
-          <a:chOff x="0" y="0"/>
-          <a:chExt cx="0" cy="0"/>
-        </a:xfrm>
-      </p:grpSpPr>
-      <p:sp>
-        <p:nvSpPr>
-          <p:cNvPr id="2" name="幻灯片图像占位符 1"/>
-          <p:cNvSpPr>
-            <a:spLocks noGrp="1" noRot="1" noChangeAspect="1"/>
-          </p:cNvSpPr>
-          <p:nvPr>
-            <p:ph type="sldImg"/>
-          </p:nvPr>
-        </p:nvSpPr>
-        <p:spPr/>
-      </p:sp>
-      <p:sp>
-        <p:nvSpPr>
-          <p:cNvPr id="3" name="备注占位符 2"/>
-          <p:cNvSpPr>
-            <a:spLocks noGrp="1"/>
-          </p:cNvSpPr>
-          <p:nvPr>
-            <p:ph type="body" idx="1"/>
-          </p:nvPr>
-        </p:nvSpPr>
-        <p:spPr/>
-        <p:txBody>
-          <a:bodyPr/>
-          <a:lstStyle/>
-          <a:p>
-            <a:endParaRPr lang="zh-CN" altLang="en-US" dirty="0"/>
-          </a:p>
-        </p:txBody>
-      </p:sp>
-      <p:sp>
-        <p:nvSpPr>
-          <p:cNvPr id="4" name="灯片编号占位符 3"/>
-          <p:cNvSpPr>
-            <a:spLocks noGrp="1"/>
-          </p:cNvSpPr>
-          <p:nvPr>
-            <p:ph type="sldNum" sz="quarter" idx="10"/>
-          </p:nvPr>
-        </p:nvSpPr>
-        <p:spPr/>
-        <p:txBody>
-          <a:bodyPr/>
-          <a:lstStyle/>
-          <a:p>
-            <a:fld id="{8D5F6335-921E-4E5D-AA92-58C46089A71A}" type="slidenum">
-              <a:rPr lang="zh-CN" altLang="en-US" smtClean="0"/>
-              <a:t>36</a:t>
-            </a:fld>
-            <a:endParaRPr lang="zh-CN" altLang="en-US"/>
-          </a:p>
-        </p:txBody>
-      </p:sp>
-    </p:spTree>
-    <p:extLst>
-      <p:ext uri="{BB962C8B-B14F-4D97-AF65-F5344CB8AC3E}">
-        <p14:creationId xmlns:p14="http://schemas.microsoft.com/office/powerpoint/2010/main" val="3790026267"/>
-      </p:ext>
-    </p:extLst>
-  </p:cSld>
-  <p:clrMapOvr>
-    <a:masterClrMapping/>
-  </p:clrMapOvr>
-</p:notes>
-</file>
-
-<file path=ppt/notesSlides/notesSlide37.xml><?xml version="1.0" encoding="utf-8"?>
-<p:notes xmlns:a="http://schemas.openxmlformats.org/drawingml/2006/main" xmlns:r="http://schemas.openxmlformats.org/officeDocument/2006/relationships" xmlns:p="http://schemas.openxmlformats.org/presentationml/2006/main">
-  <p:cSld>
-    <p:spTree>
-      <p:nvGrpSpPr>
-        <p:cNvPr id="1" name=""/>
-        <p:cNvGrpSpPr/>
-        <p:nvPr/>
-      </p:nvGrpSpPr>
-      <p:grpSpPr>
-        <a:xfrm>
-          <a:off x="0" y="0"/>
-          <a:ext cx="0" cy="0"/>
-          <a:chOff x="0" y="0"/>
-          <a:chExt cx="0" cy="0"/>
-        </a:xfrm>
-      </p:grpSpPr>
-      <p:sp>
-        <p:nvSpPr>
-          <p:cNvPr id="2" name="幻灯片图像占位符 1"/>
-          <p:cNvSpPr>
-            <a:spLocks noGrp="1" noRot="1" noChangeAspect="1"/>
-          </p:cNvSpPr>
-          <p:nvPr>
-            <p:ph type="sldImg"/>
-          </p:nvPr>
-        </p:nvSpPr>
-        <p:spPr/>
-      </p:sp>
-      <p:sp>
-        <p:nvSpPr>
-          <p:cNvPr id="3" name="备注占位符 2"/>
-          <p:cNvSpPr>
-            <a:spLocks noGrp="1"/>
-          </p:cNvSpPr>
-          <p:nvPr>
-            <p:ph type="body" idx="1"/>
-          </p:nvPr>
-        </p:nvSpPr>
-        <p:spPr/>
-        <p:txBody>
-          <a:bodyPr/>
-          <a:lstStyle/>
-          <a:p>
-            <a:endParaRPr lang="zh-CN" altLang="en-US" dirty="0"/>
-          </a:p>
-        </p:txBody>
-      </p:sp>
-      <p:sp>
-        <p:nvSpPr>
-          <p:cNvPr id="4" name="灯片编号占位符 3"/>
-          <p:cNvSpPr>
-            <a:spLocks noGrp="1"/>
-          </p:cNvSpPr>
-          <p:nvPr>
-            <p:ph type="sldNum" sz="quarter" idx="10"/>
-          </p:nvPr>
-        </p:nvSpPr>
-        <p:spPr/>
-        <p:txBody>
-          <a:bodyPr/>
-          <a:lstStyle/>
-          <a:p>
-            <a:fld id="{8D5F6335-921E-4E5D-AA92-58C46089A71A}" type="slidenum">
-              <a:rPr lang="zh-CN" altLang="en-US" smtClean="0"/>
-              <a:t>37</a:t>
-            </a:fld>
-            <a:endParaRPr lang="zh-CN" altLang="en-US"/>
-          </a:p>
-        </p:txBody>
-      </p:sp>
-    </p:spTree>
-    <p:extLst>
-      <p:ext uri="{BB962C8B-B14F-4D97-AF65-F5344CB8AC3E}">
-        <p14:creationId xmlns:p14="http://schemas.microsoft.com/office/powerpoint/2010/main" val="4294054285"/>
-      </p:ext>
-    </p:extLst>
-  </p:cSld>
-  <p:clrMapOvr>
-    <a:masterClrMapping/>
-  </p:clrMapOvr>
-</p:notes>
-</file>
-
-<file path=ppt/notesSlides/notesSlide38.xml><?xml version="1.0" encoding="utf-8"?>
-<p:notes xmlns:a="http://schemas.openxmlformats.org/drawingml/2006/main" xmlns:r="http://schemas.openxmlformats.org/officeDocument/2006/relationships" xmlns:p="http://schemas.openxmlformats.org/presentationml/2006/main">
-  <p:cSld>
-    <p:spTree>
-      <p:nvGrpSpPr>
-        <p:cNvPr id="1" name=""/>
-        <p:cNvGrpSpPr/>
-        <p:nvPr/>
-      </p:nvGrpSpPr>
-      <p:grpSpPr>
-        <a:xfrm>
-          <a:off x="0" y="0"/>
-          <a:ext cx="0" cy="0"/>
-          <a:chOff x="0" y="0"/>
-          <a:chExt cx="0" cy="0"/>
-        </a:xfrm>
-      </p:grpSpPr>
-      <p:sp>
-        <p:nvSpPr>
-          <p:cNvPr id="2" name="幻灯片图像占位符 1"/>
-          <p:cNvSpPr>
-            <a:spLocks noGrp="1" noRot="1" noChangeAspect="1"/>
-          </p:cNvSpPr>
-          <p:nvPr>
-            <p:ph type="sldImg"/>
-          </p:nvPr>
-        </p:nvSpPr>
-        <p:spPr/>
-      </p:sp>
-      <p:sp>
-        <p:nvSpPr>
-          <p:cNvPr id="3" name="备注占位符 2"/>
-          <p:cNvSpPr>
-            <a:spLocks noGrp="1"/>
-          </p:cNvSpPr>
-          <p:nvPr>
-            <p:ph type="body" idx="1"/>
-          </p:nvPr>
-        </p:nvSpPr>
-        <p:spPr/>
-        <p:txBody>
-          <a:bodyPr/>
-          <a:lstStyle/>
-          <a:p>
-            <a:endParaRPr lang="zh-CN" altLang="en-US" dirty="0"/>
-          </a:p>
-        </p:txBody>
-      </p:sp>
-      <p:sp>
-        <p:nvSpPr>
-          <p:cNvPr id="4" name="灯片编号占位符 3"/>
-          <p:cNvSpPr>
-            <a:spLocks noGrp="1"/>
-          </p:cNvSpPr>
-          <p:nvPr>
-            <p:ph type="sldNum" sz="quarter" idx="10"/>
-          </p:nvPr>
-        </p:nvSpPr>
-        <p:spPr/>
-        <p:txBody>
-          <a:bodyPr/>
-          <a:lstStyle/>
-          <a:p>
-            <a:fld id="{8D5F6335-921E-4E5D-AA92-58C46089A71A}" type="slidenum">
-              <a:rPr lang="zh-CN" altLang="en-US" smtClean="0"/>
-              <a:t>38</a:t>
-            </a:fld>
-            <a:endParaRPr lang="zh-CN" altLang="en-US"/>
-          </a:p>
-        </p:txBody>
-      </p:sp>
-    </p:spTree>
-    <p:extLst>
-      <p:ext uri="{BB962C8B-B14F-4D97-AF65-F5344CB8AC3E}">
-        <p14:creationId xmlns:p14="http://schemas.microsoft.com/office/powerpoint/2010/main" val="3362514904"/>
-      </p:ext>
-    </p:extLst>
-  </p:cSld>
-  <p:clrMapOvr>
-    <a:masterClrMapping/>
-  </p:clrMapOvr>
-</p:notes>
-</file>
-
-<file path=ppt/notesSlides/notesSlide39.xml><?xml version="1.0" encoding="utf-8"?>
-<p:notes xmlns:a="http://schemas.openxmlformats.org/drawingml/2006/main" xmlns:r="http://schemas.openxmlformats.org/officeDocument/2006/relationships" xmlns:p="http://schemas.openxmlformats.org/presentationml/2006/main">
-  <p:cSld>
-    <p:spTree>
-      <p:nvGrpSpPr>
-        <p:cNvPr id="1" name=""/>
-        <p:cNvGrpSpPr/>
-        <p:nvPr/>
-      </p:nvGrpSpPr>
-      <p:grpSpPr>
-        <a:xfrm>
-          <a:off x="0" y="0"/>
-          <a:ext cx="0" cy="0"/>
-          <a:chOff x="0" y="0"/>
-          <a:chExt cx="0" cy="0"/>
-        </a:xfrm>
-      </p:grpSpPr>
-      <p:sp>
-        <p:nvSpPr>
-          <p:cNvPr id="2" name="幻灯片图像占位符 1"/>
-          <p:cNvSpPr>
-            <a:spLocks noGrp="1" noRot="1" noChangeAspect="1"/>
-          </p:cNvSpPr>
-          <p:nvPr>
-            <p:ph type="sldImg"/>
-          </p:nvPr>
-        </p:nvSpPr>
-        <p:spPr/>
-      </p:sp>
-      <p:sp>
-        <p:nvSpPr>
-          <p:cNvPr id="3" name="备注占位符 2"/>
-          <p:cNvSpPr>
-            <a:spLocks noGrp="1"/>
-          </p:cNvSpPr>
-          <p:nvPr>
-            <p:ph type="body" idx="1"/>
-          </p:nvPr>
-        </p:nvSpPr>
-        <p:spPr/>
-        <p:txBody>
-          <a:bodyPr/>
-          <a:lstStyle/>
-          <a:p>
-            <a:endParaRPr lang="zh-CN" altLang="en-US" dirty="0"/>
-          </a:p>
-        </p:txBody>
-      </p:sp>
-      <p:sp>
-        <p:nvSpPr>
-          <p:cNvPr id="4" name="灯片编号占位符 3"/>
-          <p:cNvSpPr>
-            <a:spLocks noGrp="1"/>
-          </p:cNvSpPr>
-          <p:nvPr>
-            <p:ph type="sldNum" sz="quarter" idx="10"/>
-          </p:nvPr>
-        </p:nvSpPr>
-        <p:spPr/>
-        <p:txBody>
-          <a:bodyPr/>
-          <a:lstStyle/>
-          <a:p>
-            <a:fld id="{8D5F6335-921E-4E5D-AA92-58C46089A71A}" type="slidenum">
-              <a:rPr lang="zh-CN" altLang="en-US" smtClean="0"/>
-              <a:t>39</a:t>
-            </a:fld>
-            <a:endParaRPr lang="zh-CN" altLang="en-US"/>
-          </a:p>
-        </p:txBody>
-      </p:sp>
-    </p:spTree>
-    <p:extLst>
-      <p:ext uri="{BB962C8B-B14F-4D97-AF65-F5344CB8AC3E}">
-        <p14:creationId xmlns:p14="http://schemas.microsoft.com/office/powerpoint/2010/main" val="3977051288"/>
-      </p:ext>
-    </p:extLst>
-  </p:cSld>
-  <p:clrMapOvr>
-    <a:masterClrMapping/>
-  </p:clrMapOvr>
-</p:notes>
-</file>
-
 <file path=ppt/notesSlides/notesSlide4.xml><?xml version="1.0" encoding="utf-8"?>
 <p:notes xmlns:a="http://schemas.openxmlformats.org/drawingml/2006/main" xmlns:r="http://schemas.openxmlformats.org/officeDocument/2006/relationships" xmlns:p="http://schemas.openxmlformats.org/presentationml/2006/main">
   <p:cSld>
@@ -3381,258 +2577,6 @@
     <p:extLst>
       <p:ext uri="{BB962C8B-B14F-4D97-AF65-F5344CB8AC3E}">
         <p14:creationId xmlns:p14="http://schemas.microsoft.com/office/powerpoint/2010/main" val="1699568144"/>
-      </p:ext>
-    </p:extLst>
-  </p:cSld>
-  <p:clrMapOvr>
-    <a:masterClrMapping/>
-  </p:clrMapOvr>
-</p:notes>
-</file>
-
-<file path=ppt/notesSlides/notesSlide40.xml><?xml version="1.0" encoding="utf-8"?>
-<p:notes xmlns:a="http://schemas.openxmlformats.org/drawingml/2006/main" xmlns:r="http://schemas.openxmlformats.org/officeDocument/2006/relationships" xmlns:p="http://schemas.openxmlformats.org/presentationml/2006/main">
-  <p:cSld>
-    <p:spTree>
-      <p:nvGrpSpPr>
-        <p:cNvPr id="1" name=""/>
-        <p:cNvGrpSpPr/>
-        <p:nvPr/>
-      </p:nvGrpSpPr>
-      <p:grpSpPr>
-        <a:xfrm>
-          <a:off x="0" y="0"/>
-          <a:ext cx="0" cy="0"/>
-          <a:chOff x="0" y="0"/>
-          <a:chExt cx="0" cy="0"/>
-        </a:xfrm>
-      </p:grpSpPr>
-      <p:sp>
-        <p:nvSpPr>
-          <p:cNvPr id="2" name="幻灯片图像占位符 1"/>
-          <p:cNvSpPr>
-            <a:spLocks noGrp="1" noRot="1" noChangeAspect="1"/>
-          </p:cNvSpPr>
-          <p:nvPr>
-            <p:ph type="sldImg"/>
-          </p:nvPr>
-        </p:nvSpPr>
-        <p:spPr/>
-      </p:sp>
-      <p:sp>
-        <p:nvSpPr>
-          <p:cNvPr id="3" name="备注占位符 2"/>
-          <p:cNvSpPr>
-            <a:spLocks noGrp="1"/>
-          </p:cNvSpPr>
-          <p:nvPr>
-            <p:ph type="body" idx="1"/>
-          </p:nvPr>
-        </p:nvSpPr>
-        <p:spPr/>
-        <p:txBody>
-          <a:bodyPr/>
-          <a:lstStyle/>
-          <a:p>
-            <a:endParaRPr lang="zh-CN" altLang="en-US" dirty="0"/>
-          </a:p>
-        </p:txBody>
-      </p:sp>
-      <p:sp>
-        <p:nvSpPr>
-          <p:cNvPr id="4" name="灯片编号占位符 3"/>
-          <p:cNvSpPr>
-            <a:spLocks noGrp="1"/>
-          </p:cNvSpPr>
-          <p:nvPr>
-            <p:ph type="sldNum" sz="quarter" idx="10"/>
-          </p:nvPr>
-        </p:nvSpPr>
-        <p:spPr/>
-        <p:txBody>
-          <a:bodyPr/>
-          <a:lstStyle/>
-          <a:p>
-            <a:fld id="{8D5F6335-921E-4E5D-AA92-58C46089A71A}" type="slidenum">
-              <a:rPr lang="zh-CN" altLang="en-US" smtClean="0"/>
-              <a:t>40</a:t>
-            </a:fld>
-            <a:endParaRPr lang="zh-CN" altLang="en-US"/>
-          </a:p>
-        </p:txBody>
-      </p:sp>
-    </p:spTree>
-    <p:extLst>
-      <p:ext uri="{BB962C8B-B14F-4D97-AF65-F5344CB8AC3E}">
-        <p14:creationId xmlns:p14="http://schemas.microsoft.com/office/powerpoint/2010/main" val="478618201"/>
-      </p:ext>
-    </p:extLst>
-  </p:cSld>
-  <p:clrMapOvr>
-    <a:masterClrMapping/>
-  </p:clrMapOvr>
-</p:notes>
-</file>
-
-<file path=ppt/notesSlides/notesSlide41.xml><?xml version="1.0" encoding="utf-8"?>
-<p:notes xmlns:a="http://schemas.openxmlformats.org/drawingml/2006/main" xmlns:r="http://schemas.openxmlformats.org/officeDocument/2006/relationships" xmlns:p="http://schemas.openxmlformats.org/presentationml/2006/main">
-  <p:cSld>
-    <p:spTree>
-      <p:nvGrpSpPr>
-        <p:cNvPr id="1" name=""/>
-        <p:cNvGrpSpPr/>
-        <p:nvPr/>
-      </p:nvGrpSpPr>
-      <p:grpSpPr>
-        <a:xfrm>
-          <a:off x="0" y="0"/>
-          <a:ext cx="0" cy="0"/>
-          <a:chOff x="0" y="0"/>
-          <a:chExt cx="0" cy="0"/>
-        </a:xfrm>
-      </p:grpSpPr>
-      <p:sp>
-        <p:nvSpPr>
-          <p:cNvPr id="2" name="幻灯片图像占位符 1"/>
-          <p:cNvSpPr>
-            <a:spLocks noGrp="1" noRot="1" noChangeAspect="1"/>
-          </p:cNvSpPr>
-          <p:nvPr>
-            <p:ph type="sldImg"/>
-          </p:nvPr>
-        </p:nvSpPr>
-        <p:spPr/>
-      </p:sp>
-      <p:sp>
-        <p:nvSpPr>
-          <p:cNvPr id="3" name="备注占位符 2"/>
-          <p:cNvSpPr>
-            <a:spLocks noGrp="1"/>
-          </p:cNvSpPr>
-          <p:nvPr>
-            <p:ph type="body" idx="1"/>
-          </p:nvPr>
-        </p:nvSpPr>
-        <p:spPr/>
-        <p:txBody>
-          <a:bodyPr/>
-          <a:lstStyle/>
-          <a:p>
-            <a:endParaRPr lang="zh-CN" altLang="en-US" dirty="0"/>
-          </a:p>
-        </p:txBody>
-      </p:sp>
-      <p:sp>
-        <p:nvSpPr>
-          <p:cNvPr id="4" name="灯片编号占位符 3"/>
-          <p:cNvSpPr>
-            <a:spLocks noGrp="1"/>
-          </p:cNvSpPr>
-          <p:nvPr>
-            <p:ph type="sldNum" sz="quarter" idx="10"/>
-          </p:nvPr>
-        </p:nvSpPr>
-        <p:spPr/>
-        <p:txBody>
-          <a:bodyPr/>
-          <a:lstStyle/>
-          <a:p>
-            <a:fld id="{8D5F6335-921E-4E5D-AA92-58C46089A71A}" type="slidenum">
-              <a:rPr lang="zh-CN" altLang="en-US" smtClean="0"/>
-              <a:t>41</a:t>
-            </a:fld>
-            <a:endParaRPr lang="zh-CN" altLang="en-US"/>
-          </a:p>
-        </p:txBody>
-      </p:sp>
-    </p:spTree>
-    <p:extLst>
-      <p:ext uri="{BB962C8B-B14F-4D97-AF65-F5344CB8AC3E}">
-        <p14:creationId xmlns:p14="http://schemas.microsoft.com/office/powerpoint/2010/main" val="3712192694"/>
-      </p:ext>
-    </p:extLst>
-  </p:cSld>
-  <p:clrMapOvr>
-    <a:masterClrMapping/>
-  </p:clrMapOvr>
-</p:notes>
-</file>
-
-<file path=ppt/notesSlides/notesSlide42.xml><?xml version="1.0" encoding="utf-8"?>
-<p:notes xmlns:a="http://schemas.openxmlformats.org/drawingml/2006/main" xmlns:r="http://schemas.openxmlformats.org/officeDocument/2006/relationships" xmlns:p="http://schemas.openxmlformats.org/presentationml/2006/main">
-  <p:cSld>
-    <p:spTree>
-      <p:nvGrpSpPr>
-        <p:cNvPr id="1" name=""/>
-        <p:cNvGrpSpPr/>
-        <p:nvPr/>
-      </p:nvGrpSpPr>
-      <p:grpSpPr>
-        <a:xfrm>
-          <a:off x="0" y="0"/>
-          <a:ext cx="0" cy="0"/>
-          <a:chOff x="0" y="0"/>
-          <a:chExt cx="0" cy="0"/>
-        </a:xfrm>
-      </p:grpSpPr>
-      <p:sp>
-        <p:nvSpPr>
-          <p:cNvPr id="2" name="幻灯片图像占位符 1"/>
-          <p:cNvSpPr>
-            <a:spLocks noGrp="1" noRot="1" noChangeAspect="1"/>
-          </p:cNvSpPr>
-          <p:nvPr>
-            <p:ph type="sldImg"/>
-          </p:nvPr>
-        </p:nvSpPr>
-        <p:spPr/>
-      </p:sp>
-      <p:sp>
-        <p:nvSpPr>
-          <p:cNvPr id="3" name="备注占位符 2"/>
-          <p:cNvSpPr>
-            <a:spLocks noGrp="1"/>
-          </p:cNvSpPr>
-          <p:nvPr>
-            <p:ph type="body" idx="1"/>
-          </p:nvPr>
-        </p:nvSpPr>
-        <p:spPr/>
-        <p:txBody>
-          <a:bodyPr/>
-          <a:lstStyle/>
-          <a:p>
-            <a:endParaRPr lang="zh-CN" altLang="en-US" dirty="0"/>
-          </a:p>
-        </p:txBody>
-      </p:sp>
-      <p:sp>
-        <p:nvSpPr>
-          <p:cNvPr id="4" name="灯片编号占位符 3"/>
-          <p:cNvSpPr>
-            <a:spLocks noGrp="1"/>
-          </p:cNvSpPr>
-          <p:nvPr>
-            <p:ph type="sldNum" sz="quarter" idx="10"/>
-          </p:nvPr>
-        </p:nvSpPr>
-        <p:spPr/>
-        <p:txBody>
-          <a:bodyPr/>
-          <a:lstStyle/>
-          <a:p>
-            <a:fld id="{8D5F6335-921E-4E5D-AA92-58C46089A71A}" type="slidenum">
-              <a:rPr lang="zh-CN" altLang="en-US" smtClean="0"/>
-              <a:t>42</a:t>
-            </a:fld>
-            <a:endParaRPr lang="zh-CN" altLang="en-US"/>
-          </a:p>
-        </p:txBody>
-      </p:sp>
-    </p:spTree>
-    <p:extLst>
-      <p:ext uri="{BB962C8B-B14F-4D97-AF65-F5344CB8AC3E}">
-        <p14:creationId xmlns:p14="http://schemas.microsoft.com/office/powerpoint/2010/main" val="26682878"/>
       </p:ext>
     </p:extLst>
   </p:cSld>
@@ -7338,11 +6282,11 @@
               <a:t>裁剪：</a:t>
             </a:r>
             <a:r>
-              <a:rPr lang="en-US" altLang="zh-CN" dirty="0" err="1"/>
+              <a:rPr lang="en-US" altLang="zh-CN" dirty="0"/>
               <a:t>tf.image.</a:t>
             </a:r>
             <a:r>
-              <a:rPr lang="en-US" altLang="zh-CN" dirty="0" err="1">
+              <a:rPr lang="en-US" altLang="zh-CN" dirty="0">
                 <a:solidFill>
                   <a:srgbClr val="FF0000"/>
                 </a:solidFill>
@@ -7351,15 +6295,7 @@
             </a:r>
             <a:r>
               <a:rPr lang="en-US" altLang="zh-CN" dirty="0"/>
-              <a:t>(</a:t>
-            </a:r>
-            <a:r>
-              <a:rPr lang="en-US" altLang="zh-CN" dirty="0" err="1"/>
-              <a:t>img_data</a:t>
-            </a:r>
-            <a:r>
-              <a:rPr lang="en-US" altLang="zh-CN" dirty="0"/>
-              <a:t>, 1000, 1000</a:t>
+              <a:t>(img_data, 1000, 1000</a:t>
             </a:r>
             <a:r>
               <a:rPr lang="en-US" altLang="zh-CN" dirty="0" smtClean="0"/>
@@ -7372,11 +6308,11 @@
               <a:t>填充：</a:t>
             </a:r>
             <a:r>
-              <a:rPr lang="en-US" altLang="zh-CN" dirty="0" err="1"/>
+              <a:rPr lang="en-US" altLang="zh-CN" dirty="0"/>
               <a:t>tf.image.</a:t>
             </a:r>
             <a:r>
-              <a:rPr lang="en-US" altLang="zh-CN" dirty="0" err="1">
+              <a:rPr lang="en-US" altLang="zh-CN" dirty="0">
                 <a:solidFill>
                   <a:srgbClr val="FF0000"/>
                 </a:solidFill>
@@ -7385,15 +6321,7 @@
             </a:r>
             <a:r>
               <a:rPr lang="en-US" altLang="zh-CN" dirty="0"/>
-              <a:t>(</a:t>
-            </a:r>
-            <a:r>
-              <a:rPr lang="en-US" altLang="zh-CN" dirty="0" err="1"/>
-              <a:t>img_data</a:t>
-            </a:r>
-            <a:r>
-              <a:rPr lang="en-US" altLang="zh-CN" dirty="0"/>
-              <a:t>, 3000, 3000</a:t>
+              <a:t>(img_data, 3000, 3000</a:t>
             </a:r>
             <a:r>
               <a:rPr lang="en-US" altLang="zh-CN" dirty="0" smtClean="0"/>
@@ -7406,11 +6334,11 @@
               <a:t>按比例裁剪图象：</a:t>
             </a:r>
             <a:r>
-              <a:rPr lang="en-US" altLang="zh-CN" dirty="0" err="1" smtClean="0"/>
+              <a:rPr lang="en-US" altLang="zh-CN" dirty="0" smtClean="0"/>
               <a:t>tf.</a:t>
             </a:r>
             <a:r>
-              <a:rPr lang="en-US" altLang="zh-CN" dirty="0" err="1" smtClean="0">
+              <a:rPr lang="en-US" altLang="zh-CN" dirty="0" smtClean="0">
                 <a:solidFill>
                   <a:srgbClr val="FF0000"/>
                 </a:solidFill>
@@ -7419,11 +6347,7 @@
             </a:r>
             <a:r>
               <a:rPr lang="en-US" altLang="zh-CN" dirty="0" smtClean="0"/>
-              <a:t>(</a:t>
-            </a:r>
-            <a:r>
-              <a:rPr lang="en-US" altLang="zh-CN" dirty="0" err="1" smtClean="0"/>
-              <a:t>img_data</a:t>
+              <a:t>(img_data</a:t>
             </a:r>
             <a:r>
               <a:rPr lang="en-US" altLang="zh-CN" dirty="0"/>
@@ -7621,16 +6545,36 @@
               <a:t>翻转：</a:t>
             </a:r>
             <a:r>
-              <a:rPr lang="en-US" altLang="zh-CN" dirty="0" err="1" smtClean="0"/>
-              <a:t>tf.image.flip_up_down</a:t>
-            </a:r>
-            <a:r>
               <a:rPr lang="en-US" altLang="zh-CN" dirty="0" smtClean="0"/>
-              <a:t>(</a:t>
-            </a:r>
-            <a:r>
-              <a:rPr lang="en-US" altLang="zh-CN" dirty="0" err="1" smtClean="0"/>
-              <a:t>img_data</a:t>
+              <a:t>tf.image.flip_up_down(img_data)</a:t>
+            </a:r>
+          </a:p>
+          <a:p>
+            <a:r>
+              <a:rPr lang="zh-CN" altLang="en-US" dirty="0"/>
+              <a:t>左右</a:t>
+            </a:r>
+            <a:r>
+              <a:rPr lang="zh-CN" altLang="en-US" dirty="0" smtClean="0"/>
+              <a:t>翻转：</a:t>
+            </a:r>
+            <a:r>
+              <a:rPr lang="en-US" altLang="zh-CN" dirty="0" smtClean="0"/>
+              <a:t>tf.image.flip_left_right(img_data)</a:t>
+            </a:r>
+          </a:p>
+          <a:p>
+            <a:r>
+              <a:rPr lang="zh-CN" altLang="en-US" dirty="0"/>
+              <a:t>对角线</a:t>
+            </a:r>
+            <a:r>
+              <a:rPr lang="zh-CN" altLang="en-US" dirty="0" smtClean="0"/>
+              <a:t>翻转： </a:t>
+            </a:r>
+            <a:r>
+              <a:rPr lang="en-US" altLang="zh-CN" dirty="0"/>
+              <a:t>tf.image.transpose_image(img_data</a:t>
             </a:r>
             <a:r>
               <a:rPr lang="en-US" altLang="zh-CN" dirty="0" smtClean="0"/>
@@ -7640,23 +6584,15 @@
           <a:p>
             <a:r>
               <a:rPr lang="zh-CN" altLang="en-US" dirty="0"/>
-              <a:t>左右</a:t>
+              <a:t>以一定概率上下翻转</a:t>
             </a:r>
             <a:r>
               <a:rPr lang="zh-CN" altLang="en-US" dirty="0" smtClean="0"/>
-              <a:t>翻转：</a:t>
-            </a:r>
-            <a:r>
-              <a:rPr lang="en-US" altLang="zh-CN" dirty="0" err="1" smtClean="0"/>
-              <a:t>tf.image.flip_left_right</a:t>
-            </a:r>
-            <a:r>
-              <a:rPr lang="en-US" altLang="zh-CN" dirty="0" smtClean="0"/>
-              <a:t>(</a:t>
-            </a:r>
-            <a:r>
-              <a:rPr lang="en-US" altLang="zh-CN" dirty="0" err="1" smtClean="0"/>
-              <a:t>img_data</a:t>
+              <a:t>图片：</a:t>
+            </a:r>
+            <a:r>
+              <a:rPr lang="en-US" altLang="zh-CN" dirty="0"/>
+              <a:t>tf.image.random_flip_up_down(img_data</a:t>
             </a:r>
             <a:r>
               <a:rPr lang="en-US" altLang="zh-CN" dirty="0" smtClean="0"/>
@@ -7666,75 +6602,15 @@
           <a:p>
             <a:r>
               <a:rPr lang="zh-CN" altLang="en-US" dirty="0"/>
-              <a:t>对角线</a:t>
-            </a:r>
-            <a:r>
-              <a:rPr lang="zh-CN" altLang="en-US" dirty="0" smtClean="0"/>
-              <a:t>翻转： </a:t>
-            </a:r>
-            <a:r>
-              <a:rPr lang="en-US" altLang="zh-CN" dirty="0" err="1"/>
-              <a:t>tf.image.transpose_image</a:t>
-            </a:r>
-            <a:r>
-              <a:rPr lang="en-US" altLang="zh-CN" dirty="0"/>
-              <a:t>(</a:t>
-            </a:r>
-            <a:r>
-              <a:rPr lang="en-US" altLang="zh-CN" dirty="0" err="1"/>
-              <a:t>img_data</a:t>
-            </a:r>
-            <a:r>
-              <a:rPr lang="en-US" altLang="zh-CN" dirty="0" smtClean="0"/>
-              <a:t>)</a:t>
-            </a:r>
-          </a:p>
-          <a:p>
-            <a:r>
-              <a:rPr lang="zh-CN" altLang="en-US" dirty="0"/>
-              <a:t>以一定概率上下翻转</a:t>
+              <a:t>以一定概率左右翻转</a:t>
             </a:r>
             <a:r>
               <a:rPr lang="zh-CN" altLang="en-US" dirty="0" smtClean="0"/>
               <a:t>图片：</a:t>
             </a:r>
             <a:r>
-              <a:rPr lang="en-US" altLang="zh-CN" dirty="0" err="1"/>
-              <a:t>tf.image.random_flip_up_down</a:t>
-            </a:r>
-            <a:r>
-              <a:rPr lang="en-US" altLang="zh-CN" dirty="0"/>
-              <a:t>(</a:t>
-            </a:r>
-            <a:r>
-              <a:rPr lang="en-US" altLang="zh-CN" dirty="0" err="1"/>
-              <a:t>img_data</a:t>
-            </a:r>
-            <a:r>
               <a:rPr lang="en-US" altLang="zh-CN" dirty="0" smtClean="0"/>
-              <a:t>)</a:t>
-            </a:r>
-          </a:p>
-          <a:p>
-            <a:r>
-              <a:rPr lang="zh-CN" altLang="en-US" dirty="0"/>
-              <a:t>以一定概率左右翻转</a:t>
-            </a:r>
-            <a:r>
-              <a:rPr lang="zh-CN" altLang="en-US" dirty="0" smtClean="0"/>
-              <a:t>图片：</a:t>
-            </a:r>
-            <a:r>
-              <a:rPr lang="en-US" altLang="zh-CN" dirty="0" err="1" smtClean="0"/>
-              <a:t>tf.image.random_flip_left_right</a:t>
-            </a:r>
-            <a:r>
-              <a:rPr lang="en-US" altLang="zh-CN" dirty="0" smtClean="0"/>
-              <a:t>(</a:t>
-            </a:r>
-            <a:r>
-              <a:rPr lang="en-US" altLang="zh-CN" dirty="0" err="1" smtClean="0"/>
-              <a:t>img_data</a:t>
+              <a:t>tf.image.random_flip_left_right(img_data</a:t>
             </a:r>
             <a:r>
               <a:rPr lang="en-US" altLang="zh-CN" dirty="0"/>
@@ -8094,23 +6970,7 @@
                 </a:r>
                 <a:r>
                   <a:rPr lang="en-US" altLang="zh-CN" dirty="0"/>
-                  <a:t>[-</a:t>
-                </a:r>
-                <a:r>
-                  <a:rPr lang="en-US" altLang="zh-CN" dirty="0" err="1"/>
-                  <a:t>max_delta</a:t>
-                </a:r>
-                <a:r>
-                  <a:rPr lang="en-US" altLang="zh-CN" dirty="0"/>
-                  <a:t>, </a:t>
-                </a:r>
-                <a:r>
-                  <a:rPr lang="en-US" altLang="zh-CN" dirty="0" err="1"/>
-                  <a:t>max_delta</a:t>
-                </a:r>
-                <a:r>
-                  <a:rPr lang="en-US" altLang="zh-CN" dirty="0"/>
-                  <a:t>)</a:t>
+                  <a:t>[-max_delta, max_delta)</a:t>
                 </a:r>
                 <a:r>
                   <a:rPr lang="zh-CN" altLang="en-US" dirty="0"/>
@@ -8132,28 +6992,8 @@
                   <a:t> </a:t>
                 </a:r>
                 <a:r>
-                  <a:rPr lang="en-US" altLang="zh-CN" dirty="0" err="1"/>
-                  <a:t>tf.image.random_brightness</a:t>
-                </a:r>
-                <a:r>
                   <a:rPr lang="en-US" altLang="zh-CN" dirty="0"/>
-                  <a:t>(</a:t>
-                </a:r>
-                <a:r>
-                  <a:rPr lang="en-US" altLang="zh-CN" dirty="0" err="1"/>
-                  <a:t>image_float</a:t>
-                </a:r>
-                <a:r>
-                  <a:rPr lang="en-US" altLang="zh-CN" dirty="0"/>
-                  <a:t>, </a:t>
-                </a:r>
-                <a:r>
-                  <a:rPr lang="en-US" altLang="zh-CN" dirty="0" err="1"/>
-                  <a:t>max_delta</a:t>
-                </a:r>
-                <a:r>
-                  <a:rPr lang="en-US" altLang="zh-CN" dirty="0"/>
-                  <a:t>=0.5, </a:t>
+                  <a:t>tf.image.random_brightness(image_float, max_delta=0.5, </a:t>
                 </a:r>
                 <a:r>
                   <a:rPr lang="en-US" altLang="zh-CN" dirty="0" smtClean="0"/>
@@ -8171,23 +7011,7 @@
                 </a:r>
                 <a:r>
                   <a:rPr lang="en-US" altLang="zh-CN" dirty="0"/>
-                  <a:t> </a:t>
-                </a:r>
-                <a:r>
-                  <a:rPr lang="en-US" altLang="zh-CN" dirty="0" err="1"/>
-                  <a:t>tf.image.adjust_contrast</a:t>
-                </a:r>
-                <a:r>
-                  <a:rPr lang="en-US" altLang="zh-CN" dirty="0"/>
-                  <a:t>(</a:t>
-                </a:r>
-                <a:r>
-                  <a:rPr lang="en-US" altLang="zh-CN" dirty="0" err="1"/>
-                  <a:t>image_float</a:t>
-                </a:r>
-                <a:r>
-                  <a:rPr lang="en-US" altLang="zh-CN" dirty="0"/>
-                  <a:t>, delta</a:t>
+                  <a:t> tf.image.adjust_contrast(image_float, delta</a:t>
                 </a:r>
                 <a:r>
                   <a:rPr lang="en-US" altLang="zh-CN" dirty="0" smtClean="0"/>
@@ -8212,16 +7036,8 @@
                   <a:t>的范围随机调整图的对比度</a:t>
                 </a:r>
                 <a:r>
-                  <a:rPr lang="en-US" altLang="zh-CN" dirty="0" err="1" smtClean="0"/>
-                  <a:t>tf.image.random_contrast</a:t>
-                </a:r>
-                <a:r>
                   <a:rPr lang="en-US" altLang="zh-CN" dirty="0" smtClean="0"/>
-                  <a:t>(</a:t>
-                </a:r>
-                <a:r>
-                  <a:rPr lang="en-US" altLang="zh-CN" dirty="0" err="1" smtClean="0"/>
-                  <a:t>image_float</a:t>
+                  <a:t>tf.image.random_contrast(image_float</a:t>
                 </a:r>
                 <a:r>
                   <a:rPr lang="en-US" altLang="zh-CN" dirty="0"/>
@@ -8635,12 +7451,8 @@
               <a:t>色相：</a:t>
             </a:r>
             <a:r>
-              <a:rPr lang="en-US" altLang="zh-CN" dirty="0" err="1" smtClean="0"/>
-              <a:t>tf.image.adjust_hue</a:t>
-            </a:r>
-            <a:r>
               <a:rPr lang="en-US" altLang="zh-CN" dirty="0" smtClean="0"/>
-              <a:t>(image,  delta )</a:t>
+              <a:t>tf.image.adjust_hue(image,  delta )</a:t>
             </a:r>
             <a:r>
               <a:rPr lang="zh-CN" altLang="en-US" dirty="0" smtClean="0"/>
@@ -8669,111 +7481,71 @@
             </a:r>
             <a:r>
               <a:rPr lang="en-US" altLang="zh-CN" dirty="0"/>
-              <a:t>[-</a:t>
-            </a:r>
-            <a:r>
-              <a:rPr lang="en-US" altLang="zh-CN" dirty="0" err="1"/>
-              <a:t>max_delta</a:t>
+              <a:t>[-max_delta, max_delta]</a:t>
+            </a:r>
+            <a:r>
+              <a:rPr lang="zh-CN" altLang="en-US" dirty="0"/>
+              <a:t>的范围随机调整图片的</a:t>
+            </a:r>
+            <a:r>
+              <a:rPr lang="zh-CN" altLang="en-US" dirty="0" smtClean="0"/>
+              <a:t>色相，</a:t>
+            </a:r>
+            <a:r>
+              <a:rPr lang="en-US" altLang="zh-CN" dirty="0"/>
+              <a:t> max_delta</a:t>
+            </a:r>
+            <a:r>
+              <a:rPr lang="zh-CN" altLang="en-US" dirty="0"/>
+              <a:t>的取值在</a:t>
+            </a:r>
+            <a:r>
+              <a:rPr lang="en-US" altLang="zh-CN" dirty="0"/>
+              <a:t>[0, 0.5]</a:t>
+            </a:r>
+            <a:r>
+              <a:rPr lang="zh-CN" altLang="en-US" dirty="0"/>
+              <a:t>之间</a:t>
+            </a:r>
+            <a:endParaRPr lang="en-US" altLang="zh-CN" dirty="0" smtClean="0"/>
+          </a:p>
+          <a:p>
+            <a:r>
+              <a:rPr lang="en-US" altLang="zh-CN" dirty="0"/>
+              <a:t>	</a:t>
+            </a:r>
+            <a:r>
+              <a:rPr lang="en-US" altLang="zh-CN" dirty="0" smtClean="0"/>
+              <a:t>			tf.image.random_hue(image</a:t>
             </a:r>
             <a:r>
               <a:rPr lang="en-US" altLang="zh-CN" dirty="0"/>
               <a:t>, </a:t>
             </a:r>
             <a:r>
-              <a:rPr lang="en-US" altLang="zh-CN" dirty="0" err="1"/>
-              <a:t>max_delta</a:t>
-            </a:r>
-            <a:r>
-              <a:rPr lang="en-US" altLang="zh-CN" dirty="0"/>
-              <a:t>]</a:t>
-            </a:r>
-            <a:r>
-              <a:rPr lang="zh-CN" altLang="en-US" dirty="0"/>
-              <a:t>的范围随机调整图片的</a:t>
+              <a:rPr lang="en-US" altLang="zh-CN" dirty="0" smtClean="0"/>
+              <a:t> max_delta)</a:t>
+            </a:r>
+          </a:p>
+          <a:p>
+            <a:endParaRPr lang="en-US" altLang="zh-CN" dirty="0" smtClean="0"/>
+          </a:p>
+          <a:p>
+            <a:r>
+              <a:rPr lang="en-US" altLang="zh-CN" dirty="0" smtClean="0"/>
+              <a:t>- </a:t>
             </a:r>
             <a:r>
               <a:rPr lang="zh-CN" altLang="en-US" dirty="0" smtClean="0"/>
-              <a:t>色相，</a:t>
+              <a:t>饱和度：</a:t>
             </a:r>
             <a:r>
               <a:rPr lang="en-US" altLang="zh-CN" dirty="0"/>
               <a:t> </a:t>
             </a:r>
             <a:r>
-              <a:rPr lang="en-US" altLang="zh-CN" dirty="0" err="1"/>
-              <a:t>max_delta</a:t>
-            </a:r>
-            <a:r>
-              <a:rPr lang="zh-CN" altLang="en-US" dirty="0"/>
-              <a:t>的取值在</a:t>
-            </a:r>
-            <a:r>
-              <a:rPr lang="en-US" altLang="zh-CN" dirty="0"/>
-              <a:t>[0, 0.5]</a:t>
-            </a:r>
-            <a:r>
-              <a:rPr lang="zh-CN" altLang="en-US" dirty="0"/>
-              <a:t>之间</a:t>
-            </a:r>
-            <a:endParaRPr lang="en-US" altLang="zh-CN" dirty="0" smtClean="0"/>
-          </a:p>
-          <a:p>
-            <a:r>
-              <a:rPr lang="en-US" altLang="zh-CN" dirty="0"/>
-              <a:t>	</a:t>
-            </a:r>
-            <a:r>
               <a:rPr lang="en-US" altLang="zh-CN" dirty="0" smtClean="0"/>
-              <a:t>			</a:t>
-            </a:r>
-            <a:r>
-              <a:rPr lang="en-US" altLang="zh-CN" dirty="0" err="1" smtClean="0"/>
-              <a:t>tf.image.random_hue</a:t>
-            </a:r>
-            <a:r>
-              <a:rPr lang="en-US" altLang="zh-CN" dirty="0" smtClean="0"/>
-              <a:t>(image</a:t>
-            </a:r>
-            <a:r>
-              <a:rPr lang="en-US" altLang="zh-CN" dirty="0"/>
-              <a:t>, </a:t>
-            </a:r>
-            <a:r>
-              <a:rPr lang="en-US" altLang="zh-CN" dirty="0" smtClean="0"/>
-              <a:t> </a:t>
-            </a:r>
-            <a:r>
-              <a:rPr lang="en-US" altLang="zh-CN" dirty="0" err="1" smtClean="0"/>
-              <a:t>max_delta</a:t>
-            </a:r>
-            <a:r>
-              <a:rPr lang="en-US" altLang="zh-CN" dirty="0" smtClean="0"/>
-              <a:t>)</a:t>
-            </a:r>
-          </a:p>
-          <a:p>
-            <a:endParaRPr lang="en-US" altLang="zh-CN" dirty="0" smtClean="0"/>
-          </a:p>
-          <a:p>
-            <a:r>
-              <a:rPr lang="en-US" altLang="zh-CN" dirty="0" smtClean="0"/>
-              <a:t>- </a:t>
-            </a:r>
-            <a:r>
-              <a:rPr lang="zh-CN" altLang="en-US" dirty="0" smtClean="0"/>
-              <a:t>饱和度：</a:t>
-            </a:r>
-            <a:r>
-              <a:rPr lang="en-US" altLang="zh-CN" dirty="0"/>
-              <a:t> </a:t>
-            </a:r>
-            <a:r>
-              <a:rPr lang="en-US" altLang="zh-CN" dirty="0" err="1" smtClean="0"/>
-              <a:t>tf.image.adjust_saturation</a:t>
-            </a:r>
-            <a:r>
-              <a:rPr lang="en-US" altLang="zh-CN" dirty="0" smtClean="0"/>
-              <a:t>(image,  delta)</a:t>
+              <a:t>tf.image.adjust_saturation(image,  delta)</a:t>
             </a:r>
           </a:p>
           <a:p>
@@ -8805,12 +7577,8 @@
               <a:t>饱和度，</a:t>
             </a:r>
             <a:r>
-              <a:rPr lang="en-US" altLang="zh-CN" dirty="0" err="1"/>
-              <a:t>ValueError</a:t>
-            </a:r>
-            <a:r>
               <a:rPr lang="en-US" altLang="zh-CN" dirty="0"/>
-              <a:t>: if upper &lt;= lower or if lower &lt; </a:t>
+              <a:t>ValueError: if upper &lt;= lower or if lower &lt; </a:t>
             </a:r>
             <a:r>
               <a:rPr lang="en-US" altLang="zh-CN" dirty="0" smtClean="0"/>
@@ -8827,12 +7595,8 @@
               <a:t>	</a:t>
             </a:r>
             <a:r>
-              <a:rPr lang="en-US" altLang="zh-CN" dirty="0" err="1" smtClean="0"/>
-              <a:t>tf.image.random_saturation</a:t>
-            </a:r>
-            <a:r>
               <a:rPr lang="en-US" altLang="zh-CN" dirty="0" smtClean="0"/>
-              <a:t>(image, lower</a:t>
+              <a:t>tf.image.random_saturation(image, lower</a:t>
             </a:r>
             <a:r>
               <a:rPr lang="en-US" altLang="zh-CN" dirty="0"/>
@@ -8872,12 +7636,8 @@
               <a:t>：</a:t>
             </a:r>
             <a:r>
-              <a:rPr lang="en-US" altLang="zh-CN" dirty="0" err="1" smtClean="0"/>
-              <a:t>tf.image.per_image_standardization</a:t>
-            </a:r>
-            <a:r>
               <a:rPr lang="en-US" altLang="zh-CN" dirty="0" smtClean="0"/>
-              <a:t>(image)</a:t>
+              <a:t>tf.image.per_image_standardization(image)</a:t>
             </a:r>
             <a:endParaRPr lang="zh-CN" altLang="en-US" dirty="0"/>
           </a:p>
@@ -8914,7 +7674,7 @@
               <a:t>@ </a:t>
             </a:r>
             <a:r>
-              <a:rPr lang="en-US" altLang="zh-CN" u="sng" dirty="0" err="1" smtClean="0">
+              <a:rPr lang="en-US" altLang="zh-CN" u="sng" dirty="0" smtClean="0">
                 <a:solidFill>
                   <a:srgbClr val="FF0000"/>
                 </a:solidFill>
@@ -8938,7 +7698,7 @@
               <a:t>was replaced by </a:t>
             </a:r>
             <a:r>
-              <a:rPr lang="en-US" altLang="zh-CN" u="sng" dirty="0" err="1">
+              <a:rPr lang="en-US" altLang="zh-CN" u="sng" dirty="0">
                 <a:solidFill>
                   <a:srgbClr val="FF0000"/>
                 </a:solidFill>
@@ -9149,6 +7909,55 @@
           </a:extLst>
         </p:spPr>
       </p:pic>
+      <p:sp>
+        <p:nvSpPr>
+          <p:cNvPr id="4" name="圆角矩形 3"/>
+          <p:cNvSpPr/>
+          <p:nvPr/>
+        </p:nvSpPr>
+        <p:spPr>
+          <a:xfrm>
+            <a:off x="7254240" y="2889504"/>
+            <a:ext cx="1889760" cy="548640"/>
+          </a:xfrm>
+          <a:prstGeom prst="roundRect">
+            <a:avLst/>
+          </a:prstGeom>
+          <a:noFill/>
+          <a:ln w="38100">
+            <a:solidFill>
+              <a:schemeClr val="accent4">
+                <a:lumMod val="75000"/>
+              </a:schemeClr>
+            </a:solidFill>
+            <a:prstDash val="sysDot"/>
+          </a:ln>
+        </p:spPr>
+        <p:style>
+          <a:lnRef idx="2">
+            <a:schemeClr val="accent1">
+              <a:shade val="50000"/>
+            </a:schemeClr>
+          </a:lnRef>
+          <a:fillRef idx="1">
+            <a:schemeClr val="accent1"/>
+          </a:fillRef>
+          <a:effectRef idx="0">
+            <a:schemeClr val="accent1"/>
+          </a:effectRef>
+          <a:fontRef idx="minor">
+            <a:schemeClr val="lt1"/>
+          </a:fontRef>
+        </p:style>
+        <p:txBody>
+          <a:bodyPr rtlCol="0" anchor="ctr"/>
+          <a:lstStyle/>
+          <a:p>
+            <a:pPr algn="ctr"/>
+            <a:endParaRPr lang="zh-CN" altLang="en-US"/>
+          </a:p>
+        </p:txBody>
+      </p:sp>
     </p:spTree>
     <p:extLst>
       <p:ext uri="{BB962C8B-B14F-4D97-AF65-F5344CB8AC3E}">
@@ -9234,6 +8043,68 @@
           </a:prstGeom>
         </p:spPr>
       </p:pic>
+      <p:sp>
+        <p:nvSpPr>
+          <p:cNvPr id="7" name="文本框 6"/>
+          <p:cNvSpPr txBox="1"/>
+          <p:nvPr/>
+        </p:nvSpPr>
+        <p:spPr>
+          <a:xfrm>
+            <a:off x="0" y="701101"/>
+            <a:ext cx="3684760" cy="461665"/>
+          </a:xfrm>
+          <a:prstGeom prst="rect">
+            <a:avLst/>
+          </a:prstGeom>
+          <a:noFill/>
+        </p:spPr>
+        <p:txBody>
+          <a:bodyPr wrap="square" rtlCol="0">
+            <a:spAutoFit/>
+          </a:bodyPr>
+          <a:lstStyle/>
+          <a:p>
+            <a:r>
+              <a:rPr lang="en-US" altLang="zh-CN" sz="2400" b="1" dirty="0"/>
+              <a:t>Ⅱ </a:t>
+            </a:r>
+            <a:r>
+              <a:rPr lang="zh-CN" altLang="en-US" sz="2400" b="1" dirty="0"/>
+              <a:t>图像数据处理</a:t>
+            </a:r>
+          </a:p>
+        </p:txBody>
+      </p:sp>
+      <p:sp>
+        <p:nvSpPr>
+          <p:cNvPr id="8" name="矩形 7"/>
+          <p:cNvSpPr/>
+          <p:nvPr/>
+        </p:nvSpPr>
+        <p:spPr>
+          <a:xfrm>
+            <a:off x="5075528" y="1429874"/>
+            <a:ext cx="2659702" cy="461665"/>
+          </a:xfrm>
+          <a:prstGeom prst="rect">
+            <a:avLst/>
+          </a:prstGeom>
+        </p:spPr>
+        <p:txBody>
+          <a:bodyPr wrap="none">
+            <a:spAutoFit/>
+          </a:bodyPr>
+          <a:lstStyle/>
+          <a:p>
+            <a:r>
+              <a:rPr lang="zh-CN" altLang="en-US" sz="2400" b="1" dirty="0"/>
+              <a:t>添加标注框并裁减</a:t>
+            </a:r>
+            <a:endParaRPr lang="en-US" altLang="zh-CN" sz="2400" b="1" dirty="0"/>
+          </a:p>
+        </p:txBody>
+      </p:sp>
       <p:pic>
         <p:nvPicPr>
           <p:cNvPr id="4" name="图片 3"/>
@@ -9250,8 +8121,8 @@
         </p:blipFill>
         <p:spPr>
           <a:xfrm>
-            <a:off x="2048381" y="871857"/>
-            <a:ext cx="8095238" cy="5114286"/>
+            <a:off x="1210339" y="2620312"/>
+            <a:ext cx="10189182" cy="2984832"/>
           </a:xfrm>
           <a:prstGeom prst="rect">
             <a:avLst/>
@@ -9261,7 +8132,7 @@
     </p:spTree>
     <p:extLst>
       <p:ext uri="{BB962C8B-B14F-4D97-AF65-F5344CB8AC3E}">
-        <p14:creationId xmlns:p14="http://schemas.microsoft.com/office/powerpoint/2010/main" val="1370188181"/>
+        <p14:creationId xmlns:p14="http://schemas.microsoft.com/office/powerpoint/2010/main" val="2297684010"/>
       </p:ext>
     </p:extLst>
   </p:cSld>
@@ -9359,8 +8230,8 @@
         </p:blipFill>
         <p:spPr>
           <a:xfrm>
-            <a:off x="2000762" y="2021594"/>
-            <a:ext cx="8190476" cy="2000000"/>
+            <a:off x="1585017" y="871856"/>
+            <a:ext cx="8558602" cy="5407023"/>
           </a:xfrm>
           <a:prstGeom prst="rect">
             <a:avLst/>
@@ -9370,7 +8241,7 @@
     </p:spTree>
     <p:extLst>
       <p:ext uri="{BB962C8B-B14F-4D97-AF65-F5344CB8AC3E}">
-        <p14:creationId xmlns:p14="http://schemas.microsoft.com/office/powerpoint/2010/main" val="1150453240"/>
+        <p14:creationId xmlns:p14="http://schemas.microsoft.com/office/powerpoint/2010/main" val="1370188181"/>
       </p:ext>
     </p:extLst>
   </p:cSld>
@@ -9468,81 +8339,8 @@
         </p:blipFill>
         <p:spPr>
           <a:xfrm>
-            <a:off x="3607288" y="3824084"/>
-            <a:ext cx="4542857" cy="1876190"/>
-          </a:xfrm>
-          <a:prstGeom prst="rect">
-            <a:avLst/>
-          </a:prstGeom>
-        </p:spPr>
-      </p:pic>
-      <p:sp>
-        <p:nvSpPr>
-          <p:cNvPr id="5" name="矩形 4"/>
-          <p:cNvSpPr/>
-          <p:nvPr/>
-        </p:nvSpPr>
-        <p:spPr>
-          <a:xfrm>
-            <a:off x="1599416" y="1150769"/>
-            <a:ext cx="8993168" cy="461665"/>
-          </a:xfrm>
-          <a:prstGeom prst="rect">
-            <a:avLst/>
-          </a:prstGeom>
-        </p:spPr>
-        <p:txBody>
-          <a:bodyPr wrap="none">
-            <a:spAutoFit/>
-          </a:bodyPr>
-          <a:lstStyle/>
-          <a:p>
-            <a:r>
-              <a:rPr lang="en-US" altLang="zh-CN" sz="2400" b="1" dirty="0" err="1" smtClean="0"/>
-              <a:t>tf.expand_dims</a:t>
-            </a:r>
-            <a:r>
-              <a:rPr lang="en-US" altLang="zh-CN" sz="2400" b="1" dirty="0" smtClean="0"/>
-              <a:t>(input</a:t>
-            </a:r>
-            <a:r>
-              <a:rPr lang="en-US" altLang="zh-CN" sz="2400" b="1" dirty="0"/>
-              <a:t>, axis=None, name=None, </a:t>
-            </a:r>
-            <a:r>
-              <a:rPr lang="en-US" altLang="zh-CN" sz="2400" b="1" strike="sngStrike" dirty="0" smtClean="0"/>
-              <a:t>dim=None</a:t>
-            </a:r>
-            <a:r>
-              <a:rPr lang="en-US" altLang="zh-CN" sz="2400" b="1" dirty="0" smtClean="0"/>
-              <a:t>)</a:t>
-            </a:r>
-            <a:r>
-              <a:rPr lang="zh-CN" altLang="en-US" sz="2400" b="1" dirty="0" smtClean="0"/>
-              <a:t>如何工作</a:t>
-            </a:r>
-            <a:endParaRPr lang="zh-CN" altLang="en-US" sz="2400" b="1" dirty="0"/>
-          </a:p>
-        </p:txBody>
-      </p:sp>
-      <p:pic>
-        <p:nvPicPr>
-          <p:cNvPr id="6" name="图片 5"/>
-          <p:cNvPicPr>
-            <a:picLocks noChangeAspect="1"/>
-          </p:cNvPicPr>
-          <p:nvPr/>
-        </p:nvPicPr>
-        <p:blipFill>
-          <a:blip r:embed="rId6"/>
-          <a:stretch>
-            <a:fillRect/>
-          </a:stretch>
-        </p:blipFill>
-        <p:spPr>
-          <a:xfrm>
-            <a:off x="2584358" y="1945845"/>
-            <a:ext cx="7838095" cy="1428571"/>
+            <a:off x="2000762" y="2021594"/>
+            <a:ext cx="8190476" cy="2000000"/>
           </a:xfrm>
           <a:prstGeom prst="rect">
             <a:avLst/>
@@ -9552,7 +8350,7 @@
     </p:spTree>
     <p:extLst>
       <p:ext uri="{BB962C8B-B14F-4D97-AF65-F5344CB8AC3E}">
-        <p14:creationId xmlns:p14="http://schemas.microsoft.com/office/powerpoint/2010/main" val="2439062227"/>
+        <p14:creationId xmlns:p14="http://schemas.microsoft.com/office/powerpoint/2010/main" val="1150453240"/>
       </p:ext>
     </p:extLst>
   </p:cSld>
@@ -9634,6 +8432,147 @@
           </a:prstGeom>
         </p:spPr>
       </p:pic>
+      <p:sp>
+        <p:nvSpPr>
+          <p:cNvPr id="4" name="矩形 3"/>
+          <p:cNvSpPr/>
+          <p:nvPr/>
+        </p:nvSpPr>
+        <p:spPr>
+          <a:xfrm>
+            <a:off x="4012000" y="2579238"/>
+            <a:ext cx="4693914" cy="2000548"/>
+          </a:xfrm>
+          <a:prstGeom prst="rect">
+            <a:avLst/>
+          </a:prstGeom>
+        </p:spPr>
+        <p:txBody>
+          <a:bodyPr wrap="none">
+            <a:spAutoFit/>
+          </a:bodyPr>
+          <a:lstStyle/>
+          <a:p>
+            <a:pPr>
+              <a:spcAft>
+                <a:spcPts val="2400"/>
+              </a:spcAft>
+            </a:pPr>
+            <a:r>
+              <a:rPr lang="en-US" altLang="zh-CN" sz="2800" b="1" dirty="0">
+                <a:latin typeface="+mn-ea"/>
+              </a:rPr>
+              <a:t>Ⅰ TFRecord</a:t>
+            </a:r>
+            <a:r>
+              <a:rPr lang="zh-CN" altLang="en-US" sz="2800" b="1" dirty="0">
+                <a:latin typeface="+mn-ea"/>
+              </a:rPr>
+              <a:t>输入数据</a:t>
+            </a:r>
+            <a:r>
+              <a:rPr lang="zh-CN" altLang="en-US" sz="2800" b="1" dirty="0" smtClean="0">
+                <a:latin typeface="+mn-ea"/>
+              </a:rPr>
+              <a:t>格式</a:t>
+            </a:r>
+            <a:endParaRPr lang="en-US" altLang="zh-CN" sz="2800" b="1" dirty="0" smtClean="0">
+              <a:latin typeface="+mn-ea"/>
+            </a:endParaRPr>
+          </a:p>
+          <a:p>
+            <a:pPr>
+              <a:spcAft>
+                <a:spcPts val="2400"/>
+              </a:spcAft>
+            </a:pPr>
+            <a:r>
+              <a:rPr lang="en-US" altLang="zh-CN" sz="2800" b="1" dirty="0">
+                <a:latin typeface="+mn-ea"/>
+              </a:rPr>
+              <a:t>Ⅱ </a:t>
+            </a:r>
+            <a:r>
+              <a:rPr lang="zh-CN" altLang="en-US" sz="2800" b="1" dirty="0">
+                <a:latin typeface="+mn-ea"/>
+              </a:rPr>
+              <a:t>图像</a:t>
+            </a:r>
+            <a:r>
+              <a:rPr lang="zh-CN" altLang="en-US" sz="2800" b="1" dirty="0" smtClean="0">
+                <a:latin typeface="+mn-ea"/>
+              </a:rPr>
+              <a:t>数据处理</a:t>
+            </a:r>
+            <a:endParaRPr lang="en-US" altLang="zh-CN" sz="2800" b="1" dirty="0" smtClean="0">
+              <a:latin typeface="+mn-ea"/>
+            </a:endParaRPr>
+          </a:p>
+          <a:p>
+            <a:pPr>
+              <a:spcAft>
+                <a:spcPts val="2400"/>
+              </a:spcAft>
+            </a:pPr>
+            <a:r>
+              <a:rPr lang="en-US" altLang="zh-CN" sz="2800" b="1" dirty="0">
+                <a:latin typeface="+mn-ea"/>
+              </a:rPr>
+              <a:t>Ⅲ </a:t>
+            </a:r>
+            <a:r>
+              <a:rPr lang="zh-CN" altLang="en-US" sz="2800" b="1" dirty="0">
+                <a:latin typeface="+mn-ea"/>
+              </a:rPr>
+              <a:t>多线程输入数据处理</a:t>
+            </a:r>
+            <a:r>
+              <a:rPr lang="zh-CN" altLang="en-US" sz="2800" b="1" dirty="0" smtClean="0">
+                <a:latin typeface="+mn-ea"/>
+              </a:rPr>
+              <a:t>框架</a:t>
+            </a:r>
+            <a:endParaRPr lang="zh-CN" altLang="en-US" sz="2800" b="1" dirty="0">
+              <a:latin typeface="+mn-ea"/>
+            </a:endParaRPr>
+          </a:p>
+        </p:txBody>
+      </p:sp>
+      <p:sp>
+        <p:nvSpPr>
+          <p:cNvPr id="5" name="矩形 4"/>
+          <p:cNvSpPr/>
+          <p:nvPr/>
+        </p:nvSpPr>
+        <p:spPr>
+          <a:xfrm>
+            <a:off x="5542002" y="1731106"/>
+            <a:ext cx="1107996" cy="646331"/>
+          </a:xfrm>
+          <a:prstGeom prst="rect">
+            <a:avLst/>
+          </a:prstGeom>
+        </p:spPr>
+        <p:txBody>
+          <a:bodyPr wrap="none">
+            <a:spAutoFit/>
+          </a:bodyPr>
+          <a:lstStyle/>
+          <a:p>
+            <a:r>
+              <a:rPr lang="zh-CN" altLang="en-US" sz="3600" b="1" dirty="0">
+                <a:latin typeface="华文行楷" panose="02010800040101010101" pitchFamily="2" charset="-122"/>
+                <a:ea typeface="华文行楷" panose="02010800040101010101" pitchFamily="2" charset="-122"/>
+              </a:rPr>
+              <a:t>目录</a:t>
+            </a:r>
+            <a:endParaRPr lang="zh-CN" altLang="en-US" sz="3600" b="1" dirty="0">
+              <a:latin typeface="华文行楷" panose="02010800040101010101" pitchFamily="2" charset="-122"/>
+              <a:ea typeface="华文行楷" panose="02010800040101010101" pitchFamily="2" charset="-122"/>
+            </a:endParaRPr>
+          </a:p>
+        </p:txBody>
+      </p:sp>
     </p:spTree>
     <p:extLst>
       <p:ext uri="{BB962C8B-B14F-4D97-AF65-F5344CB8AC3E}">
@@ -9719,16 +8658,40 @@
           </a:prstGeom>
         </p:spPr>
       </p:pic>
-      <p:sp>
-        <p:nvSpPr>
-          <p:cNvPr id="4" name="矩形 3"/>
+      <p:pic>
+        <p:nvPicPr>
+          <p:cNvPr id="4" name="图片 3"/>
+          <p:cNvPicPr>
+            <a:picLocks noChangeAspect="1"/>
+          </p:cNvPicPr>
+          <p:nvPr/>
+        </p:nvPicPr>
+        <p:blipFill>
+          <a:blip r:embed="rId5"/>
+          <a:stretch>
+            <a:fillRect/>
+          </a:stretch>
+        </p:blipFill>
+        <p:spPr>
+          <a:xfrm>
+            <a:off x="2997688" y="3745077"/>
+            <a:ext cx="6573032" cy="2714648"/>
+          </a:xfrm>
+          <a:prstGeom prst="rect">
+            <a:avLst/>
+          </a:prstGeom>
+        </p:spPr>
+      </p:pic>
+      <p:sp>
+        <p:nvSpPr>
+          <p:cNvPr id="5" name="矩形 4"/>
           <p:cNvSpPr/>
           <p:nvPr/>
         </p:nvSpPr>
         <p:spPr>
           <a:xfrm>
-            <a:off x="5933038" y="6287600"/>
-            <a:ext cx="6116483" cy="369332"/>
+            <a:off x="1599416" y="1150769"/>
+            <a:ext cx="8993168" cy="461665"/>
           </a:xfrm>
           <a:prstGeom prst="rect">
             <a:avLst/>
@@ -9741,674 +8704,57 @@
           <a:lstStyle/>
           <a:p>
             <a:r>
-              <a:rPr lang="en-US" altLang="zh-CN" dirty="0"/>
-              <a:t>https://www.quora.com/How-does-tf-slice-work-in-TensorFlow</a:t>
-            </a:r>
-            <a:endParaRPr lang="zh-CN" altLang="en-US" dirty="0"/>
-          </a:p>
-        </p:txBody>
-      </p:sp>
-      <p:sp>
-        <p:nvSpPr>
-          <p:cNvPr id="5" name="矩形 4"/>
-          <p:cNvSpPr/>
-          <p:nvPr/>
-        </p:nvSpPr>
-        <p:spPr>
-          <a:xfrm>
-            <a:off x="2709399" y="744801"/>
-            <a:ext cx="6773201" cy="461665"/>
-          </a:xfrm>
-          <a:prstGeom prst="rect">
-            <a:avLst/>
-          </a:prstGeom>
-        </p:spPr>
-        <p:txBody>
-          <a:bodyPr wrap="none">
-            <a:spAutoFit/>
-          </a:bodyPr>
-          <a:lstStyle/>
-          <a:p>
-            <a:r>
-              <a:rPr lang="en-US" altLang="zh-CN" sz="2400" b="1" dirty="0" err="1" smtClean="0"/>
-              <a:t>tf.slice</a:t>
-            </a:r>
-            <a:r>
               <a:rPr lang="en-US" altLang="zh-CN" sz="2400" b="1" dirty="0" smtClean="0"/>
-              <a:t>(input_, begin, size, name=None)</a:t>
+              <a:t>tf.expand_dims(input</a:t>
+            </a:r>
+            <a:r>
+              <a:rPr lang="en-US" altLang="zh-CN" sz="2400" b="1" dirty="0"/>
+              <a:t>, axis=None, name=None, </a:t>
+            </a:r>
+            <a:r>
+              <a:rPr lang="en-US" altLang="zh-CN" sz="2400" b="1" strike="sngStrike" dirty="0" smtClean="0"/>
+              <a:t>dim=None</a:t>
+            </a:r>
+            <a:r>
+              <a:rPr lang="en-US" altLang="zh-CN" sz="2400" b="1" dirty="0" smtClean="0"/>
+              <a:t>)</a:t>
             </a:r>
             <a:r>
               <a:rPr lang="zh-CN" altLang="en-US" sz="2400" b="1" dirty="0" smtClean="0"/>
-              <a:t>如何工作的</a:t>
+              <a:t>如何工作</a:t>
             </a:r>
             <a:endParaRPr lang="zh-CN" altLang="en-US" sz="2400" b="1" dirty="0"/>
           </a:p>
         </p:txBody>
       </p:sp>
-      <p:sp>
-        <p:nvSpPr>
-          <p:cNvPr id="6" name="矩形 5"/>
-          <p:cNvSpPr/>
-          <p:nvPr/>
-        </p:nvSpPr>
-        <p:spPr>
-          <a:xfrm>
-            <a:off x="278417" y="2546704"/>
-            <a:ext cx="3759429" cy="2308324"/>
-          </a:xfrm>
-          <a:prstGeom prst="rect">
-            <a:avLst/>
-          </a:prstGeom>
-        </p:spPr>
-        <p:txBody>
-          <a:bodyPr wrap="square">
-            <a:spAutoFit/>
-          </a:bodyPr>
-          <a:lstStyle/>
-          <a:p>
-            <a:r>
-              <a:rPr lang="zh-CN" altLang="en-US" dirty="0" smtClean="0"/>
-              <a:t>● </a:t>
-            </a:r>
-            <a:r>
-              <a:rPr lang="en-US" altLang="zh-CN" dirty="0" smtClean="0"/>
-              <a:t>The first dimension</a:t>
-            </a:r>
-          </a:p>
-          <a:p>
-            <a:r>
-              <a:rPr lang="en-US" altLang="zh-CN" dirty="0" smtClean="0"/>
-              <a:t>          t </a:t>
-            </a:r>
-            <a:r>
-              <a:rPr lang="en-US" altLang="zh-CN" dirty="0"/>
-              <a:t>= [[A], [B], [</a:t>
-            </a:r>
-            <a:r>
-              <a:rPr lang="en-US" altLang="zh-CN" dirty="0" smtClean="0"/>
-              <a:t>C]</a:t>
-            </a:r>
-          </a:p>
-          <a:p>
-            <a:r>
-              <a:rPr lang="zh-CN" altLang="en-US" dirty="0"/>
-              <a:t>● </a:t>
-            </a:r>
-            <a:r>
-              <a:rPr lang="en-US" altLang="zh-CN" dirty="0" smtClean="0"/>
-              <a:t>The second dimension</a:t>
-            </a:r>
-          </a:p>
-          <a:p>
-            <a:r>
-              <a:rPr lang="en-US" altLang="zh-CN" dirty="0"/>
-              <a:t> </a:t>
-            </a:r>
-            <a:r>
-              <a:rPr lang="en-US" altLang="zh-CN" dirty="0" smtClean="0"/>
-              <a:t>         A </a:t>
-            </a:r>
-            <a:r>
-              <a:rPr lang="en-US" altLang="zh-CN" dirty="0"/>
-              <a:t>= [</a:t>
-            </a:r>
-            <a:r>
-              <a:rPr lang="en-US" altLang="zh-CN" dirty="0" err="1"/>
-              <a:t>i</a:t>
-            </a:r>
-            <a:r>
-              <a:rPr lang="en-US" altLang="zh-CN" dirty="0"/>
-              <a:t>, j], B = [k, l], C = [m, </a:t>
-            </a:r>
-            <a:r>
-              <a:rPr lang="en-US" altLang="zh-CN" dirty="0" smtClean="0"/>
-              <a:t>n</a:t>
-            </a:r>
-          </a:p>
-          <a:p>
-            <a:r>
-              <a:rPr lang="zh-CN" altLang="en-US" dirty="0"/>
-              <a:t>● </a:t>
-            </a:r>
-            <a:r>
-              <a:rPr lang="en-US" altLang="zh-CN" dirty="0" smtClean="0"/>
-              <a:t>The third </a:t>
-            </a:r>
-            <a:r>
-              <a:rPr lang="en-US" altLang="zh-CN" dirty="0"/>
-              <a:t>dimension </a:t>
-            </a:r>
-            <a:endParaRPr lang="en-US" altLang="zh-CN" dirty="0" smtClean="0"/>
-          </a:p>
-          <a:p>
-            <a:r>
-              <a:rPr lang="en-US" altLang="zh-CN" dirty="0"/>
-              <a:t> </a:t>
-            </a:r>
-            <a:r>
-              <a:rPr lang="en-US" altLang="zh-CN" dirty="0" smtClean="0"/>
-              <a:t>         </a:t>
-            </a:r>
-            <a:r>
-              <a:rPr lang="en-US" altLang="zh-CN" dirty="0" err="1" smtClean="0"/>
-              <a:t>i</a:t>
-            </a:r>
-            <a:r>
-              <a:rPr lang="en-US" altLang="zh-CN" dirty="0" smtClean="0"/>
-              <a:t> </a:t>
-            </a:r>
-            <a:r>
-              <a:rPr lang="en-US" altLang="zh-CN" dirty="0"/>
-              <a:t>= [1, 1, 1], j = [2, 2, 2</a:t>
-            </a:r>
-            <a:r>
-              <a:rPr lang="en-US" altLang="zh-CN" dirty="0" smtClean="0"/>
-              <a:t>]</a:t>
-            </a:r>
-          </a:p>
-          <a:p>
-            <a:r>
-              <a:rPr lang="en-US" altLang="zh-CN" dirty="0"/>
-              <a:t> </a:t>
-            </a:r>
-            <a:r>
-              <a:rPr lang="en-US" altLang="zh-CN" dirty="0" smtClean="0"/>
-              <a:t>         </a:t>
-            </a:r>
-            <a:r>
-              <a:rPr lang="en-US" altLang="zh-CN" dirty="0"/>
-              <a:t>k = [3, 3 ,3], l = </a:t>
-            </a:r>
-            <a:r>
-              <a:rPr lang="en-US" altLang="zh-CN" dirty="0" smtClean="0"/>
-              <a:t> [</a:t>
-            </a:r>
-            <a:r>
-              <a:rPr lang="en-US" altLang="zh-CN" dirty="0"/>
-              <a:t>4, 4, 4</a:t>
-            </a:r>
-            <a:r>
-              <a:rPr lang="en-US" altLang="zh-CN" dirty="0" smtClean="0"/>
-              <a:t>]</a:t>
-            </a:r>
-          </a:p>
-          <a:p>
-            <a:r>
-              <a:rPr lang="en-US" altLang="zh-CN" dirty="0"/>
-              <a:t> </a:t>
-            </a:r>
-            <a:r>
-              <a:rPr lang="en-US" altLang="zh-CN" dirty="0" smtClean="0"/>
-              <a:t>         m </a:t>
-            </a:r>
-            <a:r>
-              <a:rPr lang="en-US" altLang="zh-CN" dirty="0"/>
-              <a:t>= [5, 5, 5], n = [6, 6, 6].</a:t>
-            </a:r>
-            <a:endParaRPr lang="zh-CN" altLang="en-US" dirty="0"/>
-          </a:p>
-        </p:txBody>
-      </p:sp>
-      <p:sp>
-        <p:nvSpPr>
-          <p:cNvPr id="7" name="矩形 6"/>
-          <p:cNvSpPr/>
-          <p:nvPr/>
-        </p:nvSpPr>
-        <p:spPr>
-          <a:xfrm>
-            <a:off x="449655" y="1425277"/>
-            <a:ext cx="3588191" cy="923330"/>
-          </a:xfrm>
-          <a:prstGeom prst="rect">
-            <a:avLst/>
-          </a:prstGeom>
-        </p:spPr>
-        <p:txBody>
-          <a:bodyPr wrap="square">
-            <a:spAutoFit/>
-          </a:bodyPr>
-          <a:lstStyle/>
-          <a:p>
-            <a:r>
-              <a:rPr lang="fr-FR" altLang="zh-CN" dirty="0"/>
-              <a:t>t = tf.constant([[[1, 1, 1], [2, 2, 2]],</a:t>
-            </a:r>
-          </a:p>
-          <a:p>
-            <a:r>
-              <a:rPr lang="fr-FR" altLang="zh-CN" dirty="0"/>
-              <a:t>                 [[3, 3, 3], [4, 4, 4]],</a:t>
-            </a:r>
-          </a:p>
-          <a:p>
-            <a:r>
-              <a:rPr lang="fr-FR" altLang="zh-CN" dirty="0"/>
-              <a:t>                 [[5, 5, 5], [6, 6, 6]]])</a:t>
-            </a:r>
-            <a:endParaRPr lang="zh-CN" altLang="en-US" dirty="0"/>
-          </a:p>
-        </p:txBody>
-      </p:sp>
-      <p:sp>
-        <p:nvSpPr>
-          <p:cNvPr id="8" name="矩形 7"/>
-          <p:cNvSpPr/>
-          <p:nvPr/>
-        </p:nvSpPr>
-        <p:spPr>
-          <a:xfrm>
-            <a:off x="4792301" y="1585346"/>
-            <a:ext cx="3317639" cy="369332"/>
-          </a:xfrm>
-          <a:prstGeom prst="rect">
-            <a:avLst/>
-          </a:prstGeom>
-        </p:spPr>
-        <p:txBody>
-          <a:bodyPr wrap="none">
-            <a:spAutoFit/>
-          </a:bodyPr>
-          <a:lstStyle/>
-          <a:p>
-            <a:r>
-              <a:rPr lang="fr-FR" altLang="zh-CN" dirty="0" smtClean="0"/>
-              <a:t>Input: tf.slice(t</a:t>
-            </a:r>
-            <a:r>
-              <a:rPr lang="fr-FR" altLang="zh-CN" dirty="0"/>
-              <a:t>, [1, 0, 0], [1, </a:t>
-            </a:r>
-            <a:r>
-              <a:rPr lang="en-US" altLang="zh-CN" dirty="0" smtClean="0"/>
-              <a:t>2</a:t>
-            </a:r>
-            <a:r>
-              <a:rPr lang="fr-FR" altLang="zh-CN" dirty="0" smtClean="0"/>
-              <a:t>, </a:t>
-            </a:r>
-            <a:r>
-              <a:rPr lang="fr-FR" altLang="zh-CN" dirty="0"/>
-              <a:t>3]) </a:t>
-            </a:r>
-            <a:endParaRPr lang="zh-CN" altLang="en-US" dirty="0"/>
-          </a:p>
-        </p:txBody>
-      </p:sp>
-      <p:sp>
-        <p:nvSpPr>
-          <p:cNvPr id="9" name="矩形 8"/>
-          <p:cNvSpPr/>
-          <p:nvPr/>
-        </p:nvSpPr>
-        <p:spPr>
-          <a:xfrm>
-            <a:off x="4792301" y="2139344"/>
-            <a:ext cx="2714613" cy="369332"/>
-          </a:xfrm>
-          <a:prstGeom prst="rect">
-            <a:avLst/>
-          </a:prstGeom>
-        </p:spPr>
-        <p:txBody>
-          <a:bodyPr wrap="square">
-            <a:spAutoFit/>
-          </a:bodyPr>
-          <a:lstStyle/>
-          <a:p>
-            <a:r>
-              <a:rPr lang="en-US" altLang="zh-CN" dirty="0" smtClean="0"/>
-              <a:t>Output</a:t>
-            </a:r>
-            <a:r>
-              <a:rPr lang="en-US" altLang="zh-CN" dirty="0"/>
-              <a:t>: [[[3, 3, 3], </a:t>
-            </a:r>
-            <a:r>
-              <a:rPr lang="en-US" altLang="zh-CN" dirty="0" smtClean="0"/>
-              <a:t>[</a:t>
-            </a:r>
-            <a:r>
-              <a:rPr lang="en-US" altLang="zh-CN" dirty="0"/>
-              <a:t>4, 4, 4]]]</a:t>
-            </a:r>
-            <a:endParaRPr lang="zh-CN" altLang="en-US" dirty="0"/>
-          </a:p>
-        </p:txBody>
-      </p:sp>
-      <p:sp>
-        <p:nvSpPr>
-          <p:cNvPr id="10" name="矩形 9"/>
-          <p:cNvSpPr/>
-          <p:nvPr/>
-        </p:nvSpPr>
-        <p:spPr>
-          <a:xfrm>
-            <a:off x="4792301" y="2658303"/>
-            <a:ext cx="6859511" cy="3123932"/>
-          </a:xfrm>
-          <a:prstGeom prst="rect">
-            <a:avLst/>
-          </a:prstGeom>
-          <a:solidFill>
-            <a:srgbClr val="92D050"/>
-          </a:solidFill>
-        </p:spPr>
-        <p:txBody>
-          <a:bodyPr wrap="square">
-            <a:spAutoFit/>
-          </a:bodyPr>
-          <a:lstStyle/>
-          <a:p>
-            <a:pPr>
-              <a:spcAft>
-                <a:spcPts val="600"/>
-              </a:spcAft>
-            </a:pPr>
-            <a:r>
-              <a:rPr lang="en-US" altLang="zh-CN" dirty="0"/>
-              <a:t>b</a:t>
-            </a:r>
-            <a:r>
-              <a:rPr lang="en-US" altLang="zh-CN" dirty="0" smtClean="0"/>
-              <a:t>egin[0] = 1</a:t>
-            </a:r>
-            <a:r>
-              <a:rPr lang="zh-CN" altLang="en-US" dirty="0" smtClean="0"/>
-              <a:t>表示第一维从下标为</a:t>
-            </a:r>
-            <a:r>
-              <a:rPr lang="en-US" altLang="zh-CN" dirty="0" smtClean="0"/>
-              <a:t>1</a:t>
-            </a:r>
-            <a:r>
-              <a:rPr lang="zh-CN" altLang="en-US" dirty="0" smtClean="0"/>
-              <a:t>的元素开始取</a:t>
-            </a:r>
-            <a:r>
-              <a:rPr lang="en-US" altLang="zh-CN" dirty="0" smtClean="0"/>
-              <a:t>——</a:t>
-            </a:r>
-            <a:r>
-              <a:rPr lang="zh-CN" altLang="en-US" dirty="0" smtClean="0"/>
-              <a:t>从</a:t>
-            </a:r>
-            <a:r>
-              <a:rPr lang="en-US" altLang="zh-CN" dirty="0" smtClean="0"/>
-              <a:t>B</a:t>
-            </a:r>
-            <a:r>
-              <a:rPr lang="zh-CN" altLang="en-US" dirty="0" smtClean="0"/>
-              <a:t>开始取</a:t>
-            </a:r>
-            <a:endParaRPr lang="en-US" altLang="zh-CN" dirty="0" smtClean="0"/>
-          </a:p>
-          <a:p>
-            <a:pPr>
-              <a:spcAft>
-                <a:spcPts val="600"/>
-              </a:spcAft>
-            </a:pPr>
-            <a:r>
-              <a:rPr lang="en-US" altLang="zh-CN" dirty="0" smtClean="0"/>
-              <a:t>size[0] = 1</a:t>
-            </a:r>
-            <a:r>
-              <a:rPr lang="zh-CN" altLang="en-US" dirty="0" smtClean="0"/>
-              <a:t>表示取出</a:t>
-            </a:r>
-            <a:r>
-              <a:rPr lang="en-US" altLang="zh-CN" dirty="0" smtClean="0"/>
-              <a:t>1</a:t>
-            </a:r>
-            <a:r>
-              <a:rPr lang="zh-CN" altLang="en-US" dirty="0" smtClean="0"/>
-              <a:t>个元素</a:t>
-            </a:r>
-            <a:r>
-              <a:rPr lang="en-US" altLang="zh-CN" dirty="0" smtClean="0"/>
-              <a:t>——B</a:t>
-            </a:r>
-          </a:p>
-          <a:p>
-            <a:pPr>
-              <a:spcAft>
-                <a:spcPts val="600"/>
-              </a:spcAft>
-            </a:pPr>
-            <a:r>
-              <a:rPr lang="en-US" altLang="zh-CN" dirty="0" smtClean="0"/>
-              <a:t>begin[1] </a:t>
-            </a:r>
-            <a:r>
-              <a:rPr lang="en-US" altLang="zh-CN" dirty="0"/>
-              <a:t>= </a:t>
-            </a:r>
-            <a:r>
-              <a:rPr lang="en-US" altLang="zh-CN" dirty="0" smtClean="0"/>
-              <a:t>0</a:t>
-            </a:r>
-            <a:r>
-              <a:rPr lang="zh-CN" altLang="en-US" dirty="0" smtClean="0"/>
-              <a:t>表示从</a:t>
-            </a:r>
-            <a:r>
-              <a:rPr lang="en-US" altLang="zh-CN" dirty="0" smtClean="0"/>
-              <a:t>B</a:t>
-            </a:r>
-            <a:r>
-              <a:rPr lang="zh-CN" altLang="en-US" dirty="0" smtClean="0"/>
-              <a:t>下标为</a:t>
-            </a:r>
-            <a:r>
-              <a:rPr lang="en-US" altLang="zh-CN" dirty="0" smtClean="0"/>
-              <a:t>0</a:t>
-            </a:r>
-            <a:r>
-              <a:rPr lang="zh-CN" altLang="en-US" dirty="0" smtClean="0"/>
-              <a:t>的元素开始取</a:t>
-            </a:r>
-            <a:r>
-              <a:rPr lang="en-US" altLang="zh-CN" dirty="0" smtClean="0"/>
-              <a:t>——</a:t>
-            </a:r>
-            <a:r>
-              <a:rPr lang="zh-CN" altLang="en-US" dirty="0" smtClean="0"/>
-              <a:t>从</a:t>
-            </a:r>
-            <a:r>
-              <a:rPr lang="en-US" altLang="zh-CN" dirty="0" smtClean="0"/>
-              <a:t>k</a:t>
-            </a:r>
-            <a:r>
-              <a:rPr lang="zh-CN" altLang="en-US" dirty="0" smtClean="0"/>
-              <a:t>开始取</a:t>
-            </a:r>
-            <a:endParaRPr lang="en-US" altLang="zh-CN" dirty="0"/>
-          </a:p>
-          <a:p>
-            <a:pPr>
-              <a:spcAft>
-                <a:spcPts val="600"/>
-              </a:spcAft>
-            </a:pPr>
-            <a:r>
-              <a:rPr lang="en-US" altLang="zh-CN" dirty="0" smtClean="0"/>
-              <a:t>size[1] </a:t>
-            </a:r>
-            <a:r>
-              <a:rPr lang="en-US" altLang="zh-CN" dirty="0"/>
-              <a:t>= </a:t>
-            </a:r>
-            <a:r>
-              <a:rPr lang="en-US" altLang="zh-CN" dirty="0" smtClean="0"/>
-              <a:t>2</a:t>
-            </a:r>
-            <a:r>
-              <a:rPr lang="zh-CN" altLang="en-US" dirty="0" smtClean="0"/>
-              <a:t>表示取出</a:t>
-            </a:r>
-            <a:r>
-              <a:rPr lang="en-US" altLang="zh-CN" dirty="0" smtClean="0"/>
-              <a:t>2</a:t>
-            </a:r>
-            <a:r>
-              <a:rPr lang="zh-CN" altLang="en-US" dirty="0" smtClean="0"/>
-              <a:t>个元素</a:t>
-            </a:r>
-            <a:r>
-              <a:rPr lang="en-US" altLang="zh-CN" dirty="0" smtClean="0"/>
-              <a:t>——k, l</a:t>
-            </a:r>
-          </a:p>
-          <a:p>
-            <a:pPr>
-              <a:spcAft>
-                <a:spcPts val="600"/>
-              </a:spcAft>
-            </a:pPr>
-            <a:r>
-              <a:rPr lang="en-US" altLang="zh-CN" dirty="0" smtClean="0"/>
-              <a:t>begin[2] </a:t>
-            </a:r>
-            <a:r>
-              <a:rPr lang="en-US" altLang="zh-CN" dirty="0"/>
-              <a:t>= 0</a:t>
-            </a:r>
-            <a:r>
-              <a:rPr lang="zh-CN" altLang="en-US" dirty="0" smtClean="0"/>
-              <a:t>表示分别从</a:t>
-            </a:r>
-            <a:r>
-              <a:rPr lang="en-US" altLang="zh-CN" dirty="0" smtClean="0"/>
-              <a:t>k, l</a:t>
-            </a:r>
-            <a:r>
-              <a:rPr lang="zh-CN" altLang="en-US" dirty="0" smtClean="0"/>
-              <a:t>下标</a:t>
-            </a:r>
-            <a:r>
-              <a:rPr lang="zh-CN" altLang="en-US" dirty="0"/>
-              <a:t>为</a:t>
-            </a:r>
-            <a:r>
-              <a:rPr lang="en-US" altLang="zh-CN" dirty="0"/>
-              <a:t>0</a:t>
-            </a:r>
-            <a:r>
-              <a:rPr lang="zh-CN" altLang="en-US" dirty="0"/>
-              <a:t>的元素开始取</a:t>
-            </a:r>
-            <a:r>
-              <a:rPr lang="en-US" altLang="zh-CN" dirty="0"/>
-              <a:t>——</a:t>
-            </a:r>
-            <a:r>
-              <a:rPr lang="zh-CN" altLang="en-US" dirty="0" smtClean="0"/>
-              <a:t>从</a:t>
-            </a:r>
-            <a:r>
-              <a:rPr lang="en-US" altLang="zh-CN" dirty="0" smtClean="0"/>
-              <a:t>3(k)</a:t>
-            </a:r>
-            <a:r>
-              <a:rPr lang="zh-CN" altLang="en-US" dirty="0" smtClean="0"/>
-              <a:t>，</a:t>
-            </a:r>
-            <a:r>
-              <a:rPr lang="en-US" altLang="zh-CN" dirty="0" smtClean="0"/>
-              <a:t>4(</a:t>
-            </a:r>
-            <a:r>
-              <a:rPr lang="en-US" altLang="zh-CN" dirty="0"/>
-              <a:t>I</a:t>
-            </a:r>
-            <a:r>
-              <a:rPr lang="en-US" altLang="zh-CN" dirty="0" smtClean="0"/>
-              <a:t>)</a:t>
-            </a:r>
-            <a:r>
-              <a:rPr lang="zh-CN" altLang="en-US" dirty="0" smtClean="0"/>
-              <a:t>开始</a:t>
-            </a:r>
-            <a:r>
-              <a:rPr lang="zh-CN" altLang="en-US" dirty="0"/>
-              <a:t>取</a:t>
-            </a:r>
-            <a:endParaRPr lang="en-US" altLang="zh-CN" dirty="0"/>
-          </a:p>
-          <a:p>
-            <a:pPr>
-              <a:spcAft>
-                <a:spcPts val="600"/>
-              </a:spcAft>
-            </a:pPr>
-            <a:r>
-              <a:rPr lang="en-US" altLang="zh-CN" dirty="0"/>
-              <a:t>size[2] = </a:t>
-            </a:r>
-            <a:r>
-              <a:rPr lang="en-US" altLang="zh-CN" dirty="0" smtClean="0"/>
-              <a:t>3</a:t>
-            </a:r>
-            <a:r>
-              <a:rPr lang="zh-CN" altLang="en-US" dirty="0" smtClean="0"/>
-              <a:t>表示取出</a:t>
-            </a:r>
-            <a:r>
-              <a:rPr lang="en-US" altLang="zh-CN" dirty="0" smtClean="0"/>
-              <a:t>3</a:t>
-            </a:r>
-            <a:r>
-              <a:rPr lang="zh-CN" altLang="en-US" dirty="0" smtClean="0"/>
-              <a:t>个</a:t>
-            </a:r>
-            <a:r>
-              <a:rPr lang="zh-CN" altLang="en-US" dirty="0"/>
-              <a:t>元素</a:t>
-            </a:r>
-            <a:r>
-              <a:rPr lang="en-US" altLang="zh-CN" dirty="0" smtClean="0"/>
-              <a:t>——[</a:t>
-            </a:r>
-            <a:r>
-              <a:rPr lang="en-US" altLang="zh-CN" dirty="0"/>
-              <a:t>3, 3, 3], [4, 4, </a:t>
-            </a:r>
-            <a:r>
-              <a:rPr lang="en-US" altLang="zh-CN" dirty="0" smtClean="0"/>
-              <a:t>4]</a:t>
-            </a:r>
-          </a:p>
-          <a:p>
-            <a:pPr>
-              <a:spcAft>
-                <a:spcPts val="600"/>
-              </a:spcAft>
-            </a:pPr>
-            <a:r>
-              <a:rPr lang="zh-CN" altLang="en-US" dirty="0" smtClean="0"/>
-              <a:t>组合：</a:t>
-            </a:r>
-            <a:r>
-              <a:rPr lang="en-US" altLang="zh-CN" dirty="0"/>
-              <a:t>[[[3, 3, 3], [4, 4, 4</a:t>
-            </a:r>
-            <a:r>
-              <a:rPr lang="en-US" altLang="zh-CN" dirty="0" smtClean="0"/>
-              <a:t>]]]</a:t>
-            </a:r>
-            <a:endParaRPr lang="zh-CN" altLang="en-US" dirty="0"/>
-          </a:p>
-          <a:p>
-            <a:endParaRPr lang="zh-CN" altLang="en-US" dirty="0"/>
-          </a:p>
-        </p:txBody>
-      </p:sp>
+      <p:pic>
+        <p:nvPicPr>
+          <p:cNvPr id="6" name="图片 5"/>
+          <p:cNvPicPr>
+            <a:picLocks noChangeAspect="1"/>
+          </p:cNvPicPr>
+          <p:nvPr/>
+        </p:nvPicPr>
+        <p:blipFill>
+          <a:blip r:embed="rId6"/>
+          <a:stretch>
+            <a:fillRect/>
+          </a:stretch>
+        </p:blipFill>
+        <p:spPr>
+          <a:xfrm>
+            <a:off x="1540810" y="1755648"/>
+            <a:ext cx="9833333" cy="1792223"/>
+          </a:xfrm>
+          <a:prstGeom prst="rect">
+            <a:avLst/>
+          </a:prstGeom>
+        </p:spPr>
+      </p:pic>
     </p:spTree>
     <p:extLst>
       <p:ext uri="{BB962C8B-B14F-4D97-AF65-F5344CB8AC3E}">
-        <p14:creationId xmlns:p14="http://schemas.microsoft.com/office/powerpoint/2010/main" val="4001689312"/>
+        <p14:creationId xmlns:p14="http://schemas.microsoft.com/office/powerpoint/2010/main" val="2439062227"/>
       </p:ext>
     </p:extLst>
   </p:cSld>
@@ -10442,6 +8788,993 @@
           <a:chExt cx="0" cy="0"/>
         </a:xfrm>
       </p:grpSpPr>
+      <p:sp>
+        <p:nvSpPr>
+          <p:cNvPr id="12" name="矩形 11"/>
+          <p:cNvSpPr/>
+          <p:nvPr/>
+        </p:nvSpPr>
+        <p:spPr>
+          <a:xfrm>
+            <a:off x="303351" y="2658303"/>
+            <a:ext cx="4342646" cy="3123932"/>
+          </a:xfrm>
+          <a:prstGeom prst="rect">
+            <a:avLst/>
+          </a:prstGeom>
+          <a:solidFill>
+            <a:srgbClr val="92D050"/>
+          </a:solidFill>
+          <a:ln>
+            <a:noFill/>
+          </a:ln>
+        </p:spPr>
+        <p:style>
+          <a:lnRef idx="2">
+            <a:schemeClr val="accent1">
+              <a:shade val="50000"/>
+            </a:schemeClr>
+          </a:lnRef>
+          <a:fillRef idx="1">
+            <a:schemeClr val="accent1"/>
+          </a:fillRef>
+          <a:effectRef idx="0">
+            <a:schemeClr val="accent1"/>
+          </a:effectRef>
+          <a:fontRef idx="minor">
+            <a:schemeClr val="lt1"/>
+          </a:fontRef>
+        </p:style>
+        <p:txBody>
+          <a:bodyPr rtlCol="0" anchor="ctr"/>
+          <a:lstStyle/>
+          <a:p>
+            <a:pPr algn="ctr"/>
+            <a:endParaRPr lang="zh-CN" altLang="en-US"/>
+          </a:p>
+        </p:txBody>
+      </p:sp>
+      <p:sp>
+        <p:nvSpPr>
+          <p:cNvPr id="11" name="圆角矩形 10"/>
+          <p:cNvSpPr/>
+          <p:nvPr/>
+        </p:nvSpPr>
+        <p:spPr>
+          <a:xfrm>
+            <a:off x="449655" y="1250167"/>
+            <a:ext cx="11071785" cy="1326526"/>
+          </a:xfrm>
+          <a:prstGeom prst="roundRect">
+            <a:avLst/>
+          </a:prstGeom>
+          <a:solidFill>
+            <a:srgbClr val="BDD7EE"/>
+          </a:solidFill>
+        </p:spPr>
+        <p:style>
+          <a:lnRef idx="2">
+            <a:schemeClr val="accent1">
+              <a:shade val="50000"/>
+            </a:schemeClr>
+          </a:lnRef>
+          <a:fillRef idx="1">
+            <a:schemeClr val="accent1"/>
+          </a:fillRef>
+          <a:effectRef idx="0">
+            <a:schemeClr val="accent1"/>
+          </a:effectRef>
+          <a:fontRef idx="minor">
+            <a:schemeClr val="lt1"/>
+          </a:fontRef>
+        </p:style>
+        <p:txBody>
+          <a:bodyPr rtlCol="0" anchor="ctr"/>
+          <a:lstStyle/>
+          <a:p>
+            <a:pPr algn="ctr"/>
+            <a:endParaRPr lang="zh-CN" altLang="en-US"/>
+          </a:p>
+        </p:txBody>
+      </p:sp>
+      <p:pic>
+        <p:nvPicPr>
+          <p:cNvPr id="2" name="图片 1"/>
+          <p:cNvPicPr>
+            <a:picLocks noChangeAspect="1"/>
+          </p:cNvPicPr>
+          <p:nvPr/>
+        </p:nvPicPr>
+        <p:blipFill>
+          <a:blip r:embed="rId3"/>
+          <a:stretch>
+            <a:fillRect/>
+          </a:stretch>
+        </p:blipFill>
+        <p:spPr>
+          <a:xfrm>
+            <a:off x="0" y="6656932"/>
+            <a:ext cx="12192000" cy="201068"/>
+          </a:xfrm>
+          <a:prstGeom prst="rect">
+            <a:avLst/>
+          </a:prstGeom>
+        </p:spPr>
+      </p:pic>
+      <p:pic>
+        <p:nvPicPr>
+          <p:cNvPr id="3" name="图片 2"/>
+          <p:cNvPicPr>
+            <a:picLocks noChangeAspect="1"/>
+          </p:cNvPicPr>
+          <p:nvPr/>
+        </p:nvPicPr>
+        <p:blipFill>
+          <a:blip r:embed="rId4"/>
+          <a:stretch>
+            <a:fillRect/>
+          </a:stretch>
+        </p:blipFill>
+        <p:spPr>
+          <a:xfrm>
+            <a:off x="0" y="0"/>
+            <a:ext cx="12192000" cy="701101"/>
+          </a:xfrm>
+          <a:prstGeom prst="rect">
+            <a:avLst/>
+          </a:prstGeom>
+        </p:spPr>
+      </p:pic>
+      <p:sp>
+        <p:nvSpPr>
+          <p:cNvPr id="4" name="矩形 3"/>
+          <p:cNvSpPr/>
+          <p:nvPr/>
+        </p:nvSpPr>
+        <p:spPr>
+          <a:xfrm>
+            <a:off x="5933038" y="6287600"/>
+            <a:ext cx="6116483" cy="369332"/>
+          </a:xfrm>
+          <a:prstGeom prst="rect">
+            <a:avLst/>
+          </a:prstGeom>
+        </p:spPr>
+        <p:txBody>
+          <a:bodyPr wrap="none">
+            <a:spAutoFit/>
+          </a:bodyPr>
+          <a:lstStyle/>
+          <a:p>
+            <a:r>
+              <a:rPr lang="en-US" altLang="zh-CN" dirty="0"/>
+              <a:t>https://www.quora.com/How-does-tf-slice-work-in-TensorFlow</a:t>
+            </a:r>
+            <a:endParaRPr lang="zh-CN" altLang="en-US" dirty="0"/>
+          </a:p>
+        </p:txBody>
+      </p:sp>
+      <p:sp>
+        <p:nvSpPr>
+          <p:cNvPr id="5" name="矩形 4"/>
+          <p:cNvSpPr/>
+          <p:nvPr/>
+        </p:nvSpPr>
+        <p:spPr>
+          <a:xfrm>
+            <a:off x="2709399" y="744801"/>
+            <a:ext cx="6773201" cy="461665"/>
+          </a:xfrm>
+          <a:prstGeom prst="rect">
+            <a:avLst/>
+          </a:prstGeom>
+        </p:spPr>
+        <p:txBody>
+          <a:bodyPr wrap="none">
+            <a:spAutoFit/>
+          </a:bodyPr>
+          <a:lstStyle/>
+          <a:p>
+            <a:r>
+              <a:rPr lang="en-US" altLang="zh-CN" sz="2400" b="1" dirty="0" smtClean="0"/>
+              <a:t>tf.slice(input_, begin, size, name=None)</a:t>
+            </a:r>
+            <a:r>
+              <a:rPr lang="zh-CN" altLang="en-US" sz="2400" b="1" dirty="0" smtClean="0"/>
+              <a:t>如何工作的</a:t>
+            </a:r>
+            <a:endParaRPr lang="zh-CN" altLang="en-US" sz="2400" b="1" dirty="0"/>
+          </a:p>
+        </p:txBody>
+      </p:sp>
+      <p:sp>
+        <p:nvSpPr>
+          <p:cNvPr id="6" name="矩形 5"/>
+          <p:cNvSpPr/>
+          <p:nvPr/>
+        </p:nvSpPr>
+        <p:spPr>
+          <a:xfrm>
+            <a:off x="398290" y="2708383"/>
+            <a:ext cx="4320859" cy="2800767"/>
+          </a:xfrm>
+          <a:prstGeom prst="rect">
+            <a:avLst/>
+          </a:prstGeom>
+        </p:spPr>
+        <p:txBody>
+          <a:bodyPr wrap="square">
+            <a:spAutoFit/>
+          </a:bodyPr>
+          <a:lstStyle/>
+          <a:p>
+            <a:r>
+              <a:rPr lang="zh-CN" altLang="en-US" sz="2200" dirty="0">
+                <a:latin typeface="Times New Roman" panose="02020603050405020304" pitchFamily="18" charset="0"/>
+                <a:cs typeface="Times New Roman" panose="02020603050405020304" pitchFamily="18" charset="0"/>
+              </a:rPr>
+              <a:t>● </a:t>
+            </a:r>
+            <a:r>
+              <a:rPr lang="en-US" altLang="zh-CN" sz="2200" dirty="0">
+                <a:latin typeface="Times New Roman" panose="02020603050405020304" pitchFamily="18" charset="0"/>
+                <a:cs typeface="Times New Roman" panose="02020603050405020304" pitchFamily="18" charset="0"/>
+              </a:rPr>
+              <a:t>The first dimension</a:t>
+            </a:r>
+          </a:p>
+          <a:p>
+            <a:r>
+              <a:rPr lang="en-US" altLang="zh-CN" sz="2200" dirty="0">
+                <a:latin typeface="Times New Roman" panose="02020603050405020304" pitchFamily="18" charset="0"/>
+                <a:cs typeface="Times New Roman" panose="02020603050405020304" pitchFamily="18" charset="0"/>
+              </a:rPr>
+              <a:t>          t </a:t>
+            </a:r>
+            <a:r>
+              <a:rPr lang="en-US" altLang="zh-CN" sz="2200" dirty="0">
+                <a:latin typeface="Times New Roman" panose="02020603050405020304" pitchFamily="18" charset="0"/>
+                <a:cs typeface="Times New Roman" panose="02020603050405020304" pitchFamily="18" charset="0"/>
+              </a:rPr>
+              <a:t>= [[A], [B], [</a:t>
+            </a:r>
+            <a:r>
+              <a:rPr lang="en-US" altLang="zh-CN" sz="2200" dirty="0">
+                <a:latin typeface="Times New Roman" panose="02020603050405020304" pitchFamily="18" charset="0"/>
+                <a:cs typeface="Times New Roman" panose="02020603050405020304" pitchFamily="18" charset="0"/>
+              </a:rPr>
+              <a:t>C</a:t>
+            </a:r>
+            <a:r>
+              <a:rPr lang="en-US" altLang="zh-CN" sz="2200" dirty="0" smtClean="0">
+                <a:latin typeface="Times New Roman" panose="02020603050405020304" pitchFamily="18" charset="0"/>
+                <a:cs typeface="Times New Roman" panose="02020603050405020304" pitchFamily="18" charset="0"/>
+              </a:rPr>
+              <a:t>]]</a:t>
+            </a:r>
+            <a:endParaRPr lang="en-US" altLang="zh-CN" sz="2200" dirty="0">
+              <a:latin typeface="Times New Roman" panose="02020603050405020304" pitchFamily="18" charset="0"/>
+              <a:cs typeface="Times New Roman" panose="02020603050405020304" pitchFamily="18" charset="0"/>
+            </a:endParaRPr>
+          </a:p>
+          <a:p>
+            <a:r>
+              <a:rPr lang="zh-CN" altLang="en-US" sz="2200" dirty="0">
+                <a:latin typeface="Times New Roman" panose="02020603050405020304" pitchFamily="18" charset="0"/>
+                <a:cs typeface="Times New Roman" panose="02020603050405020304" pitchFamily="18" charset="0"/>
+              </a:rPr>
+              <a:t>● </a:t>
+            </a:r>
+            <a:r>
+              <a:rPr lang="en-US" altLang="zh-CN" sz="2200" dirty="0">
+                <a:latin typeface="Times New Roman" panose="02020603050405020304" pitchFamily="18" charset="0"/>
+                <a:cs typeface="Times New Roman" panose="02020603050405020304" pitchFamily="18" charset="0"/>
+              </a:rPr>
+              <a:t>The second dimension</a:t>
+            </a:r>
+          </a:p>
+          <a:p>
+            <a:r>
+              <a:rPr lang="en-US" altLang="zh-CN" sz="2200" dirty="0">
+                <a:latin typeface="Times New Roman" panose="02020603050405020304" pitchFamily="18" charset="0"/>
+                <a:cs typeface="Times New Roman" panose="02020603050405020304" pitchFamily="18" charset="0"/>
+              </a:rPr>
+              <a:t> </a:t>
+            </a:r>
+            <a:r>
+              <a:rPr lang="en-US" altLang="zh-CN" sz="2200" dirty="0">
+                <a:latin typeface="Times New Roman" panose="02020603050405020304" pitchFamily="18" charset="0"/>
+                <a:cs typeface="Times New Roman" panose="02020603050405020304" pitchFamily="18" charset="0"/>
+              </a:rPr>
+              <a:t>         A </a:t>
+            </a:r>
+            <a:r>
+              <a:rPr lang="en-US" altLang="zh-CN" sz="2200" dirty="0">
+                <a:latin typeface="Times New Roman" panose="02020603050405020304" pitchFamily="18" charset="0"/>
+                <a:cs typeface="Times New Roman" panose="02020603050405020304" pitchFamily="18" charset="0"/>
+              </a:rPr>
+              <a:t>= [i, j], B = [k, l], C = [m, </a:t>
+            </a:r>
+            <a:r>
+              <a:rPr lang="en-US" altLang="zh-CN" sz="2200" dirty="0" smtClean="0">
+                <a:latin typeface="Times New Roman" panose="02020603050405020304" pitchFamily="18" charset="0"/>
+                <a:cs typeface="Times New Roman" panose="02020603050405020304" pitchFamily="18" charset="0"/>
+              </a:rPr>
+              <a:t>n]</a:t>
+            </a:r>
+            <a:endParaRPr lang="en-US" altLang="zh-CN" sz="2200" dirty="0">
+              <a:latin typeface="Times New Roman" panose="02020603050405020304" pitchFamily="18" charset="0"/>
+              <a:cs typeface="Times New Roman" panose="02020603050405020304" pitchFamily="18" charset="0"/>
+            </a:endParaRPr>
+          </a:p>
+          <a:p>
+            <a:r>
+              <a:rPr lang="zh-CN" altLang="en-US" sz="2200" dirty="0">
+                <a:latin typeface="Times New Roman" panose="02020603050405020304" pitchFamily="18" charset="0"/>
+                <a:cs typeface="Times New Roman" panose="02020603050405020304" pitchFamily="18" charset="0"/>
+              </a:rPr>
+              <a:t>● </a:t>
+            </a:r>
+            <a:r>
+              <a:rPr lang="en-US" altLang="zh-CN" sz="2200" dirty="0">
+                <a:latin typeface="Times New Roman" panose="02020603050405020304" pitchFamily="18" charset="0"/>
+                <a:cs typeface="Times New Roman" panose="02020603050405020304" pitchFamily="18" charset="0"/>
+              </a:rPr>
+              <a:t>The third </a:t>
+            </a:r>
+            <a:r>
+              <a:rPr lang="en-US" altLang="zh-CN" sz="2200" dirty="0">
+                <a:latin typeface="Times New Roman" panose="02020603050405020304" pitchFamily="18" charset="0"/>
+                <a:cs typeface="Times New Roman" panose="02020603050405020304" pitchFamily="18" charset="0"/>
+              </a:rPr>
+              <a:t>dimension </a:t>
+            </a:r>
+            <a:endParaRPr lang="en-US" altLang="zh-CN" sz="2200" dirty="0">
+              <a:latin typeface="Times New Roman" panose="02020603050405020304" pitchFamily="18" charset="0"/>
+              <a:cs typeface="Times New Roman" panose="02020603050405020304" pitchFamily="18" charset="0"/>
+            </a:endParaRPr>
+          </a:p>
+          <a:p>
+            <a:r>
+              <a:rPr lang="en-US" altLang="zh-CN" sz="2200" dirty="0">
+                <a:latin typeface="Times New Roman" panose="02020603050405020304" pitchFamily="18" charset="0"/>
+                <a:cs typeface="Times New Roman" panose="02020603050405020304" pitchFamily="18" charset="0"/>
+              </a:rPr>
+              <a:t> </a:t>
+            </a:r>
+            <a:r>
+              <a:rPr lang="en-US" altLang="zh-CN" sz="2200" dirty="0">
+                <a:latin typeface="Times New Roman" panose="02020603050405020304" pitchFamily="18" charset="0"/>
+                <a:cs typeface="Times New Roman" panose="02020603050405020304" pitchFamily="18" charset="0"/>
+              </a:rPr>
+              <a:t>         i </a:t>
+            </a:r>
+            <a:r>
+              <a:rPr lang="en-US" altLang="zh-CN" sz="2200" dirty="0">
+                <a:latin typeface="Times New Roman" panose="02020603050405020304" pitchFamily="18" charset="0"/>
+                <a:cs typeface="Times New Roman" panose="02020603050405020304" pitchFamily="18" charset="0"/>
+              </a:rPr>
+              <a:t>= [1, 1, 1], j = [2, 2, 2</a:t>
+            </a:r>
+            <a:r>
+              <a:rPr lang="en-US" altLang="zh-CN" sz="2200" dirty="0">
+                <a:latin typeface="Times New Roman" panose="02020603050405020304" pitchFamily="18" charset="0"/>
+                <a:cs typeface="Times New Roman" panose="02020603050405020304" pitchFamily="18" charset="0"/>
+              </a:rPr>
+              <a:t>]</a:t>
+            </a:r>
+          </a:p>
+          <a:p>
+            <a:r>
+              <a:rPr lang="en-US" altLang="zh-CN" sz="2200" dirty="0">
+                <a:latin typeface="Times New Roman" panose="02020603050405020304" pitchFamily="18" charset="0"/>
+                <a:cs typeface="Times New Roman" panose="02020603050405020304" pitchFamily="18" charset="0"/>
+              </a:rPr>
+              <a:t> </a:t>
+            </a:r>
+            <a:r>
+              <a:rPr lang="en-US" altLang="zh-CN" sz="2200" dirty="0">
+                <a:latin typeface="Times New Roman" panose="02020603050405020304" pitchFamily="18" charset="0"/>
+                <a:cs typeface="Times New Roman" panose="02020603050405020304" pitchFamily="18" charset="0"/>
+              </a:rPr>
+              <a:t>         </a:t>
+            </a:r>
+            <a:r>
+              <a:rPr lang="en-US" altLang="zh-CN" sz="2200" dirty="0">
+                <a:latin typeface="Times New Roman" panose="02020603050405020304" pitchFamily="18" charset="0"/>
+                <a:cs typeface="Times New Roman" panose="02020603050405020304" pitchFamily="18" charset="0"/>
+              </a:rPr>
+              <a:t>k = [3, 3 ,3], l = </a:t>
+            </a:r>
+            <a:r>
+              <a:rPr lang="en-US" altLang="zh-CN" sz="2200" dirty="0">
+                <a:latin typeface="Times New Roman" panose="02020603050405020304" pitchFamily="18" charset="0"/>
+                <a:cs typeface="Times New Roman" panose="02020603050405020304" pitchFamily="18" charset="0"/>
+              </a:rPr>
+              <a:t> [</a:t>
+            </a:r>
+            <a:r>
+              <a:rPr lang="en-US" altLang="zh-CN" sz="2200" dirty="0">
+                <a:latin typeface="Times New Roman" panose="02020603050405020304" pitchFamily="18" charset="0"/>
+                <a:cs typeface="Times New Roman" panose="02020603050405020304" pitchFamily="18" charset="0"/>
+              </a:rPr>
+              <a:t>4, 4, 4</a:t>
+            </a:r>
+            <a:r>
+              <a:rPr lang="en-US" altLang="zh-CN" sz="2200" dirty="0">
+                <a:latin typeface="Times New Roman" panose="02020603050405020304" pitchFamily="18" charset="0"/>
+                <a:cs typeface="Times New Roman" panose="02020603050405020304" pitchFamily="18" charset="0"/>
+              </a:rPr>
+              <a:t>]</a:t>
+            </a:r>
+          </a:p>
+          <a:p>
+            <a:r>
+              <a:rPr lang="en-US" altLang="zh-CN" sz="2200" dirty="0">
+                <a:latin typeface="Times New Roman" panose="02020603050405020304" pitchFamily="18" charset="0"/>
+                <a:cs typeface="Times New Roman" panose="02020603050405020304" pitchFamily="18" charset="0"/>
+              </a:rPr>
+              <a:t> </a:t>
+            </a:r>
+            <a:r>
+              <a:rPr lang="en-US" altLang="zh-CN" sz="2200" dirty="0">
+                <a:latin typeface="Times New Roman" panose="02020603050405020304" pitchFamily="18" charset="0"/>
+                <a:cs typeface="Times New Roman" panose="02020603050405020304" pitchFamily="18" charset="0"/>
+              </a:rPr>
+              <a:t>         m </a:t>
+            </a:r>
+            <a:r>
+              <a:rPr lang="en-US" altLang="zh-CN" sz="2200" dirty="0">
+                <a:latin typeface="Times New Roman" panose="02020603050405020304" pitchFamily="18" charset="0"/>
+                <a:cs typeface="Times New Roman" panose="02020603050405020304" pitchFamily="18" charset="0"/>
+              </a:rPr>
+              <a:t>= [5, 5, 5], n = [6, 6, 6].</a:t>
+            </a:r>
+            <a:endParaRPr lang="zh-CN" altLang="en-US" sz="2200" dirty="0">
+              <a:latin typeface="Times New Roman" panose="02020603050405020304" pitchFamily="18" charset="0"/>
+              <a:cs typeface="Times New Roman" panose="02020603050405020304" pitchFamily="18" charset="0"/>
+            </a:endParaRPr>
+          </a:p>
+        </p:txBody>
+      </p:sp>
+      <p:sp>
+        <p:nvSpPr>
+          <p:cNvPr id="7" name="矩形 6"/>
+          <p:cNvSpPr/>
+          <p:nvPr/>
+        </p:nvSpPr>
+        <p:spPr>
+          <a:xfrm>
+            <a:off x="449655" y="1425277"/>
+            <a:ext cx="4342646" cy="1107996"/>
+          </a:xfrm>
+          <a:prstGeom prst="rect">
+            <a:avLst/>
+          </a:prstGeom>
+        </p:spPr>
+        <p:txBody>
+          <a:bodyPr wrap="square">
+            <a:spAutoFit/>
+          </a:bodyPr>
+          <a:lstStyle/>
+          <a:p>
+            <a:r>
+              <a:rPr lang="fr-FR" altLang="zh-CN" sz="2200" dirty="0">
+                <a:latin typeface="Times New Roman" panose="02020603050405020304" pitchFamily="18" charset="0"/>
+                <a:cs typeface="Times New Roman" panose="02020603050405020304" pitchFamily="18" charset="0"/>
+              </a:rPr>
+              <a:t>t = tf.constant([[[1, 1, 1], [2, 2, 2]],</a:t>
+            </a:r>
+          </a:p>
+          <a:p>
+            <a:r>
+              <a:rPr lang="fr-FR" altLang="zh-CN" sz="2200" dirty="0">
+                <a:latin typeface="Times New Roman" panose="02020603050405020304" pitchFamily="18" charset="0"/>
+                <a:cs typeface="Times New Roman" panose="02020603050405020304" pitchFamily="18" charset="0"/>
+              </a:rPr>
+              <a:t>                 [[3, 3, 3], [4, 4, 4]],</a:t>
+            </a:r>
+          </a:p>
+          <a:p>
+            <a:r>
+              <a:rPr lang="fr-FR" altLang="zh-CN" sz="2200" dirty="0">
+                <a:latin typeface="Times New Roman" panose="02020603050405020304" pitchFamily="18" charset="0"/>
+                <a:cs typeface="Times New Roman" panose="02020603050405020304" pitchFamily="18" charset="0"/>
+              </a:rPr>
+              <a:t>                 [[5, 5, 5], [6, 6, 6]]])</a:t>
+            </a:r>
+            <a:endParaRPr lang="zh-CN" altLang="en-US" sz="2200" dirty="0">
+              <a:latin typeface="Times New Roman" panose="02020603050405020304" pitchFamily="18" charset="0"/>
+              <a:cs typeface="Times New Roman" panose="02020603050405020304" pitchFamily="18" charset="0"/>
+            </a:endParaRPr>
+          </a:p>
+        </p:txBody>
+      </p:sp>
+      <p:sp>
+        <p:nvSpPr>
+          <p:cNvPr id="8" name="矩形 7"/>
+          <p:cNvSpPr/>
+          <p:nvPr/>
+        </p:nvSpPr>
+        <p:spPr>
+          <a:xfrm>
+            <a:off x="6401645" y="1413490"/>
+            <a:ext cx="4099199" cy="430887"/>
+          </a:xfrm>
+          <a:prstGeom prst="rect">
+            <a:avLst/>
+          </a:prstGeom>
+        </p:spPr>
+        <p:txBody>
+          <a:bodyPr wrap="none">
+            <a:spAutoFit/>
+          </a:bodyPr>
+          <a:lstStyle/>
+          <a:p>
+            <a:r>
+              <a:rPr lang="fr-FR" altLang="zh-CN" sz="2200" dirty="0">
+                <a:latin typeface="Times New Roman" panose="02020603050405020304" pitchFamily="18" charset="0"/>
+                <a:cs typeface="Times New Roman" panose="02020603050405020304" pitchFamily="18" charset="0"/>
+              </a:rPr>
+              <a:t>Input: tf.slice(t</a:t>
+            </a:r>
+            <a:r>
+              <a:rPr lang="fr-FR" altLang="zh-CN" sz="2200" dirty="0">
+                <a:latin typeface="Times New Roman" panose="02020603050405020304" pitchFamily="18" charset="0"/>
+                <a:cs typeface="Times New Roman" panose="02020603050405020304" pitchFamily="18" charset="0"/>
+              </a:rPr>
+              <a:t>, [1, 0, 0], [1, </a:t>
+            </a:r>
+            <a:r>
+              <a:rPr lang="en-US" altLang="zh-CN" sz="2200" dirty="0">
+                <a:latin typeface="Times New Roman" panose="02020603050405020304" pitchFamily="18" charset="0"/>
+                <a:cs typeface="Times New Roman" panose="02020603050405020304" pitchFamily="18" charset="0"/>
+              </a:rPr>
+              <a:t>2</a:t>
+            </a:r>
+            <a:r>
+              <a:rPr lang="fr-FR" altLang="zh-CN" sz="2200" dirty="0">
+                <a:latin typeface="Times New Roman" panose="02020603050405020304" pitchFamily="18" charset="0"/>
+                <a:cs typeface="Times New Roman" panose="02020603050405020304" pitchFamily="18" charset="0"/>
+              </a:rPr>
+              <a:t>, </a:t>
+            </a:r>
+            <a:r>
+              <a:rPr lang="fr-FR" altLang="zh-CN" sz="2200" dirty="0">
+                <a:latin typeface="Times New Roman" panose="02020603050405020304" pitchFamily="18" charset="0"/>
+                <a:cs typeface="Times New Roman" panose="02020603050405020304" pitchFamily="18" charset="0"/>
+              </a:rPr>
+              <a:t>3]) </a:t>
+            </a:r>
+            <a:endParaRPr lang="zh-CN" altLang="en-US" sz="2200" dirty="0">
+              <a:latin typeface="Times New Roman" panose="02020603050405020304" pitchFamily="18" charset="0"/>
+              <a:cs typeface="Times New Roman" panose="02020603050405020304" pitchFamily="18" charset="0"/>
+            </a:endParaRPr>
+          </a:p>
+        </p:txBody>
+      </p:sp>
+      <p:sp>
+        <p:nvSpPr>
+          <p:cNvPr id="9" name="矩形 8"/>
+          <p:cNvSpPr/>
+          <p:nvPr/>
+        </p:nvSpPr>
+        <p:spPr>
+          <a:xfrm>
+            <a:off x="6401645" y="1984512"/>
+            <a:ext cx="4161093" cy="430887"/>
+          </a:xfrm>
+          <a:prstGeom prst="rect">
+            <a:avLst/>
+          </a:prstGeom>
+        </p:spPr>
+        <p:txBody>
+          <a:bodyPr wrap="square">
+            <a:spAutoFit/>
+          </a:bodyPr>
+          <a:lstStyle/>
+          <a:p>
+            <a:r>
+              <a:rPr lang="en-US" altLang="zh-CN" sz="2200" dirty="0">
+                <a:latin typeface="Times New Roman" panose="02020603050405020304" pitchFamily="18" charset="0"/>
+                <a:cs typeface="Times New Roman" panose="02020603050405020304" pitchFamily="18" charset="0"/>
+              </a:rPr>
+              <a:t>Output</a:t>
+            </a:r>
+            <a:r>
+              <a:rPr lang="en-US" altLang="zh-CN" sz="2200" dirty="0">
+                <a:latin typeface="Times New Roman" panose="02020603050405020304" pitchFamily="18" charset="0"/>
+                <a:cs typeface="Times New Roman" panose="02020603050405020304" pitchFamily="18" charset="0"/>
+              </a:rPr>
+              <a:t>: [[[3, 3, 3], </a:t>
+            </a:r>
+            <a:r>
+              <a:rPr lang="en-US" altLang="zh-CN" sz="2200" dirty="0">
+                <a:latin typeface="Times New Roman" panose="02020603050405020304" pitchFamily="18" charset="0"/>
+                <a:cs typeface="Times New Roman" panose="02020603050405020304" pitchFamily="18" charset="0"/>
+              </a:rPr>
+              <a:t>[</a:t>
+            </a:r>
+            <a:r>
+              <a:rPr lang="en-US" altLang="zh-CN" sz="2200" dirty="0">
+                <a:latin typeface="Times New Roman" panose="02020603050405020304" pitchFamily="18" charset="0"/>
+                <a:cs typeface="Times New Roman" panose="02020603050405020304" pitchFamily="18" charset="0"/>
+              </a:rPr>
+              <a:t>4, 4, 4]]]</a:t>
+            </a:r>
+            <a:endParaRPr lang="zh-CN" altLang="en-US" sz="2200" dirty="0">
+              <a:latin typeface="Times New Roman" panose="02020603050405020304" pitchFamily="18" charset="0"/>
+              <a:cs typeface="Times New Roman" panose="02020603050405020304" pitchFamily="18" charset="0"/>
+            </a:endParaRPr>
+          </a:p>
+        </p:txBody>
+      </p:sp>
+      <p:sp>
+        <p:nvSpPr>
+          <p:cNvPr id="10" name="矩形 9"/>
+          <p:cNvSpPr/>
+          <p:nvPr/>
+        </p:nvSpPr>
+        <p:spPr>
+          <a:xfrm>
+            <a:off x="4792301" y="2658303"/>
+            <a:ext cx="6859511" cy="3677930"/>
+          </a:xfrm>
+          <a:prstGeom prst="rect">
+            <a:avLst/>
+          </a:prstGeom>
+          <a:solidFill>
+            <a:srgbClr val="92D050"/>
+          </a:solidFill>
+        </p:spPr>
+        <p:txBody>
+          <a:bodyPr wrap="square">
+            <a:spAutoFit/>
+          </a:bodyPr>
+          <a:lstStyle/>
+          <a:p>
+            <a:pPr>
+              <a:spcAft>
+                <a:spcPts val="600"/>
+              </a:spcAft>
+            </a:pPr>
+            <a:r>
+              <a:rPr lang="en-US" altLang="zh-CN" sz="2000" dirty="0"/>
+              <a:t>b</a:t>
+            </a:r>
+            <a:r>
+              <a:rPr lang="en-US" altLang="zh-CN" sz="2000" dirty="0" smtClean="0"/>
+              <a:t>egin[0] = 1</a:t>
+            </a:r>
+            <a:r>
+              <a:rPr lang="zh-CN" altLang="en-US" sz="2000" dirty="0" smtClean="0"/>
+              <a:t>表示第一维从下标为</a:t>
+            </a:r>
+            <a:r>
+              <a:rPr lang="en-US" altLang="zh-CN" sz="2000" dirty="0" smtClean="0"/>
+              <a:t>1</a:t>
+            </a:r>
+            <a:r>
+              <a:rPr lang="zh-CN" altLang="en-US" sz="2000" dirty="0" smtClean="0"/>
+              <a:t>的元素开始取</a:t>
+            </a:r>
+            <a:r>
+              <a:rPr lang="en-US" altLang="zh-CN" sz="2000" dirty="0" smtClean="0"/>
+              <a:t>——</a:t>
+            </a:r>
+            <a:r>
+              <a:rPr lang="zh-CN" altLang="en-US" sz="2000" dirty="0" smtClean="0"/>
+              <a:t>从</a:t>
+            </a:r>
+            <a:r>
+              <a:rPr lang="en-US" altLang="zh-CN" sz="2000" dirty="0" smtClean="0"/>
+              <a:t>B</a:t>
+            </a:r>
+            <a:r>
+              <a:rPr lang="zh-CN" altLang="en-US" sz="2000" dirty="0" smtClean="0"/>
+              <a:t>开始取</a:t>
+            </a:r>
+            <a:endParaRPr lang="en-US" altLang="zh-CN" sz="2000" dirty="0" smtClean="0"/>
+          </a:p>
+          <a:p>
+            <a:pPr>
+              <a:spcAft>
+                <a:spcPts val="600"/>
+              </a:spcAft>
+            </a:pPr>
+            <a:r>
+              <a:rPr lang="en-US" altLang="zh-CN" sz="2000" dirty="0" smtClean="0"/>
+              <a:t>size[0] = 1</a:t>
+            </a:r>
+            <a:r>
+              <a:rPr lang="zh-CN" altLang="en-US" sz="2000" dirty="0" smtClean="0"/>
+              <a:t>表示取出</a:t>
+            </a:r>
+            <a:r>
+              <a:rPr lang="en-US" altLang="zh-CN" sz="2000" dirty="0" smtClean="0"/>
+              <a:t>1</a:t>
+            </a:r>
+            <a:r>
+              <a:rPr lang="zh-CN" altLang="en-US" sz="2000" dirty="0" smtClean="0"/>
+              <a:t>个元素</a:t>
+            </a:r>
+            <a:r>
+              <a:rPr lang="en-US" altLang="zh-CN" sz="2000" dirty="0" smtClean="0"/>
+              <a:t>——B</a:t>
+            </a:r>
+          </a:p>
+          <a:p>
+            <a:pPr>
+              <a:spcAft>
+                <a:spcPts val="600"/>
+              </a:spcAft>
+            </a:pPr>
+            <a:r>
+              <a:rPr lang="en-US" altLang="zh-CN" sz="2000" dirty="0" smtClean="0"/>
+              <a:t>begin[1] </a:t>
+            </a:r>
+            <a:r>
+              <a:rPr lang="en-US" altLang="zh-CN" sz="2000" dirty="0"/>
+              <a:t>= </a:t>
+            </a:r>
+            <a:r>
+              <a:rPr lang="en-US" altLang="zh-CN" sz="2000" dirty="0" smtClean="0"/>
+              <a:t>0</a:t>
+            </a:r>
+            <a:r>
+              <a:rPr lang="zh-CN" altLang="en-US" sz="2000" dirty="0" smtClean="0"/>
+              <a:t>表示从</a:t>
+            </a:r>
+            <a:r>
+              <a:rPr lang="en-US" altLang="zh-CN" sz="2000" dirty="0" smtClean="0"/>
+              <a:t>B</a:t>
+            </a:r>
+            <a:r>
+              <a:rPr lang="zh-CN" altLang="en-US" sz="2000" dirty="0" smtClean="0"/>
+              <a:t>下标为</a:t>
+            </a:r>
+            <a:r>
+              <a:rPr lang="en-US" altLang="zh-CN" sz="2000" dirty="0" smtClean="0"/>
+              <a:t>0</a:t>
+            </a:r>
+            <a:r>
+              <a:rPr lang="zh-CN" altLang="en-US" sz="2000" dirty="0" smtClean="0"/>
+              <a:t>的元素开始取</a:t>
+            </a:r>
+            <a:r>
+              <a:rPr lang="en-US" altLang="zh-CN" sz="2000" dirty="0" smtClean="0"/>
+              <a:t>——</a:t>
+            </a:r>
+            <a:r>
+              <a:rPr lang="zh-CN" altLang="en-US" sz="2000" dirty="0" smtClean="0"/>
+              <a:t>从</a:t>
+            </a:r>
+            <a:r>
+              <a:rPr lang="en-US" altLang="zh-CN" sz="2000" dirty="0" smtClean="0"/>
+              <a:t>k</a:t>
+            </a:r>
+            <a:r>
+              <a:rPr lang="zh-CN" altLang="en-US" sz="2000" dirty="0" smtClean="0"/>
+              <a:t>开始取</a:t>
+            </a:r>
+            <a:endParaRPr lang="en-US" altLang="zh-CN" sz="2000" dirty="0"/>
+          </a:p>
+          <a:p>
+            <a:pPr>
+              <a:spcAft>
+                <a:spcPts val="600"/>
+              </a:spcAft>
+            </a:pPr>
+            <a:r>
+              <a:rPr lang="en-US" altLang="zh-CN" sz="2000" dirty="0" smtClean="0"/>
+              <a:t>size[1] </a:t>
+            </a:r>
+            <a:r>
+              <a:rPr lang="en-US" altLang="zh-CN" sz="2000" dirty="0"/>
+              <a:t>= </a:t>
+            </a:r>
+            <a:r>
+              <a:rPr lang="en-US" altLang="zh-CN" sz="2000" dirty="0" smtClean="0"/>
+              <a:t>2</a:t>
+            </a:r>
+            <a:r>
+              <a:rPr lang="zh-CN" altLang="en-US" sz="2000" dirty="0" smtClean="0"/>
+              <a:t>表示取出</a:t>
+            </a:r>
+            <a:r>
+              <a:rPr lang="en-US" altLang="zh-CN" sz="2000" dirty="0" smtClean="0"/>
+              <a:t>2</a:t>
+            </a:r>
+            <a:r>
+              <a:rPr lang="zh-CN" altLang="en-US" sz="2000" dirty="0" smtClean="0"/>
+              <a:t>个元素</a:t>
+            </a:r>
+            <a:r>
+              <a:rPr lang="en-US" altLang="zh-CN" sz="2000" dirty="0" smtClean="0"/>
+              <a:t>——k, l</a:t>
+            </a:r>
+          </a:p>
+          <a:p>
+            <a:pPr>
+              <a:spcAft>
+                <a:spcPts val="600"/>
+              </a:spcAft>
+            </a:pPr>
+            <a:r>
+              <a:rPr lang="en-US" altLang="zh-CN" sz="2000" dirty="0" smtClean="0"/>
+              <a:t>begin[2] </a:t>
+            </a:r>
+            <a:r>
+              <a:rPr lang="en-US" altLang="zh-CN" sz="2000" dirty="0"/>
+              <a:t>= 0</a:t>
+            </a:r>
+            <a:r>
+              <a:rPr lang="zh-CN" altLang="en-US" sz="2000" dirty="0" smtClean="0"/>
+              <a:t>表示分别从</a:t>
+            </a:r>
+            <a:r>
+              <a:rPr lang="en-US" altLang="zh-CN" sz="2000" dirty="0" smtClean="0"/>
+              <a:t>k, l</a:t>
+            </a:r>
+            <a:r>
+              <a:rPr lang="zh-CN" altLang="en-US" sz="2000" dirty="0" smtClean="0"/>
+              <a:t>下标</a:t>
+            </a:r>
+            <a:r>
+              <a:rPr lang="zh-CN" altLang="en-US" sz="2000" dirty="0"/>
+              <a:t>为</a:t>
+            </a:r>
+            <a:r>
+              <a:rPr lang="en-US" altLang="zh-CN" sz="2000" dirty="0"/>
+              <a:t>0</a:t>
+            </a:r>
+            <a:r>
+              <a:rPr lang="zh-CN" altLang="en-US" sz="2000" dirty="0"/>
+              <a:t>的元素开始取</a:t>
+            </a:r>
+            <a:r>
+              <a:rPr lang="en-US" altLang="zh-CN" sz="2000" dirty="0"/>
+              <a:t>——</a:t>
+            </a:r>
+            <a:r>
+              <a:rPr lang="zh-CN" altLang="en-US" sz="2000" dirty="0" smtClean="0"/>
+              <a:t>从</a:t>
+            </a:r>
+            <a:r>
+              <a:rPr lang="en-US" altLang="zh-CN" sz="2000" dirty="0" smtClean="0"/>
+              <a:t>3(k)</a:t>
+            </a:r>
+            <a:r>
+              <a:rPr lang="zh-CN" altLang="en-US" sz="2000" dirty="0" smtClean="0"/>
+              <a:t>，</a:t>
+            </a:r>
+            <a:r>
+              <a:rPr lang="en-US" altLang="zh-CN" sz="2000" dirty="0" smtClean="0"/>
+              <a:t>4(</a:t>
+            </a:r>
+            <a:r>
+              <a:rPr lang="en-US" altLang="zh-CN" sz="2000" dirty="0"/>
+              <a:t>I</a:t>
+            </a:r>
+            <a:r>
+              <a:rPr lang="en-US" altLang="zh-CN" sz="2000" dirty="0" smtClean="0"/>
+              <a:t>)</a:t>
+            </a:r>
+            <a:r>
+              <a:rPr lang="zh-CN" altLang="en-US" sz="2000" dirty="0" smtClean="0"/>
+              <a:t>开始</a:t>
+            </a:r>
+            <a:r>
+              <a:rPr lang="zh-CN" altLang="en-US" sz="2000" dirty="0"/>
+              <a:t>取</a:t>
+            </a:r>
+            <a:endParaRPr lang="en-US" altLang="zh-CN" sz="2000" dirty="0"/>
+          </a:p>
+          <a:p>
+            <a:pPr>
+              <a:spcAft>
+                <a:spcPts val="600"/>
+              </a:spcAft>
+            </a:pPr>
+            <a:r>
+              <a:rPr lang="en-US" altLang="zh-CN" sz="2000" dirty="0"/>
+              <a:t>size[2] = </a:t>
+            </a:r>
+            <a:r>
+              <a:rPr lang="en-US" altLang="zh-CN" sz="2000" dirty="0" smtClean="0"/>
+              <a:t>3</a:t>
+            </a:r>
+            <a:r>
+              <a:rPr lang="zh-CN" altLang="en-US" sz="2000" dirty="0" smtClean="0"/>
+              <a:t>表示取出</a:t>
+            </a:r>
+            <a:r>
+              <a:rPr lang="en-US" altLang="zh-CN" sz="2000" dirty="0" smtClean="0"/>
+              <a:t>3</a:t>
+            </a:r>
+            <a:r>
+              <a:rPr lang="zh-CN" altLang="en-US" sz="2000" dirty="0" smtClean="0"/>
+              <a:t>个</a:t>
+            </a:r>
+            <a:r>
+              <a:rPr lang="zh-CN" altLang="en-US" sz="2000" dirty="0"/>
+              <a:t>元素</a:t>
+            </a:r>
+            <a:r>
+              <a:rPr lang="en-US" altLang="zh-CN" sz="2000" dirty="0" smtClean="0"/>
+              <a:t>——[</a:t>
+            </a:r>
+            <a:r>
+              <a:rPr lang="en-US" altLang="zh-CN" sz="2000" dirty="0"/>
+              <a:t>3, 3, 3], [4, 4, </a:t>
+            </a:r>
+            <a:r>
+              <a:rPr lang="en-US" altLang="zh-CN" sz="2000" dirty="0" smtClean="0"/>
+              <a:t>4]</a:t>
+            </a:r>
+          </a:p>
+          <a:p>
+            <a:pPr>
+              <a:spcAft>
+                <a:spcPts val="600"/>
+              </a:spcAft>
+            </a:pPr>
+            <a:r>
+              <a:rPr lang="zh-CN" altLang="en-US" sz="2000" dirty="0" smtClean="0"/>
+              <a:t>组合：</a:t>
+            </a:r>
+            <a:r>
+              <a:rPr lang="en-US" altLang="zh-CN" sz="2000" dirty="0"/>
+              <a:t>[[[3, 3, 3], [4, 4, 4</a:t>
+            </a:r>
+            <a:r>
+              <a:rPr lang="en-US" altLang="zh-CN" sz="2000" dirty="0" smtClean="0"/>
+              <a:t>]]]</a:t>
+            </a:r>
+            <a:endParaRPr lang="zh-CN" altLang="en-US" sz="2000" dirty="0"/>
+          </a:p>
+          <a:p>
+            <a:endParaRPr lang="zh-CN" altLang="en-US" sz="2000" dirty="0"/>
+          </a:p>
+        </p:txBody>
+      </p:sp>
+    </p:spTree>
+    <p:extLst>
+      <p:ext uri="{BB962C8B-B14F-4D97-AF65-F5344CB8AC3E}">
+        <p14:creationId xmlns:p14="http://schemas.microsoft.com/office/powerpoint/2010/main" val="4001689312"/>
+      </p:ext>
+    </p:extLst>
+  </p:cSld>
+  <p:clrMapOvr>
+    <a:masterClrMapping/>
+  </p:clrMapOvr>
+  <p:timing>
+    <p:tnLst>
+      <p:par>
+        <p:cTn id="1" dur="indefinite" restart="never" nodeType="tmRoot"/>
+      </p:par>
+    </p:tnLst>
+  </p:timing>
+</p:sld>
+</file>
+
+<file path=ppt/slides/slide22.xml><?xml version="1.0" encoding="utf-8"?>
+<p:sld xmlns:a="http://schemas.openxmlformats.org/drawingml/2006/main" xmlns:r="http://schemas.openxmlformats.org/officeDocument/2006/relationships" xmlns:p="http://schemas.openxmlformats.org/presentationml/2006/main">
+  <p:cSld>
+    <p:spTree>
+      <p:nvGrpSpPr>
+        <p:cNvPr id="1" name=""/>
+        <p:cNvGrpSpPr/>
+        <p:nvPr/>
+      </p:nvGrpSpPr>
+      <p:grpSpPr>
+        <a:xfrm>
+          <a:off x="0" y="0"/>
+          <a:ext cx="0" cy="0"/>
+          <a:chOff x="0" y="0"/>
+          <a:chExt cx="0" cy="0"/>
+        </a:xfrm>
+      </p:grpSpPr>
       <p:pic>
         <p:nvPicPr>
           <p:cNvPr id="2" name="图片 1"/>
@@ -10548,7 +9881,7 @@
 </p:sld>
 </file>
 
-<file path=ppt/slides/slide22.xml><?xml version="1.0" encoding="utf-8"?>
+<file path=ppt/slides/slide23.xml><?xml version="1.0" encoding="utf-8"?>
 <p:sld xmlns:a="http://schemas.openxmlformats.org/drawingml/2006/main" xmlns:r="http://schemas.openxmlformats.org/officeDocument/2006/relationships" xmlns:p="http://schemas.openxmlformats.org/presentationml/2006/main">
   <p:cSld>
     <p:spTree>
@@ -11076,7 +10409,7 @@
 </p:sld>
 </file>
 
-<file path=ppt/slides/slide23.xml><?xml version="1.0" encoding="utf-8"?>
+<file path=ppt/slides/slide24.xml><?xml version="1.0" encoding="utf-8"?>
 <p:sld xmlns:a="http://schemas.openxmlformats.org/drawingml/2006/main" xmlns:r="http://schemas.openxmlformats.org/officeDocument/2006/relationships" xmlns:p="http://schemas.openxmlformats.org/presentationml/2006/main">
   <p:cSld>
     <p:spTree>
@@ -11359,432 +10692,6 @@
     <p:extLst>
       <p:ext uri="{BB962C8B-B14F-4D97-AF65-F5344CB8AC3E}">
         <p14:creationId xmlns:p14="http://schemas.microsoft.com/office/powerpoint/2010/main" val="2225286944"/>
-      </p:ext>
-    </p:extLst>
-  </p:cSld>
-  <p:clrMapOvr>
-    <a:masterClrMapping/>
-  </p:clrMapOvr>
-  <p:timing>
-    <p:tnLst>
-      <p:par>
-        <p:cTn id="1" dur="indefinite" restart="never" nodeType="tmRoot"/>
-      </p:par>
-    </p:tnLst>
-  </p:timing>
-</p:sld>
-</file>
-
-<file path=ppt/slides/slide24.xml><?xml version="1.0" encoding="utf-8"?>
-<p:sld xmlns:a="http://schemas.openxmlformats.org/drawingml/2006/main" xmlns:r="http://schemas.openxmlformats.org/officeDocument/2006/relationships" xmlns:p="http://schemas.openxmlformats.org/presentationml/2006/main">
-  <p:cSld>
-    <p:spTree>
-      <p:nvGrpSpPr>
-        <p:cNvPr id="1" name=""/>
-        <p:cNvGrpSpPr/>
-        <p:nvPr/>
-      </p:nvGrpSpPr>
-      <p:grpSpPr>
-        <a:xfrm>
-          <a:off x="0" y="0"/>
-          <a:ext cx="0" cy="0"/>
-          <a:chOff x="0" y="0"/>
-          <a:chExt cx="0" cy="0"/>
-        </a:xfrm>
-      </p:grpSpPr>
-      <p:pic>
-        <p:nvPicPr>
-          <p:cNvPr id="2" name="图片 1"/>
-          <p:cNvPicPr>
-            <a:picLocks noChangeAspect="1"/>
-          </p:cNvPicPr>
-          <p:nvPr/>
-        </p:nvPicPr>
-        <p:blipFill>
-          <a:blip r:embed="rId3"/>
-          <a:stretch>
-            <a:fillRect/>
-          </a:stretch>
-        </p:blipFill>
-        <p:spPr>
-          <a:xfrm>
-            <a:off x="0" y="6656932"/>
-            <a:ext cx="12192000" cy="201068"/>
-          </a:xfrm>
-          <a:prstGeom prst="rect">
-            <a:avLst/>
-          </a:prstGeom>
-        </p:spPr>
-      </p:pic>
-      <p:pic>
-        <p:nvPicPr>
-          <p:cNvPr id="3" name="图片 2"/>
-          <p:cNvPicPr>
-            <a:picLocks noChangeAspect="1"/>
-          </p:cNvPicPr>
-          <p:nvPr/>
-        </p:nvPicPr>
-        <p:blipFill>
-          <a:blip r:embed="rId4"/>
-          <a:stretch>
-            <a:fillRect/>
-          </a:stretch>
-        </p:blipFill>
-        <p:spPr>
-          <a:xfrm>
-            <a:off x="0" y="0"/>
-            <a:ext cx="12192000" cy="701101"/>
-          </a:xfrm>
-          <a:prstGeom prst="rect">
-            <a:avLst/>
-          </a:prstGeom>
-        </p:spPr>
-      </p:pic>
-      <p:pic>
-        <p:nvPicPr>
-          <p:cNvPr id="5" name="图片 4"/>
-          <p:cNvPicPr>
-            <a:picLocks noChangeAspect="1"/>
-          </p:cNvPicPr>
-          <p:nvPr/>
-        </p:nvPicPr>
-        <p:blipFill>
-          <a:blip r:embed="rId5"/>
-          <a:stretch>
-            <a:fillRect/>
-          </a:stretch>
-        </p:blipFill>
-        <p:spPr>
-          <a:xfrm>
-            <a:off x="594358" y="2260310"/>
-            <a:ext cx="4412362" cy="1615580"/>
-          </a:xfrm>
-          <a:prstGeom prst="rect">
-            <a:avLst/>
-          </a:prstGeom>
-        </p:spPr>
-      </p:pic>
-      <p:sp>
-        <p:nvSpPr>
-          <p:cNvPr id="6" name="矩形 5"/>
-          <p:cNvSpPr/>
-          <p:nvPr/>
-        </p:nvSpPr>
-        <p:spPr>
-          <a:xfrm>
-            <a:off x="343051" y="1760805"/>
-            <a:ext cx="4887877" cy="369332"/>
-          </a:xfrm>
-          <a:prstGeom prst="rect">
-            <a:avLst/>
-          </a:prstGeom>
-        </p:spPr>
-        <p:txBody>
-          <a:bodyPr wrap="none">
-            <a:spAutoFit/>
-          </a:bodyPr>
-          <a:lstStyle/>
-          <a:p>
-            <a:r>
-              <a:rPr lang="zh-CN" altLang="en-US" dirty="0" smtClean="0"/>
-              <a:t>程序</a:t>
-            </a:r>
-            <a:r>
-              <a:rPr lang="zh-CN" altLang="en-US" dirty="0"/>
-              <a:t>每隔</a:t>
-            </a:r>
-            <a:r>
-              <a:rPr lang="en-US" altLang="zh-CN" dirty="0"/>
-              <a:t>1</a:t>
-            </a:r>
-            <a:r>
-              <a:rPr lang="zh-CN" altLang="en-US" dirty="0"/>
-              <a:t>秒判断是否需要停止并打印自己的</a:t>
-            </a:r>
-            <a:r>
-              <a:rPr lang="en-US" altLang="zh-CN" dirty="0"/>
-              <a:t>ID</a:t>
-            </a:r>
-            <a:endParaRPr lang="zh-CN" altLang="en-US" dirty="0"/>
-          </a:p>
-        </p:txBody>
-      </p:sp>
-      <p:sp>
-        <p:nvSpPr>
-          <p:cNvPr id="7" name="矩形 6"/>
-          <p:cNvSpPr/>
-          <p:nvPr/>
-        </p:nvSpPr>
-        <p:spPr>
-          <a:xfrm>
-            <a:off x="4837217" y="1182838"/>
-            <a:ext cx="1112805" cy="461665"/>
-          </a:xfrm>
-          <a:prstGeom prst="rect">
-            <a:avLst/>
-          </a:prstGeom>
-        </p:spPr>
-        <p:txBody>
-          <a:bodyPr wrap="none">
-            <a:spAutoFit/>
-          </a:bodyPr>
-          <a:lstStyle/>
-          <a:p>
-            <a:r>
-              <a:rPr lang="zh-CN" altLang="en-US" sz="2400" b="1" dirty="0" smtClean="0"/>
-              <a:t>多线程</a:t>
-            </a:r>
-            <a:endParaRPr lang="zh-CN" altLang="en-US" sz="2400" b="1" dirty="0"/>
-          </a:p>
-        </p:txBody>
-      </p:sp>
-      <p:sp>
-        <p:nvSpPr>
-          <p:cNvPr id="8" name="文本框 7"/>
-          <p:cNvSpPr txBox="1"/>
-          <p:nvPr/>
-        </p:nvSpPr>
-        <p:spPr>
-          <a:xfrm>
-            <a:off x="-1" y="701101"/>
-            <a:ext cx="4046899" cy="461665"/>
-          </a:xfrm>
-          <a:prstGeom prst="rect">
-            <a:avLst/>
-          </a:prstGeom>
-          <a:noFill/>
-        </p:spPr>
-        <p:txBody>
-          <a:bodyPr wrap="square" rtlCol="0">
-            <a:spAutoFit/>
-          </a:bodyPr>
-          <a:lstStyle/>
-          <a:p>
-            <a:r>
-              <a:rPr lang="en-US" altLang="zh-CN" sz="2400" b="1" dirty="0"/>
-              <a:t>Ⅲ </a:t>
-            </a:r>
-            <a:r>
-              <a:rPr lang="zh-CN" altLang="en-US" sz="2400" b="1" dirty="0"/>
-              <a:t>多线程输入数据处理框架</a:t>
-            </a:r>
-          </a:p>
-        </p:txBody>
-      </p:sp>
-      <p:pic>
-        <p:nvPicPr>
-          <p:cNvPr id="11" name="图片 10"/>
-          <p:cNvPicPr>
-            <a:picLocks noChangeAspect="1"/>
-          </p:cNvPicPr>
-          <p:nvPr/>
-        </p:nvPicPr>
-        <p:blipFill>
-          <a:blip r:embed="rId6"/>
-          <a:stretch>
-            <a:fillRect/>
-          </a:stretch>
-        </p:blipFill>
-        <p:spPr>
-          <a:xfrm>
-            <a:off x="5357407" y="1761771"/>
-            <a:ext cx="6492803" cy="2164268"/>
-          </a:xfrm>
-          <a:prstGeom prst="rect">
-            <a:avLst/>
-          </a:prstGeom>
-        </p:spPr>
-      </p:pic>
-      <p:pic>
-        <p:nvPicPr>
-          <p:cNvPr id="12" name="图片 11"/>
-          <p:cNvPicPr>
-            <a:picLocks noChangeAspect="1"/>
-          </p:cNvPicPr>
-          <p:nvPr/>
-        </p:nvPicPr>
-        <p:blipFill>
-          <a:blip r:embed="rId7"/>
-          <a:stretch>
-            <a:fillRect/>
-          </a:stretch>
-        </p:blipFill>
-        <p:spPr>
-          <a:xfrm>
-            <a:off x="0" y="3287419"/>
-            <a:ext cx="4683713" cy="3966400"/>
-          </a:xfrm>
-          <a:prstGeom prst="rect">
-            <a:avLst/>
-          </a:prstGeom>
-        </p:spPr>
-      </p:pic>
-      <p:pic>
-        <p:nvPicPr>
-          <p:cNvPr id="13" name="图片 12"/>
-          <p:cNvPicPr>
-            <a:picLocks noChangeAspect="1"/>
-          </p:cNvPicPr>
-          <p:nvPr/>
-        </p:nvPicPr>
-        <p:blipFill>
-          <a:blip r:embed="rId8"/>
-          <a:stretch>
-            <a:fillRect/>
-          </a:stretch>
-        </p:blipFill>
-        <p:spPr>
-          <a:xfrm>
-            <a:off x="4534747" y="4125665"/>
-            <a:ext cx="1980952" cy="2219048"/>
-          </a:xfrm>
-          <a:prstGeom prst="rect">
-            <a:avLst/>
-          </a:prstGeom>
-          <a:solidFill>
-            <a:srgbClr val="FFFFFF">
-              <a:shade val="85000"/>
-            </a:srgbClr>
-          </a:solidFill>
-          <a:ln w="88900" cap="sq">
-            <a:solidFill>
-              <a:srgbClr val="FFFFFF"/>
-            </a:solidFill>
-            <a:miter lim="800000"/>
-          </a:ln>
-          <a:effectLst>
-            <a:outerShdw blurRad="55000" dist="18000" dir="5400000" algn="tl" rotWithShape="0">
-              <a:srgbClr val="000000">
-                <a:alpha val="40000"/>
-              </a:srgbClr>
-            </a:outerShdw>
-          </a:effectLst>
-          <a:scene3d>
-            <a:camera prst="orthographicFront"/>
-            <a:lightRig rig="twoPt" dir="t">
-              <a:rot lat="0" lon="0" rev="7200000"/>
-            </a:lightRig>
-          </a:scene3d>
-          <a:sp3d>
-            <a:bevelT w="25400" h="19050"/>
-            <a:contourClr>
-              <a:srgbClr val="FFFFFF"/>
-            </a:contourClr>
-          </a:sp3d>
-        </p:spPr>
-      </p:pic>
-      <p:pic>
-        <p:nvPicPr>
-          <p:cNvPr id="14" name="图片 13"/>
-          <p:cNvPicPr>
-            <a:picLocks noChangeAspect="1"/>
-          </p:cNvPicPr>
-          <p:nvPr/>
-        </p:nvPicPr>
-        <p:blipFill>
-          <a:blip r:embed="rId9"/>
-          <a:stretch>
-            <a:fillRect/>
-          </a:stretch>
-        </p:blipFill>
-        <p:spPr>
-          <a:xfrm>
-            <a:off x="6929562" y="4506009"/>
-            <a:ext cx="1990476" cy="380952"/>
-          </a:xfrm>
-          <a:prstGeom prst="rect">
-            <a:avLst/>
-          </a:prstGeom>
-          <a:solidFill>
-            <a:srgbClr val="FFFFFF">
-              <a:shade val="85000"/>
-            </a:srgbClr>
-          </a:solidFill>
-          <a:ln w="88900" cap="sq">
-            <a:solidFill>
-              <a:srgbClr val="FFFFFF"/>
-            </a:solidFill>
-            <a:miter lim="800000"/>
-          </a:ln>
-          <a:effectLst>
-            <a:outerShdw blurRad="55000" dist="18000" dir="5400000" algn="tl" rotWithShape="0">
-              <a:srgbClr val="000000">
-                <a:alpha val="40000"/>
-              </a:srgbClr>
-            </a:outerShdw>
-          </a:effectLst>
-          <a:scene3d>
-            <a:camera prst="orthographicFront"/>
-            <a:lightRig rig="twoPt" dir="t">
-              <a:rot lat="0" lon="0" rev="7200000"/>
-            </a:lightRig>
-          </a:scene3d>
-          <a:sp3d>
-            <a:bevelT w="25400" h="19050"/>
-            <a:contourClr>
-              <a:srgbClr val="FFFFFF"/>
-            </a:contourClr>
-          </a:sp3d>
-        </p:spPr>
-      </p:pic>
-      <p:pic>
-        <p:nvPicPr>
-          <p:cNvPr id="15" name="图片 14"/>
-          <p:cNvPicPr>
-            <a:picLocks noChangeAspect="1"/>
-          </p:cNvPicPr>
-          <p:nvPr/>
-        </p:nvPicPr>
-        <p:blipFill>
-          <a:blip r:embed="rId10"/>
-          <a:stretch>
-            <a:fillRect/>
-          </a:stretch>
-        </p:blipFill>
-        <p:spPr>
-          <a:xfrm>
-            <a:off x="9538841" y="4434872"/>
-            <a:ext cx="1914286" cy="1428571"/>
-          </a:xfrm>
-          <a:prstGeom prst="rect">
-            <a:avLst/>
-          </a:prstGeom>
-          <a:solidFill>
-            <a:srgbClr val="FFFFFF">
-              <a:shade val="85000"/>
-            </a:srgbClr>
-          </a:solidFill>
-          <a:ln w="88900" cap="sq">
-            <a:solidFill>
-              <a:srgbClr val="FFFFFF"/>
-            </a:solidFill>
-            <a:miter lim="800000"/>
-          </a:ln>
-          <a:effectLst>
-            <a:outerShdw blurRad="55000" dist="18000" dir="5400000" algn="tl" rotWithShape="0">
-              <a:srgbClr val="000000">
-                <a:alpha val="40000"/>
-              </a:srgbClr>
-            </a:outerShdw>
-          </a:effectLst>
-          <a:scene3d>
-            <a:camera prst="orthographicFront"/>
-            <a:lightRig rig="twoPt" dir="t">
-              <a:rot lat="0" lon="0" rev="7200000"/>
-            </a:lightRig>
-          </a:scene3d>
-          <a:sp3d>
-            <a:bevelT w="25400" h="19050"/>
-            <a:contourClr>
-              <a:srgbClr val="FFFFFF"/>
-            </a:contourClr>
-          </a:sp3d>
-        </p:spPr>
-      </p:pic>
-    </p:spTree>
-    <p:extLst>
-      <p:ext uri="{BB962C8B-B14F-4D97-AF65-F5344CB8AC3E}">
-        <p14:creationId xmlns:p14="http://schemas.microsoft.com/office/powerpoint/2010/main" val="1846181592"/>
       </p:ext>
     </p:extLst>
   </p:cSld>
@@ -11866,39 +10773,6 @@
           </a:prstGeom>
         </p:spPr>
       </p:pic>
-      <p:sp>
-        <p:nvSpPr>
-          <p:cNvPr id="4" name="文本框 3"/>
-          <p:cNvSpPr txBox="1"/>
-          <p:nvPr/>
-        </p:nvSpPr>
-        <p:spPr>
-          <a:xfrm>
-            <a:off x="-1" y="701101"/>
-            <a:ext cx="4046899" cy="461665"/>
-          </a:xfrm>
-          <a:prstGeom prst="rect">
-            <a:avLst/>
-          </a:prstGeom>
-          <a:noFill/>
-        </p:spPr>
-        <p:txBody>
-          <a:bodyPr wrap="square" rtlCol="0">
-            <a:spAutoFit/>
-          </a:bodyPr>
-          <a:lstStyle/>
-          <a:p>
-            <a:r>
-              <a:rPr lang="en-US" altLang="zh-CN" sz="2400" b="1" dirty="0"/>
-              <a:t>Ⅲ </a:t>
-            </a:r>
-            <a:r>
-              <a:rPr lang="zh-CN" altLang="en-US" sz="2400" b="1" dirty="0"/>
-              <a:t>多线程输入数据处理框架</a:t>
-            </a:r>
-          </a:p>
-        </p:txBody>
-      </p:sp>
       <p:pic>
         <p:nvPicPr>
           <p:cNvPr id="5" name="图片 4"/>
@@ -11915,17 +10789,124 @@
         </p:blipFill>
         <p:spPr>
           <a:xfrm>
-            <a:off x="239220" y="1402202"/>
-            <a:ext cx="5066111" cy="3600998"/>
+            <a:off x="594358" y="2260310"/>
+            <a:ext cx="4412362" cy="1615580"/>
           </a:xfrm>
           <a:prstGeom prst="rect">
             <a:avLst/>
           </a:prstGeom>
         </p:spPr>
       </p:pic>
+      <p:sp>
+        <p:nvSpPr>
+          <p:cNvPr id="6" name="矩形 5"/>
+          <p:cNvSpPr/>
+          <p:nvPr/>
+        </p:nvSpPr>
+        <p:spPr>
+          <a:xfrm>
+            <a:off x="343051" y="1760805"/>
+            <a:ext cx="4887877" cy="369332"/>
+          </a:xfrm>
+          <a:prstGeom prst="rect">
+            <a:avLst/>
+          </a:prstGeom>
+        </p:spPr>
+        <p:txBody>
+          <a:bodyPr wrap="none">
+            <a:spAutoFit/>
+          </a:bodyPr>
+          <a:lstStyle/>
+          <a:p>
+            <a:r>
+              <a:rPr lang="zh-CN" altLang="en-US" dirty="0" smtClean="0"/>
+              <a:t>程序</a:t>
+            </a:r>
+            <a:r>
+              <a:rPr lang="zh-CN" altLang="en-US" dirty="0"/>
+              <a:t>每隔</a:t>
+            </a:r>
+            <a:r>
+              <a:rPr lang="en-US" altLang="zh-CN" dirty="0"/>
+              <a:t>1</a:t>
+            </a:r>
+            <a:r>
+              <a:rPr lang="zh-CN" altLang="en-US" dirty="0"/>
+              <a:t>秒判断是否需要停止并打印自己的</a:t>
+            </a:r>
+            <a:r>
+              <a:rPr lang="en-US" altLang="zh-CN" dirty="0"/>
+              <a:t>ID</a:t>
+            </a:r>
+            <a:endParaRPr lang="zh-CN" altLang="en-US" dirty="0"/>
+          </a:p>
+        </p:txBody>
+      </p:sp>
+      <p:sp>
+        <p:nvSpPr>
+          <p:cNvPr id="7" name="矩形 6"/>
+          <p:cNvSpPr/>
+          <p:nvPr/>
+        </p:nvSpPr>
+        <p:spPr>
+          <a:xfrm>
+            <a:off x="4837217" y="1182838"/>
+            <a:ext cx="1112805" cy="461665"/>
+          </a:xfrm>
+          <a:prstGeom prst="rect">
+            <a:avLst/>
+          </a:prstGeom>
+        </p:spPr>
+        <p:txBody>
+          <a:bodyPr wrap="none">
+            <a:spAutoFit/>
+          </a:bodyPr>
+          <a:lstStyle/>
+          <a:p>
+            <a:r>
+              <a:rPr lang="zh-CN" altLang="en-US" sz="2400" b="1" dirty="0" smtClean="0"/>
+              <a:t>多线程</a:t>
+            </a:r>
+            <a:endParaRPr lang="zh-CN" altLang="en-US" sz="2400" b="1" dirty="0"/>
+          </a:p>
+        </p:txBody>
+      </p:sp>
+      <p:sp>
+        <p:nvSpPr>
+          <p:cNvPr id="8" name="文本框 7"/>
+          <p:cNvSpPr txBox="1"/>
+          <p:nvPr/>
+        </p:nvSpPr>
+        <p:spPr>
+          <a:xfrm>
+            <a:off x="-1" y="701101"/>
+            <a:ext cx="4046899" cy="461665"/>
+          </a:xfrm>
+          <a:prstGeom prst="rect">
+            <a:avLst/>
+          </a:prstGeom>
+          <a:noFill/>
+        </p:spPr>
+        <p:txBody>
+          <a:bodyPr wrap="square" rtlCol="0">
+            <a:spAutoFit/>
+          </a:bodyPr>
+          <a:lstStyle/>
+          <a:p>
+            <a:r>
+              <a:rPr lang="en-US" altLang="zh-CN" sz="2400" b="1" dirty="0"/>
+              <a:t>Ⅲ </a:t>
+            </a:r>
+            <a:r>
+              <a:rPr lang="zh-CN" altLang="en-US" sz="2400" b="1" dirty="0"/>
+              <a:t>多线程输入数据处理框架</a:t>
+            </a:r>
+          </a:p>
+        </p:txBody>
+      </p:sp>
       <p:pic>
         <p:nvPicPr>
-          <p:cNvPr id="6" name="图片 5"/>
+          <p:cNvPr id="11" name="图片 10"/>
           <p:cNvPicPr>
             <a:picLocks noChangeAspect="1"/>
           </p:cNvPicPr>
@@ -11939,18 +10920,204 @@
         </p:blipFill>
         <p:spPr>
           <a:xfrm>
-            <a:off x="5523978" y="2673795"/>
-            <a:ext cx="6666667" cy="3085714"/>
-          </a:xfrm>
-          <a:prstGeom prst="rect">
-            <a:avLst/>
-          </a:prstGeom>
+            <a:off x="5357407" y="1761771"/>
+            <a:ext cx="6492803" cy="2164268"/>
+          </a:xfrm>
+          <a:prstGeom prst="rect">
+            <a:avLst/>
+          </a:prstGeom>
+        </p:spPr>
+      </p:pic>
+      <p:pic>
+        <p:nvPicPr>
+          <p:cNvPr id="12" name="图片 11"/>
+          <p:cNvPicPr>
+            <a:picLocks noChangeAspect="1"/>
+          </p:cNvPicPr>
+          <p:nvPr/>
+        </p:nvPicPr>
+        <p:blipFill>
+          <a:blip r:embed="rId7"/>
+          <a:stretch>
+            <a:fillRect/>
+          </a:stretch>
+        </p:blipFill>
+        <p:spPr>
+          <a:xfrm>
+            <a:off x="0" y="3287419"/>
+            <a:ext cx="4683713" cy="3966400"/>
+          </a:xfrm>
+          <a:prstGeom prst="rect">
+            <a:avLst/>
+          </a:prstGeom>
+        </p:spPr>
+      </p:pic>
+      <p:pic>
+        <p:nvPicPr>
+          <p:cNvPr id="13" name="图片 12"/>
+          <p:cNvPicPr>
+            <a:picLocks noChangeAspect="1"/>
+          </p:cNvPicPr>
+          <p:nvPr/>
+        </p:nvPicPr>
+        <p:blipFill>
+          <a:blip r:embed="rId8"/>
+          <a:stretch>
+            <a:fillRect/>
+          </a:stretch>
+        </p:blipFill>
+        <p:spPr>
+          <a:xfrm>
+            <a:off x="4534747" y="4125665"/>
+            <a:ext cx="1980952" cy="2219048"/>
+          </a:xfrm>
+          <a:prstGeom prst="rect">
+            <a:avLst/>
+          </a:prstGeom>
+          <a:solidFill>
+            <a:srgbClr val="FFFFFF">
+              <a:shade val="85000"/>
+            </a:srgbClr>
+          </a:solidFill>
+          <a:ln w="88900" cap="sq">
+            <a:solidFill>
+              <a:srgbClr val="FFFFFF"/>
+            </a:solidFill>
+            <a:miter lim="800000"/>
+          </a:ln>
+          <a:effectLst>
+            <a:outerShdw blurRad="55000" dist="18000" dir="5400000" algn="tl" rotWithShape="0">
+              <a:srgbClr val="000000">
+                <a:alpha val="40000"/>
+              </a:srgbClr>
+            </a:outerShdw>
+          </a:effectLst>
+          <a:scene3d>
+            <a:camera prst="orthographicFront"/>
+            <a:lightRig rig="twoPt" dir="t">
+              <a:rot lat="0" lon="0" rev="7200000"/>
+            </a:lightRig>
+          </a:scene3d>
+          <a:sp3d>
+            <a:bevelT w="25400" h="19050"/>
+            <a:contourClr>
+              <a:srgbClr val="FFFFFF"/>
+            </a:contourClr>
+          </a:sp3d>
+        </p:spPr>
+      </p:pic>
+      <p:pic>
+        <p:nvPicPr>
+          <p:cNvPr id="14" name="图片 13"/>
+          <p:cNvPicPr>
+            <a:picLocks noChangeAspect="1"/>
+          </p:cNvPicPr>
+          <p:nvPr/>
+        </p:nvPicPr>
+        <p:blipFill>
+          <a:blip r:embed="rId9"/>
+          <a:stretch>
+            <a:fillRect/>
+          </a:stretch>
+        </p:blipFill>
+        <p:spPr>
+          <a:xfrm>
+            <a:off x="6929562" y="4506009"/>
+            <a:ext cx="1990476" cy="380952"/>
+          </a:xfrm>
+          <a:prstGeom prst="rect">
+            <a:avLst/>
+          </a:prstGeom>
+          <a:solidFill>
+            <a:srgbClr val="FFFFFF">
+              <a:shade val="85000"/>
+            </a:srgbClr>
+          </a:solidFill>
+          <a:ln w="88900" cap="sq">
+            <a:solidFill>
+              <a:srgbClr val="FFFFFF"/>
+            </a:solidFill>
+            <a:miter lim="800000"/>
+          </a:ln>
+          <a:effectLst>
+            <a:outerShdw blurRad="55000" dist="18000" dir="5400000" algn="tl" rotWithShape="0">
+              <a:srgbClr val="000000">
+                <a:alpha val="40000"/>
+              </a:srgbClr>
+            </a:outerShdw>
+          </a:effectLst>
+          <a:scene3d>
+            <a:camera prst="orthographicFront"/>
+            <a:lightRig rig="twoPt" dir="t">
+              <a:rot lat="0" lon="0" rev="7200000"/>
+            </a:lightRig>
+          </a:scene3d>
+          <a:sp3d>
+            <a:bevelT w="25400" h="19050"/>
+            <a:contourClr>
+              <a:srgbClr val="FFFFFF"/>
+            </a:contourClr>
+          </a:sp3d>
+        </p:spPr>
+      </p:pic>
+      <p:pic>
+        <p:nvPicPr>
+          <p:cNvPr id="15" name="图片 14"/>
+          <p:cNvPicPr>
+            <a:picLocks noChangeAspect="1"/>
+          </p:cNvPicPr>
+          <p:nvPr/>
+        </p:nvPicPr>
+        <p:blipFill>
+          <a:blip r:embed="rId10"/>
+          <a:stretch>
+            <a:fillRect/>
+          </a:stretch>
+        </p:blipFill>
+        <p:spPr>
+          <a:xfrm>
+            <a:off x="9538841" y="4434872"/>
+            <a:ext cx="1914286" cy="1428571"/>
+          </a:xfrm>
+          <a:prstGeom prst="rect">
+            <a:avLst/>
+          </a:prstGeom>
+          <a:solidFill>
+            <a:srgbClr val="FFFFFF">
+              <a:shade val="85000"/>
+            </a:srgbClr>
+          </a:solidFill>
+          <a:ln w="88900" cap="sq">
+            <a:solidFill>
+              <a:srgbClr val="FFFFFF"/>
+            </a:solidFill>
+            <a:miter lim="800000"/>
+          </a:ln>
+          <a:effectLst>
+            <a:outerShdw blurRad="55000" dist="18000" dir="5400000" algn="tl" rotWithShape="0">
+              <a:srgbClr val="000000">
+                <a:alpha val="40000"/>
+              </a:srgbClr>
+            </a:outerShdw>
+          </a:effectLst>
+          <a:scene3d>
+            <a:camera prst="orthographicFront"/>
+            <a:lightRig rig="twoPt" dir="t">
+              <a:rot lat="0" lon="0" rev="7200000"/>
+            </a:lightRig>
+          </a:scene3d>
+          <a:sp3d>
+            <a:bevelT w="25400" h="19050"/>
+            <a:contourClr>
+              <a:srgbClr val="FFFFFF"/>
+            </a:contourClr>
+          </a:sp3d>
         </p:spPr>
       </p:pic>
     </p:spTree>
     <p:extLst>
       <p:ext uri="{BB962C8B-B14F-4D97-AF65-F5344CB8AC3E}">
-        <p14:creationId xmlns:p14="http://schemas.microsoft.com/office/powerpoint/2010/main" val="2385416278"/>
+        <p14:creationId xmlns:p14="http://schemas.microsoft.com/office/powerpoint/2010/main" val="1846181592"/>
       </p:ext>
     </p:extLst>
   </p:cSld>
@@ -12032,10 +11199,121 @@
           </a:prstGeom>
         </p:spPr>
       </p:pic>
+      <p:sp>
+        <p:nvSpPr>
+          <p:cNvPr id="4" name="文本框 3"/>
+          <p:cNvSpPr txBox="1"/>
+          <p:nvPr/>
+        </p:nvSpPr>
+        <p:spPr>
+          <a:xfrm>
+            <a:off x="-1" y="701101"/>
+            <a:ext cx="4046899" cy="461665"/>
+          </a:xfrm>
+          <a:prstGeom prst="rect">
+            <a:avLst/>
+          </a:prstGeom>
+          <a:noFill/>
+        </p:spPr>
+        <p:txBody>
+          <a:bodyPr wrap="square" rtlCol="0">
+            <a:spAutoFit/>
+          </a:bodyPr>
+          <a:lstStyle/>
+          <a:p>
+            <a:r>
+              <a:rPr lang="en-US" altLang="zh-CN" sz="2400" b="1" dirty="0"/>
+              <a:t>Ⅲ </a:t>
+            </a:r>
+            <a:r>
+              <a:rPr lang="zh-CN" altLang="en-US" sz="2400" b="1" dirty="0"/>
+              <a:t>多线程输入数据处理框架</a:t>
+            </a:r>
+          </a:p>
+        </p:txBody>
+      </p:sp>
+      <p:pic>
+        <p:nvPicPr>
+          <p:cNvPr id="5" name="图片 4"/>
+          <p:cNvPicPr>
+            <a:picLocks noChangeAspect="1"/>
+          </p:cNvPicPr>
+          <p:nvPr/>
+        </p:nvPicPr>
+        <p:blipFill>
+          <a:blip r:embed="rId5"/>
+          <a:stretch>
+            <a:fillRect/>
+          </a:stretch>
+        </p:blipFill>
+        <p:spPr>
+          <a:xfrm>
+            <a:off x="153876" y="2475098"/>
+            <a:ext cx="5066111" cy="3600998"/>
+          </a:xfrm>
+          <a:prstGeom prst="rect">
+            <a:avLst/>
+          </a:prstGeom>
+        </p:spPr>
+      </p:pic>
+      <p:pic>
+        <p:nvPicPr>
+          <p:cNvPr id="6" name="图片 5"/>
+          <p:cNvPicPr>
+            <a:picLocks noChangeAspect="1"/>
+          </p:cNvPicPr>
+          <p:nvPr/>
+        </p:nvPicPr>
+        <p:blipFill>
+          <a:blip r:embed="rId6"/>
+          <a:stretch>
+            <a:fillRect/>
+          </a:stretch>
+        </p:blipFill>
+        <p:spPr>
+          <a:xfrm>
+            <a:off x="5366837" y="2475098"/>
+            <a:ext cx="6666667" cy="3085714"/>
+          </a:xfrm>
+          <a:prstGeom prst="rect">
+            <a:avLst/>
+          </a:prstGeom>
+        </p:spPr>
+      </p:pic>
+      <p:sp>
+        <p:nvSpPr>
+          <p:cNvPr id="7" name="文本框 6"/>
+          <p:cNvSpPr txBox="1"/>
+          <p:nvPr/>
+        </p:nvSpPr>
+        <p:spPr>
+          <a:xfrm>
+            <a:off x="4046898" y="1551768"/>
+            <a:ext cx="3048000" cy="461665"/>
+          </a:xfrm>
+          <a:prstGeom prst="rect">
+            <a:avLst/>
+          </a:prstGeom>
+          <a:noFill/>
+        </p:spPr>
+        <p:txBody>
+          <a:bodyPr wrap="square" rtlCol="0">
+            <a:spAutoFit/>
+          </a:bodyPr>
+          <a:lstStyle/>
+          <a:p>
+            <a:r>
+              <a:rPr lang="zh-CN" altLang="en-US" sz="2400" b="1" dirty="0"/>
+              <a:t>使用多线程操作队列</a:t>
+            </a:r>
+            <a:endParaRPr lang="zh-CN" altLang="en-US" sz="2400" b="1" dirty="0"/>
+          </a:p>
+        </p:txBody>
+      </p:sp>
     </p:spTree>
     <p:extLst>
       <p:ext uri="{BB962C8B-B14F-4D97-AF65-F5344CB8AC3E}">
-        <p14:creationId xmlns:p14="http://schemas.microsoft.com/office/powerpoint/2010/main" val="2728047905"/>
+        <p14:creationId xmlns:p14="http://schemas.microsoft.com/office/powerpoint/2010/main" val="2385416278"/>
       </p:ext>
     </p:extLst>
   </p:cSld>
@@ -12117,10 +11395,34 @@
           </a:prstGeom>
         </p:spPr>
       </p:pic>
+      <p:pic>
+        <p:nvPicPr>
+          <p:cNvPr id="4" name="图片 3"/>
+          <p:cNvPicPr>
+            <a:picLocks noChangeAspect="1"/>
+          </p:cNvPicPr>
+          <p:nvPr/>
+        </p:nvPicPr>
+        <p:blipFill>
+          <a:blip r:embed="rId5"/>
+          <a:stretch>
+            <a:fillRect/>
+          </a:stretch>
+        </p:blipFill>
+        <p:spPr>
+          <a:xfrm>
+            <a:off x="1133857" y="713293"/>
+            <a:ext cx="9533348" cy="5955831"/>
+          </a:xfrm>
+          <a:prstGeom prst="rect">
+            <a:avLst/>
+          </a:prstGeom>
+        </p:spPr>
+      </p:pic>
     </p:spTree>
     <p:extLst>
       <p:ext uri="{BB962C8B-B14F-4D97-AF65-F5344CB8AC3E}">
-        <p14:creationId xmlns:p14="http://schemas.microsoft.com/office/powerpoint/2010/main" val="871869815"/>
+        <p14:creationId xmlns:p14="http://schemas.microsoft.com/office/powerpoint/2010/main" val="2728047905"/>
       </p:ext>
     </p:extLst>
   </p:cSld>
@@ -12202,16 +11504,110 @@
           </a:prstGeom>
         </p:spPr>
       </p:pic>
+      <p:sp>
+        <p:nvSpPr>
+          <p:cNvPr id="4" name="文本框 3"/>
+          <p:cNvSpPr txBox="1"/>
+          <p:nvPr/>
+        </p:nvSpPr>
+        <p:spPr>
+          <a:xfrm>
+            <a:off x="-1" y="701101"/>
+            <a:ext cx="4046899" cy="461665"/>
+          </a:xfrm>
+          <a:prstGeom prst="rect">
+            <a:avLst/>
+          </a:prstGeom>
+          <a:noFill/>
+        </p:spPr>
+        <p:txBody>
+          <a:bodyPr wrap="square" rtlCol="0">
+            <a:spAutoFit/>
+          </a:bodyPr>
+          <a:lstStyle/>
+          <a:p>
+            <a:r>
+              <a:rPr lang="en-US" altLang="zh-CN" sz="2400" b="1" dirty="0"/>
+              <a:t>Ⅲ </a:t>
+            </a:r>
+            <a:r>
+              <a:rPr lang="zh-CN" altLang="en-US" sz="2400" b="1" dirty="0"/>
+              <a:t>多线程输入数据处理框架</a:t>
+            </a:r>
+          </a:p>
+        </p:txBody>
+      </p:sp>
+      <p:sp>
+        <p:nvSpPr>
+          <p:cNvPr id="5" name="文本框 4"/>
+          <p:cNvSpPr txBox="1"/>
+          <p:nvPr/>
+        </p:nvSpPr>
+        <p:spPr>
+          <a:xfrm>
+            <a:off x="5065353" y="1539576"/>
+            <a:ext cx="2061294" cy="461665"/>
+          </a:xfrm>
+          <a:prstGeom prst="rect">
+            <a:avLst/>
+          </a:prstGeom>
+          <a:noFill/>
+        </p:spPr>
+        <p:txBody>
+          <a:bodyPr wrap="square" rtlCol="0">
+            <a:spAutoFit/>
+          </a:bodyPr>
+          <a:lstStyle/>
+          <a:p>
+            <a:r>
+              <a:rPr lang="zh-CN" altLang="en-US" sz="2400" b="1" dirty="0" smtClean="0"/>
+              <a:t>输入文件队列</a:t>
+            </a:r>
+            <a:endParaRPr lang="zh-CN" altLang="en-US" sz="2400" b="1" dirty="0"/>
+          </a:p>
+        </p:txBody>
+      </p:sp>
+      <p:pic>
+        <p:nvPicPr>
+          <p:cNvPr id="6" name="图片 5"/>
+          <p:cNvPicPr>
+            <a:picLocks noChangeAspect="1"/>
+          </p:cNvPicPr>
+          <p:nvPr/>
+        </p:nvPicPr>
+        <p:blipFill>
+          <a:blip r:embed="rId5"/>
+          <a:stretch>
+            <a:fillRect/>
+          </a:stretch>
+        </p:blipFill>
+        <p:spPr>
+          <a:xfrm>
+            <a:off x="2154041" y="2407075"/>
+            <a:ext cx="7547739" cy="2543883"/>
+          </a:xfrm>
+          <a:prstGeom prst="rect">
+            <a:avLst/>
+          </a:prstGeom>
+        </p:spPr>
+      </p:pic>
     </p:spTree>
     <p:extLst>
       <p:ext uri="{BB962C8B-B14F-4D97-AF65-F5344CB8AC3E}">
-        <p14:creationId xmlns:p14="http://schemas.microsoft.com/office/powerpoint/2010/main" val="961523698"/>
+        <p14:creationId xmlns:p14="http://schemas.microsoft.com/office/powerpoint/2010/main" val="871869815"/>
       </p:ext>
     </p:extLst>
   </p:cSld>
   <p:clrMapOvr>
     <a:masterClrMapping/>
   </p:clrMapOvr>
+  <p:timing>
+    <p:tnLst>
+      <p:par>
+        <p:cTn id="1" dur="indefinite" restart="never" nodeType="tmRoot"/>
+      </p:par>
+    </p:tnLst>
+  </p:timing>
 </p:sld>
 </file>
 
@@ -12280,16 +11676,231 @@
           </a:prstGeom>
         </p:spPr>
       </p:pic>
+      <p:sp>
+        <p:nvSpPr>
+          <p:cNvPr id="6" name="文本框 5"/>
+          <p:cNvSpPr txBox="1"/>
+          <p:nvPr/>
+        </p:nvSpPr>
+        <p:spPr>
+          <a:xfrm>
+            <a:off x="1267968" y="2097024"/>
+            <a:ext cx="9851135" cy="2585323"/>
+          </a:xfrm>
+          <a:prstGeom prst="rect">
+            <a:avLst/>
+          </a:prstGeom>
+          <a:noFill/>
+        </p:spPr>
+        <p:txBody>
+          <a:bodyPr wrap="square" rtlCol="0">
+            <a:spAutoFit/>
+          </a:bodyPr>
+          <a:lstStyle/>
+          <a:p>
+            <a:r>
+              <a:rPr lang="zh-CN" altLang="en-US" dirty="0" smtClean="0"/>
+              <a:t>参考资料：</a:t>
+            </a:r>
+            <a:endParaRPr lang="en-US" altLang="zh-CN" dirty="0" smtClean="0"/>
+          </a:p>
+          <a:p>
+            <a:pPr marL="342900" indent="-342900">
+              <a:buAutoNum type="arabicPeriod"/>
+            </a:pPr>
+            <a:r>
+              <a:rPr lang="en-US" altLang="zh-CN" dirty="0" smtClean="0"/>
+              <a:t>Tensorflow API</a:t>
+            </a:r>
+            <a:r>
+              <a:rPr lang="zh-CN" altLang="en-US" dirty="0" smtClean="0"/>
+              <a:t>：</a:t>
+            </a:r>
+            <a:r>
+              <a:rPr lang="en-US" altLang="zh-CN" dirty="0">
+                <a:hlinkClick r:id="rId5"/>
+              </a:rPr>
+              <a:t>https://www.tensorflow.org/api_docs</a:t>
+            </a:r>
+            <a:r>
+              <a:rPr lang="en-US" altLang="zh-CN" dirty="0" smtClean="0">
+                <a:hlinkClick r:id="rId5"/>
+              </a:rPr>
+              <a:t>/</a:t>
+            </a:r>
+            <a:endParaRPr lang="en-US" altLang="zh-CN" dirty="0" smtClean="0"/>
+          </a:p>
+          <a:p>
+            <a:pPr marL="342900" indent="-342900">
+              <a:buFontTx/>
+              <a:buAutoNum type="arabicPeriod"/>
+            </a:pPr>
+            <a:r>
+              <a:rPr lang="en-US" altLang="zh-CN" dirty="0" smtClean="0"/>
+              <a:t>tf.slice() </a:t>
+            </a:r>
+            <a:r>
+              <a:rPr lang="zh-CN" altLang="en-US" dirty="0" smtClean="0"/>
+              <a:t>：</a:t>
+            </a:r>
+            <a:r>
+              <a:rPr lang="en-US" altLang="zh-CN" dirty="0" smtClean="0">
+                <a:hlinkClick r:id="rId6"/>
+              </a:rPr>
+              <a:t>https</a:t>
+            </a:r>
+            <a:r>
+              <a:rPr lang="en-US" altLang="zh-CN" dirty="0">
+                <a:hlinkClick r:id="rId6"/>
+              </a:rPr>
+              <a:t>://</a:t>
+            </a:r>
+            <a:r>
+              <a:rPr lang="en-US" altLang="zh-CN" dirty="0" smtClean="0">
+                <a:hlinkClick r:id="rId6"/>
+              </a:rPr>
+              <a:t>www.quora.com/How-does-tf-slice-work-in-TensorFlow</a:t>
+            </a:r>
+            <a:endParaRPr lang="en-US" altLang="zh-CN" dirty="0" smtClean="0"/>
+          </a:p>
+          <a:p>
+            <a:pPr marL="342900" indent="-342900">
+              <a:buFontTx/>
+              <a:buAutoNum type="arabicPeriod"/>
+            </a:pPr>
+            <a:r>
+              <a:rPr lang="en-US" altLang="zh-CN" dirty="0" err="1" smtClean="0"/>
+              <a:t>tf.sample_distorted_bounding_box</a:t>
+            </a:r>
+            <a:r>
+              <a:rPr lang="zh-CN" altLang="en-US" dirty="0" smtClean="0"/>
+              <a:t>：</a:t>
+            </a:r>
+            <a:r>
+              <a:rPr lang="en-US" altLang="zh-CN" dirty="0" smtClean="0">
+                <a:hlinkClick r:id="rId7"/>
+              </a:rPr>
+              <a:t>https</a:t>
+            </a:r>
+            <a:r>
+              <a:rPr lang="en-US" altLang="zh-CN" dirty="0">
+                <a:hlinkClick r:id="rId7"/>
+              </a:rPr>
+              <a:t>://</a:t>
+            </a:r>
+            <a:r>
+              <a:rPr lang="en-US" altLang="zh-CN" dirty="0" smtClean="0">
+                <a:hlinkClick r:id="rId7"/>
+              </a:rPr>
+              <a:t>stackoverflow.com/questions/50191388/why-need-to-specify-the-parameter-bounding-boxes-for-sample-distorted-bounding</a:t>
+            </a:r>
+            <a:endParaRPr lang="en-US" altLang="zh-CN" dirty="0" smtClean="0"/>
+          </a:p>
+          <a:p>
+            <a:pPr marL="342900" indent="-342900">
+              <a:buFontTx/>
+              <a:buAutoNum type="arabicPeriod"/>
+            </a:pPr>
+            <a:r>
+              <a:rPr lang="zh-CN" altLang="en-US" dirty="0"/>
+              <a:t>理解</a:t>
+            </a:r>
+            <a:r>
+              <a:rPr lang="en-US" altLang="zh-CN" dirty="0" err="1"/>
+              <a:t>TensorFlow</a:t>
+            </a:r>
+            <a:r>
+              <a:rPr lang="zh-CN" altLang="en-US" dirty="0"/>
+              <a:t>的</a:t>
+            </a:r>
+            <a:r>
+              <a:rPr lang="en-US" altLang="zh-CN" dirty="0" smtClean="0"/>
+              <a:t>Queue</a:t>
+            </a:r>
+            <a:r>
+              <a:rPr lang="zh-CN" altLang="en-US" dirty="0" smtClean="0"/>
+              <a:t>：</a:t>
+            </a:r>
+            <a:r>
+              <a:rPr lang="en-US" altLang="zh-CN" dirty="0" smtClean="0">
+                <a:hlinkClick r:id="rId8"/>
+              </a:rPr>
+              <a:t>https</a:t>
+            </a:r>
+            <a:r>
+              <a:rPr lang="en-US" altLang="zh-CN" dirty="0">
+                <a:hlinkClick r:id="rId8"/>
+              </a:rPr>
+              <a:t>://</a:t>
+            </a:r>
+            <a:r>
+              <a:rPr lang="en-US" altLang="zh-CN" dirty="0" smtClean="0">
+                <a:hlinkClick r:id="rId8"/>
+              </a:rPr>
+              <a:t>www.jianshu.com/p/d063804fb272</a:t>
+            </a:r>
+            <a:endParaRPr lang="en-US" altLang="zh-CN" dirty="0" smtClean="0"/>
+          </a:p>
+          <a:p>
+            <a:pPr marL="342900" indent="-342900">
+              <a:buFontTx/>
+              <a:buAutoNum type="arabicPeriod"/>
+            </a:pPr>
+            <a:r>
+              <a:rPr lang="en-US" altLang="zh-CN" dirty="0"/>
+              <a:t>all </a:t>
+            </a:r>
+            <a:r>
+              <a:rPr lang="en-US" altLang="zh-CN" dirty="0" smtClean="0"/>
+              <a:t>variables vs local variables</a:t>
+            </a:r>
+            <a:r>
+              <a:rPr lang="zh-CN" altLang="en-US" dirty="0" smtClean="0"/>
+              <a:t>：</a:t>
+            </a:r>
+            <a:r>
+              <a:rPr lang="en-US" altLang="zh-CN" dirty="0"/>
+              <a:t> </a:t>
+            </a:r>
+            <a:r>
+              <a:rPr lang="en-US" altLang="zh-CN" dirty="0">
+                <a:hlinkClick r:id="rId9"/>
+              </a:rPr>
+              <a:t>https://</a:t>
+            </a:r>
+            <a:r>
+              <a:rPr lang="en-US" altLang="zh-CN" dirty="0" smtClean="0">
+                <a:hlinkClick r:id="rId9"/>
+              </a:rPr>
+              <a:t>stackoverflow.com/questions/40220201/tensorflow-tf-initialize-all-variables-vs-tf-initialize-local-variables</a:t>
+            </a:r>
+            <a:endParaRPr lang="en-US" altLang="zh-CN" dirty="0" smtClean="0"/>
+          </a:p>
+          <a:p>
+            <a:pPr marL="342900" indent="-342900">
+              <a:buAutoNum type="arabicPeriod"/>
+            </a:pPr>
+            <a:endParaRPr lang="zh-CN" altLang="en-US" dirty="0"/>
+          </a:p>
+        </p:txBody>
+      </p:sp>
     </p:spTree>
     <p:extLst>
       <p:ext uri="{BB962C8B-B14F-4D97-AF65-F5344CB8AC3E}">
-        <p14:creationId xmlns:p14="http://schemas.microsoft.com/office/powerpoint/2010/main" val="651473578"/>
+        <p14:creationId xmlns:p14="http://schemas.microsoft.com/office/powerpoint/2010/main" val="961523698"/>
       </p:ext>
     </p:extLst>
   </p:cSld>
   <p:clrMapOvr>
     <a:masterClrMapping/>
   </p:clrMapOvr>
+  <p:timing>
+    <p:tnLst>
+      <p:par>
+        <p:cTn id="1" dur="indefinite" restart="never" nodeType="tmRoot"/>
+      </p:par>
+    </p:tnLst>
+  </p:timing>
 </p:sld>
 </file>
 
@@ -12382,11 +11993,7 @@
           <a:p>
             <a:r>
               <a:rPr lang="en-US" altLang="zh-CN" sz="3200" b="1" dirty="0" smtClean="0"/>
-              <a:t>Ⅰ </a:t>
-            </a:r>
-            <a:r>
-              <a:rPr lang="en-US" altLang="zh-CN" sz="3200" b="1" dirty="0" err="1" smtClean="0"/>
-              <a:t>TFRecord</a:t>
+              <a:t>Ⅰ TFRecord</a:t>
             </a:r>
             <a:r>
               <a:rPr lang="zh-CN" altLang="en-US" sz="3200" b="1" dirty="0" smtClean="0"/>
@@ -12413,786 +12020,6 @@
       </p:par>
     </p:tnLst>
   </p:timing>
-</p:sld>
-</file>
-
-<file path=ppt/slides/slide30.xml><?xml version="1.0" encoding="utf-8"?>
-<p:sld xmlns:a="http://schemas.openxmlformats.org/drawingml/2006/main" xmlns:r="http://schemas.openxmlformats.org/officeDocument/2006/relationships" xmlns:p="http://schemas.openxmlformats.org/presentationml/2006/main">
-  <p:cSld>
-    <p:spTree>
-      <p:nvGrpSpPr>
-        <p:cNvPr id="1" name=""/>
-        <p:cNvGrpSpPr/>
-        <p:nvPr/>
-      </p:nvGrpSpPr>
-      <p:grpSpPr>
-        <a:xfrm>
-          <a:off x="0" y="0"/>
-          <a:ext cx="0" cy="0"/>
-          <a:chOff x="0" y="0"/>
-          <a:chExt cx="0" cy="0"/>
-        </a:xfrm>
-      </p:grpSpPr>
-      <p:pic>
-        <p:nvPicPr>
-          <p:cNvPr id="2" name="图片 1"/>
-          <p:cNvPicPr>
-            <a:picLocks noChangeAspect="1"/>
-          </p:cNvPicPr>
-          <p:nvPr/>
-        </p:nvPicPr>
-        <p:blipFill>
-          <a:blip r:embed="rId3"/>
-          <a:stretch>
-            <a:fillRect/>
-          </a:stretch>
-        </p:blipFill>
-        <p:spPr>
-          <a:xfrm>
-            <a:off x="0" y="6656932"/>
-            <a:ext cx="12192000" cy="201068"/>
-          </a:xfrm>
-          <a:prstGeom prst="rect">
-            <a:avLst/>
-          </a:prstGeom>
-        </p:spPr>
-      </p:pic>
-      <p:pic>
-        <p:nvPicPr>
-          <p:cNvPr id="3" name="图片 2"/>
-          <p:cNvPicPr>
-            <a:picLocks noChangeAspect="1"/>
-          </p:cNvPicPr>
-          <p:nvPr/>
-        </p:nvPicPr>
-        <p:blipFill>
-          <a:blip r:embed="rId4"/>
-          <a:stretch>
-            <a:fillRect/>
-          </a:stretch>
-        </p:blipFill>
-        <p:spPr>
-          <a:xfrm>
-            <a:off x="0" y="0"/>
-            <a:ext cx="12192000" cy="701101"/>
-          </a:xfrm>
-          <a:prstGeom prst="rect">
-            <a:avLst/>
-          </a:prstGeom>
-        </p:spPr>
-      </p:pic>
-    </p:spTree>
-    <p:extLst>
-      <p:ext uri="{BB962C8B-B14F-4D97-AF65-F5344CB8AC3E}">
-        <p14:creationId xmlns:p14="http://schemas.microsoft.com/office/powerpoint/2010/main" val="4151095704"/>
-      </p:ext>
-    </p:extLst>
-  </p:cSld>
-  <p:clrMapOvr>
-    <a:masterClrMapping/>
-  </p:clrMapOvr>
-</p:sld>
-</file>
-
-<file path=ppt/slides/slide31.xml><?xml version="1.0" encoding="utf-8"?>
-<p:sld xmlns:a="http://schemas.openxmlformats.org/drawingml/2006/main" xmlns:r="http://schemas.openxmlformats.org/officeDocument/2006/relationships" xmlns:p="http://schemas.openxmlformats.org/presentationml/2006/main">
-  <p:cSld>
-    <p:spTree>
-      <p:nvGrpSpPr>
-        <p:cNvPr id="1" name=""/>
-        <p:cNvGrpSpPr/>
-        <p:nvPr/>
-      </p:nvGrpSpPr>
-      <p:grpSpPr>
-        <a:xfrm>
-          <a:off x="0" y="0"/>
-          <a:ext cx="0" cy="0"/>
-          <a:chOff x="0" y="0"/>
-          <a:chExt cx="0" cy="0"/>
-        </a:xfrm>
-      </p:grpSpPr>
-      <p:pic>
-        <p:nvPicPr>
-          <p:cNvPr id="2" name="图片 1"/>
-          <p:cNvPicPr>
-            <a:picLocks noChangeAspect="1"/>
-          </p:cNvPicPr>
-          <p:nvPr/>
-        </p:nvPicPr>
-        <p:blipFill>
-          <a:blip r:embed="rId3"/>
-          <a:stretch>
-            <a:fillRect/>
-          </a:stretch>
-        </p:blipFill>
-        <p:spPr>
-          <a:xfrm>
-            <a:off x="0" y="6656932"/>
-            <a:ext cx="12192000" cy="201068"/>
-          </a:xfrm>
-          <a:prstGeom prst="rect">
-            <a:avLst/>
-          </a:prstGeom>
-        </p:spPr>
-      </p:pic>
-      <p:pic>
-        <p:nvPicPr>
-          <p:cNvPr id="3" name="图片 2"/>
-          <p:cNvPicPr>
-            <a:picLocks noChangeAspect="1"/>
-          </p:cNvPicPr>
-          <p:nvPr/>
-        </p:nvPicPr>
-        <p:blipFill>
-          <a:blip r:embed="rId4"/>
-          <a:stretch>
-            <a:fillRect/>
-          </a:stretch>
-        </p:blipFill>
-        <p:spPr>
-          <a:xfrm>
-            <a:off x="0" y="0"/>
-            <a:ext cx="12192000" cy="701101"/>
-          </a:xfrm>
-          <a:prstGeom prst="rect">
-            <a:avLst/>
-          </a:prstGeom>
-        </p:spPr>
-      </p:pic>
-    </p:spTree>
-    <p:extLst>
-      <p:ext uri="{BB962C8B-B14F-4D97-AF65-F5344CB8AC3E}">
-        <p14:creationId xmlns:p14="http://schemas.microsoft.com/office/powerpoint/2010/main" val="4243258427"/>
-      </p:ext>
-    </p:extLst>
-  </p:cSld>
-  <p:clrMapOvr>
-    <a:masterClrMapping/>
-  </p:clrMapOvr>
-</p:sld>
-</file>
-
-<file path=ppt/slides/slide32.xml><?xml version="1.0" encoding="utf-8"?>
-<p:sld xmlns:a="http://schemas.openxmlformats.org/drawingml/2006/main" xmlns:r="http://schemas.openxmlformats.org/officeDocument/2006/relationships" xmlns:p="http://schemas.openxmlformats.org/presentationml/2006/main">
-  <p:cSld>
-    <p:spTree>
-      <p:nvGrpSpPr>
-        <p:cNvPr id="1" name=""/>
-        <p:cNvGrpSpPr/>
-        <p:nvPr/>
-      </p:nvGrpSpPr>
-      <p:grpSpPr>
-        <a:xfrm>
-          <a:off x="0" y="0"/>
-          <a:ext cx="0" cy="0"/>
-          <a:chOff x="0" y="0"/>
-          <a:chExt cx="0" cy="0"/>
-        </a:xfrm>
-      </p:grpSpPr>
-      <p:pic>
-        <p:nvPicPr>
-          <p:cNvPr id="2" name="图片 1"/>
-          <p:cNvPicPr>
-            <a:picLocks noChangeAspect="1"/>
-          </p:cNvPicPr>
-          <p:nvPr/>
-        </p:nvPicPr>
-        <p:blipFill>
-          <a:blip r:embed="rId3"/>
-          <a:stretch>
-            <a:fillRect/>
-          </a:stretch>
-        </p:blipFill>
-        <p:spPr>
-          <a:xfrm>
-            <a:off x="0" y="6656932"/>
-            <a:ext cx="12192000" cy="201068"/>
-          </a:xfrm>
-          <a:prstGeom prst="rect">
-            <a:avLst/>
-          </a:prstGeom>
-        </p:spPr>
-      </p:pic>
-      <p:pic>
-        <p:nvPicPr>
-          <p:cNvPr id="3" name="图片 2"/>
-          <p:cNvPicPr>
-            <a:picLocks noChangeAspect="1"/>
-          </p:cNvPicPr>
-          <p:nvPr/>
-        </p:nvPicPr>
-        <p:blipFill>
-          <a:blip r:embed="rId4"/>
-          <a:stretch>
-            <a:fillRect/>
-          </a:stretch>
-        </p:blipFill>
-        <p:spPr>
-          <a:xfrm>
-            <a:off x="0" y="0"/>
-            <a:ext cx="12192000" cy="701101"/>
-          </a:xfrm>
-          <a:prstGeom prst="rect">
-            <a:avLst/>
-          </a:prstGeom>
-        </p:spPr>
-      </p:pic>
-    </p:spTree>
-    <p:extLst>
-      <p:ext uri="{BB962C8B-B14F-4D97-AF65-F5344CB8AC3E}">
-        <p14:creationId xmlns:p14="http://schemas.microsoft.com/office/powerpoint/2010/main" val="2945099866"/>
-      </p:ext>
-    </p:extLst>
-  </p:cSld>
-  <p:clrMapOvr>
-    <a:masterClrMapping/>
-  </p:clrMapOvr>
-</p:sld>
-</file>
-
-<file path=ppt/slides/slide33.xml><?xml version="1.0" encoding="utf-8"?>
-<p:sld xmlns:a="http://schemas.openxmlformats.org/drawingml/2006/main" xmlns:r="http://schemas.openxmlformats.org/officeDocument/2006/relationships" xmlns:p="http://schemas.openxmlformats.org/presentationml/2006/main">
-  <p:cSld>
-    <p:spTree>
-      <p:nvGrpSpPr>
-        <p:cNvPr id="1" name=""/>
-        <p:cNvGrpSpPr/>
-        <p:nvPr/>
-      </p:nvGrpSpPr>
-      <p:grpSpPr>
-        <a:xfrm>
-          <a:off x="0" y="0"/>
-          <a:ext cx="0" cy="0"/>
-          <a:chOff x="0" y="0"/>
-          <a:chExt cx="0" cy="0"/>
-        </a:xfrm>
-      </p:grpSpPr>
-      <p:pic>
-        <p:nvPicPr>
-          <p:cNvPr id="2" name="图片 1"/>
-          <p:cNvPicPr>
-            <a:picLocks noChangeAspect="1"/>
-          </p:cNvPicPr>
-          <p:nvPr/>
-        </p:nvPicPr>
-        <p:blipFill>
-          <a:blip r:embed="rId3"/>
-          <a:stretch>
-            <a:fillRect/>
-          </a:stretch>
-        </p:blipFill>
-        <p:spPr>
-          <a:xfrm>
-            <a:off x="0" y="6656932"/>
-            <a:ext cx="12192000" cy="201068"/>
-          </a:xfrm>
-          <a:prstGeom prst="rect">
-            <a:avLst/>
-          </a:prstGeom>
-        </p:spPr>
-      </p:pic>
-      <p:pic>
-        <p:nvPicPr>
-          <p:cNvPr id="3" name="图片 2"/>
-          <p:cNvPicPr>
-            <a:picLocks noChangeAspect="1"/>
-          </p:cNvPicPr>
-          <p:nvPr/>
-        </p:nvPicPr>
-        <p:blipFill>
-          <a:blip r:embed="rId4"/>
-          <a:stretch>
-            <a:fillRect/>
-          </a:stretch>
-        </p:blipFill>
-        <p:spPr>
-          <a:xfrm>
-            <a:off x="0" y="0"/>
-            <a:ext cx="12192000" cy="701101"/>
-          </a:xfrm>
-          <a:prstGeom prst="rect">
-            <a:avLst/>
-          </a:prstGeom>
-        </p:spPr>
-      </p:pic>
-    </p:spTree>
-    <p:extLst>
-      <p:ext uri="{BB962C8B-B14F-4D97-AF65-F5344CB8AC3E}">
-        <p14:creationId xmlns:p14="http://schemas.microsoft.com/office/powerpoint/2010/main" val="3037370047"/>
-      </p:ext>
-    </p:extLst>
-  </p:cSld>
-  <p:clrMapOvr>
-    <a:masterClrMapping/>
-  </p:clrMapOvr>
-</p:sld>
-</file>
-
-<file path=ppt/slides/slide34.xml><?xml version="1.0" encoding="utf-8"?>
-<p:sld xmlns:a="http://schemas.openxmlformats.org/drawingml/2006/main" xmlns:r="http://schemas.openxmlformats.org/officeDocument/2006/relationships" xmlns:p="http://schemas.openxmlformats.org/presentationml/2006/main">
-  <p:cSld>
-    <p:spTree>
-      <p:nvGrpSpPr>
-        <p:cNvPr id="1" name=""/>
-        <p:cNvGrpSpPr/>
-        <p:nvPr/>
-      </p:nvGrpSpPr>
-      <p:grpSpPr>
-        <a:xfrm>
-          <a:off x="0" y="0"/>
-          <a:ext cx="0" cy="0"/>
-          <a:chOff x="0" y="0"/>
-          <a:chExt cx="0" cy="0"/>
-        </a:xfrm>
-      </p:grpSpPr>
-      <p:pic>
-        <p:nvPicPr>
-          <p:cNvPr id="2" name="图片 1"/>
-          <p:cNvPicPr>
-            <a:picLocks noChangeAspect="1"/>
-          </p:cNvPicPr>
-          <p:nvPr/>
-        </p:nvPicPr>
-        <p:blipFill>
-          <a:blip r:embed="rId3"/>
-          <a:stretch>
-            <a:fillRect/>
-          </a:stretch>
-        </p:blipFill>
-        <p:spPr>
-          <a:xfrm>
-            <a:off x="0" y="6656932"/>
-            <a:ext cx="12192000" cy="201068"/>
-          </a:xfrm>
-          <a:prstGeom prst="rect">
-            <a:avLst/>
-          </a:prstGeom>
-        </p:spPr>
-      </p:pic>
-      <p:pic>
-        <p:nvPicPr>
-          <p:cNvPr id="3" name="图片 2"/>
-          <p:cNvPicPr>
-            <a:picLocks noChangeAspect="1"/>
-          </p:cNvPicPr>
-          <p:nvPr/>
-        </p:nvPicPr>
-        <p:blipFill>
-          <a:blip r:embed="rId4"/>
-          <a:stretch>
-            <a:fillRect/>
-          </a:stretch>
-        </p:blipFill>
-        <p:spPr>
-          <a:xfrm>
-            <a:off x="0" y="0"/>
-            <a:ext cx="12192000" cy="701101"/>
-          </a:xfrm>
-          <a:prstGeom prst="rect">
-            <a:avLst/>
-          </a:prstGeom>
-        </p:spPr>
-      </p:pic>
-    </p:spTree>
-    <p:extLst>
-      <p:ext uri="{BB962C8B-B14F-4D97-AF65-F5344CB8AC3E}">
-        <p14:creationId xmlns:p14="http://schemas.microsoft.com/office/powerpoint/2010/main" val="3709005888"/>
-      </p:ext>
-    </p:extLst>
-  </p:cSld>
-  <p:clrMapOvr>
-    <a:masterClrMapping/>
-  </p:clrMapOvr>
-</p:sld>
-</file>
-
-<file path=ppt/slides/slide35.xml><?xml version="1.0" encoding="utf-8"?>
-<p:sld xmlns:a="http://schemas.openxmlformats.org/drawingml/2006/main" xmlns:r="http://schemas.openxmlformats.org/officeDocument/2006/relationships" xmlns:p="http://schemas.openxmlformats.org/presentationml/2006/main">
-  <p:cSld>
-    <p:spTree>
-      <p:nvGrpSpPr>
-        <p:cNvPr id="1" name=""/>
-        <p:cNvGrpSpPr/>
-        <p:nvPr/>
-      </p:nvGrpSpPr>
-      <p:grpSpPr>
-        <a:xfrm>
-          <a:off x="0" y="0"/>
-          <a:ext cx="0" cy="0"/>
-          <a:chOff x="0" y="0"/>
-          <a:chExt cx="0" cy="0"/>
-        </a:xfrm>
-      </p:grpSpPr>
-      <p:pic>
-        <p:nvPicPr>
-          <p:cNvPr id="2" name="图片 1"/>
-          <p:cNvPicPr>
-            <a:picLocks noChangeAspect="1"/>
-          </p:cNvPicPr>
-          <p:nvPr/>
-        </p:nvPicPr>
-        <p:blipFill>
-          <a:blip r:embed="rId3"/>
-          <a:stretch>
-            <a:fillRect/>
-          </a:stretch>
-        </p:blipFill>
-        <p:spPr>
-          <a:xfrm>
-            <a:off x="0" y="6656932"/>
-            <a:ext cx="12192000" cy="201068"/>
-          </a:xfrm>
-          <a:prstGeom prst="rect">
-            <a:avLst/>
-          </a:prstGeom>
-        </p:spPr>
-      </p:pic>
-      <p:pic>
-        <p:nvPicPr>
-          <p:cNvPr id="3" name="图片 2"/>
-          <p:cNvPicPr>
-            <a:picLocks noChangeAspect="1"/>
-          </p:cNvPicPr>
-          <p:nvPr/>
-        </p:nvPicPr>
-        <p:blipFill>
-          <a:blip r:embed="rId4"/>
-          <a:stretch>
-            <a:fillRect/>
-          </a:stretch>
-        </p:blipFill>
-        <p:spPr>
-          <a:xfrm>
-            <a:off x="0" y="0"/>
-            <a:ext cx="12192000" cy="701101"/>
-          </a:xfrm>
-          <a:prstGeom prst="rect">
-            <a:avLst/>
-          </a:prstGeom>
-        </p:spPr>
-      </p:pic>
-    </p:spTree>
-    <p:extLst>
-      <p:ext uri="{BB962C8B-B14F-4D97-AF65-F5344CB8AC3E}">
-        <p14:creationId xmlns:p14="http://schemas.microsoft.com/office/powerpoint/2010/main" val="2547293450"/>
-      </p:ext>
-    </p:extLst>
-  </p:cSld>
-  <p:clrMapOvr>
-    <a:masterClrMapping/>
-  </p:clrMapOvr>
-</p:sld>
-</file>
-
-<file path=ppt/slides/slide36.xml><?xml version="1.0" encoding="utf-8"?>
-<p:sld xmlns:a="http://schemas.openxmlformats.org/drawingml/2006/main" xmlns:r="http://schemas.openxmlformats.org/officeDocument/2006/relationships" xmlns:p="http://schemas.openxmlformats.org/presentationml/2006/main">
-  <p:cSld>
-    <p:spTree>
-      <p:nvGrpSpPr>
-        <p:cNvPr id="1" name=""/>
-        <p:cNvGrpSpPr/>
-        <p:nvPr/>
-      </p:nvGrpSpPr>
-      <p:grpSpPr>
-        <a:xfrm>
-          <a:off x="0" y="0"/>
-          <a:ext cx="0" cy="0"/>
-          <a:chOff x="0" y="0"/>
-          <a:chExt cx="0" cy="0"/>
-        </a:xfrm>
-      </p:grpSpPr>
-      <p:pic>
-        <p:nvPicPr>
-          <p:cNvPr id="2" name="图片 1"/>
-          <p:cNvPicPr>
-            <a:picLocks noChangeAspect="1"/>
-          </p:cNvPicPr>
-          <p:nvPr/>
-        </p:nvPicPr>
-        <p:blipFill>
-          <a:blip r:embed="rId3"/>
-          <a:stretch>
-            <a:fillRect/>
-          </a:stretch>
-        </p:blipFill>
-        <p:spPr>
-          <a:xfrm>
-            <a:off x="0" y="6656932"/>
-            <a:ext cx="12192000" cy="201068"/>
-          </a:xfrm>
-          <a:prstGeom prst="rect">
-            <a:avLst/>
-          </a:prstGeom>
-        </p:spPr>
-      </p:pic>
-      <p:pic>
-        <p:nvPicPr>
-          <p:cNvPr id="3" name="图片 2"/>
-          <p:cNvPicPr>
-            <a:picLocks noChangeAspect="1"/>
-          </p:cNvPicPr>
-          <p:nvPr/>
-        </p:nvPicPr>
-        <p:blipFill>
-          <a:blip r:embed="rId4"/>
-          <a:stretch>
-            <a:fillRect/>
-          </a:stretch>
-        </p:blipFill>
-        <p:spPr>
-          <a:xfrm>
-            <a:off x="0" y="0"/>
-            <a:ext cx="12192000" cy="701101"/>
-          </a:xfrm>
-          <a:prstGeom prst="rect">
-            <a:avLst/>
-          </a:prstGeom>
-        </p:spPr>
-      </p:pic>
-    </p:spTree>
-    <p:extLst>
-      <p:ext uri="{BB962C8B-B14F-4D97-AF65-F5344CB8AC3E}">
-        <p14:creationId xmlns:p14="http://schemas.microsoft.com/office/powerpoint/2010/main" val="1073484953"/>
-      </p:ext>
-    </p:extLst>
-  </p:cSld>
-  <p:clrMapOvr>
-    <a:masterClrMapping/>
-  </p:clrMapOvr>
-</p:sld>
-</file>
-
-<file path=ppt/slides/slide37.xml><?xml version="1.0" encoding="utf-8"?>
-<p:sld xmlns:a="http://schemas.openxmlformats.org/drawingml/2006/main" xmlns:r="http://schemas.openxmlformats.org/officeDocument/2006/relationships" xmlns:p="http://schemas.openxmlformats.org/presentationml/2006/main">
-  <p:cSld>
-    <p:spTree>
-      <p:nvGrpSpPr>
-        <p:cNvPr id="1" name=""/>
-        <p:cNvGrpSpPr/>
-        <p:nvPr/>
-      </p:nvGrpSpPr>
-      <p:grpSpPr>
-        <a:xfrm>
-          <a:off x="0" y="0"/>
-          <a:ext cx="0" cy="0"/>
-          <a:chOff x="0" y="0"/>
-          <a:chExt cx="0" cy="0"/>
-        </a:xfrm>
-      </p:grpSpPr>
-      <p:pic>
-        <p:nvPicPr>
-          <p:cNvPr id="2" name="图片 1"/>
-          <p:cNvPicPr>
-            <a:picLocks noChangeAspect="1"/>
-          </p:cNvPicPr>
-          <p:nvPr/>
-        </p:nvPicPr>
-        <p:blipFill>
-          <a:blip r:embed="rId3"/>
-          <a:stretch>
-            <a:fillRect/>
-          </a:stretch>
-        </p:blipFill>
-        <p:spPr>
-          <a:xfrm>
-            <a:off x="0" y="6656932"/>
-            <a:ext cx="12192000" cy="201068"/>
-          </a:xfrm>
-          <a:prstGeom prst="rect">
-            <a:avLst/>
-          </a:prstGeom>
-        </p:spPr>
-      </p:pic>
-      <p:pic>
-        <p:nvPicPr>
-          <p:cNvPr id="3" name="图片 2"/>
-          <p:cNvPicPr>
-            <a:picLocks noChangeAspect="1"/>
-          </p:cNvPicPr>
-          <p:nvPr/>
-        </p:nvPicPr>
-        <p:blipFill>
-          <a:blip r:embed="rId4"/>
-          <a:stretch>
-            <a:fillRect/>
-          </a:stretch>
-        </p:blipFill>
-        <p:spPr>
-          <a:xfrm>
-            <a:off x="0" y="0"/>
-            <a:ext cx="12192000" cy="701101"/>
-          </a:xfrm>
-          <a:prstGeom prst="rect">
-            <a:avLst/>
-          </a:prstGeom>
-        </p:spPr>
-      </p:pic>
-    </p:spTree>
-    <p:extLst>
-      <p:ext uri="{BB962C8B-B14F-4D97-AF65-F5344CB8AC3E}">
-        <p14:creationId xmlns:p14="http://schemas.microsoft.com/office/powerpoint/2010/main" val="333034871"/>
-      </p:ext>
-    </p:extLst>
-  </p:cSld>
-  <p:clrMapOvr>
-    <a:masterClrMapping/>
-  </p:clrMapOvr>
-</p:sld>
-</file>
-
-<file path=ppt/slides/slide38.xml><?xml version="1.0" encoding="utf-8"?>
-<p:sld xmlns:a="http://schemas.openxmlformats.org/drawingml/2006/main" xmlns:r="http://schemas.openxmlformats.org/officeDocument/2006/relationships" xmlns:p="http://schemas.openxmlformats.org/presentationml/2006/main">
-  <p:cSld>
-    <p:spTree>
-      <p:nvGrpSpPr>
-        <p:cNvPr id="1" name=""/>
-        <p:cNvGrpSpPr/>
-        <p:nvPr/>
-      </p:nvGrpSpPr>
-      <p:grpSpPr>
-        <a:xfrm>
-          <a:off x="0" y="0"/>
-          <a:ext cx="0" cy="0"/>
-          <a:chOff x="0" y="0"/>
-          <a:chExt cx="0" cy="0"/>
-        </a:xfrm>
-      </p:grpSpPr>
-      <p:pic>
-        <p:nvPicPr>
-          <p:cNvPr id="2" name="图片 1"/>
-          <p:cNvPicPr>
-            <a:picLocks noChangeAspect="1"/>
-          </p:cNvPicPr>
-          <p:nvPr/>
-        </p:nvPicPr>
-        <p:blipFill>
-          <a:blip r:embed="rId3"/>
-          <a:stretch>
-            <a:fillRect/>
-          </a:stretch>
-        </p:blipFill>
-        <p:spPr>
-          <a:xfrm>
-            <a:off x="0" y="6656932"/>
-            <a:ext cx="12192000" cy="201068"/>
-          </a:xfrm>
-          <a:prstGeom prst="rect">
-            <a:avLst/>
-          </a:prstGeom>
-        </p:spPr>
-      </p:pic>
-      <p:pic>
-        <p:nvPicPr>
-          <p:cNvPr id="3" name="图片 2"/>
-          <p:cNvPicPr>
-            <a:picLocks noChangeAspect="1"/>
-          </p:cNvPicPr>
-          <p:nvPr/>
-        </p:nvPicPr>
-        <p:blipFill>
-          <a:blip r:embed="rId4"/>
-          <a:stretch>
-            <a:fillRect/>
-          </a:stretch>
-        </p:blipFill>
-        <p:spPr>
-          <a:xfrm>
-            <a:off x="0" y="0"/>
-            <a:ext cx="12192000" cy="701101"/>
-          </a:xfrm>
-          <a:prstGeom prst="rect">
-            <a:avLst/>
-          </a:prstGeom>
-        </p:spPr>
-      </p:pic>
-    </p:spTree>
-    <p:extLst>
-      <p:ext uri="{BB962C8B-B14F-4D97-AF65-F5344CB8AC3E}">
-        <p14:creationId xmlns:p14="http://schemas.microsoft.com/office/powerpoint/2010/main" val="2403905136"/>
-      </p:ext>
-    </p:extLst>
-  </p:cSld>
-  <p:clrMapOvr>
-    <a:masterClrMapping/>
-  </p:clrMapOvr>
-</p:sld>
-</file>
-
-<file path=ppt/slides/slide39.xml><?xml version="1.0" encoding="utf-8"?>
-<p:sld xmlns:a="http://schemas.openxmlformats.org/drawingml/2006/main" xmlns:r="http://schemas.openxmlformats.org/officeDocument/2006/relationships" xmlns:p="http://schemas.openxmlformats.org/presentationml/2006/main">
-  <p:cSld>
-    <p:spTree>
-      <p:nvGrpSpPr>
-        <p:cNvPr id="1" name=""/>
-        <p:cNvGrpSpPr/>
-        <p:nvPr/>
-      </p:nvGrpSpPr>
-      <p:grpSpPr>
-        <a:xfrm>
-          <a:off x="0" y="0"/>
-          <a:ext cx="0" cy="0"/>
-          <a:chOff x="0" y="0"/>
-          <a:chExt cx="0" cy="0"/>
-        </a:xfrm>
-      </p:grpSpPr>
-      <p:pic>
-        <p:nvPicPr>
-          <p:cNvPr id="2" name="图片 1"/>
-          <p:cNvPicPr>
-            <a:picLocks noChangeAspect="1"/>
-          </p:cNvPicPr>
-          <p:nvPr/>
-        </p:nvPicPr>
-        <p:blipFill>
-          <a:blip r:embed="rId3"/>
-          <a:stretch>
-            <a:fillRect/>
-          </a:stretch>
-        </p:blipFill>
-        <p:spPr>
-          <a:xfrm>
-            <a:off x="0" y="6656932"/>
-            <a:ext cx="12192000" cy="201068"/>
-          </a:xfrm>
-          <a:prstGeom prst="rect">
-            <a:avLst/>
-          </a:prstGeom>
-        </p:spPr>
-      </p:pic>
-      <p:pic>
-        <p:nvPicPr>
-          <p:cNvPr id="3" name="图片 2"/>
-          <p:cNvPicPr>
-            <a:picLocks noChangeAspect="1"/>
-          </p:cNvPicPr>
-          <p:nvPr/>
-        </p:nvPicPr>
-        <p:blipFill>
-          <a:blip r:embed="rId4"/>
-          <a:stretch>
-            <a:fillRect/>
-          </a:stretch>
-        </p:blipFill>
-        <p:spPr>
-          <a:xfrm>
-            <a:off x="0" y="0"/>
-            <a:ext cx="12192000" cy="701101"/>
-          </a:xfrm>
-          <a:prstGeom prst="rect">
-            <a:avLst/>
-          </a:prstGeom>
-        </p:spPr>
-      </p:pic>
-    </p:spTree>
-    <p:extLst>
-      <p:ext uri="{BB962C8B-B14F-4D97-AF65-F5344CB8AC3E}">
-        <p14:creationId xmlns:p14="http://schemas.microsoft.com/office/powerpoint/2010/main" val="849465459"/>
-      </p:ext>
-    </p:extLst>
-  </p:cSld>
-  <p:clrMapOvr>
-    <a:masterClrMapping/>
-  </p:clrMapOvr>
 </p:sld>
 </file>
 
@@ -13283,7 +12110,7 @@
           <a:lstStyle/>
           <a:p>
             <a:r>
-              <a:rPr lang="en-US" altLang="zh-CN" sz="3600" dirty="0" err="1" smtClean="0"/>
+              <a:rPr lang="en-US" altLang="zh-CN" sz="3600" dirty="0" smtClean="0"/>
               <a:t>TFRecord</a:t>
             </a:r>
             <a:r>
@@ -13311,7 +12138,7 @@
               <a:t>文件，能更好的利用内存，在</a:t>
             </a:r>
             <a:r>
-              <a:rPr lang="en-US" altLang="zh-CN" sz="2400" dirty="0" err="1"/>
+              <a:rPr lang="en-US" altLang="zh-CN" sz="2400" dirty="0"/>
               <a:t>tensorflow</a:t>
             </a:r>
             <a:r>
@@ -13350,11 +12177,7 @@
           <a:p>
             <a:r>
               <a:rPr lang="en-US" altLang="zh-CN" sz="2400" b="1" dirty="0" smtClean="0"/>
-              <a:t>Ⅰ </a:t>
-            </a:r>
-            <a:r>
-              <a:rPr lang="en-US" altLang="zh-CN" sz="2400" b="1" dirty="0" err="1" smtClean="0"/>
-              <a:t>TFRecord</a:t>
+              <a:t>Ⅰ TFRecord</a:t>
             </a:r>
             <a:r>
               <a:rPr lang="zh-CN" altLang="en-US" sz="2400" b="1" dirty="0" smtClean="0"/>
@@ -13384,240 +12207,6 @@
 </p:sld>
 </file>
 
-<file path=ppt/slides/slide40.xml><?xml version="1.0" encoding="utf-8"?>
-<p:sld xmlns:a="http://schemas.openxmlformats.org/drawingml/2006/main" xmlns:r="http://schemas.openxmlformats.org/officeDocument/2006/relationships" xmlns:p="http://schemas.openxmlformats.org/presentationml/2006/main">
-  <p:cSld>
-    <p:spTree>
-      <p:nvGrpSpPr>
-        <p:cNvPr id="1" name=""/>
-        <p:cNvGrpSpPr/>
-        <p:nvPr/>
-      </p:nvGrpSpPr>
-      <p:grpSpPr>
-        <a:xfrm>
-          <a:off x="0" y="0"/>
-          <a:ext cx="0" cy="0"/>
-          <a:chOff x="0" y="0"/>
-          <a:chExt cx="0" cy="0"/>
-        </a:xfrm>
-      </p:grpSpPr>
-      <p:pic>
-        <p:nvPicPr>
-          <p:cNvPr id="2" name="图片 1"/>
-          <p:cNvPicPr>
-            <a:picLocks noChangeAspect="1"/>
-          </p:cNvPicPr>
-          <p:nvPr/>
-        </p:nvPicPr>
-        <p:blipFill>
-          <a:blip r:embed="rId3"/>
-          <a:stretch>
-            <a:fillRect/>
-          </a:stretch>
-        </p:blipFill>
-        <p:spPr>
-          <a:xfrm>
-            <a:off x="0" y="6656932"/>
-            <a:ext cx="12192000" cy="201068"/>
-          </a:xfrm>
-          <a:prstGeom prst="rect">
-            <a:avLst/>
-          </a:prstGeom>
-        </p:spPr>
-      </p:pic>
-      <p:pic>
-        <p:nvPicPr>
-          <p:cNvPr id="3" name="图片 2"/>
-          <p:cNvPicPr>
-            <a:picLocks noChangeAspect="1"/>
-          </p:cNvPicPr>
-          <p:nvPr/>
-        </p:nvPicPr>
-        <p:blipFill>
-          <a:blip r:embed="rId4"/>
-          <a:stretch>
-            <a:fillRect/>
-          </a:stretch>
-        </p:blipFill>
-        <p:spPr>
-          <a:xfrm>
-            <a:off x="0" y="0"/>
-            <a:ext cx="12192000" cy="701101"/>
-          </a:xfrm>
-          <a:prstGeom prst="rect">
-            <a:avLst/>
-          </a:prstGeom>
-        </p:spPr>
-      </p:pic>
-    </p:spTree>
-    <p:extLst>
-      <p:ext uri="{BB962C8B-B14F-4D97-AF65-F5344CB8AC3E}">
-        <p14:creationId xmlns:p14="http://schemas.microsoft.com/office/powerpoint/2010/main" val="1243107578"/>
-      </p:ext>
-    </p:extLst>
-  </p:cSld>
-  <p:clrMapOvr>
-    <a:masterClrMapping/>
-  </p:clrMapOvr>
-</p:sld>
-</file>
-
-<file path=ppt/slides/slide41.xml><?xml version="1.0" encoding="utf-8"?>
-<p:sld xmlns:a="http://schemas.openxmlformats.org/drawingml/2006/main" xmlns:r="http://schemas.openxmlformats.org/officeDocument/2006/relationships" xmlns:p="http://schemas.openxmlformats.org/presentationml/2006/main">
-  <p:cSld>
-    <p:spTree>
-      <p:nvGrpSpPr>
-        <p:cNvPr id="1" name=""/>
-        <p:cNvGrpSpPr/>
-        <p:nvPr/>
-      </p:nvGrpSpPr>
-      <p:grpSpPr>
-        <a:xfrm>
-          <a:off x="0" y="0"/>
-          <a:ext cx="0" cy="0"/>
-          <a:chOff x="0" y="0"/>
-          <a:chExt cx="0" cy="0"/>
-        </a:xfrm>
-      </p:grpSpPr>
-      <p:pic>
-        <p:nvPicPr>
-          <p:cNvPr id="2" name="图片 1"/>
-          <p:cNvPicPr>
-            <a:picLocks noChangeAspect="1"/>
-          </p:cNvPicPr>
-          <p:nvPr/>
-        </p:nvPicPr>
-        <p:blipFill>
-          <a:blip r:embed="rId3"/>
-          <a:stretch>
-            <a:fillRect/>
-          </a:stretch>
-        </p:blipFill>
-        <p:spPr>
-          <a:xfrm>
-            <a:off x="0" y="6656932"/>
-            <a:ext cx="12192000" cy="201068"/>
-          </a:xfrm>
-          <a:prstGeom prst="rect">
-            <a:avLst/>
-          </a:prstGeom>
-        </p:spPr>
-      </p:pic>
-      <p:pic>
-        <p:nvPicPr>
-          <p:cNvPr id="3" name="图片 2"/>
-          <p:cNvPicPr>
-            <a:picLocks noChangeAspect="1"/>
-          </p:cNvPicPr>
-          <p:nvPr/>
-        </p:nvPicPr>
-        <p:blipFill>
-          <a:blip r:embed="rId4"/>
-          <a:stretch>
-            <a:fillRect/>
-          </a:stretch>
-        </p:blipFill>
-        <p:spPr>
-          <a:xfrm>
-            <a:off x="0" y="0"/>
-            <a:ext cx="12192000" cy="701101"/>
-          </a:xfrm>
-          <a:prstGeom prst="rect">
-            <a:avLst/>
-          </a:prstGeom>
-        </p:spPr>
-      </p:pic>
-    </p:spTree>
-    <p:extLst>
-      <p:ext uri="{BB962C8B-B14F-4D97-AF65-F5344CB8AC3E}">
-        <p14:creationId xmlns:p14="http://schemas.microsoft.com/office/powerpoint/2010/main" val="164497777"/>
-      </p:ext>
-    </p:extLst>
-  </p:cSld>
-  <p:clrMapOvr>
-    <a:masterClrMapping/>
-  </p:clrMapOvr>
-</p:sld>
-</file>
-
-<file path=ppt/slides/slide42.xml><?xml version="1.0" encoding="utf-8"?>
-<p:sld xmlns:a="http://schemas.openxmlformats.org/drawingml/2006/main" xmlns:r="http://schemas.openxmlformats.org/officeDocument/2006/relationships" xmlns:p="http://schemas.openxmlformats.org/presentationml/2006/main">
-  <p:cSld>
-    <p:spTree>
-      <p:nvGrpSpPr>
-        <p:cNvPr id="1" name=""/>
-        <p:cNvGrpSpPr/>
-        <p:nvPr/>
-      </p:nvGrpSpPr>
-      <p:grpSpPr>
-        <a:xfrm>
-          <a:off x="0" y="0"/>
-          <a:ext cx="0" cy="0"/>
-          <a:chOff x="0" y="0"/>
-          <a:chExt cx="0" cy="0"/>
-        </a:xfrm>
-      </p:grpSpPr>
-      <p:pic>
-        <p:nvPicPr>
-          <p:cNvPr id="2" name="图片 1"/>
-          <p:cNvPicPr>
-            <a:picLocks noChangeAspect="1"/>
-          </p:cNvPicPr>
-          <p:nvPr/>
-        </p:nvPicPr>
-        <p:blipFill>
-          <a:blip r:embed="rId3"/>
-          <a:stretch>
-            <a:fillRect/>
-          </a:stretch>
-        </p:blipFill>
-        <p:spPr>
-          <a:xfrm>
-            <a:off x="0" y="6656932"/>
-            <a:ext cx="12192000" cy="201068"/>
-          </a:xfrm>
-          <a:prstGeom prst="rect">
-            <a:avLst/>
-          </a:prstGeom>
-        </p:spPr>
-      </p:pic>
-      <p:pic>
-        <p:nvPicPr>
-          <p:cNvPr id="3" name="图片 2"/>
-          <p:cNvPicPr>
-            <a:picLocks noChangeAspect="1"/>
-          </p:cNvPicPr>
-          <p:nvPr/>
-        </p:nvPicPr>
-        <p:blipFill>
-          <a:blip r:embed="rId4"/>
-          <a:stretch>
-            <a:fillRect/>
-          </a:stretch>
-        </p:blipFill>
-        <p:spPr>
-          <a:xfrm>
-            <a:off x="0" y="0"/>
-            <a:ext cx="12192000" cy="701101"/>
-          </a:xfrm>
-          <a:prstGeom prst="rect">
-            <a:avLst/>
-          </a:prstGeom>
-        </p:spPr>
-      </p:pic>
-    </p:spTree>
-    <p:extLst>
-      <p:ext uri="{BB962C8B-B14F-4D97-AF65-F5344CB8AC3E}">
-        <p14:creationId xmlns:p14="http://schemas.microsoft.com/office/powerpoint/2010/main" val="2348465512"/>
-      </p:ext>
-    </p:extLst>
-  </p:cSld>
-  <p:clrMapOvr>
-    <a:masterClrMapping/>
-  </p:clrMapOvr>
-</p:sld>
-</file>
-
 <file path=ppt/slides/slide5.xml><?xml version="1.0" encoding="utf-8"?>
 <p:sld xmlns:a="http://schemas.openxmlformats.org/drawingml/2006/main" xmlns:r="http://schemas.openxmlformats.org/officeDocument/2006/relationships" xmlns:p="http://schemas.openxmlformats.org/presentationml/2006/main">
   <p:cSld>
@@ -13635,6 +12224,202 @@
           <a:chExt cx="0" cy="0"/>
         </a:xfrm>
       </p:grpSpPr>
+      <p:sp>
+        <p:nvSpPr>
+          <p:cNvPr id="6" name="圆角矩形 5"/>
+          <p:cNvSpPr/>
+          <p:nvPr/>
+        </p:nvSpPr>
+        <p:spPr>
+          <a:xfrm>
+            <a:off x="1904245" y="2365248"/>
+            <a:ext cx="8383509" cy="487680"/>
+          </a:xfrm>
+          <a:prstGeom prst="roundRect">
+            <a:avLst/>
+          </a:prstGeom>
+          <a:solidFill>
+            <a:schemeClr val="accent1">
+              <a:lumMod val="40000"/>
+              <a:lumOff val="60000"/>
+            </a:schemeClr>
+          </a:solidFill>
+          <a:ln>
+            <a:noFill/>
+          </a:ln>
+        </p:spPr>
+        <p:style>
+          <a:lnRef idx="2">
+            <a:schemeClr val="accent1">
+              <a:shade val="50000"/>
+            </a:schemeClr>
+          </a:lnRef>
+          <a:fillRef idx="1">
+            <a:schemeClr val="accent1"/>
+          </a:fillRef>
+          <a:effectRef idx="0">
+            <a:schemeClr val="accent1"/>
+          </a:effectRef>
+          <a:fontRef idx="minor">
+            <a:schemeClr val="lt1"/>
+          </a:fontRef>
+        </p:style>
+        <p:txBody>
+          <a:bodyPr rtlCol="0" anchor="ctr"/>
+          <a:lstStyle/>
+          <a:p>
+            <a:pPr algn="ctr"/>
+            <a:endParaRPr lang="zh-CN" altLang="en-US"/>
+          </a:p>
+        </p:txBody>
+      </p:sp>
+      <p:sp>
+        <p:nvSpPr>
+          <p:cNvPr id="7" name="圆角矩形 6"/>
+          <p:cNvSpPr/>
+          <p:nvPr/>
+        </p:nvSpPr>
+        <p:spPr>
+          <a:xfrm>
+            <a:off x="1904245" y="2988672"/>
+            <a:ext cx="8383509" cy="693312"/>
+          </a:xfrm>
+          <a:prstGeom prst="roundRect">
+            <a:avLst/>
+          </a:prstGeom>
+          <a:solidFill>
+            <a:schemeClr val="accent1">
+              <a:lumMod val="40000"/>
+              <a:lumOff val="60000"/>
+            </a:schemeClr>
+          </a:solidFill>
+          <a:ln>
+            <a:noFill/>
+          </a:ln>
+        </p:spPr>
+        <p:style>
+          <a:lnRef idx="2">
+            <a:schemeClr val="accent1">
+              <a:shade val="50000"/>
+            </a:schemeClr>
+          </a:lnRef>
+          <a:fillRef idx="1">
+            <a:schemeClr val="accent1"/>
+          </a:fillRef>
+          <a:effectRef idx="0">
+            <a:schemeClr val="accent1"/>
+          </a:effectRef>
+          <a:fontRef idx="minor">
+            <a:schemeClr val="lt1"/>
+          </a:fontRef>
+        </p:style>
+        <p:txBody>
+          <a:bodyPr rtlCol="0" anchor="ctr"/>
+          <a:lstStyle/>
+          <a:p>
+            <a:pPr algn="ctr"/>
+            <a:endParaRPr lang="zh-CN" altLang="en-US"/>
+          </a:p>
+        </p:txBody>
+      </p:sp>
+      <p:sp>
+        <p:nvSpPr>
+          <p:cNvPr id="8" name="圆角矩形 7"/>
+          <p:cNvSpPr/>
+          <p:nvPr/>
+        </p:nvSpPr>
+        <p:spPr>
+          <a:xfrm>
+            <a:off x="1904245" y="3933601"/>
+            <a:ext cx="8383509" cy="693312"/>
+          </a:xfrm>
+          <a:prstGeom prst="roundRect">
+            <a:avLst/>
+          </a:prstGeom>
+          <a:solidFill>
+            <a:schemeClr val="accent1">
+              <a:lumMod val="40000"/>
+              <a:lumOff val="60000"/>
+            </a:schemeClr>
+          </a:solidFill>
+          <a:ln>
+            <a:noFill/>
+          </a:ln>
+        </p:spPr>
+        <p:style>
+          <a:lnRef idx="2">
+            <a:schemeClr val="accent1">
+              <a:shade val="50000"/>
+            </a:schemeClr>
+          </a:lnRef>
+          <a:fillRef idx="1">
+            <a:schemeClr val="accent1"/>
+          </a:fillRef>
+          <a:effectRef idx="0">
+            <a:schemeClr val="accent1"/>
+          </a:effectRef>
+          <a:fontRef idx="minor">
+            <a:schemeClr val="lt1"/>
+          </a:fontRef>
+        </p:style>
+        <p:txBody>
+          <a:bodyPr rtlCol="0" anchor="ctr"/>
+          <a:lstStyle/>
+          <a:p>
+            <a:pPr algn="ctr"/>
+            <a:endParaRPr lang="zh-CN" altLang="en-US"/>
+          </a:p>
+        </p:txBody>
+      </p:sp>
+      <p:sp>
+        <p:nvSpPr>
+          <p:cNvPr id="9" name="圆角矩形 8"/>
+          <p:cNvSpPr/>
+          <p:nvPr/>
+        </p:nvSpPr>
+        <p:spPr>
+          <a:xfrm>
+            <a:off x="1904245" y="4878530"/>
+            <a:ext cx="8383509" cy="693312"/>
+          </a:xfrm>
+          <a:prstGeom prst="roundRect">
+            <a:avLst/>
+          </a:prstGeom>
+          <a:solidFill>
+            <a:schemeClr val="accent1">
+              <a:lumMod val="40000"/>
+              <a:lumOff val="60000"/>
+            </a:schemeClr>
+          </a:solidFill>
+          <a:ln>
+            <a:noFill/>
+          </a:ln>
+        </p:spPr>
+        <p:style>
+          <a:lnRef idx="2">
+            <a:schemeClr val="accent1">
+              <a:shade val="50000"/>
+            </a:schemeClr>
+          </a:lnRef>
+          <a:fillRef idx="1">
+            <a:schemeClr val="accent1"/>
+          </a:fillRef>
+          <a:effectRef idx="0">
+            <a:schemeClr val="accent1"/>
+          </a:effectRef>
+          <a:fontRef idx="minor">
+            <a:schemeClr val="lt1"/>
+          </a:fontRef>
+        </p:style>
+        <p:txBody>
+          <a:bodyPr rtlCol="0" anchor="ctr"/>
+          <a:lstStyle/>
+          <a:p>
+            <a:pPr algn="ctr"/>
+            <a:endParaRPr lang="zh-CN" altLang="en-US"/>
+          </a:p>
+        </p:txBody>
+      </p:sp>
       <p:pic>
         <p:nvPicPr>
           <p:cNvPr id="2" name="图片 1"/>
@@ -13711,16 +12496,10 @@
               <a:t>写入数据</a:t>
             </a:r>
             <a:r>
-              <a:rPr lang="en-US" altLang="zh-CN" sz="2000" b="1" dirty="0" err="1" smtClean="0">
-                <a:latin typeface="+mn-ea"/>
-              </a:rPr>
-              <a:t>TFRecord</a:t>
-            </a:r>
-            <a:r>
               <a:rPr lang="en-US" altLang="zh-CN" sz="2000" b="1" dirty="0" smtClean="0">
                 <a:latin typeface="+mn-ea"/>
               </a:rPr>
-              <a:t> </a:t>
+              <a:t>TFRecord </a:t>
             </a:r>
             <a:r>
               <a:rPr lang="zh-CN" altLang="en-US" sz="2000" b="1" dirty="0">
@@ -13803,7 +12582,7 @@
               <a:t>把所有的「</a:t>
             </a:r>
             <a:r>
-              <a:rPr lang="en-US" altLang="zh-CN" sz="2000" dirty="0" err="1">
+              <a:rPr lang="en-US" altLang="zh-CN" sz="2000" dirty="0">
                 <a:latin typeface="+mn-ea"/>
               </a:rPr>
               <a:t>tf.train.Feature</a:t>
@@ -13846,7 +12625,7 @@
               <a:t>把所有的「</a:t>
             </a:r>
             <a:r>
-              <a:rPr lang="en-US" altLang="zh-CN" sz="2000" dirty="0" err="1">
+              <a:rPr lang="en-US" altLang="zh-CN" sz="2000" dirty="0">
                 <a:latin typeface="+mn-ea"/>
               </a:rPr>
               <a:t>tf.train.Features</a:t>
@@ -13901,7 +12680,7 @@
               <a:t>」将「</a:t>
             </a:r>
             <a:r>
-              <a:rPr lang="en-US" altLang="zh-CN" sz="2000" dirty="0" err="1">
+              <a:rPr lang="en-US" altLang="zh-CN" sz="2000" dirty="0">
                 <a:latin typeface="+mn-ea"/>
               </a:rPr>
               <a:t>tf.train.Example</a:t>
@@ -13913,16 +12692,10 @@
               <a:t>」写入成</a:t>
             </a:r>
             <a:r>
-              <a:rPr lang="en-US" altLang="zh-CN" sz="2000" dirty="0" err="1">
-                <a:latin typeface="+mn-ea"/>
-              </a:rPr>
-              <a:t>TFRecord</a:t>
-            </a:r>
-            <a:r>
               <a:rPr lang="en-US" altLang="zh-CN" sz="2000" dirty="0">
                 <a:latin typeface="+mn-ea"/>
               </a:rPr>
-              <a:t> </a:t>
+              <a:t>TFRecord </a:t>
             </a:r>
             <a:r>
               <a:rPr lang="zh-CN" altLang="en-US" sz="2000" dirty="0">
@@ -13966,11 +12739,7 @@
           <a:p>
             <a:r>
               <a:rPr lang="en-US" altLang="zh-CN" sz="2400" b="1" dirty="0" smtClean="0"/>
-              <a:t>Ⅰ </a:t>
-            </a:r>
-            <a:r>
-              <a:rPr lang="en-US" altLang="zh-CN" sz="2400" b="1" dirty="0" err="1" smtClean="0"/>
-              <a:t>TFRecord</a:t>
+              <a:t>Ⅰ TFRecord</a:t>
             </a:r>
             <a:r>
               <a:rPr lang="zh-CN" altLang="en-US" sz="2400" b="1" dirty="0" smtClean="0"/>
@@ -14017,6 +12786,153 @@
           <a:chExt cx="0" cy="0"/>
         </a:xfrm>
       </p:grpSpPr>
+      <p:sp>
+        <p:nvSpPr>
+          <p:cNvPr id="6" name="圆角矩形 5"/>
+          <p:cNvSpPr/>
+          <p:nvPr/>
+        </p:nvSpPr>
+        <p:spPr>
+          <a:xfrm>
+            <a:off x="1399726" y="2084831"/>
+            <a:ext cx="8383509" cy="472347"/>
+          </a:xfrm>
+          <a:prstGeom prst="roundRect">
+            <a:avLst/>
+          </a:prstGeom>
+          <a:solidFill>
+            <a:schemeClr val="accent1">
+              <a:lumMod val="40000"/>
+              <a:lumOff val="60000"/>
+            </a:schemeClr>
+          </a:solidFill>
+          <a:ln>
+            <a:noFill/>
+          </a:ln>
+        </p:spPr>
+        <p:style>
+          <a:lnRef idx="2">
+            <a:schemeClr val="accent1">
+              <a:shade val="50000"/>
+            </a:schemeClr>
+          </a:lnRef>
+          <a:fillRef idx="1">
+            <a:schemeClr val="accent1"/>
+          </a:fillRef>
+          <a:effectRef idx="0">
+            <a:schemeClr val="accent1"/>
+          </a:effectRef>
+          <a:fontRef idx="minor">
+            <a:schemeClr val="lt1"/>
+          </a:fontRef>
+        </p:style>
+        <p:txBody>
+          <a:bodyPr rtlCol="0" anchor="ctr"/>
+          <a:lstStyle/>
+          <a:p>
+            <a:pPr algn="ctr"/>
+            <a:endParaRPr lang="zh-CN" altLang="en-US"/>
+          </a:p>
+        </p:txBody>
+      </p:sp>
+      <p:sp>
+        <p:nvSpPr>
+          <p:cNvPr id="7" name="圆角矩形 6"/>
+          <p:cNvSpPr/>
+          <p:nvPr/>
+        </p:nvSpPr>
+        <p:spPr>
+          <a:xfrm>
+            <a:off x="1399723" y="5559551"/>
+            <a:ext cx="8383509" cy="432855"/>
+          </a:xfrm>
+          <a:prstGeom prst="roundRect">
+            <a:avLst/>
+          </a:prstGeom>
+          <a:solidFill>
+            <a:schemeClr val="accent1">
+              <a:lumMod val="40000"/>
+              <a:lumOff val="60000"/>
+            </a:schemeClr>
+          </a:solidFill>
+          <a:ln>
+            <a:noFill/>
+          </a:ln>
+        </p:spPr>
+        <p:style>
+          <a:lnRef idx="2">
+            <a:schemeClr val="accent1">
+              <a:shade val="50000"/>
+            </a:schemeClr>
+          </a:lnRef>
+          <a:fillRef idx="1">
+            <a:schemeClr val="accent1"/>
+          </a:fillRef>
+          <a:effectRef idx="0">
+            <a:schemeClr val="accent1"/>
+          </a:effectRef>
+          <a:fontRef idx="minor">
+            <a:schemeClr val="lt1"/>
+          </a:fontRef>
+        </p:style>
+        <p:txBody>
+          <a:bodyPr rtlCol="0" anchor="ctr"/>
+          <a:lstStyle/>
+          <a:p>
+            <a:pPr algn="ctr"/>
+            <a:endParaRPr lang="zh-CN" altLang="en-US"/>
+          </a:p>
+        </p:txBody>
+      </p:sp>
+      <p:sp>
+        <p:nvSpPr>
+          <p:cNvPr id="8" name="圆角矩形 7"/>
+          <p:cNvSpPr/>
+          <p:nvPr/>
+        </p:nvSpPr>
+        <p:spPr>
+          <a:xfrm>
+            <a:off x="1399723" y="4693634"/>
+            <a:ext cx="8383509" cy="693312"/>
+          </a:xfrm>
+          <a:prstGeom prst="roundRect">
+            <a:avLst/>
+          </a:prstGeom>
+          <a:solidFill>
+            <a:schemeClr val="accent1">
+              <a:lumMod val="40000"/>
+              <a:lumOff val="60000"/>
+            </a:schemeClr>
+          </a:solidFill>
+          <a:ln>
+            <a:noFill/>
+          </a:ln>
+        </p:spPr>
+        <p:style>
+          <a:lnRef idx="2">
+            <a:schemeClr val="accent1">
+              <a:shade val="50000"/>
+            </a:schemeClr>
+          </a:lnRef>
+          <a:fillRef idx="1">
+            <a:schemeClr val="accent1"/>
+          </a:fillRef>
+          <a:effectRef idx="0">
+            <a:schemeClr val="accent1"/>
+          </a:effectRef>
+          <a:fontRef idx="minor">
+            <a:schemeClr val="lt1"/>
+          </a:fontRef>
+        </p:style>
+        <p:txBody>
+          <a:bodyPr rtlCol="0" anchor="ctr"/>
+          <a:lstStyle/>
+          <a:p>
+            <a:pPr algn="ctr"/>
+            <a:endParaRPr lang="zh-CN" altLang="en-US"/>
+          </a:p>
+        </p:txBody>
+      </p:sp>
       <p:pic>
         <p:nvPicPr>
           <p:cNvPr id="2" name="图片 1"/>
@@ -14073,8 +12989,8 @@
         </p:nvSpPr>
         <p:spPr>
           <a:xfrm>
-            <a:off x="1302190" y="1628747"/>
-            <a:ext cx="9587620" cy="4893647"/>
+            <a:off x="1399726" y="1463025"/>
+            <a:ext cx="9587620" cy="4585871"/>
           </a:xfrm>
           <a:prstGeom prst="rect">
             <a:avLst/>
@@ -14093,16 +13009,10 @@
               <a:t>读取</a:t>
             </a:r>
             <a:r>
-              <a:rPr lang="en-US" altLang="zh-CN" sz="2000" b="1" dirty="0" err="1" smtClean="0">
-                <a:latin typeface="+mn-ea"/>
-              </a:rPr>
-              <a:t>TFRecord</a:t>
-            </a:r>
-            <a:r>
               <a:rPr lang="en-US" altLang="zh-CN" sz="2000" b="1" dirty="0" smtClean="0">
                 <a:latin typeface="+mn-ea"/>
               </a:rPr>
-              <a:t> </a:t>
+              <a:t>TFRecord </a:t>
             </a:r>
             <a:r>
               <a:rPr lang="zh-CN" altLang="en-US" sz="2000" b="1" dirty="0">
@@ -14145,26 +13055,25 @@
               <a:t>使用</a:t>
             </a:r>
             <a:r>
-              <a:rPr lang="en-US" altLang="zh-CN" sz="2000" dirty="0" err="1"/>
-              <a:t>tf.string_input_producer</a:t>
-            </a:r>
-            <a:r>
               <a:rPr lang="en-US" altLang="zh-CN" sz="2000" dirty="0"/>
-              <a:t> </a:t>
+              <a:t>tf.string_input_producer </a:t>
             </a:r>
             <a:r>
               <a:rPr lang="zh-CN" altLang="en-US" sz="2000" dirty="0"/>
-              <a:t>产生文件名队列。</a:t>
-            </a:r>
-          </a:p>
-          <a:p>
-            <a:pPr lvl="1"/>
-            <a:endParaRPr lang="en-US" altLang="zh-CN" sz="1600" dirty="0"/>
-          </a:p>
-          <a:p>
-            <a:pPr lvl="1"/>
-            <a:r>
-              <a:rPr lang="en-US" altLang="zh-CN" sz="1600" dirty="0" smtClean="0"/>
+              <a:t>产生文件名队列</a:t>
+            </a:r>
+            <a:r>
+              <a:rPr lang="zh-CN" altLang="en-US" sz="2000" dirty="0" smtClean="0"/>
+              <a:t>。</a:t>
+            </a:r>
+            <a:endParaRPr lang="en-US" altLang="zh-CN" sz="2000" dirty="0" smtClean="0"/>
+          </a:p>
+          <a:p>
+            <a:endParaRPr lang="zh-CN" altLang="en-US" sz="2000" dirty="0" smtClean="0"/>
+          </a:p>
+          <a:p>
+            <a:r>
+              <a:rPr lang="en-US" altLang="zh-CN" sz="1600" dirty="0"/>
               <a:t>- shuffle</a:t>
             </a:r>
             <a:r>
@@ -14173,22 +13082,9 @@
             </a:r>
           </a:p>
           <a:p>
-            <a:pPr lvl="1"/>
-            <a:r>
-              <a:rPr lang="en-US" altLang="zh-CN" sz="1600" dirty="0" smtClean="0"/>
-              <a:t>- </a:t>
-            </a:r>
-            <a:r>
-              <a:rPr lang="en-US" altLang="zh-CN" sz="1600" dirty="0" err="1" smtClean="0"/>
-              <a:t>num_epochs</a:t>
-            </a:r>
-            <a:r>
-              <a:rPr lang="en-US" altLang="zh-CN" sz="1600" dirty="0" smtClean="0"/>
-              <a:t> </a:t>
-            </a:r>
             <a:r>
               <a:rPr lang="en-US" altLang="zh-CN" sz="1600" dirty="0"/>
-              <a:t>= N</a:t>
+              <a:t>- num_epochs = N</a:t>
             </a:r>
             <a:r>
               <a:rPr lang="zh-CN" altLang="en-US" sz="1600" dirty="0"/>
@@ -14200,19 +13096,13 @@
             </a:r>
             <a:r>
               <a:rPr lang="zh-CN" altLang="en-US" sz="1600" dirty="0"/>
-              <a:t>遍</a:t>
-            </a:r>
-            <a:r>
-              <a:rPr lang="zh-CN" altLang="en-US" sz="1600" dirty="0" smtClean="0"/>
-              <a:t>。</a:t>
-            </a:r>
-            <a:endParaRPr lang="zh-CN" altLang="en-US" sz="1600" dirty="0"/>
-          </a:p>
-          <a:p>
-            <a:pPr lvl="1"/>
+              <a:t>遍。</a:t>
+            </a:r>
+          </a:p>
+          <a:p>
             <a:r>
               <a:rPr lang="zh-CN" altLang="en-US" sz="1600" dirty="0"/>
-              <a:t>具体来说，就是如果有</a:t>
+              <a:t>具体来说，如果有</a:t>
             </a:r>
             <a:r>
               <a:rPr lang="en-US" altLang="zh-CN" sz="1600" dirty="0"/>
@@ -14220,38 +13110,11 @@
             </a:r>
             <a:r>
               <a:rPr lang="zh-CN" altLang="en-US" sz="1600" dirty="0"/>
-              <a:t>个档案在里面，那么就会送</a:t>
+              <a:t>个文件在队列里，当</a:t>
             </a:r>
             <a:r>
               <a:rPr lang="en-US" altLang="zh-CN" sz="1600" dirty="0"/>
-              <a:t>3</a:t>
-            </a:r>
-            <a:r>
-              <a:rPr lang="zh-CN" altLang="en-US" sz="1600" dirty="0"/>
-              <a:t>个档案出来。</a:t>
-            </a:r>
-          </a:p>
-          <a:p>
-            <a:pPr lvl="1"/>
-            <a:r>
-              <a:rPr lang="zh-CN" altLang="en-US" sz="1600" dirty="0" smtClean="0"/>
-              <a:t>若</a:t>
-            </a:r>
-            <a:r>
-              <a:rPr lang="en-US" altLang="zh-CN" sz="1600" dirty="0" err="1"/>
-              <a:t>num_epochs</a:t>
-            </a:r>
-            <a:r>
-              <a:rPr lang="en-US" altLang="zh-CN" sz="1600" dirty="0"/>
-              <a:t> </a:t>
-            </a:r>
-            <a:r>
-              <a:rPr lang="en-US" altLang="zh-CN" sz="1600" dirty="0" smtClean="0"/>
-              <a:t>= </a:t>
-            </a:r>
-            <a:r>
-              <a:rPr lang="en-US" altLang="zh-CN" sz="1600" dirty="0"/>
-              <a:t>2</a:t>
+              <a:t>num_epochs = 2</a:t>
             </a:r>
             <a:r>
               <a:rPr lang="zh-CN" altLang="en-US" sz="1600" dirty="0"/>
@@ -14263,46 +13126,28 @@
             </a:r>
             <a:r>
               <a:rPr lang="zh-CN" altLang="en-US" sz="1600" dirty="0"/>
-              <a:t>个档案出来，</a:t>
-            </a:r>
-          </a:p>
-          <a:p>
-            <a:pPr lvl="1"/>
+              <a:t>个文件出来。每个文件送完一次之后，都会重复再送一次，依此类推</a:t>
+            </a:r>
+            <a:r>
+              <a:rPr lang="en-US" altLang="zh-CN" sz="1600" dirty="0"/>
+              <a:t>...</a:t>
+            </a:r>
+          </a:p>
+          <a:p>
+            <a:endParaRPr lang="en-US" altLang="zh-CN" sz="1600" dirty="0"/>
+          </a:p>
+          <a:p>
             <a:r>
               <a:rPr lang="zh-CN" altLang="en-US" sz="1600" dirty="0"/>
-              <a:t>每个档案送完一次之后，都会重复再送一次，依此类推</a:t>
-            </a:r>
-            <a:r>
-              <a:rPr lang="en-US" altLang="zh-CN" sz="1600" dirty="0" smtClean="0"/>
-              <a:t>...</a:t>
-            </a:r>
-            <a:endParaRPr lang="en-US" altLang="zh-CN" sz="2000" dirty="0"/>
-          </a:p>
-          <a:p>
-            <a:pPr lvl="1"/>
+              <a:t>在机器学习中， </a:t>
+            </a:r>
+            <a:r>
+              <a:rPr lang="en-US" altLang="zh-CN" sz="1600" dirty="0"/>
+              <a:t>num_epochs = N</a:t>
+            </a:r>
             <a:r>
               <a:rPr lang="zh-CN" altLang="en-US" sz="1600" dirty="0"/>
-              <a:t>在机器学习中</a:t>
-            </a:r>
-            <a:r>
-              <a:rPr lang="zh-CN" altLang="en-US" sz="1600" dirty="0" smtClean="0"/>
-              <a:t>，</a:t>
-            </a:r>
-            <a:r>
-              <a:rPr lang="en-US" altLang="zh-CN" sz="1600" dirty="0"/>
-              <a:t> </a:t>
-            </a:r>
-            <a:r>
-              <a:rPr lang="en-US" altLang="zh-CN" sz="1600" dirty="0" err="1"/>
-              <a:t>num_epochs</a:t>
-            </a:r>
-            <a:r>
-              <a:rPr lang="en-US" altLang="zh-CN" sz="1600" dirty="0"/>
-              <a:t> </a:t>
-            </a:r>
-            <a:r>
-              <a:rPr lang="en-US" altLang="zh-CN" sz="1600" dirty="0" smtClean="0"/>
-              <a:t>= </a:t>
+              <a:t>，就是将数据集从头到尾运算</a:t>
             </a:r>
             <a:r>
               <a:rPr lang="en-US" altLang="zh-CN" sz="1600" dirty="0"/>
@@ -14310,38 +13155,15 @@
             </a:r>
             <a:r>
               <a:rPr lang="zh-CN" altLang="en-US" sz="1600" dirty="0"/>
-              <a:t>，就是将数据集从头到尾运算</a:t>
+              <a:t>次的意思，若</a:t>
             </a:r>
             <a:r>
               <a:rPr lang="en-US" altLang="zh-CN" sz="1600" dirty="0"/>
-              <a:t>N</a:t>
+              <a:t>num_epochs = None</a:t>
             </a:r>
             <a:r>
               <a:rPr lang="zh-CN" altLang="en-US" sz="1600" dirty="0"/>
-              <a:t>次的意思，</a:t>
-            </a:r>
-          </a:p>
-          <a:p>
-            <a:pPr lvl="1"/>
-            <a:r>
-              <a:rPr lang="zh-CN" altLang="en-US" sz="1600" dirty="0"/>
-              <a:t>若</a:t>
-            </a:r>
-            <a:r>
-              <a:rPr lang="en-US" altLang="zh-CN" sz="1600" dirty="0" err="1"/>
-              <a:t>num_epochs</a:t>
-            </a:r>
-            <a:r>
-              <a:rPr lang="en-US" altLang="zh-CN" sz="1600" dirty="0"/>
-              <a:t> = None</a:t>
-            </a:r>
-            <a:r>
-              <a:rPr lang="zh-CN" altLang="en-US" sz="1600" dirty="0"/>
-              <a:t>，表示不限循环次数，直到其他的中止条件达成才会停止计算</a:t>
-            </a:r>
-            <a:r>
-              <a:rPr lang="zh-CN" altLang="en-US" sz="2000" dirty="0"/>
-              <a:t>。</a:t>
+              <a:t>，表示不限循环次数，直到其他的中止条件达成才会停止计算。</a:t>
             </a:r>
           </a:p>
           <a:p>
@@ -14363,54 +13185,48 @@
               <a:t>. </a:t>
             </a:r>
             <a:r>
-              <a:rPr lang="zh-CN" altLang="en-US" sz="2000" dirty="0"/>
+              <a:rPr lang="zh-CN" altLang="en-US" sz="2000" dirty="0" smtClean="0"/>
               <a:t>使用</a:t>
             </a:r>
             <a:r>
-              <a:rPr lang="en-US" altLang="zh-CN" sz="2000" dirty="0" err="1"/>
-              <a:t>tf.WholeFileReader</a:t>
+              <a:rPr lang="en-US" altLang="zh-CN" sz="2000" dirty="0" smtClean="0"/>
+              <a:t>tf.TFRecordReader</a:t>
+            </a:r>
+            <a:r>
+              <a:rPr lang="zh-CN" altLang="en-US" sz="2000" dirty="0" smtClean="0"/>
+              <a:t>去读</a:t>
+            </a:r>
+            <a:r>
+              <a:rPr lang="en-US" altLang="zh-CN" sz="2000" dirty="0" smtClean="0"/>
+              <a:t>TFRecord</a:t>
+            </a:r>
+            <a:r>
+              <a:rPr lang="zh-CN" altLang="en-US" sz="2000" dirty="0" smtClean="0"/>
+              <a:t>文件名队列（</a:t>
             </a:r>
             <a:r>
               <a:rPr lang="en-US" altLang="zh-CN" sz="2000" dirty="0"/>
               <a:t> </a:t>
             </a:r>
             <a:r>
-              <a:rPr lang="zh-CN" altLang="en-US" sz="2000" dirty="0"/>
-              <a:t>去读文件名队列。</a:t>
-            </a:r>
-          </a:p>
-          <a:p>
-            <a:r>
-              <a:rPr lang="zh-CN" altLang="en-US" sz="2000" dirty="0"/>
-              <a:t>请注意，因为现在要读取一般文件，所以是用这个，如果是</a:t>
-            </a:r>
-            <a:r>
-              <a:rPr lang="en-US" altLang="zh-CN" sz="2000" dirty="0" err="1"/>
-              <a:t>TFRecord</a:t>
-            </a:r>
-            <a:r>
-              <a:rPr lang="en-US" altLang="zh-CN" sz="2000" dirty="0"/>
-              <a:t> </a:t>
-            </a:r>
-            <a:r>
-              <a:rPr lang="zh-CN" altLang="en-US" sz="2000" dirty="0"/>
-              <a:t>档的话，请使用 </a:t>
-            </a:r>
-            <a:r>
-              <a:rPr lang="en-US" altLang="zh-CN" sz="2000" dirty="0" err="1"/>
-              <a:t>tf.TFRecordReader</a:t>
-            </a:r>
-            <a:r>
-              <a:rPr lang="zh-CN" altLang="en-US" sz="2000" dirty="0"/>
-              <a:t>。</a:t>
-            </a:r>
-          </a:p>
-          <a:p>
-            <a:endParaRPr lang="zh-CN" altLang="en-US" sz="2000" dirty="0"/>
-          </a:p>
-          <a:p>
-            <a:r>
-              <a:rPr lang="en-US" altLang="zh-CN" sz="2000" b="1" dirty="0">
+              <a:rPr lang="zh-CN" altLang="en-US" sz="2000" dirty="0" smtClean="0"/>
+              <a:t>读取一般文件</a:t>
+            </a:r>
+            <a:r>
+              <a:rPr lang="en-US" altLang="zh-CN" sz="2000" dirty="0" smtClean="0"/>
+              <a:t>tf.WholeFileReader </a:t>
+            </a:r>
+            <a:r>
+              <a:rPr lang="zh-CN" altLang="en-US" sz="2000" dirty="0" smtClean="0"/>
+              <a:t>）。</a:t>
+            </a:r>
+          </a:p>
+          <a:p>
+            <a:endParaRPr lang="zh-CN" altLang="en-US" sz="2000" dirty="0" smtClean="0"/>
+          </a:p>
+          <a:p>
+            <a:r>
+              <a:rPr lang="en-US" altLang="zh-CN" sz="2000" b="1" dirty="0" smtClean="0">
                 <a:latin typeface="+mn-ea"/>
               </a:rPr>
               <a:t>step </a:t>
@@ -14428,24 +13244,16 @@
               <a:t>使用 </a:t>
             </a:r>
             <a:r>
-              <a:rPr lang="en-US" altLang="zh-CN" sz="2000" dirty="0" err="1"/>
-              <a:t>tf.train.Coordinator</a:t>
-            </a:r>
-            <a:r>
               <a:rPr lang="en-US" altLang="zh-CN" sz="2000" dirty="0"/>
-              <a:t> </a:t>
+              <a:t>tf.train.Coordinator </a:t>
             </a:r>
             <a:r>
               <a:rPr lang="zh-CN" altLang="en-US" sz="2000" dirty="0"/>
               <a:t>和 </a:t>
             </a:r>
             <a:r>
-              <a:rPr lang="en-US" altLang="zh-CN" sz="2000" dirty="0" err="1"/>
-              <a:t>tf.train.start_queue_runners</a:t>
-            </a:r>
-            <a:r>
               <a:rPr lang="en-US" altLang="zh-CN" sz="2000" dirty="0"/>
-              <a:t> </a:t>
+              <a:t>tf.train.start_queue_runners </a:t>
             </a:r>
             <a:r>
               <a:rPr lang="zh-CN" altLang="en-US" sz="2000" dirty="0"/>
@@ -14483,11 +13291,7 @@
           <a:p>
             <a:r>
               <a:rPr lang="en-US" altLang="zh-CN" sz="2400" b="1" dirty="0" smtClean="0"/>
-              <a:t>Ⅰ </a:t>
-            </a:r>
-            <a:r>
-              <a:rPr lang="en-US" altLang="zh-CN" sz="2400" b="1" dirty="0" err="1" smtClean="0"/>
-              <a:t>TFRecord</a:t>
+              <a:t>Ⅰ TFRecord</a:t>
             </a:r>
             <a:r>
               <a:rPr lang="zh-CN" altLang="en-US" sz="2400" b="1" dirty="0" smtClean="0"/>
@@ -14605,7 +13409,7 @@
         </p:blipFill>
         <p:spPr bwMode="auto">
           <a:xfrm>
-            <a:off x="2808241" y="1087930"/>
+            <a:off x="2771665" y="1459060"/>
             <a:ext cx="5534025" cy="2667000"/>
           </a:xfrm>
           <a:prstGeom prst="rect">
@@ -14638,7 +13442,7 @@
         </p:blipFill>
         <p:spPr>
           <a:xfrm>
-            <a:off x="2646853" y="4065006"/>
+            <a:off x="2466865" y="4601454"/>
             <a:ext cx="6590476" cy="962132"/>
           </a:xfrm>
           <a:prstGeom prst="rect">
@@ -14670,11 +13474,7 @@
           <a:p>
             <a:r>
               <a:rPr lang="en-US" altLang="zh-CN" sz="2400" b="1" dirty="0" smtClean="0"/>
-              <a:t>Ⅰ </a:t>
-            </a:r>
-            <a:r>
-              <a:rPr lang="en-US" altLang="zh-CN" sz="2400" b="1" dirty="0" err="1" smtClean="0"/>
-              <a:t>TFRecord</a:t>
+              <a:t>Ⅰ TFRecord</a:t>
             </a:r>
             <a:r>
               <a:rPr lang="zh-CN" altLang="en-US" sz="2400" b="1" dirty="0" smtClean="0"/>
@@ -14985,12 +13785,8 @@
           <a:lstStyle/>
           <a:p>
             <a:r>
-              <a:rPr lang="en-US" altLang="zh-CN" sz="2000" dirty="0" err="1" smtClean="0"/>
-              <a:t>tf.image.decode_png</a:t>
-            </a:r>
-            <a:r>
               <a:rPr lang="en-US" altLang="zh-CN" sz="2000" dirty="0" smtClean="0"/>
-              <a:t>() </a:t>
+              <a:t>tf.image.decode_png() </a:t>
             </a:r>
             <a:endParaRPr lang="zh-CN" altLang="en-US" sz="2000" dirty="0"/>
           </a:p>
@@ -15059,7 +13855,7 @@
           <a:lstStyle/>
           <a:p>
             <a:r>
-              <a:rPr lang="en-US" altLang="zh-CN" sz="2000" dirty="0" err="1" smtClean="0"/>
+              <a:rPr lang="en-US" altLang="zh-CN" sz="2000" dirty="0" smtClean="0"/>
               <a:t>tf.image.encode_png</a:t>
             </a:r>
             <a:r>
@@ -15122,12 +13918,8 @@
           <a:lstStyle/>
           <a:p>
             <a:r>
-              <a:rPr lang="en-US" altLang="zh-CN" sz="2000" dirty="0" err="1" smtClean="0"/>
-              <a:t>tf.image.decode_jpeg</a:t>
-            </a:r>
-            <a:r>
               <a:rPr lang="en-US" altLang="zh-CN" sz="2000" dirty="0" smtClean="0"/>
-              <a:t>() </a:t>
+              <a:t>tf.image.decode_jpeg() </a:t>
             </a:r>
             <a:endParaRPr lang="zh-CN" altLang="en-US" sz="2000" dirty="0"/>
           </a:p>
@@ -15196,12 +13988,8 @@
           <a:lstStyle/>
           <a:p>
             <a:r>
-              <a:rPr lang="en-US" altLang="zh-CN" sz="2000" dirty="0" err="1" smtClean="0"/>
-              <a:t>tf.image.encode_jpeg</a:t>
-            </a:r>
-            <a:r>
               <a:rPr lang="en-US" altLang="zh-CN" sz="2000" dirty="0" smtClean="0"/>
-              <a:t>() </a:t>
+              <a:t>tf.image.encode_jpeg() </a:t>
             </a:r>
             <a:endParaRPr lang="zh-CN" altLang="en-US" sz="2000" dirty="0"/>
           </a:p>
@@ -15263,6 +14051,13 @@
     </p:tnLst>
   </p:timing>
 </p:sld>
+</file>
+
+<file path=ppt/tags/tag1.xml><?xml version="1.0" encoding="utf-8"?>
+<p:tagLst xmlns:a="http://schemas.openxmlformats.org/drawingml/2006/main" xmlns:r="http://schemas.openxmlformats.org/officeDocument/2006/relationships" xmlns:p="http://schemas.openxmlformats.org/presentationml/2006/main">
+  <p:tag name="MH_CONTENTSID" val="301"/>
+  <p:tag name="MH_SECTIONID" val="302,303,304,"/>
+</p:tagLst>
 </file>
 
 <file path=ppt/theme/theme1.xml><?xml version="1.0" encoding="utf-8"?>

--- a/supports/ppt/chapter7/chapter7.pptx
+++ b/supports/ppt/chapter7/chapter7.pptx
@@ -5,7 +5,7 @@
     <p:sldMasterId id="2147483648" r:id="rId1"/>
   </p:sldMasterIdLst>
   <p:notesMasterIdLst>
-    <p:notesMasterId r:id="rId31"/>
+    <p:notesMasterId r:id="rId32"/>
   </p:notesMasterIdLst>
   <p:sldIdLst>
     <p:sldId id="257" r:id="rId2"/>
@@ -14,17 +14,17 @@
     <p:sldId id="261" r:id="rId5"/>
     <p:sldId id="260" r:id="rId6"/>
     <p:sldId id="262" r:id="rId7"/>
-    <p:sldId id="285" r:id="rId8"/>
-    <p:sldId id="290" r:id="rId9"/>
-    <p:sldId id="286" r:id="rId10"/>
-    <p:sldId id="287" r:id="rId11"/>
-    <p:sldId id="291" r:id="rId12"/>
-    <p:sldId id="293" r:id="rId13"/>
-    <p:sldId id="295" r:id="rId14"/>
-    <p:sldId id="288" r:id="rId15"/>
-    <p:sldId id="292" r:id="rId16"/>
-    <p:sldId id="296" r:id="rId17"/>
-    <p:sldId id="301" r:id="rId18"/>
+    <p:sldId id="290" r:id="rId8"/>
+    <p:sldId id="286" r:id="rId9"/>
+    <p:sldId id="287" r:id="rId10"/>
+    <p:sldId id="291" r:id="rId11"/>
+    <p:sldId id="293" r:id="rId12"/>
+    <p:sldId id="295" r:id="rId13"/>
+    <p:sldId id="288" r:id="rId14"/>
+    <p:sldId id="292" r:id="rId15"/>
+    <p:sldId id="296" r:id="rId16"/>
+    <p:sldId id="301" r:id="rId17"/>
+    <p:sldId id="303" r:id="rId18"/>
     <p:sldId id="289" r:id="rId19"/>
     <p:sldId id="263" r:id="rId20"/>
     <p:sldId id="265" r:id="rId21"/>
@@ -37,11 +37,12 @@
     <p:sldId id="268" r:id="rId28"/>
     <p:sldId id="269" r:id="rId29"/>
     <p:sldId id="270" r:id="rId30"/>
+    <p:sldId id="302" r:id="rId31"/>
   </p:sldIdLst>
   <p:sldSz cx="12192000" cy="6858000"/>
   <p:notesSz cx="6858000" cy="9144000"/>
   <p:custDataLst>
-    <p:tags r:id="rId32"/>
+    <p:tags r:id="rId33"/>
   </p:custDataLst>
   <p:defaultTextStyle>
     <a:defPPr>
@@ -228,7 +229,7 @@
           <a:p>
             <a:fld id="{2FEA6AA5-7C29-4E2D-B554-57FFA271673E}" type="datetimeFigureOut">
               <a:rPr lang="zh-CN" altLang="en-US" smtClean="0"/>
-              <a:t>2018/5/6</a:t>
+              <a:t>2018/5/7</a:t>
             </a:fld>
             <a:endParaRPr lang="zh-CN" altLang="en-US"/>
           </a:p>
@@ -654,7 +655,7 @@
     </p:spTree>
     <p:extLst>
       <p:ext uri="{BB962C8B-B14F-4D97-AF65-F5344CB8AC3E}">
-        <p14:creationId xmlns:p14="http://schemas.microsoft.com/office/powerpoint/2010/main" val="38578952"/>
+        <p14:creationId xmlns:p14="http://schemas.microsoft.com/office/powerpoint/2010/main" val="1134791101"/>
       </p:ext>
     </p:extLst>
   </p:cSld>
@@ -738,7 +739,7 @@
     </p:spTree>
     <p:extLst>
       <p:ext uri="{BB962C8B-B14F-4D97-AF65-F5344CB8AC3E}">
-        <p14:creationId xmlns:p14="http://schemas.microsoft.com/office/powerpoint/2010/main" val="1134791101"/>
+        <p14:creationId xmlns:p14="http://schemas.microsoft.com/office/powerpoint/2010/main" val="2281037123"/>
       </p:ext>
     </p:extLst>
   </p:cSld>
@@ -792,6 +793,18 @@
           <a:bodyPr/>
           <a:lstStyle/>
           <a:p>
+            <a:r>
+              <a:rPr lang="zh-CN" altLang="en-US" dirty="0" smtClean="0"/>
+              <a:t>在</a:t>
+            </a:r>
+            <a:r>
+              <a:rPr lang="en-US" altLang="zh-CN" dirty="0" smtClean="0"/>
+              <a:t>[lower, upper]</a:t>
+            </a:r>
+            <a:r>
+              <a:rPr lang="zh-CN" altLang="en-US" dirty="0" smtClean="0"/>
+              <a:t>的范围随机调整图的对比度这一方法参数取值的要求</a:t>
+            </a:r>
             <a:endParaRPr lang="zh-CN" altLang="en-US" dirty="0"/>
           </a:p>
         </p:txBody>
@@ -822,7 +835,7 @@
     </p:spTree>
     <p:extLst>
       <p:ext uri="{BB962C8B-B14F-4D97-AF65-F5344CB8AC3E}">
-        <p14:creationId xmlns:p14="http://schemas.microsoft.com/office/powerpoint/2010/main" val="2281037123"/>
+        <p14:creationId xmlns:p14="http://schemas.microsoft.com/office/powerpoint/2010/main" val="268372152"/>
       </p:ext>
     </p:extLst>
   </p:cSld>
@@ -876,18 +889,6 @@
           <a:bodyPr/>
           <a:lstStyle/>
           <a:p>
-            <a:r>
-              <a:rPr lang="zh-CN" altLang="en-US" dirty="0" smtClean="0"/>
-              <a:t>在</a:t>
-            </a:r>
-            <a:r>
-              <a:rPr lang="en-US" altLang="zh-CN" dirty="0" smtClean="0"/>
-              <a:t>[lower, upper]</a:t>
-            </a:r>
-            <a:r>
-              <a:rPr lang="zh-CN" altLang="en-US" dirty="0" smtClean="0"/>
-              <a:t>的范围随机调整图的对比度这一方法参数取值的要求</a:t>
-            </a:r>
             <a:endParaRPr lang="zh-CN" altLang="en-US" dirty="0"/>
           </a:p>
         </p:txBody>
@@ -918,7 +919,7 @@
     </p:spTree>
     <p:extLst>
       <p:ext uri="{BB962C8B-B14F-4D97-AF65-F5344CB8AC3E}">
-        <p14:creationId xmlns:p14="http://schemas.microsoft.com/office/powerpoint/2010/main" val="268372152"/>
+        <p14:creationId xmlns:p14="http://schemas.microsoft.com/office/powerpoint/2010/main" val="2024727544"/>
       </p:ext>
     </p:extLst>
   </p:cSld>
@@ -1002,7 +1003,7 @@
     </p:spTree>
     <p:extLst>
       <p:ext uri="{BB962C8B-B14F-4D97-AF65-F5344CB8AC3E}">
-        <p14:creationId xmlns:p14="http://schemas.microsoft.com/office/powerpoint/2010/main" val="2024727544"/>
+        <p14:creationId xmlns:p14="http://schemas.microsoft.com/office/powerpoint/2010/main" val="3211334651"/>
       </p:ext>
     </p:extLst>
   </p:cSld>
@@ -1056,6 +1057,18 @@
           <a:bodyPr/>
           <a:lstStyle/>
           <a:p>
+            <a:r>
+              <a:rPr lang="zh-CN" altLang="en-US" sz="1200" b="0" i="0" kern="1200" dirty="0" smtClean="0">
+                <a:solidFill>
+                  <a:schemeClr val="tx1"/>
+                </a:solidFill>
+                <a:effectLst/>
+                <a:latin typeface="+mn-lt"/>
+                <a:ea typeface="+mn-ea"/>
+                <a:cs typeface="+mn-cs"/>
+              </a:rPr>
+              <a:t>这是因为通过这个函数计算的标注框可以使用提供的框指导采样。</a:t>
+            </a:r>
             <a:endParaRPr lang="zh-CN" altLang="en-US" dirty="0"/>
           </a:p>
         </p:txBody>
@@ -1086,7 +1099,7 @@
     </p:spTree>
     <p:extLst>
       <p:ext uri="{BB962C8B-B14F-4D97-AF65-F5344CB8AC3E}">
-        <p14:creationId xmlns:p14="http://schemas.microsoft.com/office/powerpoint/2010/main" val="3211334651"/>
+        <p14:creationId xmlns:p14="http://schemas.microsoft.com/office/powerpoint/2010/main" val="748993570"/>
       </p:ext>
     </p:extLst>
   </p:cSld>
@@ -1140,6 +1153,77 @@
           <a:bodyPr/>
           <a:lstStyle/>
           <a:p>
+            <a:r>
+              <a:rPr lang="zh-CN" altLang="en-US" sz="1200" b="0" i="0" kern="1200" dirty="0" smtClean="0">
+                <a:solidFill>
+                  <a:schemeClr val="tx1"/>
+                </a:solidFill>
+                <a:effectLst/>
+                <a:latin typeface="+mn-lt"/>
+                <a:ea typeface="+mn-ea"/>
+                <a:cs typeface="+mn-cs"/>
+              </a:rPr>
+              <a:t>这是因为每次调用</a:t>
+            </a:r>
+            <a:r>
+              <a:rPr lang="en-US" altLang="zh-CN" sz="1200" b="0" i="0" kern="1200" dirty="0" smtClean="0">
+                <a:solidFill>
+                  <a:schemeClr val="tx1"/>
+                </a:solidFill>
+                <a:effectLst/>
+                <a:latin typeface="+mn-lt"/>
+                <a:ea typeface="+mn-ea"/>
+                <a:cs typeface="+mn-cs"/>
+              </a:rPr>
+              <a:t>.</a:t>
+            </a:r>
+            <a:r>
+              <a:rPr lang="en-US" altLang="zh-CN" sz="1200" b="0" i="0" kern="1200" dirty="0" err="1" smtClean="0">
+                <a:solidFill>
+                  <a:schemeClr val="tx1"/>
+                </a:solidFill>
+                <a:effectLst/>
+                <a:latin typeface="+mn-lt"/>
+                <a:ea typeface="+mn-ea"/>
+                <a:cs typeface="+mn-cs"/>
+              </a:rPr>
+              <a:t>eval</a:t>
+            </a:r>
+            <a:r>
+              <a:rPr lang="zh-CN" altLang="en-US" sz="1200" b="0" i="0" kern="1200" dirty="0" smtClean="0">
+                <a:solidFill>
+                  <a:schemeClr val="tx1"/>
+                </a:solidFill>
+                <a:effectLst/>
+                <a:latin typeface="+mn-lt"/>
+                <a:ea typeface="+mn-ea"/>
+                <a:cs typeface="+mn-cs"/>
+              </a:rPr>
+              <a:t>（）都会重新触发图的运行，因此会生成一个新的随机边界框。</a:t>
+            </a:r>
+            <a:endParaRPr lang="en-US" altLang="zh-CN" sz="1200" b="0" i="0" kern="1200" dirty="0" smtClean="0">
+              <a:solidFill>
+                <a:schemeClr val="tx1"/>
+              </a:solidFill>
+              <a:effectLst/>
+              <a:latin typeface="+mn-lt"/>
+              <a:ea typeface="+mn-ea"/>
+              <a:cs typeface="+mn-cs"/>
+            </a:endParaRPr>
+          </a:p>
+          <a:p>
+            <a:r>
+              <a:rPr lang="zh-CN" altLang="en-US" sz="1200" b="0" i="0" kern="1200" dirty="0" smtClean="0">
+                <a:solidFill>
+                  <a:schemeClr val="tx1"/>
+                </a:solidFill>
+                <a:effectLst/>
+                <a:latin typeface="+mn-lt"/>
+                <a:ea typeface="+mn-ea"/>
+                <a:cs typeface="+mn-cs"/>
+              </a:rPr>
+              <a:t>为了获得一致性输出可以同时执行操作</a:t>
+            </a:r>
             <a:endParaRPr lang="zh-CN" altLang="en-US" dirty="0"/>
           </a:p>
         </p:txBody>
@@ -1170,7 +1254,7 @@
     </p:spTree>
     <p:extLst>
       <p:ext uri="{BB962C8B-B14F-4D97-AF65-F5344CB8AC3E}">
-        <p14:creationId xmlns:p14="http://schemas.microsoft.com/office/powerpoint/2010/main" val="748993570"/>
+        <p14:creationId xmlns:p14="http://schemas.microsoft.com/office/powerpoint/2010/main" val="1442658025"/>
       </p:ext>
     </p:extLst>
   </p:cSld>
@@ -1292,7 +1376,7 @@
     </p:spTree>
     <p:extLst>
       <p:ext uri="{BB962C8B-B14F-4D97-AF65-F5344CB8AC3E}">
-        <p14:creationId xmlns:p14="http://schemas.microsoft.com/office/powerpoint/2010/main" val="1442658025"/>
+        <p14:creationId xmlns:p14="http://schemas.microsoft.com/office/powerpoint/2010/main" val="3775739529"/>
       </p:ext>
     </p:extLst>
   </p:cSld>
@@ -1346,6 +1430,30 @@
           <a:bodyPr/>
           <a:lstStyle/>
           <a:p>
+            <a:r>
+              <a:rPr lang="en-US" altLang="zh-CN" sz="1200" b="0" i="0" kern="1200" dirty="0" smtClean="0">
+                <a:solidFill>
+                  <a:schemeClr val="tx1"/>
+                </a:solidFill>
+                <a:effectLst/>
+                <a:latin typeface="+mn-lt"/>
+                <a:ea typeface="+mn-ea"/>
+                <a:cs typeface="+mn-cs"/>
+              </a:rPr>
+              <a:t>1. </a:t>
+            </a:r>
+            <a:r>
+              <a:rPr lang="zh-CN" altLang="en-US" sz="1200" b="0" i="0" kern="1200" dirty="0" smtClean="0">
+                <a:solidFill>
+                  <a:schemeClr val="tx1"/>
+                </a:solidFill>
+                <a:effectLst/>
+                <a:latin typeface="+mn-lt"/>
+                <a:ea typeface="+mn-ea"/>
+                <a:cs typeface="+mn-cs"/>
+              </a:rPr>
+              <a:t>这是因为通过这个函数计算的框可以使用提供的框来指导采样。</a:t>
+            </a:r>
             <a:endParaRPr lang="zh-CN" altLang="en-US" dirty="0"/>
           </a:p>
         </p:txBody>
@@ -1934,6 +2042,10 @@
           <a:bodyPr/>
           <a:lstStyle/>
           <a:p>
+            <a:r>
+              <a:rPr lang="zh-CN" altLang="en-US" dirty="0" smtClean="0"/>
+              <a:t>一个线程去取这些小球</a:t>
+            </a:r>
             <a:endParaRPr lang="zh-CN" altLang="en-US" dirty="0"/>
           </a:p>
         </p:txBody>
@@ -2502,6 +2614,90 @@
 </p:notes>
 </file>
 
+<file path=ppt/notesSlides/notesSlide30.xml><?xml version="1.0" encoding="utf-8"?>
+<p:notes xmlns:a="http://schemas.openxmlformats.org/drawingml/2006/main" xmlns:r="http://schemas.openxmlformats.org/officeDocument/2006/relationships" xmlns:p="http://schemas.openxmlformats.org/presentationml/2006/main">
+  <p:cSld>
+    <p:spTree>
+      <p:nvGrpSpPr>
+        <p:cNvPr id="1" name=""/>
+        <p:cNvGrpSpPr/>
+        <p:nvPr/>
+      </p:nvGrpSpPr>
+      <p:grpSpPr>
+        <a:xfrm>
+          <a:off x="0" y="0"/>
+          <a:ext cx="0" cy="0"/>
+          <a:chOff x="0" y="0"/>
+          <a:chExt cx="0" cy="0"/>
+        </a:xfrm>
+      </p:grpSpPr>
+      <p:sp>
+        <p:nvSpPr>
+          <p:cNvPr id="2" name="幻灯片图像占位符 1"/>
+          <p:cNvSpPr>
+            <a:spLocks noGrp="1" noRot="1" noChangeAspect="1"/>
+          </p:cNvSpPr>
+          <p:nvPr>
+            <p:ph type="sldImg"/>
+          </p:nvPr>
+        </p:nvSpPr>
+        <p:spPr/>
+      </p:sp>
+      <p:sp>
+        <p:nvSpPr>
+          <p:cNvPr id="3" name="备注占位符 2"/>
+          <p:cNvSpPr>
+            <a:spLocks noGrp="1"/>
+          </p:cNvSpPr>
+          <p:nvPr>
+            <p:ph type="body" idx="1"/>
+          </p:nvPr>
+        </p:nvSpPr>
+        <p:spPr/>
+        <p:txBody>
+          <a:bodyPr/>
+          <a:lstStyle/>
+          <a:p>
+            <a:endParaRPr lang="zh-CN" altLang="en-US" dirty="0"/>
+          </a:p>
+        </p:txBody>
+      </p:sp>
+      <p:sp>
+        <p:nvSpPr>
+          <p:cNvPr id="4" name="灯片编号占位符 3"/>
+          <p:cNvSpPr>
+            <a:spLocks noGrp="1"/>
+          </p:cNvSpPr>
+          <p:nvPr>
+            <p:ph type="sldNum" sz="quarter" idx="10"/>
+          </p:nvPr>
+        </p:nvSpPr>
+        <p:spPr/>
+        <p:txBody>
+          <a:bodyPr/>
+          <a:lstStyle/>
+          <a:p>
+            <a:fld id="{8D5F6335-921E-4E5D-AA92-58C46089A71A}" type="slidenum">
+              <a:rPr lang="zh-CN" altLang="en-US" smtClean="0"/>
+              <a:t>30</a:t>
+            </a:fld>
+            <a:endParaRPr lang="zh-CN" altLang="en-US"/>
+          </a:p>
+        </p:txBody>
+      </p:sp>
+    </p:spTree>
+    <p:extLst>
+      <p:ext uri="{BB962C8B-B14F-4D97-AF65-F5344CB8AC3E}">
+        <p14:creationId xmlns:p14="http://schemas.microsoft.com/office/powerpoint/2010/main" val="2543885676"/>
+      </p:ext>
+    </p:extLst>
+  </p:cSld>
+  <p:clrMapOvr>
+    <a:masterClrMapping/>
+  </p:clrMapOvr>
+</p:notes>
+</file>
+
 <file path=ppt/notesSlides/notesSlide4.xml><?xml version="1.0" encoding="utf-8"?>
 <p:notes xmlns:a="http://schemas.openxmlformats.org/drawingml/2006/main" xmlns:r="http://schemas.openxmlformats.org/officeDocument/2006/relationships" xmlns:p="http://schemas.openxmlformats.org/presentationml/2006/main">
   <p:cSld>
@@ -2828,7 +3024,7 @@
     </p:spTree>
     <p:extLst>
       <p:ext uri="{BB962C8B-B14F-4D97-AF65-F5344CB8AC3E}">
-        <p14:creationId xmlns:p14="http://schemas.microsoft.com/office/powerpoint/2010/main" val="4254877284"/>
+        <p14:creationId xmlns:p14="http://schemas.microsoft.com/office/powerpoint/2010/main" val="1182896263"/>
       </p:ext>
     </p:extLst>
   </p:cSld>
@@ -2882,6 +3078,14 @@
           <a:bodyPr/>
           <a:lstStyle/>
           <a:p>
+            <a:r>
+              <a:rPr lang="zh-CN" altLang="en-US" dirty="0" smtClean="0"/>
+              <a:t>写入时，编码方式不能使用</a:t>
+            </a:r>
+            <a:r>
+              <a:rPr lang="en-US" altLang="zh-CN" dirty="0" smtClean="0"/>
+              <a:t>float32</a:t>
+            </a:r>
             <a:endParaRPr lang="zh-CN" altLang="en-US" dirty="0"/>
           </a:p>
         </p:txBody>
@@ -2912,7 +3116,7 @@
     </p:spTree>
     <p:extLst>
       <p:ext uri="{BB962C8B-B14F-4D97-AF65-F5344CB8AC3E}">
-        <p14:creationId xmlns:p14="http://schemas.microsoft.com/office/powerpoint/2010/main" val="1182896263"/>
+        <p14:creationId xmlns:p14="http://schemas.microsoft.com/office/powerpoint/2010/main" val="3275742951"/>
       </p:ext>
     </p:extLst>
   </p:cSld>
@@ -2966,6 +3170,10 @@
           <a:bodyPr/>
           <a:lstStyle/>
           <a:p>
+            <a:r>
+              <a:rPr lang="zh-CN" altLang="en-US" dirty="0" smtClean="0"/>
+              <a:t>将图片的尺寸放大或缩小，并保留足够的信息</a:t>
+            </a:r>
             <a:endParaRPr lang="zh-CN" altLang="en-US" dirty="0"/>
           </a:p>
         </p:txBody>
@@ -2996,7 +3204,7 @@
     </p:spTree>
     <p:extLst>
       <p:ext uri="{BB962C8B-B14F-4D97-AF65-F5344CB8AC3E}">
-        <p14:creationId xmlns:p14="http://schemas.microsoft.com/office/powerpoint/2010/main" val="3275742951"/>
+        <p14:creationId xmlns:p14="http://schemas.microsoft.com/office/powerpoint/2010/main" val="38578952"/>
       </p:ext>
     </p:extLst>
   </p:cSld>
@@ -3137,7 +3345,7 @@
           <a:p>
             <a:fld id="{59AE9AFE-EEDC-403E-B324-EA8E64AA55B1}" type="datetimeFigureOut">
               <a:rPr lang="zh-CN" altLang="en-US" smtClean="0"/>
-              <a:t>2018/5/6</a:t>
+              <a:t>2018/5/7</a:t>
             </a:fld>
             <a:endParaRPr lang="zh-CN" altLang="en-US"/>
           </a:p>
@@ -3307,7 +3515,7 @@
           <a:p>
             <a:fld id="{59AE9AFE-EEDC-403E-B324-EA8E64AA55B1}" type="datetimeFigureOut">
               <a:rPr lang="zh-CN" altLang="en-US" smtClean="0"/>
-              <a:t>2018/5/6</a:t>
+              <a:t>2018/5/7</a:t>
             </a:fld>
             <a:endParaRPr lang="zh-CN" altLang="en-US"/>
           </a:p>
@@ -3487,7 +3695,7 @@
           <a:p>
             <a:fld id="{59AE9AFE-EEDC-403E-B324-EA8E64AA55B1}" type="datetimeFigureOut">
               <a:rPr lang="zh-CN" altLang="en-US" smtClean="0"/>
-              <a:t>2018/5/6</a:t>
+              <a:t>2018/5/7</a:t>
             </a:fld>
             <a:endParaRPr lang="zh-CN" altLang="en-US"/>
           </a:p>
@@ -3657,7 +3865,7 @@
           <a:p>
             <a:fld id="{59AE9AFE-EEDC-403E-B324-EA8E64AA55B1}" type="datetimeFigureOut">
               <a:rPr lang="zh-CN" altLang="en-US" smtClean="0"/>
-              <a:t>2018/5/6</a:t>
+              <a:t>2018/5/7</a:t>
             </a:fld>
             <a:endParaRPr lang="zh-CN" altLang="en-US"/>
           </a:p>
@@ -3903,7 +4111,7 @@
           <a:p>
             <a:fld id="{59AE9AFE-EEDC-403E-B324-EA8E64AA55B1}" type="datetimeFigureOut">
               <a:rPr lang="zh-CN" altLang="en-US" smtClean="0"/>
-              <a:t>2018/5/6</a:t>
+              <a:t>2018/5/7</a:t>
             </a:fld>
             <a:endParaRPr lang="zh-CN" altLang="en-US"/>
           </a:p>
@@ -4135,7 +4343,7 @@
           <a:p>
             <a:fld id="{59AE9AFE-EEDC-403E-B324-EA8E64AA55B1}" type="datetimeFigureOut">
               <a:rPr lang="zh-CN" altLang="en-US" smtClean="0"/>
-              <a:t>2018/5/6</a:t>
+              <a:t>2018/5/7</a:t>
             </a:fld>
             <a:endParaRPr lang="zh-CN" altLang="en-US"/>
           </a:p>
@@ -4502,7 +4710,7 @@
           <a:p>
             <a:fld id="{59AE9AFE-EEDC-403E-B324-EA8E64AA55B1}" type="datetimeFigureOut">
               <a:rPr lang="zh-CN" altLang="en-US" smtClean="0"/>
-              <a:t>2018/5/6</a:t>
+              <a:t>2018/5/7</a:t>
             </a:fld>
             <a:endParaRPr lang="zh-CN" altLang="en-US"/>
           </a:p>
@@ -4620,7 +4828,7 @@
           <a:p>
             <a:fld id="{59AE9AFE-EEDC-403E-B324-EA8E64AA55B1}" type="datetimeFigureOut">
               <a:rPr lang="zh-CN" altLang="en-US" smtClean="0"/>
-              <a:t>2018/5/6</a:t>
+              <a:t>2018/5/7</a:t>
             </a:fld>
             <a:endParaRPr lang="zh-CN" altLang="en-US"/>
           </a:p>
@@ -4715,7 +4923,7 @@
           <a:p>
             <a:fld id="{59AE9AFE-EEDC-403E-B324-EA8E64AA55B1}" type="datetimeFigureOut">
               <a:rPr lang="zh-CN" altLang="en-US" smtClean="0"/>
-              <a:t>2018/5/6</a:t>
+              <a:t>2018/5/7</a:t>
             </a:fld>
             <a:endParaRPr lang="zh-CN" altLang="en-US"/>
           </a:p>
@@ -4992,7 +5200,7 @@
           <a:p>
             <a:fld id="{59AE9AFE-EEDC-403E-B324-EA8E64AA55B1}" type="datetimeFigureOut">
               <a:rPr lang="zh-CN" altLang="en-US" smtClean="0"/>
-              <a:t>2018/5/6</a:t>
+              <a:t>2018/5/7</a:t>
             </a:fld>
             <a:endParaRPr lang="zh-CN" altLang="en-US"/>
           </a:p>
@@ -5245,7 +5453,7 @@
           <a:p>
             <a:fld id="{59AE9AFE-EEDC-403E-B324-EA8E64AA55B1}" type="datetimeFigureOut">
               <a:rPr lang="zh-CN" altLang="en-US" smtClean="0"/>
-              <a:t>2018/5/6</a:t>
+              <a:t>2018/5/7</a:t>
             </a:fld>
             <a:endParaRPr lang="zh-CN" altLang="en-US"/>
           </a:p>
@@ -5458,7 +5666,7 @@
           <a:p>
             <a:fld id="{59AE9AFE-EEDC-403E-B324-EA8E64AA55B1}" type="datetimeFigureOut">
               <a:rPr lang="zh-CN" altLang="en-US" smtClean="0"/>
-              <a:t>2018/5/6</a:t>
+              <a:t>2018/5/7</a:t>
             </a:fld>
             <a:endParaRPr lang="zh-CN" altLang="en-US"/>
           </a:p>
@@ -6065,8 +6273,8 @@
         </p:nvSpPr>
         <p:spPr>
           <a:xfrm>
-            <a:off x="2724985" y="2261483"/>
-            <a:ext cx="5720861" cy="369332"/>
+            <a:off x="1842380" y="2624613"/>
+            <a:ext cx="8857809" cy="923330"/>
           </a:xfrm>
           <a:prstGeom prst="rect">
             <a:avLst/>
@@ -6079,36 +6287,97 @@
           <a:lstStyle/>
           <a:p>
             <a:r>
-              <a:rPr lang="zh-CN" altLang="en-US" dirty="0"/>
-              <a:t>tf.image.resize_images(image_float, [300, 300], method=0)</a:t>
-            </a:r>
-          </a:p>
-        </p:txBody>
-      </p:sp>
-      <p:pic>
-        <p:nvPicPr>
-          <p:cNvPr id="5" name="图片 4"/>
-          <p:cNvPicPr>
-            <a:picLocks noChangeAspect="1"/>
-          </p:cNvPicPr>
-          <p:nvPr/>
-        </p:nvPicPr>
-        <p:blipFill>
-          <a:blip r:embed="rId5"/>
-          <a:stretch>
-            <a:fillRect/>
-          </a:stretch>
-        </p:blipFill>
-        <p:spPr>
-          <a:xfrm>
-            <a:off x="2379250" y="3117344"/>
-            <a:ext cx="7834515" cy="1771528"/>
-          </a:xfrm>
-          <a:prstGeom prst="rect">
-            <a:avLst/>
-          </a:prstGeom>
-        </p:spPr>
-      </p:pic>
+              <a:rPr lang="zh-CN" altLang="en-US" dirty="0" smtClean="0"/>
+              <a:t>裁剪：</a:t>
+            </a:r>
+            <a:r>
+              <a:rPr lang="en-US" altLang="zh-CN" dirty="0"/>
+              <a:t>tf.image.</a:t>
+            </a:r>
+            <a:r>
+              <a:rPr lang="en-US" altLang="zh-CN" dirty="0">
+                <a:solidFill>
+                  <a:srgbClr val="FF0000"/>
+                </a:solidFill>
+              </a:rPr>
+              <a:t>resize_image_with_crop_or_pad</a:t>
+            </a:r>
+            <a:r>
+              <a:rPr lang="en-US" altLang="zh-CN" dirty="0"/>
+              <a:t>(img_data, 1000, 1000</a:t>
+            </a:r>
+            <a:r>
+              <a:rPr lang="en-US" altLang="zh-CN" dirty="0" smtClean="0"/>
+              <a:t>)</a:t>
+            </a:r>
+          </a:p>
+          <a:p>
+            <a:r>
+              <a:rPr lang="zh-CN" altLang="en-US" dirty="0" smtClean="0"/>
+              <a:t>填充：</a:t>
+            </a:r>
+            <a:r>
+              <a:rPr lang="en-US" altLang="zh-CN" dirty="0"/>
+              <a:t>tf.image.</a:t>
+            </a:r>
+            <a:r>
+              <a:rPr lang="en-US" altLang="zh-CN" dirty="0">
+                <a:solidFill>
+                  <a:srgbClr val="FF0000"/>
+                </a:solidFill>
+              </a:rPr>
+              <a:t>resize_image_with_crop_or_pad</a:t>
+            </a:r>
+            <a:r>
+              <a:rPr lang="en-US" altLang="zh-CN" dirty="0"/>
+              <a:t>(img_data, 3000, 3000</a:t>
+            </a:r>
+            <a:r>
+              <a:rPr lang="en-US" altLang="zh-CN" dirty="0" smtClean="0"/>
+              <a:t>)</a:t>
+            </a:r>
+          </a:p>
+          <a:p>
+            <a:r>
+              <a:rPr lang="zh-CN" altLang="en-US" dirty="0" smtClean="0"/>
+              <a:t>按比例裁剪图象：</a:t>
+            </a:r>
+            <a:r>
+              <a:rPr lang="en-US" altLang="zh-CN" dirty="0" smtClean="0"/>
+              <a:t>tf.</a:t>
+            </a:r>
+            <a:r>
+              <a:rPr lang="en-US" altLang="zh-CN" dirty="0" smtClean="0">
+                <a:solidFill>
+                  <a:srgbClr val="FF0000"/>
+                </a:solidFill>
+              </a:rPr>
+              <a:t>image.central_crop</a:t>
+            </a:r>
+            <a:r>
+              <a:rPr lang="en-US" altLang="zh-CN" dirty="0" smtClean="0"/>
+              <a:t>(img_data</a:t>
+            </a:r>
+            <a:r>
+              <a:rPr lang="en-US" altLang="zh-CN" dirty="0"/>
+              <a:t>, 0.5</a:t>
+            </a:r>
+            <a:r>
+              <a:rPr lang="en-US" altLang="zh-CN" dirty="0" smtClean="0"/>
+              <a:t>) # </a:t>
+            </a:r>
+            <a:r>
+              <a:rPr lang="zh-CN" altLang="en-US" dirty="0" smtClean="0"/>
+              <a:t>第二个参数为调整比例，</a:t>
+            </a:r>
+            <a:r>
+              <a:rPr lang="en-US" altLang="zh-CN" dirty="0" smtClean="0"/>
+              <a:t>(0, 1]</a:t>
+            </a:r>
+            <a:endParaRPr lang="zh-CN" altLang="en-US" dirty="0"/>
+          </a:p>
+        </p:txBody>
+      </p:sp>
       <p:sp>
         <p:nvSpPr>
           <p:cNvPr id="6" name="文本框 5"/>
@@ -6151,7 +6420,7 @@
         <p:spPr>
           <a:xfrm>
             <a:off x="4874324" y="1424912"/>
-            <a:ext cx="2040943" cy="461665"/>
+            <a:ext cx="2350323" cy="461665"/>
           </a:xfrm>
           <a:prstGeom prst="rect">
             <a:avLst/>
@@ -6164,17 +6433,16 @@
           <a:lstStyle/>
           <a:p>
             <a:r>
-              <a:rPr lang="zh-CN" altLang="en-US" sz="2400" b="1" dirty="0" smtClean="0"/>
-              <a:t>调整图片大小</a:t>
-            </a:r>
-            <a:endParaRPr lang="en-US" altLang="zh-CN" sz="2400" b="1" dirty="0"/>
+              <a:rPr lang="zh-CN" altLang="en-US" sz="2400" b="1" dirty="0"/>
+              <a:t>裁剪和填充图片</a:t>
+            </a:r>
           </a:p>
         </p:txBody>
       </p:sp>
     </p:spTree>
     <p:extLst>
       <p:ext uri="{BB962C8B-B14F-4D97-AF65-F5344CB8AC3E}">
-        <p14:creationId xmlns:p14="http://schemas.microsoft.com/office/powerpoint/2010/main" val="1409296322"/>
+        <p14:creationId xmlns:p14="http://schemas.microsoft.com/office/powerpoint/2010/main" val="2852427544"/>
       </p:ext>
     </p:extLst>
   </p:cSld>
@@ -6264,265 +6532,6 @@
         </p:nvSpPr>
         <p:spPr>
           <a:xfrm>
-            <a:off x="1842380" y="2624613"/>
-            <a:ext cx="8857809" cy="923330"/>
-          </a:xfrm>
-          <a:prstGeom prst="rect">
-            <a:avLst/>
-          </a:prstGeom>
-        </p:spPr>
-        <p:txBody>
-          <a:bodyPr wrap="none">
-            <a:spAutoFit/>
-          </a:bodyPr>
-          <a:lstStyle/>
-          <a:p>
-            <a:r>
-              <a:rPr lang="zh-CN" altLang="en-US" dirty="0" smtClean="0"/>
-              <a:t>裁剪：</a:t>
-            </a:r>
-            <a:r>
-              <a:rPr lang="en-US" altLang="zh-CN" dirty="0"/>
-              <a:t>tf.image.</a:t>
-            </a:r>
-            <a:r>
-              <a:rPr lang="en-US" altLang="zh-CN" dirty="0">
-                <a:solidFill>
-                  <a:srgbClr val="FF0000"/>
-                </a:solidFill>
-              </a:rPr>
-              <a:t>resize_image_with_crop_or_pad</a:t>
-            </a:r>
-            <a:r>
-              <a:rPr lang="en-US" altLang="zh-CN" dirty="0"/>
-              <a:t>(img_data, 1000, 1000</a:t>
-            </a:r>
-            <a:r>
-              <a:rPr lang="en-US" altLang="zh-CN" dirty="0" smtClean="0"/>
-              <a:t>)</a:t>
-            </a:r>
-          </a:p>
-          <a:p>
-            <a:r>
-              <a:rPr lang="zh-CN" altLang="en-US" dirty="0" smtClean="0"/>
-              <a:t>填充：</a:t>
-            </a:r>
-            <a:r>
-              <a:rPr lang="en-US" altLang="zh-CN" dirty="0"/>
-              <a:t>tf.image.</a:t>
-            </a:r>
-            <a:r>
-              <a:rPr lang="en-US" altLang="zh-CN" dirty="0">
-                <a:solidFill>
-                  <a:srgbClr val="FF0000"/>
-                </a:solidFill>
-              </a:rPr>
-              <a:t>resize_image_with_crop_or_pad</a:t>
-            </a:r>
-            <a:r>
-              <a:rPr lang="en-US" altLang="zh-CN" dirty="0"/>
-              <a:t>(img_data, 3000, 3000</a:t>
-            </a:r>
-            <a:r>
-              <a:rPr lang="en-US" altLang="zh-CN" dirty="0" smtClean="0"/>
-              <a:t>)</a:t>
-            </a:r>
-          </a:p>
-          <a:p>
-            <a:r>
-              <a:rPr lang="zh-CN" altLang="en-US" dirty="0" smtClean="0"/>
-              <a:t>按比例裁剪图象：</a:t>
-            </a:r>
-            <a:r>
-              <a:rPr lang="en-US" altLang="zh-CN" dirty="0" smtClean="0"/>
-              <a:t>tf.</a:t>
-            </a:r>
-            <a:r>
-              <a:rPr lang="en-US" altLang="zh-CN" dirty="0" smtClean="0">
-                <a:solidFill>
-                  <a:srgbClr val="FF0000"/>
-                </a:solidFill>
-              </a:rPr>
-              <a:t>image.central_crop</a:t>
-            </a:r>
-            <a:r>
-              <a:rPr lang="en-US" altLang="zh-CN" dirty="0" smtClean="0"/>
-              <a:t>(img_data</a:t>
-            </a:r>
-            <a:r>
-              <a:rPr lang="en-US" altLang="zh-CN" dirty="0"/>
-              <a:t>, 0.5</a:t>
-            </a:r>
-            <a:r>
-              <a:rPr lang="en-US" altLang="zh-CN" dirty="0" smtClean="0"/>
-              <a:t>) # </a:t>
-            </a:r>
-            <a:r>
-              <a:rPr lang="zh-CN" altLang="en-US" dirty="0" smtClean="0"/>
-              <a:t>第二个参数为调整比例，</a:t>
-            </a:r>
-            <a:r>
-              <a:rPr lang="en-US" altLang="zh-CN" dirty="0" smtClean="0"/>
-              <a:t>(0, 1]</a:t>
-            </a:r>
-            <a:endParaRPr lang="zh-CN" altLang="en-US" dirty="0"/>
-          </a:p>
-        </p:txBody>
-      </p:sp>
-      <p:sp>
-        <p:nvSpPr>
-          <p:cNvPr id="6" name="文本框 5"/>
-          <p:cNvSpPr txBox="1"/>
-          <p:nvPr/>
-        </p:nvSpPr>
-        <p:spPr>
-          <a:xfrm>
-            <a:off x="0" y="701101"/>
-            <a:ext cx="3684760" cy="461665"/>
-          </a:xfrm>
-          <a:prstGeom prst="rect">
-            <a:avLst/>
-          </a:prstGeom>
-          <a:noFill/>
-        </p:spPr>
-        <p:txBody>
-          <a:bodyPr wrap="square" rtlCol="0">
-            <a:spAutoFit/>
-          </a:bodyPr>
-          <a:lstStyle/>
-          <a:p>
-            <a:r>
-              <a:rPr lang="en-US" altLang="zh-CN" sz="2400" b="1" dirty="0"/>
-              <a:t>Ⅱ </a:t>
-            </a:r>
-            <a:r>
-              <a:rPr lang="zh-CN" altLang="en-US" sz="2400" b="1" dirty="0"/>
-              <a:t>图像数据处理</a:t>
-            </a:r>
-          </a:p>
-        </p:txBody>
-      </p:sp>
-      <p:sp>
-        <p:nvSpPr>
-          <p:cNvPr id="7" name="矩形 6"/>
-          <p:cNvSpPr/>
-          <p:nvPr/>
-        </p:nvSpPr>
-        <p:spPr>
-          <a:xfrm>
-            <a:off x="4874324" y="1424912"/>
-            <a:ext cx="2350323" cy="461665"/>
-          </a:xfrm>
-          <a:prstGeom prst="rect">
-            <a:avLst/>
-          </a:prstGeom>
-        </p:spPr>
-        <p:txBody>
-          <a:bodyPr wrap="none">
-            <a:spAutoFit/>
-          </a:bodyPr>
-          <a:lstStyle/>
-          <a:p>
-            <a:r>
-              <a:rPr lang="zh-CN" altLang="en-US" sz="2400" b="1" dirty="0"/>
-              <a:t>裁剪和填充图片</a:t>
-            </a:r>
-          </a:p>
-        </p:txBody>
-      </p:sp>
-    </p:spTree>
-    <p:extLst>
-      <p:ext uri="{BB962C8B-B14F-4D97-AF65-F5344CB8AC3E}">
-        <p14:creationId xmlns:p14="http://schemas.microsoft.com/office/powerpoint/2010/main" val="2852427544"/>
-      </p:ext>
-    </p:extLst>
-  </p:cSld>
-  <p:clrMapOvr>
-    <a:masterClrMapping/>
-  </p:clrMapOvr>
-  <p:timing>
-    <p:tnLst>
-      <p:par>
-        <p:cTn id="1" dur="indefinite" restart="never" nodeType="tmRoot"/>
-      </p:par>
-    </p:tnLst>
-  </p:timing>
-</p:sld>
-</file>
-
-<file path=ppt/slides/slide12.xml><?xml version="1.0" encoding="utf-8"?>
-<p:sld xmlns:a="http://schemas.openxmlformats.org/drawingml/2006/main" xmlns:r="http://schemas.openxmlformats.org/officeDocument/2006/relationships" xmlns:p="http://schemas.openxmlformats.org/presentationml/2006/main">
-  <p:cSld>
-    <p:spTree>
-      <p:nvGrpSpPr>
-        <p:cNvPr id="1" name=""/>
-        <p:cNvGrpSpPr/>
-        <p:nvPr/>
-      </p:nvGrpSpPr>
-      <p:grpSpPr>
-        <a:xfrm>
-          <a:off x="0" y="0"/>
-          <a:ext cx="0" cy="0"/>
-          <a:chOff x="0" y="0"/>
-          <a:chExt cx="0" cy="0"/>
-        </a:xfrm>
-      </p:grpSpPr>
-      <p:pic>
-        <p:nvPicPr>
-          <p:cNvPr id="2" name="图片 1"/>
-          <p:cNvPicPr>
-            <a:picLocks noChangeAspect="1"/>
-          </p:cNvPicPr>
-          <p:nvPr/>
-        </p:nvPicPr>
-        <p:blipFill>
-          <a:blip r:embed="rId3"/>
-          <a:stretch>
-            <a:fillRect/>
-          </a:stretch>
-        </p:blipFill>
-        <p:spPr>
-          <a:xfrm>
-            <a:off x="0" y="6656932"/>
-            <a:ext cx="12192000" cy="201068"/>
-          </a:xfrm>
-          <a:prstGeom prst="rect">
-            <a:avLst/>
-          </a:prstGeom>
-        </p:spPr>
-      </p:pic>
-      <p:pic>
-        <p:nvPicPr>
-          <p:cNvPr id="3" name="图片 2"/>
-          <p:cNvPicPr>
-            <a:picLocks noChangeAspect="1"/>
-          </p:cNvPicPr>
-          <p:nvPr/>
-        </p:nvPicPr>
-        <p:blipFill>
-          <a:blip r:embed="rId4"/>
-          <a:stretch>
-            <a:fillRect/>
-          </a:stretch>
-        </p:blipFill>
-        <p:spPr>
-          <a:xfrm>
-            <a:off x="0" y="0"/>
-            <a:ext cx="12192000" cy="701101"/>
-          </a:xfrm>
-          <a:prstGeom prst="rect">
-            <a:avLst/>
-          </a:prstGeom>
-        </p:spPr>
-      </p:pic>
-      <p:sp>
-        <p:nvSpPr>
-          <p:cNvPr id="4" name="矩形 3"/>
-          <p:cNvSpPr/>
-          <p:nvPr/>
-        </p:nvSpPr>
-        <p:spPr>
-          <a:xfrm>
             <a:off x="2530444" y="2610388"/>
             <a:ext cx="6943952" cy="1477328"/>
           </a:xfrm>
@@ -6702,7 +6711,7 @@
 </p:sld>
 </file>
 
-<file path=ppt/slides/slide13.xml><?xml version="1.0" encoding="utf-8"?>
+<file path=ppt/slides/slide12.xml><?xml version="1.0" encoding="utf-8"?>
 <p:sld xmlns:a="http://schemas.openxmlformats.org/drawingml/2006/main" xmlns:r="http://schemas.openxmlformats.org/officeDocument/2006/relationships" xmlns:p="http://schemas.openxmlformats.org/presentationml/2006/main">
   <p:cSld>
     <p:spTree>
@@ -7111,6 +7120,189 @@
 </p:sld>
 </file>
 
+<file path=ppt/slides/slide13.xml><?xml version="1.0" encoding="utf-8"?>
+<p:sld xmlns:a="http://schemas.openxmlformats.org/drawingml/2006/main" xmlns:r="http://schemas.openxmlformats.org/officeDocument/2006/relationships" xmlns:p="http://schemas.openxmlformats.org/presentationml/2006/main">
+  <p:cSld>
+    <p:spTree>
+      <p:nvGrpSpPr>
+        <p:cNvPr id="1" name=""/>
+        <p:cNvGrpSpPr/>
+        <p:nvPr/>
+      </p:nvGrpSpPr>
+      <p:grpSpPr>
+        <a:xfrm>
+          <a:off x="0" y="0"/>
+          <a:ext cx="0" cy="0"/>
+          <a:chOff x="0" y="0"/>
+          <a:chExt cx="0" cy="0"/>
+        </a:xfrm>
+      </p:grpSpPr>
+      <p:pic>
+        <p:nvPicPr>
+          <p:cNvPr id="2" name="图片 1"/>
+          <p:cNvPicPr>
+            <a:picLocks noChangeAspect="1"/>
+          </p:cNvPicPr>
+          <p:nvPr/>
+        </p:nvPicPr>
+        <p:blipFill>
+          <a:blip r:embed="rId3"/>
+          <a:stretch>
+            <a:fillRect/>
+          </a:stretch>
+        </p:blipFill>
+        <p:spPr>
+          <a:xfrm>
+            <a:off x="0" y="6656932"/>
+            <a:ext cx="12192000" cy="201068"/>
+          </a:xfrm>
+          <a:prstGeom prst="rect">
+            <a:avLst/>
+          </a:prstGeom>
+        </p:spPr>
+      </p:pic>
+      <p:pic>
+        <p:nvPicPr>
+          <p:cNvPr id="3" name="图片 2"/>
+          <p:cNvPicPr>
+            <a:picLocks noChangeAspect="1"/>
+          </p:cNvPicPr>
+          <p:nvPr/>
+        </p:nvPicPr>
+        <p:blipFill>
+          <a:blip r:embed="rId4"/>
+          <a:stretch>
+            <a:fillRect/>
+          </a:stretch>
+        </p:blipFill>
+        <p:spPr>
+          <a:xfrm>
+            <a:off x="0" y="0"/>
+            <a:ext cx="12192000" cy="701101"/>
+          </a:xfrm>
+          <a:prstGeom prst="rect">
+            <a:avLst/>
+          </a:prstGeom>
+        </p:spPr>
+      </p:pic>
+      <p:pic>
+        <p:nvPicPr>
+          <p:cNvPr id="4" name="图片 3"/>
+          <p:cNvPicPr>
+            <a:picLocks noChangeAspect="1"/>
+          </p:cNvPicPr>
+          <p:nvPr/>
+        </p:nvPicPr>
+        <p:blipFill>
+          <a:blip r:embed="rId5"/>
+          <a:stretch>
+            <a:fillRect/>
+          </a:stretch>
+        </p:blipFill>
+        <p:spPr>
+          <a:xfrm>
+            <a:off x="548381" y="1534941"/>
+            <a:ext cx="11095238" cy="1104762"/>
+          </a:xfrm>
+          <a:prstGeom prst="rect">
+            <a:avLst/>
+          </a:prstGeom>
+        </p:spPr>
+      </p:pic>
+      <p:pic>
+        <p:nvPicPr>
+          <p:cNvPr id="8194" name="Picture 2" descr="C:\Users\huangjs\AppData\Local\Temp\SNAGHTML394029c8.PNG"/>
+          <p:cNvPicPr>
+            <a:picLocks noChangeAspect="1" noChangeArrowheads="1"/>
+          </p:cNvPicPr>
+          <p:nvPr/>
+        </p:nvPicPr>
+        <p:blipFill>
+          <a:blip r:embed="rId6">
+            <a:extLst>
+              <a:ext uri="{28A0092B-C50C-407E-A947-70E740481C1C}">
+                <a14:useLocalDpi xmlns:a14="http://schemas.microsoft.com/office/drawing/2010/main" val="0"/>
+              </a:ext>
+            </a:extLst>
+          </a:blip>
+          <a:srcRect/>
+          <a:stretch>
+            <a:fillRect/>
+          </a:stretch>
+        </p:blipFill>
+        <p:spPr bwMode="auto">
+          <a:xfrm>
+            <a:off x="1033762" y="3365711"/>
+            <a:ext cx="9363075" cy="1905000"/>
+          </a:xfrm>
+          <a:prstGeom prst="rect">
+            <a:avLst/>
+          </a:prstGeom>
+          <a:noFill/>
+          <a:extLst>
+            <a:ext uri="{909E8E84-426E-40DD-AFC4-6F175D3DCCD1}">
+              <a14:hiddenFill xmlns:a14="http://schemas.microsoft.com/office/drawing/2010/main">
+                <a:solidFill>
+                  <a:srgbClr val="FFFFFF"/>
+                </a:solidFill>
+              </a14:hiddenFill>
+            </a:ext>
+          </a:extLst>
+        </p:spPr>
+      </p:pic>
+      <p:sp>
+        <p:nvSpPr>
+          <p:cNvPr id="6" name="文本框 5"/>
+          <p:cNvSpPr txBox="1"/>
+          <p:nvPr/>
+        </p:nvSpPr>
+        <p:spPr>
+          <a:xfrm>
+            <a:off x="0" y="701101"/>
+            <a:ext cx="3684760" cy="461665"/>
+          </a:xfrm>
+          <a:prstGeom prst="rect">
+            <a:avLst/>
+          </a:prstGeom>
+          <a:noFill/>
+        </p:spPr>
+        <p:txBody>
+          <a:bodyPr wrap="square" rtlCol="0">
+            <a:spAutoFit/>
+          </a:bodyPr>
+          <a:lstStyle/>
+          <a:p>
+            <a:r>
+              <a:rPr lang="en-US" altLang="zh-CN" sz="2400" b="1" dirty="0"/>
+              <a:t>Ⅱ </a:t>
+            </a:r>
+            <a:r>
+              <a:rPr lang="zh-CN" altLang="en-US" sz="2400" b="1" dirty="0"/>
+              <a:t>图像数据处理</a:t>
+            </a:r>
+          </a:p>
+        </p:txBody>
+      </p:sp>
+    </p:spTree>
+    <p:extLst>
+      <p:ext uri="{BB962C8B-B14F-4D97-AF65-F5344CB8AC3E}">
+        <p14:creationId xmlns:p14="http://schemas.microsoft.com/office/powerpoint/2010/main" val="1154915483"/>
+      </p:ext>
+    </p:extLst>
+  </p:cSld>
+  <p:clrMapOvr>
+    <a:masterClrMapping/>
+  </p:clrMapOvr>
+  <p:timing>
+    <p:tnLst>
+      <p:par>
+        <p:cTn id="1" dur="indefinite" restart="never" nodeType="tmRoot"/>
+      </p:par>
+    </p:tnLst>
+  </p:timing>
+</p:sld>
+</file>
+
 <file path=ppt/slides/slide14.xml><?xml version="1.0" encoding="utf-8"?>
 <p:sld xmlns:a="http://schemas.openxmlformats.org/drawingml/2006/main" xmlns:r="http://schemas.openxmlformats.org/officeDocument/2006/relationships" xmlns:p="http://schemas.openxmlformats.org/presentationml/2006/main">
   <p:cSld>
@@ -7176,71 +7368,6 @@
           </a:prstGeom>
         </p:spPr>
       </p:pic>
-      <p:pic>
-        <p:nvPicPr>
-          <p:cNvPr id="4" name="图片 3"/>
-          <p:cNvPicPr>
-            <a:picLocks noChangeAspect="1"/>
-          </p:cNvPicPr>
-          <p:nvPr/>
-        </p:nvPicPr>
-        <p:blipFill>
-          <a:blip r:embed="rId5"/>
-          <a:stretch>
-            <a:fillRect/>
-          </a:stretch>
-        </p:blipFill>
-        <p:spPr>
-          <a:xfrm>
-            <a:off x="548381" y="1534941"/>
-            <a:ext cx="11095238" cy="1104762"/>
-          </a:xfrm>
-          <a:prstGeom prst="rect">
-            <a:avLst/>
-          </a:prstGeom>
-        </p:spPr>
-      </p:pic>
-      <p:pic>
-        <p:nvPicPr>
-          <p:cNvPr id="8194" name="Picture 2" descr="C:\Users\huangjs\AppData\Local\Temp\SNAGHTML394029c8.PNG"/>
-          <p:cNvPicPr>
-            <a:picLocks noChangeAspect="1" noChangeArrowheads="1"/>
-          </p:cNvPicPr>
-          <p:nvPr/>
-        </p:nvPicPr>
-        <p:blipFill>
-          <a:blip r:embed="rId6">
-            <a:extLst>
-              <a:ext uri="{28A0092B-C50C-407E-A947-70E740481C1C}">
-                <a14:useLocalDpi xmlns:a14="http://schemas.microsoft.com/office/drawing/2010/main" val="0"/>
-              </a:ext>
-            </a:extLst>
-          </a:blip>
-          <a:srcRect/>
-          <a:stretch>
-            <a:fillRect/>
-          </a:stretch>
-        </p:blipFill>
-        <p:spPr bwMode="auto">
-          <a:xfrm>
-            <a:off x="1033762" y="3365711"/>
-            <a:ext cx="9363075" cy="1905000"/>
-          </a:xfrm>
-          <a:prstGeom prst="rect">
-            <a:avLst/>
-          </a:prstGeom>
-          <a:noFill/>
-          <a:extLst>
-            <a:ext uri="{909E8E84-426E-40DD-AFC4-6F175D3DCCD1}">
-              <a14:hiddenFill xmlns:a14="http://schemas.microsoft.com/office/drawing/2010/main">
-                <a:solidFill>
-                  <a:srgbClr val="FFFFFF"/>
-                </a:solidFill>
-              </a14:hiddenFill>
-            </a:ext>
-          </a:extLst>
-        </p:spPr>
-      </p:pic>
       <p:sp>
         <p:nvSpPr>
           <p:cNvPr id="6" name="文本框 5"/>
@@ -7274,10 +7401,339 @@
           </a:p>
         </p:txBody>
       </p:sp>
+      <p:sp>
+        <p:nvSpPr>
+          <p:cNvPr id="7" name="矩形 6"/>
+          <p:cNvSpPr/>
+          <p:nvPr/>
+        </p:nvSpPr>
+        <p:spPr>
+          <a:xfrm>
+            <a:off x="5075528" y="1429874"/>
+            <a:ext cx="2659702" cy="461665"/>
+          </a:xfrm>
+          <a:prstGeom prst="rect">
+            <a:avLst/>
+          </a:prstGeom>
+        </p:spPr>
+        <p:txBody>
+          <a:bodyPr wrap="none">
+            <a:spAutoFit/>
+          </a:bodyPr>
+          <a:lstStyle/>
+          <a:p>
+            <a:r>
+              <a:rPr lang="zh-CN" altLang="en-US" sz="2400" b="1" dirty="0" smtClean="0"/>
+              <a:t>色相和饱和度调节</a:t>
+            </a:r>
+            <a:endParaRPr lang="en-US" altLang="zh-CN" sz="2400" b="1" dirty="0"/>
+          </a:p>
+        </p:txBody>
+      </p:sp>
+      <p:sp>
+        <p:nvSpPr>
+          <p:cNvPr id="14" name="矩形 13"/>
+          <p:cNvSpPr/>
+          <p:nvPr/>
+        </p:nvSpPr>
+        <p:spPr>
+          <a:xfrm>
+            <a:off x="1704863" y="2389479"/>
+            <a:ext cx="9023304" cy="3139321"/>
+          </a:xfrm>
+          <a:prstGeom prst="rect">
+            <a:avLst/>
+          </a:prstGeom>
+        </p:spPr>
+        <p:txBody>
+          <a:bodyPr wrap="none">
+            <a:spAutoFit/>
+          </a:bodyPr>
+          <a:lstStyle/>
+          <a:p>
+            <a:r>
+              <a:rPr lang="en-US" altLang="zh-CN" dirty="0" smtClean="0"/>
+              <a:t>- </a:t>
+            </a:r>
+            <a:r>
+              <a:rPr lang="zh-CN" altLang="en-US" dirty="0" smtClean="0"/>
+              <a:t>色相：</a:t>
+            </a:r>
+            <a:r>
+              <a:rPr lang="en-US" altLang="zh-CN" dirty="0" smtClean="0"/>
+              <a:t>tf.image.adjust_hue(image,  delta )</a:t>
+            </a:r>
+            <a:r>
+              <a:rPr lang="zh-CN" altLang="en-US" dirty="0" smtClean="0"/>
+              <a:t>，</a:t>
+            </a:r>
+            <a:r>
+              <a:rPr lang="en-US" altLang="zh-CN" dirty="0"/>
+              <a:t>delta must be in the interval [-1, 1</a:t>
+            </a:r>
+            <a:r>
+              <a:rPr lang="en-US" altLang="zh-CN" dirty="0" smtClean="0"/>
+              <a:t>]</a:t>
+            </a:r>
+          </a:p>
+          <a:p>
+            <a:endParaRPr lang="en-US" altLang="zh-CN" dirty="0" smtClean="0"/>
+          </a:p>
+          <a:p>
+            <a:r>
+              <a:rPr lang="en-US" altLang="zh-CN" dirty="0" smtClean="0"/>
+              <a:t>- </a:t>
+            </a:r>
+            <a:r>
+              <a:rPr lang="zh-CN" altLang="en-US" dirty="0" smtClean="0"/>
+              <a:t>在</a:t>
+            </a:r>
+            <a:r>
+              <a:rPr lang="en-US" altLang="zh-CN" dirty="0"/>
+              <a:t>[-max_delta, max_delta]</a:t>
+            </a:r>
+            <a:r>
+              <a:rPr lang="zh-CN" altLang="en-US" dirty="0"/>
+              <a:t>的范围随机调整图片的</a:t>
+            </a:r>
+            <a:r>
+              <a:rPr lang="zh-CN" altLang="en-US" dirty="0" smtClean="0"/>
+              <a:t>色相，</a:t>
+            </a:r>
+            <a:r>
+              <a:rPr lang="en-US" altLang="zh-CN" dirty="0"/>
+              <a:t> max_delta</a:t>
+            </a:r>
+            <a:r>
+              <a:rPr lang="zh-CN" altLang="en-US" dirty="0"/>
+              <a:t>的取值在</a:t>
+            </a:r>
+            <a:r>
+              <a:rPr lang="en-US" altLang="zh-CN" dirty="0"/>
+              <a:t>[0, 0.5]</a:t>
+            </a:r>
+            <a:r>
+              <a:rPr lang="zh-CN" altLang="en-US" dirty="0"/>
+              <a:t>之间</a:t>
+            </a:r>
+            <a:endParaRPr lang="en-US" altLang="zh-CN" dirty="0" smtClean="0"/>
+          </a:p>
+          <a:p>
+            <a:r>
+              <a:rPr lang="en-US" altLang="zh-CN" dirty="0"/>
+              <a:t>	</a:t>
+            </a:r>
+            <a:r>
+              <a:rPr lang="en-US" altLang="zh-CN" dirty="0" smtClean="0"/>
+              <a:t>			tf.image.random_hue(image</a:t>
+            </a:r>
+            <a:r>
+              <a:rPr lang="en-US" altLang="zh-CN" dirty="0"/>
+              <a:t>, </a:t>
+            </a:r>
+            <a:r>
+              <a:rPr lang="en-US" altLang="zh-CN" dirty="0" smtClean="0"/>
+              <a:t> max_delta)</a:t>
+            </a:r>
+          </a:p>
+          <a:p>
+            <a:endParaRPr lang="en-US" altLang="zh-CN" dirty="0" smtClean="0"/>
+          </a:p>
+          <a:p>
+            <a:r>
+              <a:rPr lang="en-US" altLang="zh-CN" dirty="0" smtClean="0"/>
+              <a:t>- </a:t>
+            </a:r>
+            <a:r>
+              <a:rPr lang="zh-CN" altLang="en-US" dirty="0" smtClean="0"/>
+              <a:t>饱和度：</a:t>
+            </a:r>
+            <a:r>
+              <a:rPr lang="en-US" altLang="zh-CN" dirty="0"/>
+              <a:t> </a:t>
+            </a:r>
+            <a:r>
+              <a:rPr lang="en-US" altLang="zh-CN" dirty="0" smtClean="0"/>
+              <a:t>tf.image.adjust_saturation(image,  delta)</a:t>
+            </a:r>
+          </a:p>
+          <a:p>
+            <a:pPr marL="285750" indent="-285750">
+              <a:buFontTx/>
+              <a:buChar char="-"/>
+            </a:pPr>
+            <a:endParaRPr lang="en-US" altLang="zh-CN" dirty="0" smtClean="0"/>
+          </a:p>
+          <a:p>
+            <a:r>
+              <a:rPr lang="en-US" altLang="zh-CN" dirty="0" smtClean="0"/>
+              <a:t>- </a:t>
+            </a:r>
+            <a:r>
+              <a:rPr lang="zh-CN" altLang="en-US" dirty="0" smtClean="0"/>
+              <a:t>在</a:t>
+            </a:r>
+            <a:r>
+              <a:rPr lang="en-US" altLang="zh-CN" dirty="0"/>
+              <a:t>[lower, upper]</a:t>
+            </a:r>
+            <a:r>
+              <a:rPr lang="zh-CN" altLang="en-US" dirty="0"/>
+              <a:t>的范围随机调整图的</a:t>
+            </a:r>
+            <a:r>
+              <a:rPr lang="zh-CN" altLang="en-US" dirty="0" smtClean="0"/>
+              <a:t>饱和度，</a:t>
+            </a:r>
+            <a:r>
+              <a:rPr lang="en-US" altLang="zh-CN" dirty="0"/>
+              <a:t>ValueError: if upper &lt;= lower or if lower &lt; </a:t>
+            </a:r>
+            <a:r>
+              <a:rPr lang="en-US" altLang="zh-CN" dirty="0" smtClean="0"/>
+              <a:t>0</a:t>
+            </a:r>
+          </a:p>
+          <a:p>
+            <a:r>
+              <a:rPr lang="en-US" altLang="zh-CN" dirty="0" smtClean="0"/>
+              <a:t>		</a:t>
+            </a:r>
+            <a:r>
+              <a:rPr lang="en-US" altLang="zh-CN" dirty="0"/>
+              <a:t>	</a:t>
+            </a:r>
+            <a:r>
+              <a:rPr lang="en-US" altLang="zh-CN" dirty="0" smtClean="0"/>
+              <a:t>tf.image.random_saturation(image, lower</a:t>
+            </a:r>
+            <a:r>
+              <a:rPr lang="en-US" altLang="zh-CN" dirty="0"/>
+              <a:t>, </a:t>
+            </a:r>
+            <a:r>
+              <a:rPr lang="en-US" altLang="zh-CN" dirty="0" smtClean="0"/>
+              <a:t>upper)</a:t>
+            </a:r>
+          </a:p>
+          <a:p>
+            <a:endParaRPr lang="en-US" altLang="zh-CN" dirty="0" smtClean="0"/>
+          </a:p>
+          <a:p>
+            <a:r>
+              <a:rPr lang="en-US" altLang="zh-CN" dirty="0"/>
+              <a:t>- </a:t>
+            </a:r>
+            <a:r>
+              <a:rPr lang="zh-CN" altLang="en-US" dirty="0" smtClean="0"/>
+              <a:t>将三维矩阵中的数字均值变为</a:t>
+            </a:r>
+            <a:r>
+              <a:rPr lang="en-US" altLang="zh-CN" dirty="0" smtClean="0"/>
+              <a:t>0</a:t>
+            </a:r>
+            <a:r>
+              <a:rPr lang="zh-CN" altLang="en-US" dirty="0" smtClean="0"/>
+              <a:t>，方差变为</a:t>
+            </a:r>
+            <a:r>
+              <a:rPr lang="en-US" altLang="zh-CN" dirty="0" smtClean="0"/>
+              <a:t>1</a:t>
+            </a:r>
+            <a:r>
+              <a:rPr lang="zh-CN" altLang="en-US" dirty="0" smtClean="0"/>
+              <a:t>：</a:t>
+            </a:r>
+            <a:r>
+              <a:rPr lang="en-US" altLang="zh-CN" dirty="0" smtClean="0"/>
+              <a:t>tf.image.per_image_standardization(image)</a:t>
+            </a:r>
+            <a:endParaRPr lang="zh-CN" altLang="en-US" dirty="0"/>
+          </a:p>
+        </p:txBody>
+      </p:sp>
+      <p:sp>
+        <p:nvSpPr>
+          <p:cNvPr id="18" name="文本框 17"/>
+          <p:cNvSpPr txBox="1"/>
+          <p:nvPr/>
+        </p:nvSpPr>
+        <p:spPr>
+          <a:xfrm>
+            <a:off x="2338811" y="5825935"/>
+            <a:ext cx="7514377" cy="369332"/>
+          </a:xfrm>
+          <a:prstGeom prst="rect">
+            <a:avLst/>
+          </a:prstGeom>
+          <a:noFill/>
+        </p:spPr>
+        <p:txBody>
+          <a:bodyPr wrap="square" rtlCol="0">
+            <a:spAutoFit/>
+          </a:bodyPr>
+          <a:lstStyle/>
+          <a:p>
+            <a:r>
+              <a:rPr lang="en-US" altLang="zh-CN" dirty="0" smtClean="0">
+                <a:solidFill>
+                  <a:srgbClr val="FF0000"/>
+                </a:solidFill>
+              </a:rPr>
+              <a:t>@ </a:t>
+            </a:r>
+            <a:r>
+              <a:rPr lang="en-US" altLang="zh-CN" u="sng" dirty="0" smtClean="0">
+                <a:solidFill>
+                  <a:srgbClr val="FF0000"/>
+                </a:solidFill>
+              </a:rPr>
+              <a:t>per_image_whitening</a:t>
+            </a:r>
+            <a:r>
+              <a:rPr lang="en-US" altLang="zh-CN" dirty="0" smtClean="0">
+                <a:solidFill>
+                  <a:srgbClr val="FF0000"/>
+                </a:solidFill>
+              </a:rPr>
+              <a:t> </a:t>
+            </a:r>
+            <a:r>
+              <a:rPr lang="en-US" altLang="zh-CN" dirty="0">
+                <a:solidFill>
+                  <a:srgbClr val="FF0000"/>
+                </a:solidFill>
+              </a:rPr>
+              <a:t>was replaced by </a:t>
+            </a:r>
+            <a:r>
+              <a:rPr lang="en-US" altLang="zh-CN" u="sng" dirty="0">
+                <a:solidFill>
+                  <a:srgbClr val="FF0000"/>
+                </a:solidFill>
+              </a:rPr>
+              <a:t>per_image_standardization</a:t>
+            </a:r>
+            <a:r>
+              <a:rPr lang="en-US" altLang="zh-CN" dirty="0">
+                <a:solidFill>
+                  <a:srgbClr val="FF0000"/>
+                </a:solidFill>
+              </a:rPr>
+              <a:t> in v0.12.</a:t>
+            </a:r>
+            <a:endParaRPr lang="zh-CN" altLang="en-US" dirty="0">
+              <a:solidFill>
+                <a:srgbClr val="FF0000"/>
+              </a:solidFill>
+            </a:endParaRPr>
+          </a:p>
+        </p:txBody>
+      </p:sp>
     </p:spTree>
     <p:extLst>
       <p:ext uri="{BB962C8B-B14F-4D97-AF65-F5344CB8AC3E}">
-        <p14:creationId xmlns:p14="http://schemas.microsoft.com/office/powerpoint/2010/main" val="1154915483"/>
+        <p14:creationId xmlns:p14="http://schemas.microsoft.com/office/powerpoint/2010/main" val="2694525002"/>
       </p:ext>
     </p:extLst>
   </p:cSld>
@@ -7361,7 +7817,7 @@
       </p:pic>
       <p:sp>
         <p:nvSpPr>
-          <p:cNvPr id="6" name="文本框 5"/>
+          <p:cNvPr id="7" name="文本框 6"/>
           <p:cNvSpPr txBox="1"/>
           <p:nvPr/>
         </p:nvSpPr>
@@ -7394,13 +7850,13 @@
       </p:sp>
       <p:sp>
         <p:nvSpPr>
-          <p:cNvPr id="7" name="矩形 6"/>
+          <p:cNvPr id="8" name="矩形 7"/>
           <p:cNvSpPr/>
           <p:nvPr/>
         </p:nvSpPr>
         <p:spPr>
           <a:xfrm>
-            <a:off x="5075528" y="1429874"/>
+            <a:off x="4594538" y="1398910"/>
             <a:ext cx="2659702" cy="461665"/>
           </a:xfrm>
           <a:prstGeom prst="rect">
@@ -7414,317 +7870,156 @@
           <a:lstStyle/>
           <a:p>
             <a:r>
-              <a:rPr lang="zh-CN" altLang="en-US" sz="2400" b="1" dirty="0" smtClean="0"/>
-              <a:t>色相和饱和度调节</a:t>
+              <a:rPr lang="zh-CN" altLang="en-US" sz="2400" b="1" dirty="0"/>
+              <a:t>添加标注框并裁减</a:t>
             </a:r>
             <a:endParaRPr lang="en-US" altLang="zh-CN" sz="2400" b="1" dirty="0"/>
           </a:p>
         </p:txBody>
       </p:sp>
-      <p:sp>
-        <p:nvSpPr>
-          <p:cNvPr id="14" name="矩形 13"/>
+      <p:pic>
+        <p:nvPicPr>
+          <p:cNvPr id="10244" name="Picture 4" descr="C:\Users\huangjs\AppData\Local\Temp\SNAGHTML39e77915.PNG"/>
+          <p:cNvPicPr>
+            <a:picLocks noChangeAspect="1" noChangeArrowheads="1"/>
+          </p:cNvPicPr>
+          <p:nvPr/>
+        </p:nvPicPr>
+        <p:blipFill>
+          <a:blip r:embed="rId5">
+            <a:extLst>
+              <a:ext uri="{28A0092B-C50C-407E-A947-70E740481C1C}">
+                <a14:useLocalDpi xmlns:a14="http://schemas.microsoft.com/office/drawing/2010/main" val="0"/>
+              </a:ext>
+            </a:extLst>
+          </a:blip>
+          <a:srcRect/>
+          <a:stretch>
+            <a:fillRect/>
+          </a:stretch>
+        </p:blipFill>
+        <p:spPr bwMode="auto">
+          <a:xfrm>
+            <a:off x="1304741" y="2127683"/>
+            <a:ext cx="10201275" cy="3800476"/>
+          </a:xfrm>
+          <a:prstGeom prst="rect">
+            <a:avLst/>
+          </a:prstGeom>
+          <a:noFill/>
+          <a:extLst>
+            <a:ext uri="{909E8E84-426E-40DD-AFC4-6F175D3DCCD1}">
+              <a14:hiddenFill xmlns:a14="http://schemas.microsoft.com/office/drawing/2010/main">
+                <a:solidFill>
+                  <a:srgbClr val="FFFFFF"/>
+                </a:solidFill>
+              </a14:hiddenFill>
+            </a:ext>
+          </a:extLst>
+        </p:spPr>
+      </p:pic>
+      <p:sp>
+        <p:nvSpPr>
+          <p:cNvPr id="4" name="圆角矩形 3"/>
           <p:cNvSpPr/>
           <p:nvPr/>
         </p:nvSpPr>
         <p:spPr>
           <a:xfrm>
-            <a:off x="1704863" y="2389479"/>
-            <a:ext cx="9023304" cy="3139321"/>
-          </a:xfrm>
-          <a:prstGeom prst="rect">
-            <a:avLst/>
-          </a:prstGeom>
-        </p:spPr>
-        <p:txBody>
-          <a:bodyPr wrap="none">
-            <a:spAutoFit/>
-          </a:bodyPr>
-          <a:lstStyle/>
-          <a:p>
-            <a:r>
-              <a:rPr lang="en-US" altLang="zh-CN" dirty="0" smtClean="0"/>
-              <a:t>- </a:t>
-            </a:r>
-            <a:r>
-              <a:rPr lang="zh-CN" altLang="en-US" dirty="0" smtClean="0"/>
-              <a:t>色相：</a:t>
-            </a:r>
-            <a:r>
-              <a:rPr lang="en-US" altLang="zh-CN" dirty="0" smtClean="0"/>
-              <a:t>tf.image.adjust_hue(image,  delta )</a:t>
-            </a:r>
-            <a:r>
-              <a:rPr lang="zh-CN" altLang="en-US" dirty="0" smtClean="0"/>
-              <a:t>，</a:t>
-            </a:r>
-            <a:r>
-              <a:rPr lang="en-US" altLang="zh-CN" dirty="0"/>
-              <a:t>delta must be in the interval [-1, 1</a:t>
-            </a:r>
-            <a:r>
-              <a:rPr lang="en-US" altLang="zh-CN" dirty="0" smtClean="0"/>
-              <a:t>]</a:t>
-            </a:r>
-          </a:p>
-          <a:p>
-            <a:endParaRPr lang="en-US" altLang="zh-CN" dirty="0" smtClean="0"/>
-          </a:p>
-          <a:p>
-            <a:r>
-              <a:rPr lang="en-US" altLang="zh-CN" dirty="0" smtClean="0"/>
-              <a:t>- </a:t>
-            </a:r>
-            <a:r>
-              <a:rPr lang="zh-CN" altLang="en-US" dirty="0" smtClean="0"/>
-              <a:t>在</a:t>
-            </a:r>
-            <a:r>
-              <a:rPr lang="en-US" altLang="zh-CN" dirty="0"/>
-              <a:t>[-max_delta, max_delta]</a:t>
-            </a:r>
-            <a:r>
-              <a:rPr lang="zh-CN" altLang="en-US" dirty="0"/>
-              <a:t>的范围随机调整图片的</a:t>
-            </a:r>
-            <a:r>
-              <a:rPr lang="zh-CN" altLang="en-US" dirty="0" smtClean="0"/>
-              <a:t>色相，</a:t>
-            </a:r>
-            <a:r>
-              <a:rPr lang="en-US" altLang="zh-CN" dirty="0"/>
-              <a:t> max_delta</a:t>
-            </a:r>
-            <a:r>
-              <a:rPr lang="zh-CN" altLang="en-US" dirty="0"/>
-              <a:t>的取值在</a:t>
-            </a:r>
-            <a:r>
-              <a:rPr lang="en-US" altLang="zh-CN" dirty="0"/>
-              <a:t>[0, 0.5]</a:t>
-            </a:r>
-            <a:r>
-              <a:rPr lang="zh-CN" altLang="en-US" dirty="0"/>
-              <a:t>之间</a:t>
-            </a:r>
-            <a:endParaRPr lang="en-US" altLang="zh-CN" dirty="0" smtClean="0"/>
-          </a:p>
-          <a:p>
-            <a:r>
-              <a:rPr lang="en-US" altLang="zh-CN" dirty="0"/>
-              <a:t>	</a:t>
-            </a:r>
-            <a:r>
-              <a:rPr lang="en-US" altLang="zh-CN" dirty="0" smtClean="0"/>
-              <a:t>			tf.image.random_hue(image</a:t>
-            </a:r>
-            <a:r>
-              <a:rPr lang="en-US" altLang="zh-CN" dirty="0"/>
-              <a:t>, </a:t>
-            </a:r>
-            <a:r>
-              <a:rPr lang="en-US" altLang="zh-CN" dirty="0" smtClean="0"/>
-              <a:t> max_delta)</a:t>
-            </a:r>
-          </a:p>
-          <a:p>
-            <a:endParaRPr lang="en-US" altLang="zh-CN" dirty="0" smtClean="0"/>
-          </a:p>
-          <a:p>
-            <a:r>
-              <a:rPr lang="en-US" altLang="zh-CN" dirty="0" smtClean="0"/>
-              <a:t>- </a:t>
-            </a:r>
-            <a:r>
-              <a:rPr lang="zh-CN" altLang="en-US" dirty="0" smtClean="0"/>
-              <a:t>饱和度：</a:t>
-            </a:r>
-            <a:r>
-              <a:rPr lang="en-US" altLang="zh-CN" dirty="0"/>
-              <a:t> </a:t>
-            </a:r>
-            <a:r>
-              <a:rPr lang="en-US" altLang="zh-CN" dirty="0" smtClean="0"/>
-              <a:t>tf.image.adjust_saturation(image,  delta)</a:t>
-            </a:r>
-          </a:p>
-          <a:p>
-            <a:pPr marL="285750" indent="-285750">
-              <a:buFontTx/>
-              <a:buChar char="-"/>
-            </a:pPr>
-            <a:endParaRPr lang="en-US" altLang="zh-CN" dirty="0" smtClean="0"/>
-          </a:p>
-          <a:p>
-            <a:r>
-              <a:rPr lang="en-US" altLang="zh-CN" dirty="0" smtClean="0"/>
-              <a:t>- </a:t>
-            </a:r>
-            <a:r>
-              <a:rPr lang="zh-CN" altLang="en-US" dirty="0" smtClean="0"/>
-              <a:t>在</a:t>
-            </a:r>
-            <a:r>
-              <a:rPr lang="en-US" altLang="zh-CN" dirty="0"/>
-              <a:t>[lower, upper]</a:t>
-            </a:r>
-            <a:r>
-              <a:rPr lang="zh-CN" altLang="en-US" dirty="0"/>
-              <a:t>的范围随机调整图的</a:t>
-            </a:r>
-            <a:r>
-              <a:rPr lang="zh-CN" altLang="en-US" dirty="0" smtClean="0"/>
-              <a:t>饱和度，</a:t>
-            </a:r>
-            <a:r>
-              <a:rPr lang="en-US" altLang="zh-CN" dirty="0"/>
-              <a:t>ValueError: if upper &lt;= lower or if lower &lt; </a:t>
-            </a:r>
-            <a:r>
-              <a:rPr lang="en-US" altLang="zh-CN" dirty="0" smtClean="0"/>
-              <a:t>0</a:t>
-            </a:r>
-          </a:p>
-          <a:p>
-            <a:r>
-              <a:rPr lang="en-US" altLang="zh-CN" dirty="0" smtClean="0"/>
-              <a:t>		</a:t>
-            </a:r>
-            <a:r>
-              <a:rPr lang="en-US" altLang="zh-CN" dirty="0"/>
-              <a:t>	</a:t>
-            </a:r>
-            <a:r>
-              <a:rPr lang="en-US" altLang="zh-CN" dirty="0" smtClean="0"/>
-              <a:t>tf.image.random_saturation(image, lower</a:t>
-            </a:r>
-            <a:r>
-              <a:rPr lang="en-US" altLang="zh-CN" dirty="0"/>
-              <a:t>, </a:t>
-            </a:r>
-            <a:r>
-              <a:rPr lang="en-US" altLang="zh-CN" dirty="0" smtClean="0"/>
-              <a:t>upper)</a:t>
-            </a:r>
-          </a:p>
-          <a:p>
-            <a:endParaRPr lang="en-US" altLang="zh-CN" dirty="0" smtClean="0"/>
-          </a:p>
-          <a:p>
-            <a:r>
-              <a:rPr lang="en-US" altLang="zh-CN" dirty="0"/>
-              <a:t>- </a:t>
-            </a:r>
-            <a:r>
-              <a:rPr lang="zh-CN" altLang="en-US" dirty="0" smtClean="0"/>
-              <a:t>将三维矩阵中的数字均值变为</a:t>
-            </a:r>
-            <a:r>
-              <a:rPr lang="en-US" altLang="zh-CN" dirty="0" smtClean="0"/>
-              <a:t>0</a:t>
-            </a:r>
-            <a:r>
-              <a:rPr lang="zh-CN" altLang="en-US" dirty="0" smtClean="0"/>
-              <a:t>，方差变为</a:t>
-            </a:r>
-            <a:r>
-              <a:rPr lang="en-US" altLang="zh-CN" dirty="0" smtClean="0"/>
-              <a:t>1</a:t>
-            </a:r>
-            <a:r>
-              <a:rPr lang="zh-CN" altLang="en-US" dirty="0" smtClean="0"/>
-              <a:t>：</a:t>
-            </a:r>
-            <a:r>
-              <a:rPr lang="en-US" altLang="zh-CN" dirty="0" smtClean="0"/>
-              <a:t>tf.image.per_image_standardization(image)</a:t>
-            </a:r>
-            <a:endParaRPr lang="zh-CN" altLang="en-US" dirty="0"/>
-          </a:p>
-        </p:txBody>
-      </p:sp>
-      <p:sp>
-        <p:nvSpPr>
-          <p:cNvPr id="18" name="文本框 17"/>
-          <p:cNvSpPr txBox="1"/>
-          <p:nvPr/>
-        </p:nvSpPr>
-        <p:spPr>
-          <a:xfrm>
-            <a:off x="2338811" y="5825935"/>
-            <a:ext cx="7514377" cy="369332"/>
-          </a:xfrm>
-          <a:prstGeom prst="rect">
+            <a:off x="7254240" y="2889504"/>
+            <a:ext cx="1889760" cy="548640"/>
+          </a:xfrm>
+          <a:prstGeom prst="roundRect">
             <a:avLst/>
           </a:prstGeom>
           <a:noFill/>
-        </p:spPr>
-        <p:txBody>
-          <a:bodyPr wrap="square" rtlCol="0">
-            <a:spAutoFit/>
-          </a:bodyPr>
-          <a:lstStyle/>
-          <a:p>
-            <a:r>
-              <a:rPr lang="en-US" altLang="zh-CN" dirty="0" smtClean="0">
-                <a:solidFill>
-                  <a:srgbClr val="FF0000"/>
-                </a:solidFill>
-              </a:rPr>
-              <a:t>@ </a:t>
-            </a:r>
-            <a:r>
-              <a:rPr lang="en-US" altLang="zh-CN" u="sng" dirty="0" smtClean="0">
-                <a:solidFill>
-                  <a:srgbClr val="FF0000"/>
-                </a:solidFill>
-              </a:rPr>
-              <a:t>per_image_whitening</a:t>
-            </a:r>
-            <a:r>
-              <a:rPr lang="en-US" altLang="zh-CN" dirty="0" smtClean="0">
-                <a:solidFill>
-                  <a:srgbClr val="FF0000"/>
-                </a:solidFill>
-              </a:rPr>
-              <a:t> </a:t>
-            </a:r>
-            <a:r>
-              <a:rPr lang="en-US" altLang="zh-CN" dirty="0">
-                <a:solidFill>
-                  <a:srgbClr val="FF0000"/>
-                </a:solidFill>
-              </a:rPr>
-              <a:t>was replaced by </a:t>
-            </a:r>
-            <a:r>
-              <a:rPr lang="en-US" altLang="zh-CN" u="sng" dirty="0">
-                <a:solidFill>
-                  <a:srgbClr val="FF0000"/>
-                </a:solidFill>
-              </a:rPr>
-              <a:t>per_image_standardization</a:t>
-            </a:r>
-            <a:r>
-              <a:rPr lang="en-US" altLang="zh-CN" dirty="0">
-                <a:solidFill>
-                  <a:srgbClr val="FF0000"/>
-                </a:solidFill>
-              </a:rPr>
-              <a:t> in v0.12.</a:t>
-            </a:r>
-            <a:endParaRPr lang="zh-CN" altLang="en-US" dirty="0">
-              <a:solidFill>
-                <a:srgbClr val="FF0000"/>
-              </a:solidFill>
-            </a:endParaRPr>
+          <a:ln w="38100">
+            <a:solidFill>
+              <a:schemeClr val="accent4">
+                <a:lumMod val="75000"/>
+              </a:schemeClr>
+            </a:solidFill>
+            <a:prstDash val="sysDot"/>
+          </a:ln>
+        </p:spPr>
+        <p:style>
+          <a:lnRef idx="2">
+            <a:schemeClr val="accent1">
+              <a:shade val="50000"/>
+            </a:schemeClr>
+          </a:lnRef>
+          <a:fillRef idx="1">
+            <a:schemeClr val="accent1"/>
+          </a:fillRef>
+          <a:effectRef idx="0">
+            <a:schemeClr val="accent1"/>
+          </a:effectRef>
+          <a:fontRef idx="minor">
+            <a:schemeClr val="lt1"/>
+          </a:fontRef>
+        </p:style>
+        <p:txBody>
+          <a:bodyPr rtlCol="0" anchor="ctr"/>
+          <a:lstStyle/>
+          <a:p>
+            <a:pPr algn="ctr"/>
+            <a:endParaRPr lang="zh-CN" altLang="en-US"/>
+          </a:p>
+        </p:txBody>
+      </p:sp>
+      <p:sp>
+        <p:nvSpPr>
+          <p:cNvPr id="9" name="圆角矩形 8"/>
+          <p:cNvSpPr/>
+          <p:nvPr/>
+        </p:nvSpPr>
+        <p:spPr>
+          <a:xfrm>
+            <a:off x="7254239" y="3963745"/>
+            <a:ext cx="2889885" cy="322505"/>
+          </a:xfrm>
+          <a:prstGeom prst="roundRect">
+            <a:avLst/>
+          </a:prstGeom>
+          <a:noFill/>
+          <a:ln w="38100">
+            <a:solidFill>
+              <a:schemeClr val="accent4">
+                <a:lumMod val="75000"/>
+              </a:schemeClr>
+            </a:solidFill>
+            <a:prstDash val="sysDot"/>
+          </a:ln>
+        </p:spPr>
+        <p:style>
+          <a:lnRef idx="2">
+            <a:schemeClr val="accent1">
+              <a:shade val="50000"/>
+            </a:schemeClr>
+          </a:lnRef>
+          <a:fillRef idx="1">
+            <a:schemeClr val="accent1"/>
+          </a:fillRef>
+          <a:effectRef idx="0">
+            <a:schemeClr val="accent1"/>
+          </a:effectRef>
+          <a:fontRef idx="minor">
+            <a:schemeClr val="lt1"/>
+          </a:fontRef>
+        </p:style>
+        <p:txBody>
+          <a:bodyPr rtlCol="0" anchor="ctr"/>
+          <a:lstStyle/>
+          <a:p>
+            <a:pPr algn="ctr"/>
+            <a:endParaRPr lang="zh-CN" altLang="en-US"/>
           </a:p>
         </p:txBody>
       </p:sp>
     </p:spTree>
     <p:extLst>
       <p:ext uri="{BB962C8B-B14F-4D97-AF65-F5344CB8AC3E}">
-        <p14:creationId xmlns:p14="http://schemas.microsoft.com/office/powerpoint/2010/main" val="2694525002"/>
+        <p14:creationId xmlns:p14="http://schemas.microsoft.com/office/powerpoint/2010/main" val="4124103362"/>
       </p:ext>
     </p:extLst>
   </p:cSld>
@@ -7839,129 +8134,91 @@
           </a:p>
         </p:txBody>
       </p:sp>
-      <p:sp>
-        <p:nvSpPr>
-          <p:cNvPr id="8" name="矩形 7"/>
-          <p:cNvSpPr/>
-          <p:nvPr/>
-        </p:nvSpPr>
-        <p:spPr>
-          <a:xfrm>
-            <a:off x="5075528" y="1429874"/>
-            <a:ext cx="2659702" cy="461665"/>
-          </a:xfrm>
-          <a:prstGeom prst="rect">
-            <a:avLst/>
-          </a:prstGeom>
-        </p:spPr>
-        <p:txBody>
-          <a:bodyPr wrap="none">
-            <a:spAutoFit/>
-          </a:bodyPr>
-          <a:lstStyle/>
-          <a:p>
-            <a:r>
-              <a:rPr lang="zh-CN" altLang="en-US" sz="2400" b="1" dirty="0"/>
-              <a:t>添加标注框并裁减</a:t>
-            </a:r>
-            <a:endParaRPr lang="en-US" altLang="zh-CN" sz="2400" b="1" dirty="0"/>
-          </a:p>
-        </p:txBody>
-      </p:sp>
       <p:pic>
         <p:nvPicPr>
-          <p:cNvPr id="10244" name="Picture 4" descr="C:\Users\huangjs\AppData\Local\Temp\SNAGHTML39e77915.PNG"/>
+          <p:cNvPr id="5" name="图片 4"/>
           <p:cNvPicPr>
-            <a:picLocks noChangeAspect="1" noChangeArrowheads="1"/>
+            <a:picLocks noChangeAspect="1"/>
           </p:cNvPicPr>
           <p:nvPr/>
         </p:nvPicPr>
         <p:blipFill>
-          <a:blip r:embed="rId5">
-            <a:extLst>
-              <a:ext uri="{28A0092B-C50C-407E-A947-70E740481C1C}">
-                <a14:useLocalDpi xmlns:a14="http://schemas.microsoft.com/office/drawing/2010/main" val="0"/>
-              </a:ext>
-            </a:extLst>
-          </a:blip>
-          <a:srcRect/>
+          <a:blip r:embed="rId5"/>
           <a:stretch>
             <a:fillRect/>
           </a:stretch>
         </p:blipFill>
-        <p:spPr bwMode="auto">
-          <a:xfrm>
-            <a:off x="1304741" y="2127683"/>
-            <a:ext cx="10201275" cy="3800476"/>
-          </a:xfrm>
-          <a:prstGeom prst="rect">
-            <a:avLst/>
-          </a:prstGeom>
-          <a:noFill/>
-          <a:extLst>
-            <a:ext uri="{909E8E84-426E-40DD-AFC4-6F175D3DCCD1}">
-              <a14:hiddenFill xmlns:a14="http://schemas.microsoft.com/office/drawing/2010/main">
-                <a:solidFill>
-                  <a:srgbClr val="FFFFFF"/>
-                </a:solidFill>
-              </a14:hiddenFill>
-            </a:ext>
-          </a:extLst>
+        <p:spPr>
+          <a:xfrm>
+            <a:off x="824802" y="2181538"/>
+            <a:ext cx="10542396" cy="2310452"/>
+          </a:xfrm>
+          <a:prstGeom prst="rect">
+            <a:avLst/>
+          </a:prstGeom>
         </p:spPr>
       </p:pic>
       <p:sp>
         <p:nvSpPr>
-          <p:cNvPr id="4" name="圆角矩形 3"/>
+          <p:cNvPr id="9" name="矩形 8"/>
           <p:cNvSpPr/>
           <p:nvPr/>
         </p:nvSpPr>
         <p:spPr>
           <a:xfrm>
-            <a:off x="7254240" y="2889504"/>
-            <a:ext cx="1889760" cy="548640"/>
-          </a:xfrm>
-          <a:prstGeom prst="roundRect">
-            <a:avLst/>
-          </a:prstGeom>
-          <a:noFill/>
-          <a:ln w="38100">
-            <a:solidFill>
-              <a:schemeClr val="accent4">
-                <a:lumMod val="75000"/>
-              </a:schemeClr>
-            </a:solidFill>
-            <a:prstDash val="sysDot"/>
-          </a:ln>
-        </p:spPr>
-        <p:style>
-          <a:lnRef idx="2">
-            <a:schemeClr val="accent1">
-              <a:shade val="50000"/>
-            </a:schemeClr>
-          </a:lnRef>
-          <a:fillRef idx="1">
-            <a:schemeClr val="accent1"/>
-          </a:fillRef>
-          <a:effectRef idx="0">
-            <a:schemeClr val="accent1"/>
-          </a:effectRef>
-          <a:fontRef idx="minor">
-            <a:schemeClr val="lt1"/>
-          </a:fontRef>
-        </p:style>
-        <p:txBody>
-          <a:bodyPr rtlCol="0" anchor="ctr"/>
-          <a:lstStyle/>
-          <a:p>
-            <a:pPr algn="ctr"/>
-            <a:endParaRPr lang="zh-CN" altLang="en-US"/>
+            <a:off x="2755181" y="1633034"/>
+            <a:ext cx="6681637" cy="461665"/>
+          </a:xfrm>
+          <a:prstGeom prst="rect">
+            <a:avLst/>
+          </a:prstGeom>
+        </p:spPr>
+        <p:txBody>
+          <a:bodyPr wrap="none">
+            <a:spAutoFit/>
+          </a:bodyPr>
+          <a:lstStyle/>
+          <a:p>
+            <a:r>
+              <a:rPr lang="zh-CN" altLang="en-US" sz="2400" b="1" dirty="0" smtClean="0"/>
+              <a:t>为什么需要在标注框和裁减得到的图片不匹配？</a:t>
+            </a:r>
+            <a:endParaRPr lang="en-US" altLang="zh-CN" sz="2400" b="1" dirty="0"/>
+          </a:p>
+        </p:txBody>
+      </p:sp>
+      <p:sp>
+        <p:nvSpPr>
+          <p:cNvPr id="6" name="矩形 5"/>
+          <p:cNvSpPr/>
+          <p:nvPr/>
+        </p:nvSpPr>
+        <p:spPr>
+          <a:xfrm>
+            <a:off x="6412230" y="5510762"/>
+            <a:ext cx="5212080" cy="923330"/>
+          </a:xfrm>
+          <a:prstGeom prst="rect">
+            <a:avLst/>
+          </a:prstGeom>
+        </p:spPr>
+        <p:txBody>
+          <a:bodyPr wrap="square">
+            <a:spAutoFit/>
+          </a:bodyPr>
+          <a:lstStyle/>
+          <a:p>
+            <a:r>
+              <a:rPr lang="zh-CN" altLang="en-US" dirty="0"/>
+              <a:t>https://stackoverflow.com/questions/50203015/why-does-not-the-bounding-box-and-clipped-picture-match-using-tf-image-sample-di</a:t>
+            </a:r>
           </a:p>
         </p:txBody>
       </p:sp>
     </p:spTree>
     <p:extLst>
       <p:ext uri="{BB962C8B-B14F-4D97-AF65-F5344CB8AC3E}">
-        <p14:creationId xmlns:p14="http://schemas.microsoft.com/office/powerpoint/2010/main" val="4124103362"/>
+        <p14:creationId xmlns:p14="http://schemas.microsoft.com/office/powerpoint/2010/main" val="2297684010"/>
       </p:ext>
     </p:extLst>
   </p:cSld>
@@ -8084,8 +8341,8 @@
         </p:nvSpPr>
         <p:spPr>
           <a:xfrm>
-            <a:off x="5075528" y="1429874"/>
-            <a:ext cx="2659702" cy="461665"/>
+            <a:off x="1471689" y="1535358"/>
+            <a:ext cx="9248622" cy="461665"/>
           </a:xfrm>
           <a:prstGeom prst="rect">
             <a:avLst/>
@@ -8098,8 +8355,16 @@
           <a:lstStyle/>
           <a:p>
             <a:r>
-              <a:rPr lang="zh-CN" altLang="en-US" sz="2400" b="1" dirty="0"/>
-              <a:t>添加标注框并裁减</a:t>
+              <a:rPr lang="zh-CN" altLang="en-US" sz="2400" b="1" dirty="0" smtClean="0"/>
+              <a:t>为什么需要在</a:t>
+            </a:r>
+            <a:r>
+              <a:rPr lang="en-US" altLang="zh-CN" sz="2400" b="1" dirty="0" err="1" smtClean="0"/>
+              <a:t>tf.image.sample_distorted_bounding_box</a:t>
+            </a:r>
+            <a:r>
+              <a:rPr lang="zh-CN" altLang="en-US" sz="2400" b="1" dirty="0" smtClean="0"/>
+              <a:t>中指定边界框</a:t>
             </a:r>
             <a:endParaRPr lang="en-US" altLang="zh-CN" sz="2400" b="1" dirty="0"/>
           </a:p>
@@ -8129,10 +8394,38 @@
           </a:prstGeom>
         </p:spPr>
       </p:pic>
+      <p:sp>
+        <p:nvSpPr>
+          <p:cNvPr id="9" name="矩形 8"/>
+          <p:cNvSpPr/>
+          <p:nvPr/>
+        </p:nvSpPr>
+        <p:spPr>
+          <a:xfrm>
+            <a:off x="6096000" y="5733602"/>
+            <a:ext cx="6096000" cy="923330"/>
+          </a:xfrm>
+          <a:prstGeom prst="rect">
+            <a:avLst/>
+          </a:prstGeom>
+        </p:spPr>
+        <p:txBody>
+          <a:bodyPr>
+            <a:spAutoFit/>
+          </a:bodyPr>
+          <a:lstStyle/>
+          <a:p>
+            <a:r>
+              <a:rPr lang="zh-CN" altLang="en-US" dirty="0"/>
+              <a:t>https://stackoverflow.com/questions/50191388/why-need-to-specify-the-parameter-bounding-boxes-for-sample-distorted-bounding</a:t>
+            </a:r>
+          </a:p>
+        </p:txBody>
+      </p:sp>
     </p:spTree>
     <p:extLst>
       <p:ext uri="{BB962C8B-B14F-4D97-AF65-F5344CB8AC3E}">
-        <p14:creationId xmlns:p14="http://schemas.microsoft.com/office/powerpoint/2010/main" val="2297684010"/>
+        <p14:creationId xmlns:p14="http://schemas.microsoft.com/office/powerpoint/2010/main" val="4171116239"/>
       </p:ext>
     </p:extLst>
   </p:cSld>
@@ -8238,6 +8531,98 @@
           </a:prstGeom>
         </p:spPr>
       </p:pic>
+      <p:sp>
+        <p:nvSpPr>
+          <p:cNvPr id="5" name="圆角矩形 4"/>
+          <p:cNvSpPr/>
+          <p:nvPr/>
+        </p:nvSpPr>
+        <p:spPr>
+          <a:xfrm>
+            <a:off x="1585017" y="1463040"/>
+            <a:ext cx="8679123" cy="525780"/>
+          </a:xfrm>
+          <a:prstGeom prst="roundRect">
+            <a:avLst/>
+          </a:prstGeom>
+          <a:noFill/>
+          <a:ln w="57150">
+            <a:solidFill>
+              <a:srgbClr val="92D050"/>
+            </a:solidFill>
+          </a:ln>
+        </p:spPr>
+        <p:style>
+          <a:lnRef idx="2">
+            <a:schemeClr val="accent1">
+              <a:shade val="50000"/>
+            </a:schemeClr>
+          </a:lnRef>
+          <a:fillRef idx="1">
+            <a:schemeClr val="accent1"/>
+          </a:fillRef>
+          <a:effectRef idx="0">
+            <a:schemeClr val="accent1"/>
+          </a:effectRef>
+          <a:fontRef idx="minor">
+            <a:schemeClr val="lt1"/>
+          </a:fontRef>
+        </p:style>
+        <p:txBody>
+          <a:bodyPr rtlCol="0" anchor="ctr"/>
+          <a:lstStyle/>
+          <a:p>
+            <a:pPr algn="ctr"/>
+            <a:endParaRPr lang="zh-CN" altLang="en-US"/>
+          </a:p>
+        </p:txBody>
+      </p:sp>
+      <p:sp>
+        <p:nvSpPr>
+          <p:cNvPr id="6" name="圆角矩形 5"/>
+          <p:cNvSpPr/>
+          <p:nvPr/>
+        </p:nvSpPr>
+        <p:spPr>
+          <a:xfrm>
+            <a:off x="1585017" y="2890346"/>
+            <a:ext cx="8679123" cy="824404"/>
+          </a:xfrm>
+          <a:prstGeom prst="roundRect">
+            <a:avLst/>
+          </a:prstGeom>
+          <a:noFill/>
+          <a:ln w="57150">
+            <a:solidFill>
+              <a:srgbClr val="92D050"/>
+            </a:solidFill>
+          </a:ln>
+        </p:spPr>
+        <p:style>
+          <a:lnRef idx="2">
+            <a:schemeClr val="accent1">
+              <a:shade val="50000"/>
+            </a:schemeClr>
+          </a:lnRef>
+          <a:fillRef idx="1">
+            <a:schemeClr val="accent1"/>
+          </a:fillRef>
+          <a:effectRef idx="0">
+            <a:schemeClr val="accent1"/>
+          </a:effectRef>
+          <a:fontRef idx="minor">
+            <a:schemeClr val="lt1"/>
+          </a:fontRef>
+        </p:style>
+        <p:txBody>
+          <a:bodyPr rtlCol="0" anchor="ctr"/>
+          <a:lstStyle/>
+          <a:p>
+            <a:pPr algn="ctr"/>
+            <a:endParaRPr lang="zh-CN" altLang="en-US"/>
+          </a:p>
+        </p:txBody>
+      </p:sp>
     </p:spTree>
     <p:extLst>
       <p:ext uri="{BB962C8B-B14F-4D97-AF65-F5344CB8AC3E}">
@@ -8566,10 +8951,6 @@
               </a:rPr>
               <a:t>目录</a:t>
             </a:r>
-            <a:endParaRPr lang="zh-CN" altLang="en-US" sz="3600" b="1" dirty="0">
-              <a:latin typeface="华文行楷" panose="02010800040101010101" pitchFamily="2" charset="-122"/>
-              <a:ea typeface="华文行楷" panose="02010800040101010101" pitchFamily="2" charset="-122"/>
-            </a:endParaRPr>
           </a:p>
         </p:txBody>
       </p:sp>
@@ -9029,28 +9410,14 @@
                 <a:latin typeface="Times New Roman" panose="02020603050405020304" pitchFamily="18" charset="0"/>
                 <a:cs typeface="Times New Roman" panose="02020603050405020304" pitchFamily="18" charset="0"/>
               </a:rPr>
-              <a:t>          t </a:t>
-            </a:r>
-            <a:r>
-              <a:rPr lang="en-US" altLang="zh-CN" sz="2200" dirty="0">
-                <a:latin typeface="Times New Roman" panose="02020603050405020304" pitchFamily="18" charset="0"/>
-                <a:cs typeface="Times New Roman" panose="02020603050405020304" pitchFamily="18" charset="0"/>
-              </a:rPr>
-              <a:t>= [[A], [B], [</a:t>
-            </a:r>
-            <a:r>
-              <a:rPr lang="en-US" altLang="zh-CN" sz="2200" dirty="0">
-                <a:latin typeface="Times New Roman" panose="02020603050405020304" pitchFamily="18" charset="0"/>
-                <a:cs typeface="Times New Roman" panose="02020603050405020304" pitchFamily="18" charset="0"/>
-              </a:rPr>
-              <a:t>C</a:t>
+              <a:t>          t = </a:t>
             </a:r>
             <a:r>
               <a:rPr lang="en-US" altLang="zh-CN" sz="2200" dirty="0" smtClean="0">
                 <a:latin typeface="Times New Roman" panose="02020603050405020304" pitchFamily="18" charset="0"/>
                 <a:cs typeface="Times New Roman" panose="02020603050405020304" pitchFamily="18" charset="0"/>
               </a:rPr>
-              <a:t>]]</a:t>
+              <a:t>[A, B, C]</a:t>
             </a:r>
             <a:endParaRPr lang="en-US" altLang="zh-CN" sz="2200" dirty="0">
               <a:latin typeface="Times New Roman" panose="02020603050405020304" pitchFamily="18" charset="0"/>
@@ -9079,21 +9446,7 @@
                 <a:latin typeface="Times New Roman" panose="02020603050405020304" pitchFamily="18" charset="0"/>
                 <a:cs typeface="Times New Roman" panose="02020603050405020304" pitchFamily="18" charset="0"/>
               </a:rPr>
-              <a:t> </a:t>
-            </a:r>
-            <a:r>
-              <a:rPr lang="en-US" altLang="zh-CN" sz="2200" dirty="0">
-                <a:latin typeface="Times New Roman" panose="02020603050405020304" pitchFamily="18" charset="0"/>
-                <a:cs typeface="Times New Roman" panose="02020603050405020304" pitchFamily="18" charset="0"/>
-              </a:rPr>
-              <a:t>         A </a:t>
-            </a:r>
-            <a:r>
-              <a:rPr lang="en-US" altLang="zh-CN" sz="2200" dirty="0">
-                <a:latin typeface="Times New Roman" panose="02020603050405020304" pitchFamily="18" charset="0"/>
-                <a:cs typeface="Times New Roman" panose="02020603050405020304" pitchFamily="18" charset="0"/>
-              </a:rPr>
-              <a:t>= [i, j], B = [k, l], C = [m, </a:t>
+              <a:t>          A = [i, j], B = [k, l], C = [m, </a:t>
             </a:r>
             <a:r>
               <a:rPr lang="en-US" altLang="zh-CN" sz="2200" dirty="0" smtClean="0">
@@ -9120,19 +9473,17 @@
                 <a:latin typeface="Times New Roman" panose="02020603050405020304" pitchFamily="18" charset="0"/>
                 <a:cs typeface="Times New Roman" panose="02020603050405020304" pitchFamily="18" charset="0"/>
               </a:rPr>
-              <a:t>The third </a:t>
-            </a:r>
+              <a:t>The third dimension </a:t>
+            </a:r>
+          </a:p>
+          <a:p>
             <a:r>
               <a:rPr lang="en-US" altLang="zh-CN" sz="2200" dirty="0">
                 <a:latin typeface="Times New Roman" panose="02020603050405020304" pitchFamily="18" charset="0"/>
                 <a:cs typeface="Times New Roman" panose="02020603050405020304" pitchFamily="18" charset="0"/>
               </a:rPr>
-              <a:t>dimension </a:t>
-            </a:r>
-            <a:endParaRPr lang="en-US" altLang="zh-CN" sz="2200" dirty="0">
-              <a:latin typeface="Times New Roman" panose="02020603050405020304" pitchFamily="18" charset="0"/>
-              <a:cs typeface="Times New Roman" panose="02020603050405020304" pitchFamily="18" charset="0"/>
-            </a:endParaRPr>
+              <a:t>          i = [1, 1, 1], j = [2, 2, 2]</a:t>
+            </a:r>
           </a:p>
           <a:p>
             <a:r>
@@ -9140,95 +9491,16 @@
                 <a:latin typeface="Times New Roman" panose="02020603050405020304" pitchFamily="18" charset="0"/>
                 <a:cs typeface="Times New Roman" panose="02020603050405020304" pitchFamily="18" charset="0"/>
               </a:rPr>
-              <a:t> </a:t>
-            </a:r>
+              <a:t>          k = [3, 3 ,3], l =  [4, 4, 4]</a:t>
+            </a:r>
+          </a:p>
+          <a:p>
             <a:r>
               <a:rPr lang="en-US" altLang="zh-CN" sz="2200" dirty="0">
                 <a:latin typeface="Times New Roman" panose="02020603050405020304" pitchFamily="18" charset="0"/>
                 <a:cs typeface="Times New Roman" panose="02020603050405020304" pitchFamily="18" charset="0"/>
               </a:rPr>
-              <a:t>         i </a:t>
-            </a:r>
-            <a:r>
-              <a:rPr lang="en-US" altLang="zh-CN" sz="2200" dirty="0">
-                <a:latin typeface="Times New Roman" panose="02020603050405020304" pitchFamily="18" charset="0"/>
-                <a:cs typeface="Times New Roman" panose="02020603050405020304" pitchFamily="18" charset="0"/>
-              </a:rPr>
-              <a:t>= [1, 1, 1], j = [2, 2, 2</a:t>
-            </a:r>
-            <a:r>
-              <a:rPr lang="en-US" altLang="zh-CN" sz="2200" dirty="0">
-                <a:latin typeface="Times New Roman" panose="02020603050405020304" pitchFamily="18" charset="0"/>
-                <a:cs typeface="Times New Roman" panose="02020603050405020304" pitchFamily="18" charset="0"/>
-              </a:rPr>
-              <a:t>]</a:t>
-            </a:r>
-          </a:p>
-          <a:p>
-            <a:r>
-              <a:rPr lang="en-US" altLang="zh-CN" sz="2200" dirty="0">
-                <a:latin typeface="Times New Roman" panose="02020603050405020304" pitchFamily="18" charset="0"/>
-                <a:cs typeface="Times New Roman" panose="02020603050405020304" pitchFamily="18" charset="0"/>
-              </a:rPr>
-              <a:t> </a:t>
-            </a:r>
-            <a:r>
-              <a:rPr lang="en-US" altLang="zh-CN" sz="2200" dirty="0">
-                <a:latin typeface="Times New Roman" panose="02020603050405020304" pitchFamily="18" charset="0"/>
-                <a:cs typeface="Times New Roman" panose="02020603050405020304" pitchFamily="18" charset="0"/>
-              </a:rPr>
-              <a:t>         </a:t>
-            </a:r>
-            <a:r>
-              <a:rPr lang="en-US" altLang="zh-CN" sz="2200" dirty="0">
-                <a:latin typeface="Times New Roman" panose="02020603050405020304" pitchFamily="18" charset="0"/>
-                <a:cs typeface="Times New Roman" panose="02020603050405020304" pitchFamily="18" charset="0"/>
-              </a:rPr>
-              <a:t>k = [3, 3 ,3], l = </a:t>
-            </a:r>
-            <a:r>
-              <a:rPr lang="en-US" altLang="zh-CN" sz="2200" dirty="0">
-                <a:latin typeface="Times New Roman" panose="02020603050405020304" pitchFamily="18" charset="0"/>
-                <a:cs typeface="Times New Roman" panose="02020603050405020304" pitchFamily="18" charset="0"/>
-              </a:rPr>
-              <a:t> [</a:t>
-            </a:r>
-            <a:r>
-              <a:rPr lang="en-US" altLang="zh-CN" sz="2200" dirty="0">
-                <a:latin typeface="Times New Roman" panose="02020603050405020304" pitchFamily="18" charset="0"/>
-                <a:cs typeface="Times New Roman" panose="02020603050405020304" pitchFamily="18" charset="0"/>
-              </a:rPr>
-              <a:t>4, 4, 4</a:t>
-            </a:r>
-            <a:r>
-              <a:rPr lang="en-US" altLang="zh-CN" sz="2200" dirty="0">
-                <a:latin typeface="Times New Roman" panose="02020603050405020304" pitchFamily="18" charset="0"/>
-                <a:cs typeface="Times New Roman" panose="02020603050405020304" pitchFamily="18" charset="0"/>
-              </a:rPr>
-              <a:t>]</a:t>
-            </a:r>
-          </a:p>
-          <a:p>
-            <a:r>
-              <a:rPr lang="en-US" altLang="zh-CN" sz="2200" dirty="0">
-                <a:latin typeface="Times New Roman" panose="02020603050405020304" pitchFamily="18" charset="0"/>
-                <a:cs typeface="Times New Roman" panose="02020603050405020304" pitchFamily="18" charset="0"/>
-              </a:rPr>
-              <a:t> </a:t>
-            </a:r>
-            <a:r>
-              <a:rPr lang="en-US" altLang="zh-CN" sz="2200" dirty="0">
-                <a:latin typeface="Times New Roman" panose="02020603050405020304" pitchFamily="18" charset="0"/>
-                <a:cs typeface="Times New Roman" panose="02020603050405020304" pitchFamily="18" charset="0"/>
-              </a:rPr>
-              <a:t>         m </a:t>
-            </a:r>
-            <a:r>
-              <a:rPr lang="en-US" altLang="zh-CN" sz="2200" dirty="0">
-                <a:latin typeface="Times New Roman" panose="02020603050405020304" pitchFamily="18" charset="0"/>
-                <a:cs typeface="Times New Roman" panose="02020603050405020304" pitchFamily="18" charset="0"/>
-              </a:rPr>
-              <a:t>= [5, 5, 5], n = [6, 6, 6].</a:t>
+              <a:t>          m = [5, 5, 5], n = [6, 6, 6].</a:t>
             </a:r>
             <a:endParaRPr lang="zh-CN" altLang="en-US" sz="2200" dirty="0">
               <a:latin typeface="Times New Roman" panose="02020603050405020304" pitchFamily="18" charset="0"/>
@@ -9316,14 +9588,7 @@
                 <a:latin typeface="Times New Roman" panose="02020603050405020304" pitchFamily="18" charset="0"/>
                 <a:cs typeface="Times New Roman" panose="02020603050405020304" pitchFamily="18" charset="0"/>
               </a:rPr>
-              <a:t>Input: tf.slice(t</a:t>
-            </a:r>
-            <a:r>
-              <a:rPr lang="fr-FR" altLang="zh-CN" sz="2200" dirty="0">
-                <a:latin typeface="Times New Roman" panose="02020603050405020304" pitchFamily="18" charset="0"/>
-                <a:cs typeface="Times New Roman" panose="02020603050405020304" pitchFamily="18" charset="0"/>
-              </a:rPr>
-              <a:t>, [1, 0, 0], [1, </a:t>
+              <a:t>Input: tf.slice(t, [1, 0, 0], [1, </a:t>
             </a:r>
             <a:r>
               <a:rPr lang="en-US" altLang="zh-CN" sz="2200" dirty="0">
@@ -9337,14 +9602,7 @@
                 <a:latin typeface="Times New Roman" panose="02020603050405020304" pitchFamily="18" charset="0"/>
                 <a:cs typeface="Times New Roman" panose="02020603050405020304" pitchFamily="18" charset="0"/>
               </a:rPr>
-              <a:t>, </a:t>
-            </a:r>
-            <a:r>
-              <a:rPr lang="fr-FR" altLang="zh-CN" sz="2200" dirty="0">
-                <a:latin typeface="Times New Roman" panose="02020603050405020304" pitchFamily="18" charset="0"/>
-                <a:cs typeface="Times New Roman" panose="02020603050405020304" pitchFamily="18" charset="0"/>
-              </a:rPr>
-              <a:t>3]) </a:t>
+              <a:t>, 3]) </a:t>
             </a:r>
             <a:endParaRPr lang="zh-CN" altLang="en-US" sz="2200" dirty="0">
               <a:latin typeface="Times New Roman" panose="02020603050405020304" pitchFamily="18" charset="0"/>
@@ -9379,28 +9637,7 @@
                 <a:latin typeface="Times New Roman" panose="02020603050405020304" pitchFamily="18" charset="0"/>
                 <a:cs typeface="Times New Roman" panose="02020603050405020304" pitchFamily="18" charset="0"/>
               </a:rPr>
-              <a:t>Output</a:t>
-            </a:r>
-            <a:r>
-              <a:rPr lang="en-US" altLang="zh-CN" sz="2200" dirty="0">
-                <a:latin typeface="Times New Roman" panose="02020603050405020304" pitchFamily="18" charset="0"/>
-                <a:cs typeface="Times New Roman" panose="02020603050405020304" pitchFamily="18" charset="0"/>
-              </a:rPr>
-              <a:t>: [[[3, 3, 3], </a:t>
-            </a:r>
-            <a:r>
-              <a:rPr lang="en-US" altLang="zh-CN" sz="2200" dirty="0">
-                <a:latin typeface="Times New Roman" panose="02020603050405020304" pitchFamily="18" charset="0"/>
-                <a:cs typeface="Times New Roman" panose="02020603050405020304" pitchFamily="18" charset="0"/>
-              </a:rPr>
-              <a:t>[</a:t>
-            </a:r>
-            <a:r>
-              <a:rPr lang="en-US" altLang="zh-CN" sz="2200" dirty="0">
-                <a:latin typeface="Times New Roman" panose="02020603050405020304" pitchFamily="18" charset="0"/>
-                <a:cs typeface="Times New Roman" panose="02020603050405020304" pitchFamily="18" charset="0"/>
-              </a:rPr>
-              <a:t>4, 4, 4]]]</a:t>
+              <a:t>Output: [[[3, 3, 3], [4, 4, 4]]]</a:t>
             </a:r>
             <a:endParaRPr lang="zh-CN" altLang="en-US" sz="2200" dirty="0">
               <a:latin typeface="Times New Roman" panose="02020603050405020304" pitchFamily="18" charset="0"/>
@@ -11100,18 +11337,6 @@
               </a:srgbClr>
             </a:outerShdw>
           </a:effectLst>
-          <a:scene3d>
-            <a:camera prst="orthographicFront"/>
-            <a:lightRig rig="twoPt" dir="t">
-              <a:rot lat="0" lon="0" rev="7200000"/>
-            </a:lightRig>
-          </a:scene3d>
-          <a:sp3d>
-            <a:bevelT w="25400" h="19050"/>
-            <a:contourClr>
-              <a:srgbClr val="FFFFFF"/>
-            </a:contourClr>
-          </a:sp3d>
         </p:spPr>
       </p:pic>
     </p:spTree>
@@ -11306,7 +11531,53 @@
               <a:rPr lang="zh-CN" altLang="en-US" sz="2400" b="1" dirty="0"/>
               <a:t>使用多线程操作队列</a:t>
             </a:r>
-            <a:endParaRPr lang="zh-CN" altLang="en-US" sz="2400" b="1" dirty="0"/>
+          </a:p>
+        </p:txBody>
+      </p:sp>
+      <p:sp>
+        <p:nvSpPr>
+          <p:cNvPr id="8" name="椭圆 7"/>
+          <p:cNvSpPr/>
+          <p:nvPr/>
+        </p:nvSpPr>
+        <p:spPr>
+          <a:xfrm>
+            <a:off x="1463040" y="4389120"/>
+            <a:ext cx="1085850" cy="468630"/>
+          </a:xfrm>
+          <a:prstGeom prst="ellipse">
+            <a:avLst/>
+          </a:prstGeom>
+          <a:noFill/>
+          <a:ln>
+            <a:solidFill>
+              <a:srgbClr val="FF0000"/>
+            </a:solidFill>
+            <a:prstDash val="sysDot"/>
+          </a:ln>
+        </p:spPr>
+        <p:style>
+          <a:lnRef idx="2">
+            <a:schemeClr val="accent1">
+              <a:shade val="50000"/>
+            </a:schemeClr>
+          </a:lnRef>
+          <a:fillRef idx="1">
+            <a:schemeClr val="accent1"/>
+          </a:fillRef>
+          <a:effectRef idx="0">
+            <a:schemeClr val="accent1"/>
+          </a:effectRef>
+          <a:fontRef idx="minor">
+            <a:schemeClr val="lt1"/>
+          </a:fontRef>
+        </p:style>
+        <p:txBody>
+          <a:bodyPr rtlCol="0" anchor="ctr"/>
+          <a:lstStyle/>
+          <a:p>
+            <a:pPr algn="ctr"/>
+            <a:endParaRPr lang="zh-CN" altLang="en-US"/>
           </a:p>
         </p:txBody>
       </p:sp>
@@ -11397,7 +11668,7 @@
       </p:pic>
       <p:pic>
         <p:nvPicPr>
-          <p:cNvPr id="4" name="图片 3"/>
+          <p:cNvPr id="5" name="图片 4"/>
           <p:cNvPicPr>
             <a:picLocks noChangeAspect="1"/>
           </p:cNvPicPr>
@@ -11411,8 +11682,8 @@
         </p:blipFill>
         <p:spPr>
           <a:xfrm>
-            <a:off x="1133857" y="713293"/>
-            <a:ext cx="9533348" cy="5955831"/>
+            <a:off x="1359020" y="714267"/>
+            <a:ext cx="9473959" cy="5942665"/>
           </a:xfrm>
           <a:prstGeom prst="rect">
             <a:avLst/>
@@ -11685,7 +11956,7 @@
         <p:spPr>
           <a:xfrm>
             <a:off x="1267968" y="2097024"/>
-            <a:ext cx="9851135" cy="2585323"/>
+            <a:ext cx="9851135" cy="3693319"/>
           </a:xfrm>
           <a:prstGeom prst="rect">
             <a:avLst/>
@@ -11769,8 +12040,20 @@
               <a:buAutoNum type="arabicPeriod"/>
             </a:pPr>
             <a:r>
-              <a:rPr lang="en-US" altLang="zh-CN" dirty="0" err="1" smtClean="0"/>
-              <a:t>tf.sample_distorted_bounding_box</a:t>
+              <a:rPr lang="zh-CN" altLang="en-US" dirty="0" smtClean="0"/>
+              <a:t>理解</a:t>
+            </a:r>
+            <a:r>
+              <a:rPr lang="en-US" altLang="zh-CN" dirty="0" err="1"/>
+              <a:t>TensorFlow</a:t>
+            </a:r>
+            <a:r>
+              <a:rPr lang="zh-CN" altLang="en-US" dirty="0"/>
+              <a:t>的</a:t>
+            </a:r>
+            <a:r>
+              <a:rPr lang="en-US" altLang="zh-CN" dirty="0" smtClean="0"/>
+              <a:t>Queue</a:t>
             </a:r>
             <a:r>
               <a:rPr lang="zh-CN" altLang="en-US" dirty="0" smtClean="0"/>
@@ -11792,7 +12075,7 @@
               <a:rPr lang="en-US" altLang="zh-CN" dirty="0" smtClean="0">
                 <a:hlinkClick r:id="rId7"/>
               </a:rPr>
-              <a:t>stackoverflow.com/questions/50191388/why-need-to-specify-the-parameter-bounding-boxes-for-sample-distorted-bounding</a:t>
+              <a:t>www.jianshu.com/p/d063804fb272</a:t>
             </a:r>
             <a:endParaRPr lang="en-US" altLang="zh-CN" dirty="0" smtClean="0"/>
           </a:p>
@@ -11802,42 +12085,32 @@
               <a:buAutoNum type="arabicPeriod"/>
             </a:pPr>
             <a:r>
-              <a:rPr lang="zh-CN" altLang="en-US" dirty="0"/>
-              <a:t>理解</a:t>
-            </a:r>
-            <a:r>
-              <a:rPr lang="en-US" altLang="zh-CN" dirty="0" err="1"/>
-              <a:t>TensorFlow</a:t>
-            </a:r>
-            <a:r>
-              <a:rPr lang="zh-CN" altLang="en-US" dirty="0"/>
-              <a:t>的</a:t>
+              <a:rPr lang="en-US" altLang="zh-CN" dirty="0"/>
+              <a:t>all </a:t>
             </a:r>
             <a:r>
               <a:rPr lang="en-US" altLang="zh-CN" dirty="0" smtClean="0"/>
-              <a:t>Queue</a:t>
+              <a:t>variables vs local variables</a:t>
             </a:r>
             <a:r>
               <a:rPr lang="zh-CN" altLang="en-US" dirty="0" smtClean="0"/>
               <a:t>：</a:t>
+            </a:r>
+            <a:r>
+              <a:rPr lang="en-US" altLang="zh-CN" dirty="0"/>
+              <a:t> </a:t>
+            </a:r>
+            <a:r>
+              <a:rPr lang="en-US" altLang="zh-CN" dirty="0">
+                <a:hlinkClick r:id="rId8"/>
+              </a:rPr>
+              <a:t>https://</a:t>
             </a:r>
             <a:r>
               <a:rPr lang="en-US" altLang="zh-CN" dirty="0" smtClean="0">
                 <a:hlinkClick r:id="rId8"/>
               </a:rPr>
-              <a:t>https</a:t>
-            </a:r>
-            <a:r>
-              <a:rPr lang="en-US" altLang="zh-CN" dirty="0">
-                <a:hlinkClick r:id="rId8"/>
-              </a:rPr>
-              <a:t>://</a:t>
-            </a:r>
-            <a:r>
-              <a:rPr lang="en-US" altLang="zh-CN" dirty="0" smtClean="0">
-                <a:hlinkClick r:id="rId8"/>
-              </a:rPr>
-              <a:t>www.jianshu.com/p/d063804fb272</a:t>
+              <a:t>stackoverflow.com/questions/40220201/tensorflow-tf-initialize-all-variables-vs-tf-initialize-local-variables</a:t>
             </a:r>
             <a:endParaRPr lang="en-US" altLang="zh-CN" dirty="0" smtClean="0"/>
           </a:p>
@@ -11847,20 +12120,16 @@
               <a:buAutoNum type="arabicPeriod"/>
             </a:pPr>
             <a:r>
+              <a:rPr lang="en-US" altLang="zh-CN" dirty="0" err="1"/>
+              <a:t>tf.image.sample_distorted_bounding_box</a:t>
+            </a:r>
+            <a:r>
               <a:rPr lang="en-US" altLang="zh-CN" dirty="0"/>
-              <a:t>all </a:t>
-            </a:r>
-            <a:r>
-              <a:rPr lang="en-US" altLang="zh-CN" dirty="0" smtClean="0"/>
-              <a:t>variables vs local variables</a:t>
+              <a:t> </a:t>
             </a:r>
             <a:r>
               <a:rPr lang="zh-CN" altLang="en-US" dirty="0" smtClean="0"/>
               <a:t>：</a:t>
-            </a:r>
-            <a:r>
-              <a:rPr lang="en-US" altLang="zh-CN" dirty="0"/>
-              <a:t> </a:t>
             </a:r>
             <a:r>
               <a:rPr lang="en-US" altLang="zh-CN" dirty="0">
@@ -11872,7 +12141,7 @@
               <a:rPr lang="en-US" altLang="zh-CN" dirty="0" smtClean="0">
                 <a:hlinkClick r:id="rId9"/>
               </a:rPr>
-              <a:t>stackoverflow.com/questions/40220201/tensorflow-tf-initialize-all-variables-vs-tf-initialize-local-variables</a:t>
+              <a:t>stackoverflow.com/questions/50191388/why-need-to-specify-the-parameter-bounding-boxes-for-sample-distorted-bounding</a:t>
             </a:r>
             <a:endParaRPr lang="en-US" altLang="zh-CN" dirty="0" smtClean="0"/>
           </a:p>
@@ -11880,7 +12149,58 @@
             <a:pPr marL="342900" indent="-342900">
               <a:buAutoNum type="arabicPeriod"/>
             </a:pPr>
-            <a:endParaRPr lang="zh-CN" altLang="en-US" dirty="0"/>
+            <a:r>
+              <a:rPr lang="en-US" altLang="zh-CN" dirty="0" err="1" smtClean="0"/>
+              <a:t>tf.image.sample_distorted_bounding_box</a:t>
+            </a:r>
+            <a:r>
+              <a:rPr lang="zh-CN" altLang="en-US" dirty="0" smtClean="0"/>
+              <a:t>：</a:t>
+            </a:r>
+            <a:r>
+              <a:rPr lang="en-US" altLang="zh-CN" dirty="0" smtClean="0">
+                <a:hlinkClick r:id="rId10"/>
+              </a:rPr>
+              <a:t>https</a:t>
+            </a:r>
+            <a:r>
+              <a:rPr lang="en-US" altLang="zh-CN" dirty="0">
+                <a:hlinkClick r:id="rId10"/>
+              </a:rPr>
+              <a:t>://</a:t>
+            </a:r>
+            <a:r>
+              <a:rPr lang="en-US" altLang="zh-CN" dirty="0" smtClean="0">
+                <a:hlinkClick r:id="rId10"/>
+              </a:rPr>
+              <a:t>stackoverflow.com/questions/50203015/why-does-not-the-bounding-box-and-clipped-picture-match-using-tf-image-sample-di/50203556#50203556</a:t>
+            </a:r>
+            <a:endParaRPr lang="en-US" altLang="zh-CN" dirty="0" smtClean="0"/>
+          </a:p>
+          <a:p>
+            <a:pPr marL="342900" indent="-342900">
+              <a:buAutoNum type="arabicPeriod"/>
+            </a:pPr>
+            <a:r>
+              <a:rPr lang="en-US" altLang="zh-CN" dirty="0" err="1"/>
+              <a:t>tf.image.sample_distorted_bounding_box</a:t>
+            </a:r>
+            <a:r>
+              <a:rPr lang="en-US" altLang="zh-CN" dirty="0"/>
+              <a:t> </a:t>
+            </a:r>
+            <a:r>
+              <a:rPr lang="en-US" altLang="zh-CN" dirty="0" smtClean="0"/>
+              <a:t>:https</a:t>
+            </a:r>
+            <a:r>
+              <a:rPr lang="en-US" altLang="zh-CN" dirty="0"/>
+              <a:t>://</a:t>
+            </a:r>
+            <a:r>
+              <a:rPr lang="en-US" altLang="zh-CN" dirty="0" smtClean="0"/>
+              <a:t>stackoverflow.com/questions/50210594/the-function-of-bounding-boxes-and-min-object-covered-in-tf-image-sample-dis</a:t>
+            </a:r>
           </a:p>
         </p:txBody>
       </p:sp>
@@ -12023,6 +12343,125 @@
 </p:sld>
 </file>
 
+<file path=ppt/slides/slide30.xml><?xml version="1.0" encoding="utf-8"?>
+<p:sld xmlns:a="http://schemas.openxmlformats.org/drawingml/2006/main" xmlns:r="http://schemas.openxmlformats.org/officeDocument/2006/relationships" xmlns:p="http://schemas.openxmlformats.org/presentationml/2006/main">
+  <p:cSld>
+    <p:spTree>
+      <p:nvGrpSpPr>
+        <p:cNvPr id="1" name=""/>
+        <p:cNvGrpSpPr/>
+        <p:nvPr/>
+      </p:nvGrpSpPr>
+      <p:grpSpPr>
+        <a:xfrm>
+          <a:off x="0" y="0"/>
+          <a:ext cx="0" cy="0"/>
+          <a:chOff x="0" y="0"/>
+          <a:chExt cx="0" cy="0"/>
+        </a:xfrm>
+      </p:grpSpPr>
+      <p:pic>
+        <p:nvPicPr>
+          <p:cNvPr id="2" name="图片 1"/>
+          <p:cNvPicPr>
+            <a:picLocks noChangeAspect="1"/>
+          </p:cNvPicPr>
+          <p:nvPr/>
+        </p:nvPicPr>
+        <p:blipFill>
+          <a:blip r:embed="rId3"/>
+          <a:stretch>
+            <a:fillRect/>
+          </a:stretch>
+        </p:blipFill>
+        <p:spPr>
+          <a:xfrm>
+            <a:off x="0" y="6656932"/>
+            <a:ext cx="12192000" cy="201068"/>
+          </a:xfrm>
+          <a:prstGeom prst="rect">
+            <a:avLst/>
+          </a:prstGeom>
+        </p:spPr>
+      </p:pic>
+      <p:pic>
+        <p:nvPicPr>
+          <p:cNvPr id="3" name="图片 2"/>
+          <p:cNvPicPr>
+            <a:picLocks noChangeAspect="1"/>
+          </p:cNvPicPr>
+          <p:nvPr/>
+        </p:nvPicPr>
+        <p:blipFill>
+          <a:blip r:embed="rId4"/>
+          <a:stretch>
+            <a:fillRect/>
+          </a:stretch>
+        </p:blipFill>
+        <p:spPr>
+          <a:xfrm>
+            <a:off x="0" y="0"/>
+            <a:ext cx="12192000" cy="701101"/>
+          </a:xfrm>
+          <a:prstGeom prst="rect">
+            <a:avLst/>
+          </a:prstGeom>
+        </p:spPr>
+      </p:pic>
+      <p:sp>
+        <p:nvSpPr>
+          <p:cNvPr id="4" name="文本框 3"/>
+          <p:cNvSpPr txBox="1"/>
+          <p:nvPr/>
+        </p:nvSpPr>
+        <p:spPr>
+          <a:xfrm>
+            <a:off x="4503420" y="2754630"/>
+            <a:ext cx="4400550" cy="1446550"/>
+          </a:xfrm>
+          <a:prstGeom prst="rect">
+            <a:avLst/>
+          </a:prstGeom>
+          <a:noFill/>
+        </p:spPr>
+        <p:txBody>
+          <a:bodyPr wrap="square" rtlCol="0">
+            <a:spAutoFit/>
+          </a:bodyPr>
+          <a:lstStyle/>
+          <a:p>
+            <a:r>
+              <a:rPr lang="en-US" altLang="zh-CN" sz="8800" b="1" dirty="0" smtClean="0"/>
+              <a:t>Thanks</a:t>
+            </a:r>
+            <a:r>
+              <a:rPr lang="zh-CN" altLang="en-US" sz="8800" b="1" dirty="0" smtClean="0"/>
+              <a:t>！</a:t>
+            </a:r>
+            <a:endParaRPr lang="zh-CN" altLang="en-US" sz="8800" b="1" dirty="0"/>
+          </a:p>
+        </p:txBody>
+      </p:sp>
+    </p:spTree>
+    <p:extLst>
+      <p:ext uri="{BB962C8B-B14F-4D97-AF65-F5344CB8AC3E}">
+        <p14:creationId xmlns:p14="http://schemas.microsoft.com/office/powerpoint/2010/main" val="2223776813"/>
+      </p:ext>
+    </p:extLst>
+  </p:cSld>
+  <p:clrMapOvr>
+    <a:masterClrMapping/>
+  </p:clrMapOvr>
+  <p:timing>
+    <p:tnLst>
+      <p:par>
+        <p:cTn id="1" dur="indefinite" restart="never" nodeType="tmRoot"/>
+      </p:par>
+    </p:tnLst>
+  </p:timing>
+</p:sld>
+</file>
+
 <file path=ppt/slides/slide4.xml><?xml version="1.0" encoding="utf-8"?>
 <p:sld xmlns:a="http://schemas.openxmlformats.org/drawingml/2006/main" xmlns:r="http://schemas.openxmlformats.org/officeDocument/2006/relationships" xmlns:p="http://schemas.openxmlformats.org/presentationml/2006/main">
   <p:cSld>
@@ -13386,80 +13825,16 @@
           </a:prstGeom>
         </p:spPr>
       </p:pic>
-      <p:pic>
-        <p:nvPicPr>
-          <p:cNvPr id="1026" name="Picture 2" descr="C:\Users\huangjs\AppData\Local\Temp\SNAGHTML38adf6a8.PNG"/>
-          <p:cNvPicPr>
-            <a:picLocks noChangeAspect="1" noChangeArrowheads="1"/>
-          </p:cNvPicPr>
-          <p:nvPr/>
-        </p:nvPicPr>
-        <p:blipFill>
-          <a:blip r:embed="rId5">
-            <a:extLst>
-              <a:ext uri="{28A0092B-C50C-407E-A947-70E740481C1C}">
-                <a14:useLocalDpi xmlns:a14="http://schemas.microsoft.com/office/drawing/2010/main" val="0"/>
-              </a:ext>
-            </a:extLst>
-          </a:blip>
-          <a:srcRect/>
-          <a:stretch>
-            <a:fillRect/>
-          </a:stretch>
-        </p:blipFill>
-        <p:spPr bwMode="auto">
-          <a:xfrm>
-            <a:off x="2771665" y="1459060"/>
-            <a:ext cx="5534025" cy="2667000"/>
-          </a:xfrm>
-          <a:prstGeom prst="rect">
-            <a:avLst/>
-          </a:prstGeom>
-          <a:noFill/>
-          <a:extLst>
-            <a:ext uri="{909E8E84-426E-40DD-AFC4-6F175D3DCCD1}">
-              <a14:hiddenFill xmlns:a14="http://schemas.microsoft.com/office/drawing/2010/main">
-                <a:solidFill>
-                  <a:srgbClr val="FFFFFF"/>
-                </a:solidFill>
-              </a14:hiddenFill>
-            </a:ext>
-          </a:extLst>
-        </p:spPr>
-      </p:pic>
-      <p:pic>
-        <p:nvPicPr>
-          <p:cNvPr id="4" name="图片 3"/>
-          <p:cNvPicPr>
-            <a:picLocks noChangeAspect="1"/>
-          </p:cNvPicPr>
-          <p:nvPr/>
-        </p:nvPicPr>
-        <p:blipFill rotWithShape="1">
-          <a:blip r:embed="rId6"/>
-          <a:srcRect t="4695"/>
-          <a:stretch/>
-        </p:blipFill>
-        <p:spPr>
-          <a:xfrm>
-            <a:off x="2466865" y="4601454"/>
-            <a:ext cx="6590476" cy="962132"/>
-          </a:xfrm>
-          <a:prstGeom prst="rect">
-            <a:avLst/>
-          </a:prstGeom>
-        </p:spPr>
-      </p:pic>
-      <p:sp>
-        <p:nvSpPr>
-          <p:cNvPr id="6" name="文本框 5"/>
+      <p:sp>
+        <p:nvSpPr>
+          <p:cNvPr id="4" name="文本框 3"/>
           <p:cNvSpPr txBox="1"/>
           <p:nvPr/>
         </p:nvSpPr>
         <p:spPr>
           <a:xfrm>
-            <a:off x="0" y="701101"/>
-            <a:ext cx="3684760" cy="461665"/>
+            <a:off x="4438461" y="2801854"/>
+            <a:ext cx="3315077" cy="584775"/>
           </a:xfrm>
           <a:prstGeom prst="rect">
             <a:avLst/>
@@ -13473,21 +13848,21 @@
           <a:lstStyle/>
           <a:p>
             <a:r>
-              <a:rPr lang="en-US" altLang="zh-CN" sz="2400" b="1" dirty="0" smtClean="0"/>
-              <a:t>Ⅰ TFRecord</a:t>
-            </a:r>
-            <a:r>
-              <a:rPr lang="zh-CN" altLang="en-US" sz="2400" b="1" dirty="0" smtClean="0"/>
-              <a:t>输入数据格式</a:t>
-            </a:r>
-            <a:endParaRPr lang="zh-CN" altLang="en-US" sz="2400" b="1" dirty="0"/>
+              <a:rPr lang="en-US" altLang="zh-CN" sz="3200" b="1" dirty="0" smtClean="0"/>
+              <a:t>Ⅱ </a:t>
+            </a:r>
+            <a:r>
+              <a:rPr lang="zh-CN" altLang="en-US" sz="3200" b="1" dirty="0" smtClean="0"/>
+              <a:t>图像数据处理</a:t>
+            </a:r>
+            <a:endParaRPr lang="zh-CN" altLang="en-US" sz="3200" b="1" dirty="0"/>
           </a:p>
         </p:txBody>
       </p:sp>
     </p:spTree>
     <p:extLst>
       <p:ext uri="{BB962C8B-B14F-4D97-AF65-F5344CB8AC3E}">
-        <p14:creationId xmlns:p14="http://schemas.microsoft.com/office/powerpoint/2010/main" val="2182424224"/>
+        <p14:creationId xmlns:p14="http://schemas.microsoft.com/office/powerpoint/2010/main" val="3864419192"/>
       </p:ext>
     </p:extLst>
   </p:cSld>
@@ -13569,16 +13944,57 @@
           </a:prstGeom>
         </p:spPr>
       </p:pic>
-      <p:sp>
-        <p:nvSpPr>
-          <p:cNvPr id="4" name="文本框 3"/>
+      <p:pic>
+        <p:nvPicPr>
+          <p:cNvPr id="2050" name="Picture 2" descr="C:\Users\huangjs\AppData\Local\Temp\SNAGHTML38d0dc21.PNG"/>
+          <p:cNvPicPr>
+            <a:picLocks noChangeAspect="1" noChangeArrowheads="1"/>
+          </p:cNvPicPr>
+          <p:nvPr/>
+        </p:nvPicPr>
+        <p:blipFill>
+          <a:blip r:embed="rId5">
+            <a:extLst>
+              <a:ext uri="{28A0092B-C50C-407E-A947-70E740481C1C}">
+                <a14:useLocalDpi xmlns:a14="http://schemas.microsoft.com/office/drawing/2010/main" val="0"/>
+              </a:ext>
+            </a:extLst>
+          </a:blip>
+          <a:srcRect/>
+          <a:stretch>
+            <a:fillRect/>
+          </a:stretch>
+        </p:blipFill>
+        <p:spPr bwMode="auto">
+          <a:xfrm>
+            <a:off x="1708276" y="3588756"/>
+            <a:ext cx="8648700" cy="2657476"/>
+          </a:xfrm>
+          <a:prstGeom prst="rect">
+            <a:avLst/>
+          </a:prstGeom>
+          <a:noFill/>
+          <a:extLst>
+            <a:ext uri="{909E8E84-426E-40DD-AFC4-6F175D3DCCD1}">
+              <a14:hiddenFill xmlns:a14="http://schemas.microsoft.com/office/drawing/2010/main">
+                <a:solidFill>
+                  <a:srgbClr val="FFFFFF"/>
+                </a:solidFill>
+              </a14:hiddenFill>
+            </a:ext>
+          </a:extLst>
+        </p:spPr>
+      </p:pic>
+      <p:sp>
+        <p:nvSpPr>
+          <p:cNvPr id="5" name="文本框 4"/>
           <p:cNvSpPr txBox="1"/>
           <p:nvPr/>
         </p:nvSpPr>
         <p:spPr>
           <a:xfrm>
-            <a:off x="4438461" y="2801854"/>
-            <a:ext cx="3315077" cy="584775"/>
+            <a:off x="0" y="701101"/>
+            <a:ext cx="3684760" cy="461665"/>
           </a:xfrm>
           <a:prstGeom prst="rect">
             <a:avLst/>
@@ -13592,21 +14008,291 @@
           <a:lstStyle/>
           <a:p>
             <a:r>
-              <a:rPr lang="en-US" altLang="zh-CN" sz="3200" b="1" dirty="0" smtClean="0"/>
+              <a:rPr lang="en-US" altLang="zh-CN" sz="2400" b="1" dirty="0"/>
               <a:t>Ⅱ </a:t>
             </a:r>
             <a:r>
-              <a:rPr lang="zh-CN" altLang="en-US" sz="3200" b="1" dirty="0" smtClean="0"/>
+              <a:rPr lang="zh-CN" altLang="en-US" sz="2400" b="1" dirty="0"/>
               <a:t>图像数据处理</a:t>
             </a:r>
-            <a:endParaRPr lang="zh-CN" altLang="en-US" sz="3200" b="1" dirty="0"/>
+          </a:p>
+        </p:txBody>
+      </p:sp>
+      <p:sp>
+        <p:nvSpPr>
+          <p:cNvPr id="4" name="文本框 3"/>
+          <p:cNvSpPr txBox="1"/>
+          <p:nvPr/>
+        </p:nvSpPr>
+        <p:spPr>
+          <a:xfrm>
+            <a:off x="3110593" y="2191079"/>
+            <a:ext cx="2625505" cy="400110"/>
+          </a:xfrm>
+          <a:prstGeom prst="rect">
+            <a:avLst/>
+          </a:prstGeom>
+          <a:noFill/>
+        </p:spPr>
+        <p:txBody>
+          <a:bodyPr wrap="square" rtlCol="0">
+            <a:spAutoFit/>
+          </a:bodyPr>
+          <a:lstStyle/>
+          <a:p>
+            <a:r>
+              <a:rPr lang="en-US" altLang="zh-CN" sz="2000" dirty="0" smtClean="0"/>
+              <a:t>tf.image.decode_png() </a:t>
+            </a:r>
+            <a:endParaRPr lang="zh-CN" altLang="en-US" sz="2000" dirty="0"/>
+          </a:p>
+        </p:txBody>
+      </p:sp>
+      <p:sp>
+        <p:nvSpPr>
+          <p:cNvPr id="6" name="左右箭头 5"/>
+          <p:cNvSpPr/>
+          <p:nvPr/>
+        </p:nvSpPr>
+        <p:spPr>
+          <a:xfrm>
+            <a:off x="5672723" y="2298578"/>
+            <a:ext cx="452673" cy="185111"/>
+          </a:xfrm>
+          <a:prstGeom prst="leftRightArrow">
+            <a:avLst/>
+          </a:prstGeom>
+        </p:spPr>
+        <p:style>
+          <a:lnRef idx="2">
+            <a:schemeClr val="accent1">
+              <a:shade val="50000"/>
+            </a:schemeClr>
+          </a:lnRef>
+          <a:fillRef idx="1">
+            <a:schemeClr val="accent1"/>
+          </a:fillRef>
+          <a:effectRef idx="0">
+            <a:schemeClr val="accent1"/>
+          </a:effectRef>
+          <a:fontRef idx="minor">
+            <a:schemeClr val="lt1"/>
+          </a:fontRef>
+        </p:style>
+        <p:txBody>
+          <a:bodyPr rtlCol="0" anchor="ctr"/>
+          <a:lstStyle/>
+          <a:p>
+            <a:pPr algn="ctr"/>
+            <a:endParaRPr lang="zh-CN" altLang="en-US"/>
+          </a:p>
+        </p:txBody>
+      </p:sp>
+      <p:sp>
+        <p:nvSpPr>
+          <p:cNvPr id="7" name="文本框 6"/>
+          <p:cNvSpPr txBox="1"/>
+          <p:nvPr/>
+        </p:nvSpPr>
+        <p:spPr>
+          <a:xfrm>
+            <a:off x="6333627" y="2191078"/>
+            <a:ext cx="2562131" cy="400110"/>
+          </a:xfrm>
+          <a:prstGeom prst="rect">
+            <a:avLst/>
+          </a:prstGeom>
+          <a:noFill/>
+        </p:spPr>
+        <p:txBody>
+          <a:bodyPr wrap="square" rtlCol="0">
+            <a:spAutoFit/>
+          </a:bodyPr>
+          <a:lstStyle/>
+          <a:p>
+            <a:r>
+              <a:rPr lang="en-US" altLang="zh-CN" sz="2000" dirty="0" smtClean="0"/>
+              <a:t>tf.image.encode_png</a:t>
+            </a:r>
+            <a:r>
+              <a:rPr lang="en-US" altLang="zh-CN" sz="2000" dirty="0"/>
+              <a:t>() </a:t>
+            </a:r>
+            <a:endParaRPr lang="zh-CN" altLang="en-US" sz="2000" dirty="0"/>
+          </a:p>
+        </p:txBody>
+      </p:sp>
+      <p:sp>
+        <p:nvSpPr>
+          <p:cNvPr id="8" name="矩形 7"/>
+          <p:cNvSpPr/>
+          <p:nvPr/>
+        </p:nvSpPr>
+        <p:spPr>
+          <a:xfrm>
+            <a:off x="4874324" y="1424912"/>
+            <a:ext cx="1723549" cy="461665"/>
+          </a:xfrm>
+          <a:prstGeom prst="rect">
+            <a:avLst/>
+          </a:prstGeom>
+        </p:spPr>
+        <p:txBody>
+          <a:bodyPr wrap="none">
+            <a:spAutoFit/>
+          </a:bodyPr>
+          <a:lstStyle/>
+          <a:p>
+            <a:r>
+              <a:rPr lang="zh-CN" altLang="en-US" sz="2400" b="1" dirty="0"/>
+              <a:t>编码与解码</a:t>
+            </a:r>
+            <a:endParaRPr lang="en-US" altLang="zh-CN" sz="2400" b="1" dirty="0"/>
+          </a:p>
+        </p:txBody>
+      </p:sp>
+      <p:sp>
+        <p:nvSpPr>
+          <p:cNvPr id="10" name="文本框 9"/>
+          <p:cNvSpPr txBox="1"/>
+          <p:nvPr/>
+        </p:nvSpPr>
+        <p:spPr>
+          <a:xfrm>
+            <a:off x="3110593" y="2889918"/>
+            <a:ext cx="2625505" cy="400110"/>
+          </a:xfrm>
+          <a:prstGeom prst="rect">
+            <a:avLst/>
+          </a:prstGeom>
+          <a:noFill/>
+        </p:spPr>
+        <p:txBody>
+          <a:bodyPr wrap="square" rtlCol="0">
+            <a:spAutoFit/>
+          </a:bodyPr>
+          <a:lstStyle/>
+          <a:p>
+            <a:r>
+              <a:rPr lang="en-US" altLang="zh-CN" sz="2000" dirty="0" smtClean="0"/>
+              <a:t>tf.image.decode_jpeg() </a:t>
+            </a:r>
+            <a:endParaRPr lang="zh-CN" altLang="en-US" sz="2000" dirty="0"/>
+          </a:p>
+        </p:txBody>
+      </p:sp>
+      <p:sp>
+        <p:nvSpPr>
+          <p:cNvPr id="11" name="左右箭头 10"/>
+          <p:cNvSpPr/>
+          <p:nvPr/>
+        </p:nvSpPr>
+        <p:spPr>
+          <a:xfrm>
+            <a:off x="5672723" y="2997417"/>
+            <a:ext cx="452673" cy="185111"/>
+          </a:xfrm>
+          <a:prstGeom prst="leftRightArrow">
+            <a:avLst/>
+          </a:prstGeom>
+        </p:spPr>
+        <p:style>
+          <a:lnRef idx="2">
+            <a:schemeClr val="accent1">
+              <a:shade val="50000"/>
+            </a:schemeClr>
+          </a:lnRef>
+          <a:fillRef idx="1">
+            <a:schemeClr val="accent1"/>
+          </a:fillRef>
+          <a:effectRef idx="0">
+            <a:schemeClr val="accent1"/>
+          </a:effectRef>
+          <a:fontRef idx="minor">
+            <a:schemeClr val="lt1"/>
+          </a:fontRef>
+        </p:style>
+        <p:txBody>
+          <a:bodyPr rtlCol="0" anchor="ctr"/>
+          <a:lstStyle/>
+          <a:p>
+            <a:pPr algn="ctr"/>
+            <a:endParaRPr lang="zh-CN" altLang="en-US"/>
+          </a:p>
+        </p:txBody>
+      </p:sp>
+      <p:sp>
+        <p:nvSpPr>
+          <p:cNvPr id="12" name="文本框 11"/>
+          <p:cNvSpPr txBox="1"/>
+          <p:nvPr/>
+        </p:nvSpPr>
+        <p:spPr>
+          <a:xfrm>
+            <a:off x="6333627" y="2889917"/>
+            <a:ext cx="2562131" cy="400110"/>
+          </a:xfrm>
+          <a:prstGeom prst="rect">
+            <a:avLst/>
+          </a:prstGeom>
+          <a:noFill/>
+        </p:spPr>
+        <p:txBody>
+          <a:bodyPr wrap="square" rtlCol="0">
+            <a:spAutoFit/>
+          </a:bodyPr>
+          <a:lstStyle/>
+          <a:p>
+            <a:r>
+              <a:rPr lang="en-US" altLang="zh-CN" sz="2000" dirty="0" smtClean="0"/>
+              <a:t>tf.image.encode_jpeg() </a:t>
+            </a:r>
+            <a:endParaRPr lang="zh-CN" altLang="en-US" sz="2000" dirty="0"/>
+          </a:p>
+        </p:txBody>
+      </p:sp>
+      <p:sp>
+        <p:nvSpPr>
+          <p:cNvPr id="9" name="文本框 8"/>
+          <p:cNvSpPr txBox="1"/>
+          <p:nvPr/>
+        </p:nvSpPr>
+        <p:spPr>
+          <a:xfrm>
+            <a:off x="1842380" y="3434836"/>
+            <a:ext cx="1268213" cy="369332"/>
+          </a:xfrm>
+          <a:prstGeom prst="rect">
+            <a:avLst/>
+          </a:prstGeom>
+          <a:noFill/>
+        </p:spPr>
+        <p:txBody>
+          <a:bodyPr wrap="square" rtlCol="0">
+            <a:spAutoFit/>
+          </a:bodyPr>
+          <a:lstStyle/>
+          <a:p>
+            <a:r>
+              <a:rPr lang="en-US" altLang="zh-CN" dirty="0" smtClean="0">
+                <a:solidFill>
+                  <a:srgbClr val="FF0000"/>
+                </a:solidFill>
+              </a:rPr>
+              <a:t>Error:P174</a:t>
+            </a:r>
+            <a:endParaRPr lang="zh-CN" altLang="en-US" dirty="0">
+              <a:solidFill>
+                <a:srgbClr val="FF0000"/>
+              </a:solidFill>
+            </a:endParaRPr>
           </a:p>
         </p:txBody>
       </p:sp>
     </p:spTree>
     <p:extLst>
       <p:ext uri="{BB962C8B-B14F-4D97-AF65-F5344CB8AC3E}">
-        <p14:creationId xmlns:p14="http://schemas.microsoft.com/office/powerpoint/2010/main" val="3864419192"/>
+        <p14:creationId xmlns:p14="http://schemas.microsoft.com/office/powerpoint/2010/main" val="735854206"/>
       </p:ext>
     </p:extLst>
   </p:cSld>
@@ -13688,50 +14374,61 @@
           </a:prstGeom>
         </p:spPr>
       </p:pic>
+      <p:sp>
+        <p:nvSpPr>
+          <p:cNvPr id="4" name="矩形 3"/>
+          <p:cNvSpPr/>
+          <p:nvPr/>
+        </p:nvSpPr>
+        <p:spPr>
+          <a:xfrm>
+            <a:off x="2724985" y="2261483"/>
+            <a:ext cx="5720861" cy="369332"/>
+          </a:xfrm>
+          <a:prstGeom prst="rect">
+            <a:avLst/>
+          </a:prstGeom>
+        </p:spPr>
+        <p:txBody>
+          <a:bodyPr wrap="none">
+            <a:spAutoFit/>
+          </a:bodyPr>
+          <a:lstStyle/>
+          <a:p>
+            <a:r>
+              <a:rPr lang="zh-CN" altLang="en-US" dirty="0"/>
+              <a:t>tf.image.resize_images(image_float, [300, 300], method=0)</a:t>
+            </a:r>
+          </a:p>
+        </p:txBody>
+      </p:sp>
       <p:pic>
         <p:nvPicPr>
-          <p:cNvPr id="2050" name="Picture 2" descr="C:\Users\huangjs\AppData\Local\Temp\SNAGHTML38d0dc21.PNG"/>
+          <p:cNvPr id="5" name="图片 4"/>
           <p:cNvPicPr>
-            <a:picLocks noChangeAspect="1" noChangeArrowheads="1"/>
+            <a:picLocks noChangeAspect="1"/>
           </p:cNvPicPr>
           <p:nvPr/>
         </p:nvPicPr>
         <p:blipFill>
-          <a:blip r:embed="rId5">
-            <a:extLst>
-              <a:ext uri="{28A0092B-C50C-407E-A947-70E740481C1C}">
-                <a14:useLocalDpi xmlns:a14="http://schemas.microsoft.com/office/drawing/2010/main" val="0"/>
-              </a:ext>
-            </a:extLst>
-          </a:blip>
-          <a:srcRect/>
+          <a:blip r:embed="rId5"/>
           <a:stretch>
             <a:fillRect/>
           </a:stretch>
         </p:blipFill>
-        <p:spPr bwMode="auto">
-          <a:xfrm>
-            <a:off x="1708276" y="3588756"/>
-            <a:ext cx="8648700" cy="2657476"/>
-          </a:xfrm>
-          <a:prstGeom prst="rect">
-            <a:avLst/>
-          </a:prstGeom>
-          <a:noFill/>
-          <a:extLst>
-            <a:ext uri="{909E8E84-426E-40DD-AFC4-6F175D3DCCD1}">
-              <a14:hiddenFill xmlns:a14="http://schemas.microsoft.com/office/drawing/2010/main">
-                <a:solidFill>
-                  <a:srgbClr val="FFFFFF"/>
-                </a:solidFill>
-              </a14:hiddenFill>
-            </a:ext>
-          </a:extLst>
+        <p:spPr>
+          <a:xfrm>
+            <a:off x="2379250" y="3117344"/>
+            <a:ext cx="7834515" cy="1771528"/>
+          </a:xfrm>
+          <a:prstGeom prst="rect">
+            <a:avLst/>
+          </a:prstGeom>
         </p:spPr>
       </p:pic>
       <p:sp>
         <p:nvSpPr>
-          <p:cNvPr id="5" name="文本框 4"/>
+          <p:cNvPr id="6" name="文本框 5"/>
           <p:cNvSpPr txBox="1"/>
           <p:nvPr/>
         </p:nvSpPr>
@@ -13764,118 +14461,14 @@
       </p:sp>
       <p:sp>
         <p:nvSpPr>
-          <p:cNvPr id="4" name="文本框 3"/>
-          <p:cNvSpPr txBox="1"/>
-          <p:nvPr/>
-        </p:nvSpPr>
-        <p:spPr>
-          <a:xfrm>
-            <a:off x="3110593" y="2191079"/>
-            <a:ext cx="2625505" cy="400110"/>
-          </a:xfrm>
-          <a:prstGeom prst="rect">
-            <a:avLst/>
-          </a:prstGeom>
-          <a:noFill/>
-        </p:spPr>
-        <p:txBody>
-          <a:bodyPr wrap="square" rtlCol="0">
-            <a:spAutoFit/>
-          </a:bodyPr>
-          <a:lstStyle/>
-          <a:p>
-            <a:r>
-              <a:rPr lang="en-US" altLang="zh-CN" sz="2000" dirty="0" smtClean="0"/>
-              <a:t>tf.image.decode_png() </a:t>
-            </a:r>
-            <a:endParaRPr lang="zh-CN" altLang="en-US" sz="2000" dirty="0"/>
-          </a:p>
-        </p:txBody>
-      </p:sp>
-      <p:sp>
-        <p:nvSpPr>
-          <p:cNvPr id="6" name="左右箭头 5"/>
+          <p:cNvPr id="7" name="矩形 6"/>
           <p:cNvSpPr/>
           <p:nvPr/>
         </p:nvSpPr>
         <p:spPr>
           <a:xfrm>
-            <a:off x="5672723" y="2298578"/>
-            <a:ext cx="452673" cy="185111"/>
-          </a:xfrm>
-          <a:prstGeom prst="leftRightArrow">
-            <a:avLst/>
-          </a:prstGeom>
-        </p:spPr>
-        <p:style>
-          <a:lnRef idx="2">
-            <a:schemeClr val="accent1">
-              <a:shade val="50000"/>
-            </a:schemeClr>
-          </a:lnRef>
-          <a:fillRef idx="1">
-            <a:schemeClr val="accent1"/>
-          </a:fillRef>
-          <a:effectRef idx="0">
-            <a:schemeClr val="accent1"/>
-          </a:effectRef>
-          <a:fontRef idx="minor">
-            <a:schemeClr val="lt1"/>
-          </a:fontRef>
-        </p:style>
-        <p:txBody>
-          <a:bodyPr rtlCol="0" anchor="ctr"/>
-          <a:lstStyle/>
-          <a:p>
-            <a:pPr algn="ctr"/>
-            <a:endParaRPr lang="zh-CN" altLang="en-US"/>
-          </a:p>
-        </p:txBody>
-      </p:sp>
-      <p:sp>
-        <p:nvSpPr>
-          <p:cNvPr id="7" name="文本框 6"/>
-          <p:cNvSpPr txBox="1"/>
-          <p:nvPr/>
-        </p:nvSpPr>
-        <p:spPr>
-          <a:xfrm>
-            <a:off x="6333627" y="2191078"/>
-            <a:ext cx="2562131" cy="400110"/>
-          </a:xfrm>
-          <a:prstGeom prst="rect">
-            <a:avLst/>
-          </a:prstGeom>
-          <a:noFill/>
-        </p:spPr>
-        <p:txBody>
-          <a:bodyPr wrap="square" rtlCol="0">
-            <a:spAutoFit/>
-          </a:bodyPr>
-          <a:lstStyle/>
-          <a:p>
-            <a:r>
-              <a:rPr lang="en-US" altLang="zh-CN" sz="2000" dirty="0" smtClean="0"/>
-              <a:t>tf.image.encode_png</a:t>
-            </a:r>
-            <a:r>
-              <a:rPr lang="en-US" altLang="zh-CN" sz="2000" dirty="0"/>
-              <a:t>() </a:t>
-            </a:r>
-            <a:endParaRPr lang="zh-CN" altLang="en-US" sz="2000" dirty="0"/>
-          </a:p>
-        </p:txBody>
-      </p:sp>
-      <p:sp>
-        <p:nvSpPr>
-          <p:cNvPr id="8" name="矩形 7"/>
-          <p:cNvSpPr/>
-          <p:nvPr/>
-        </p:nvSpPr>
-        <p:spPr>
-          <a:xfrm>
             <a:off x="4874324" y="1424912"/>
-            <a:ext cx="1723549" cy="461665"/>
+            <a:ext cx="2040943" cy="461665"/>
           </a:xfrm>
           <a:prstGeom prst="rect">
             <a:avLst/>
@@ -13888,155 +14481,17 @@
           <a:lstStyle/>
           <a:p>
             <a:r>
-              <a:rPr lang="zh-CN" altLang="en-US" sz="2400" b="1" dirty="0"/>
-              <a:t>编码与解码</a:t>
+              <a:rPr lang="zh-CN" altLang="en-US" sz="2400" b="1" dirty="0" smtClean="0"/>
+              <a:t>调整图片大小</a:t>
             </a:r>
             <a:endParaRPr lang="en-US" altLang="zh-CN" sz="2400" b="1" dirty="0"/>
-          </a:p>
-        </p:txBody>
-      </p:sp>
-      <p:sp>
-        <p:nvSpPr>
-          <p:cNvPr id="10" name="文本框 9"/>
-          <p:cNvSpPr txBox="1"/>
-          <p:nvPr/>
-        </p:nvSpPr>
-        <p:spPr>
-          <a:xfrm>
-            <a:off x="3110593" y="2889918"/>
-            <a:ext cx="2625505" cy="400110"/>
-          </a:xfrm>
-          <a:prstGeom prst="rect">
-            <a:avLst/>
-          </a:prstGeom>
-          <a:noFill/>
-        </p:spPr>
-        <p:txBody>
-          <a:bodyPr wrap="square" rtlCol="0">
-            <a:spAutoFit/>
-          </a:bodyPr>
-          <a:lstStyle/>
-          <a:p>
-            <a:r>
-              <a:rPr lang="en-US" altLang="zh-CN" sz="2000" dirty="0" smtClean="0"/>
-              <a:t>tf.image.decode_jpeg() </a:t>
-            </a:r>
-            <a:endParaRPr lang="zh-CN" altLang="en-US" sz="2000" dirty="0"/>
-          </a:p>
-        </p:txBody>
-      </p:sp>
-      <p:sp>
-        <p:nvSpPr>
-          <p:cNvPr id="11" name="左右箭头 10"/>
-          <p:cNvSpPr/>
-          <p:nvPr/>
-        </p:nvSpPr>
-        <p:spPr>
-          <a:xfrm>
-            <a:off x="5672723" y="2997417"/>
-            <a:ext cx="452673" cy="185111"/>
-          </a:xfrm>
-          <a:prstGeom prst="leftRightArrow">
-            <a:avLst/>
-          </a:prstGeom>
-        </p:spPr>
-        <p:style>
-          <a:lnRef idx="2">
-            <a:schemeClr val="accent1">
-              <a:shade val="50000"/>
-            </a:schemeClr>
-          </a:lnRef>
-          <a:fillRef idx="1">
-            <a:schemeClr val="accent1"/>
-          </a:fillRef>
-          <a:effectRef idx="0">
-            <a:schemeClr val="accent1"/>
-          </a:effectRef>
-          <a:fontRef idx="minor">
-            <a:schemeClr val="lt1"/>
-          </a:fontRef>
-        </p:style>
-        <p:txBody>
-          <a:bodyPr rtlCol="0" anchor="ctr"/>
-          <a:lstStyle/>
-          <a:p>
-            <a:pPr algn="ctr"/>
-            <a:endParaRPr lang="zh-CN" altLang="en-US"/>
-          </a:p>
-        </p:txBody>
-      </p:sp>
-      <p:sp>
-        <p:nvSpPr>
-          <p:cNvPr id="12" name="文本框 11"/>
-          <p:cNvSpPr txBox="1"/>
-          <p:nvPr/>
-        </p:nvSpPr>
-        <p:spPr>
-          <a:xfrm>
-            <a:off x="6333627" y="2889917"/>
-            <a:ext cx="2562131" cy="400110"/>
-          </a:xfrm>
-          <a:prstGeom prst="rect">
-            <a:avLst/>
-          </a:prstGeom>
-          <a:noFill/>
-        </p:spPr>
-        <p:txBody>
-          <a:bodyPr wrap="square" rtlCol="0">
-            <a:spAutoFit/>
-          </a:bodyPr>
-          <a:lstStyle/>
-          <a:p>
-            <a:r>
-              <a:rPr lang="en-US" altLang="zh-CN" sz="2000" dirty="0" smtClean="0"/>
-              <a:t>tf.image.encode_jpeg() </a:t>
-            </a:r>
-            <a:endParaRPr lang="zh-CN" altLang="en-US" sz="2000" dirty="0"/>
-          </a:p>
-        </p:txBody>
-      </p:sp>
-      <p:sp>
-        <p:nvSpPr>
-          <p:cNvPr id="9" name="文本框 8"/>
-          <p:cNvSpPr txBox="1"/>
-          <p:nvPr/>
-        </p:nvSpPr>
-        <p:spPr>
-          <a:xfrm>
-            <a:off x="1842380" y="3434836"/>
-            <a:ext cx="1268213" cy="369332"/>
-          </a:xfrm>
-          <a:prstGeom prst="rect">
-            <a:avLst/>
-          </a:prstGeom>
-          <a:noFill/>
-        </p:spPr>
-        <p:txBody>
-          <a:bodyPr wrap="square" rtlCol="0">
-            <a:spAutoFit/>
-          </a:bodyPr>
-          <a:lstStyle/>
-          <a:p>
-            <a:r>
-              <a:rPr lang="en-US" altLang="zh-CN" dirty="0" smtClean="0">
-                <a:solidFill>
-                  <a:srgbClr val="FF0000"/>
-                </a:solidFill>
-              </a:rPr>
-              <a:t>Error:P174</a:t>
-            </a:r>
-            <a:endParaRPr lang="zh-CN" altLang="en-US" dirty="0">
-              <a:solidFill>
-                <a:srgbClr val="FF0000"/>
-              </a:solidFill>
-            </a:endParaRPr>
           </a:p>
         </p:txBody>
       </p:sp>
     </p:spTree>
     <p:extLst>
       <p:ext uri="{BB962C8B-B14F-4D97-AF65-F5344CB8AC3E}">
-        <p14:creationId xmlns:p14="http://schemas.microsoft.com/office/powerpoint/2010/main" val="735854206"/>
+        <p14:creationId xmlns:p14="http://schemas.microsoft.com/office/powerpoint/2010/main" val="1409296322"/>
       </p:ext>
     </p:extLst>
   </p:cSld>
